--- a/Presentazione.pptx
+++ b/Presentazione.pptx
@@ -5,10 +5,10 @@
     <p:sldMasterId id="2147483648" r:id="rId4"/>
   </p:sldMasterIdLst>
   <p:notesMasterIdLst>
-    <p:notesMasterId r:id="rId22"/>
+    <p:notesMasterId r:id="rId21"/>
   </p:notesMasterIdLst>
   <p:handoutMasterIdLst>
-    <p:handoutMasterId r:id="rId23"/>
+    <p:handoutMasterId r:id="rId22"/>
   </p:handoutMasterIdLst>
   <p:sldIdLst>
     <p:sldId id="256" r:id="rId5"/>
@@ -26,8 +26,7 @@
     <p:sldId id="262" r:id="rId17"/>
     <p:sldId id="263" r:id="rId18"/>
     <p:sldId id="275" r:id="rId19"/>
-    <p:sldId id="272" r:id="rId20"/>
-    <p:sldId id="265" r:id="rId21"/>
+    <p:sldId id="265" r:id="rId20"/>
   </p:sldIdLst>
   <p:sldSz cx="12192000" cy="6858000"/>
   <p:notesSz cx="6858000" cy="9144000"/>
@@ -150,6 +149,997 @@
 </p1510:revInfo>
 </file>
 
+<file path=ppt/charts/chart1.xml><?xml version="1.0" encoding="utf-8"?>
+<c:chartSpace xmlns:c="http://schemas.openxmlformats.org/drawingml/2006/chart" xmlns:a="http://schemas.openxmlformats.org/drawingml/2006/main" xmlns:r="http://schemas.openxmlformats.org/officeDocument/2006/relationships" xmlns:c16r2="http://schemas.microsoft.com/office/drawing/2015/06/chart">
+  <c:date1904 val="0"/>
+  <c:lang val="it-IT"/>
+  <c:roundedCorners val="0"/>
+  <mc:AlternateContent xmlns:mc="http://schemas.openxmlformats.org/markup-compatibility/2006">
+    <mc:Choice xmlns:c14="http://schemas.microsoft.com/office/drawing/2007/8/2/chart" Requires="c14">
+      <c14:style val="102"/>
+    </mc:Choice>
+    <mc:Fallback>
+      <c:style val="2"/>
+    </mc:Fallback>
+  </mc:AlternateContent>
+  <c:chart>
+    <c:autoTitleDeleted val="1"/>
+    <c:plotArea>
+      <c:layout/>
+      <c:pieChart>
+        <c:varyColors val="1"/>
+        <c:ser>
+          <c:idx val="0"/>
+          <c:order val="0"/>
+          <c:tx>
+            <c:strRef>
+              <c:f>Foglio1!$B$1</c:f>
+              <c:strCache>
+                <c:ptCount val="1"/>
+                <c:pt idx="0">
+                  <c:v>Colonna1</c:v>
+                </c:pt>
+              </c:strCache>
+            </c:strRef>
+          </c:tx>
+          <c:dPt>
+            <c:idx val="0"/>
+            <c:bubble3D val="0"/>
+            <c:spPr>
+              <a:solidFill>
+                <a:schemeClr val="accent6"/>
+              </a:solidFill>
+              <a:ln>
+                <a:noFill/>
+              </a:ln>
+              <a:effectLst>
+                <a:outerShdw blurRad="254000" sx="102000" sy="102000" algn="ctr" rotWithShape="0">
+                  <a:prstClr val="black">
+                    <a:alpha val="20000"/>
+                  </a:prstClr>
+                </a:outerShdw>
+              </a:effectLst>
+            </c:spPr>
+            <c:extLst>
+              <c:ext xmlns:c16="http://schemas.microsoft.com/office/drawing/2014/chart" uri="{C3380CC4-5D6E-409C-BE32-E72D297353CC}">
+                <c16:uniqueId val="{00000003-02B7-432C-A499-0A3E86017B3E}"/>
+              </c:ext>
+            </c:extLst>
+          </c:dPt>
+          <c:dPt>
+            <c:idx val="1"/>
+            <c:bubble3D val="0"/>
+            <c:spPr>
+              <a:solidFill>
+                <a:schemeClr val="accent5"/>
+              </a:solidFill>
+              <a:ln>
+                <a:noFill/>
+              </a:ln>
+              <a:effectLst>
+                <a:outerShdw blurRad="254000" sx="102000" sy="102000" algn="ctr" rotWithShape="0">
+                  <a:prstClr val="black">
+                    <a:alpha val="20000"/>
+                  </a:prstClr>
+                </a:outerShdw>
+              </a:effectLst>
+            </c:spPr>
+            <c:extLst>
+              <c:ext xmlns:c16="http://schemas.microsoft.com/office/drawing/2014/chart" uri="{C3380CC4-5D6E-409C-BE32-E72D297353CC}">
+                <c16:uniqueId val="{00000002-02B7-432C-A499-0A3E86017B3E}"/>
+              </c:ext>
+            </c:extLst>
+          </c:dPt>
+          <c:dLbls>
+            <c:dLbl>
+              <c:idx val="0"/>
+              <c:layout>
+                <c:manualLayout>
+                  <c:x val="-9.6227818982591723E-2"/>
+                  <c:y val="-0.10574460005293508"/>
+                </c:manualLayout>
+              </c:layout>
+              <c:spPr>
+                <a:solidFill>
+                  <a:schemeClr val="bg2"/>
+                </a:solidFill>
+                <a:ln>
+                  <a:noFill/>
+                </a:ln>
+                <a:effectLst>
+                  <a:outerShdw blurRad="50800" dist="38100" dir="2700000" algn="tl" rotWithShape="0">
+                    <a:prstClr val="black">
+                      <a:alpha val="40000"/>
+                    </a:prstClr>
+                  </a:outerShdw>
+                </a:effectLst>
+              </c:spPr>
+              <c:txPr>
+                <a:bodyPr rot="0" spcFirstLastPara="1" vertOverflow="ellipsis" vert="horz" wrap="square" lIns="38100" tIns="19050" rIns="38100" bIns="19050" anchor="ctr" anchorCtr="1">
+                  <a:noAutofit/>
+                </a:bodyPr>
+                <a:lstStyle/>
+                <a:p>
+                  <a:pPr>
+                    <a:defRPr sz="1330" b="1" i="0" u="none" strike="noStrike" kern="1200" baseline="0">
+                      <a:solidFill>
+                        <a:schemeClr val="lt1"/>
+                      </a:solidFill>
+                      <a:latin typeface="+mn-lt"/>
+                      <a:ea typeface="+mn-ea"/>
+                      <a:cs typeface="+mn-cs"/>
+                    </a:defRPr>
+                  </a:pPr>
+                  <a:endParaRPr lang="it-IT"/>
+                </a:p>
+              </c:txPr>
+              <c:showLegendKey val="0"/>
+              <c:showVal val="0"/>
+              <c:showCatName val="1"/>
+              <c:showSerName val="0"/>
+              <c:showPercent val="1"/>
+              <c:showBubbleSize val="0"/>
+              <c:extLst>
+                <c:ext xmlns:c15="http://schemas.microsoft.com/office/drawing/2012/chart" uri="{CE6537A1-D6FC-4f65-9D91-7224C49458BB}">
+                  <c15:layout>
+                    <c:manualLayout>
+                      <c:w val="0.28707965996473161"/>
+                      <c:h val="0.25118959942001634"/>
+                    </c:manualLayout>
+                  </c15:layout>
+                </c:ext>
+                <c:ext xmlns:c16="http://schemas.microsoft.com/office/drawing/2014/chart" uri="{C3380CC4-5D6E-409C-BE32-E72D297353CC}">
+                  <c16:uniqueId val="{00000003-02B7-432C-A499-0A3E86017B3E}"/>
+                </c:ext>
+              </c:extLst>
+            </c:dLbl>
+            <c:dLbl>
+              <c:idx val="1"/>
+              <c:layout>
+                <c:manualLayout>
+                  <c:x val="9.3020225016505212E-2"/>
+                  <c:y val="0.12788783530305298"/>
+                </c:manualLayout>
+              </c:layout>
+              <c:spPr>
+                <a:solidFill>
+                  <a:schemeClr val="bg2"/>
+                </a:solidFill>
+                <a:ln>
+                  <a:noFill/>
+                </a:ln>
+                <a:effectLst>
+                  <a:outerShdw blurRad="50800" dist="38100" dir="2700000" algn="tl" rotWithShape="0">
+                    <a:prstClr val="black">
+                      <a:alpha val="40000"/>
+                    </a:prstClr>
+                  </a:outerShdw>
+                </a:effectLst>
+              </c:spPr>
+              <c:txPr>
+                <a:bodyPr rot="0" spcFirstLastPara="1" vertOverflow="ellipsis" vert="horz" wrap="square" lIns="38100" tIns="19050" rIns="38100" bIns="19050" anchor="ctr" anchorCtr="1">
+                  <a:noAutofit/>
+                </a:bodyPr>
+                <a:lstStyle/>
+                <a:p>
+                  <a:pPr>
+                    <a:defRPr sz="1330" b="1" i="0" u="none" strike="noStrike" kern="1200" baseline="0">
+                      <a:solidFill>
+                        <a:schemeClr val="lt1"/>
+                      </a:solidFill>
+                      <a:latin typeface="+mn-lt"/>
+                      <a:ea typeface="+mn-ea"/>
+                      <a:cs typeface="+mn-cs"/>
+                    </a:defRPr>
+                  </a:pPr>
+                  <a:endParaRPr lang="it-IT"/>
+                </a:p>
+              </c:txPr>
+              <c:showLegendKey val="0"/>
+              <c:showVal val="0"/>
+              <c:showCatName val="1"/>
+              <c:showSerName val="0"/>
+              <c:showPercent val="1"/>
+              <c:showBubbleSize val="0"/>
+              <c:extLst>
+                <c:ext xmlns:c15="http://schemas.microsoft.com/office/drawing/2012/chart" uri="{CE6537A1-D6FC-4f65-9D91-7224C49458BB}">
+                  <c15:layout>
+                    <c:manualLayout>
+                      <c:w val="0.30391952828668517"/>
+                      <c:h val="0.20369192971150415"/>
+                    </c:manualLayout>
+                  </c15:layout>
+                </c:ext>
+                <c:ext xmlns:c16="http://schemas.microsoft.com/office/drawing/2014/chart" uri="{C3380CC4-5D6E-409C-BE32-E72D297353CC}">
+                  <c16:uniqueId val="{00000002-02B7-432C-A499-0A3E86017B3E}"/>
+                </c:ext>
+              </c:extLst>
+            </c:dLbl>
+            <c:spPr>
+              <a:solidFill>
+                <a:schemeClr val="bg2"/>
+              </a:solidFill>
+              <a:ln>
+                <a:noFill/>
+              </a:ln>
+              <a:effectLst>
+                <a:outerShdw blurRad="50800" dist="38100" dir="2700000" algn="tl" rotWithShape="0">
+                  <a:prstClr val="black">
+                    <a:alpha val="40000"/>
+                  </a:prstClr>
+                </a:outerShdw>
+              </a:effectLst>
+            </c:spPr>
+            <c:txPr>
+              <a:bodyPr rot="0" spcFirstLastPara="1" vertOverflow="ellipsis" vert="horz" wrap="square" lIns="38100" tIns="19050" rIns="38100" bIns="19050" anchor="ctr" anchorCtr="1">
+                <a:spAutoFit/>
+              </a:bodyPr>
+              <a:lstStyle/>
+              <a:p>
+                <a:pPr>
+                  <a:defRPr sz="1330" b="1" i="0" u="none" strike="noStrike" kern="1200" baseline="0">
+                    <a:solidFill>
+                      <a:schemeClr val="lt1"/>
+                    </a:solidFill>
+                    <a:latin typeface="+mn-lt"/>
+                    <a:ea typeface="+mn-ea"/>
+                    <a:cs typeface="+mn-cs"/>
+                  </a:defRPr>
+                </a:pPr>
+                <a:endParaRPr lang="it-IT"/>
+              </a:p>
+            </c:txPr>
+            <c:showLegendKey val="0"/>
+            <c:showVal val="0"/>
+            <c:showCatName val="1"/>
+            <c:showSerName val="0"/>
+            <c:showPercent val="1"/>
+            <c:showBubbleSize val="0"/>
+            <c:showLeaderLines val="1"/>
+            <c:leaderLines>
+              <c:spPr>
+                <a:ln w="9525">
+                  <a:solidFill>
+                    <a:schemeClr val="dk1">
+                      <a:lumMod val="50000"/>
+                      <a:lumOff val="50000"/>
+                    </a:schemeClr>
+                  </a:solidFill>
+                </a:ln>
+                <a:effectLst/>
+              </c:spPr>
+            </c:leaderLines>
+            <c:extLst>
+              <c:ext xmlns:c15="http://schemas.microsoft.com/office/drawing/2012/chart" uri="{CE6537A1-D6FC-4f65-9D91-7224C49458BB}"/>
+            </c:extLst>
+          </c:dLbls>
+          <c:cat>
+            <c:strRef>
+              <c:f>Foglio1!$A$2:$A$3</c:f>
+              <c:strCache>
+                <c:ptCount val="2"/>
+                <c:pt idx="0">
+                  <c:v>Voci Maschili</c:v>
+                </c:pt>
+                <c:pt idx="1">
+                  <c:v>voci femminili</c:v>
+                </c:pt>
+              </c:strCache>
+            </c:strRef>
+          </c:cat>
+          <c:val>
+            <c:numRef>
+              <c:f>Foglio1!$B$2:$B$3</c:f>
+              <c:numCache>
+                <c:formatCode>General</c:formatCode>
+                <c:ptCount val="2"/>
+                <c:pt idx="0">
+                  <c:v>7</c:v>
+                </c:pt>
+                <c:pt idx="1">
+                  <c:v>3</c:v>
+                </c:pt>
+              </c:numCache>
+            </c:numRef>
+          </c:val>
+          <c:extLst>
+            <c:ext xmlns:c16="http://schemas.microsoft.com/office/drawing/2014/chart" uri="{C3380CC4-5D6E-409C-BE32-E72D297353CC}">
+              <c16:uniqueId val="{00000000-02B7-432C-A499-0A3E86017B3E}"/>
+            </c:ext>
+          </c:extLst>
+        </c:ser>
+        <c:dLbls>
+          <c:showLegendKey val="0"/>
+          <c:showVal val="0"/>
+          <c:showCatName val="1"/>
+          <c:showSerName val="0"/>
+          <c:showPercent val="1"/>
+          <c:showBubbleSize val="0"/>
+          <c:showLeaderLines val="1"/>
+        </c:dLbls>
+        <c:firstSliceAng val="0"/>
+      </c:pieChart>
+      <c:spPr>
+        <a:noFill/>
+        <a:ln>
+          <a:noFill/>
+        </a:ln>
+        <a:effectLst/>
+      </c:spPr>
+    </c:plotArea>
+    <c:plotVisOnly val="1"/>
+    <c:dispBlanksAs val="gap"/>
+    <c:extLst>
+      <c:ext xmlns:c16r3="http://schemas.microsoft.com/office/drawing/2017/03/chart" uri="{56B9EC1D-385E-4148-901F-78D8002777C0}">
+        <c16r3:dataDisplayOptions16>
+          <c16r3:dispNaAsBlank val="1"/>
+        </c16r3:dataDisplayOptions16>
+      </c:ext>
+    </c:extLst>
+    <c:showDLblsOverMax val="0"/>
+  </c:chart>
+  <c:spPr>
+    <a:noFill/>
+    <a:ln w="9525" cap="flat" cmpd="sng" algn="ctr">
+      <a:noFill/>
+      <a:round/>
+    </a:ln>
+    <a:effectLst/>
+  </c:spPr>
+  <c:txPr>
+    <a:bodyPr/>
+    <a:lstStyle/>
+    <a:p>
+      <a:pPr>
+        <a:defRPr/>
+      </a:pPr>
+      <a:endParaRPr lang="it-IT"/>
+    </a:p>
+  </c:txPr>
+  <c:externalData r:id="rId3">
+    <c:autoUpdate val="0"/>
+  </c:externalData>
+</c:chartSpace>
+</file>
+
+<file path=ppt/charts/colors1.xml><?xml version="1.0" encoding="utf-8"?>
+<cs:colorStyle xmlns:cs="http://schemas.microsoft.com/office/drawing/2012/chartStyle" xmlns:a="http://schemas.openxmlformats.org/drawingml/2006/main" meth="cycle" id="13">
+  <a:schemeClr val="accent6"/>
+  <a:schemeClr val="accent5"/>
+  <a:schemeClr val="accent4"/>
+  <cs:variation/>
+  <cs:variation>
+    <a:lumMod val="60000"/>
+  </cs:variation>
+  <cs:variation>
+    <a:lumMod val="80000"/>
+    <a:lumOff val="20000"/>
+  </cs:variation>
+  <cs:variation>
+    <a:lumMod val="80000"/>
+  </cs:variation>
+  <cs:variation>
+    <a:lumMod val="60000"/>
+    <a:lumOff val="40000"/>
+  </cs:variation>
+  <cs:variation>
+    <a:lumMod val="50000"/>
+  </cs:variation>
+  <cs:variation>
+    <a:lumMod val="70000"/>
+    <a:lumOff val="30000"/>
+  </cs:variation>
+  <cs:variation>
+    <a:lumMod val="70000"/>
+  </cs:variation>
+  <cs:variation>
+    <a:lumMod val="50000"/>
+    <a:lumOff val="50000"/>
+  </cs:variation>
+</cs:colorStyle>
+</file>
+
+<file path=ppt/charts/style1.xml><?xml version="1.0" encoding="utf-8"?>
+<cs:chartStyle xmlns:cs="http://schemas.microsoft.com/office/drawing/2012/chartStyle" xmlns:a="http://schemas.openxmlformats.org/drawingml/2006/main" id="253">
+  <cs:axisTitle>
+    <cs:lnRef idx="0"/>
+    <cs:fillRef idx="0"/>
+    <cs:effectRef idx="0"/>
+    <cs:fontRef idx="minor">
+      <a:schemeClr val="dk1">
+        <a:lumMod val="75000"/>
+        <a:lumOff val="25000"/>
+      </a:schemeClr>
+    </cs:fontRef>
+    <cs:defRPr sz="1197" b="1" kern="1200"/>
+  </cs:axisTitle>
+  <cs:categoryAxis>
+    <cs:lnRef idx="0"/>
+    <cs:fillRef idx="0"/>
+    <cs:effectRef idx="0"/>
+    <cs:fontRef idx="minor">
+      <a:schemeClr val="dk1">
+        <a:lumMod val="75000"/>
+        <a:lumOff val="25000"/>
+      </a:schemeClr>
+    </cs:fontRef>
+    <cs:spPr>
+      <a:ln w="19050" cap="flat" cmpd="sng" algn="ctr">
+        <a:solidFill>
+          <a:schemeClr val="dk1">
+            <a:lumMod val="75000"/>
+            <a:lumOff val="25000"/>
+          </a:schemeClr>
+        </a:solidFill>
+        <a:round/>
+      </a:ln>
+    </cs:spPr>
+    <cs:defRPr sz="1197" kern="1200" cap="all" baseline="0"/>
+  </cs:categoryAxis>
+  <cs:chartArea>
+    <cs:lnRef idx="0"/>
+    <cs:fillRef idx="0"/>
+    <cs:effectRef idx="0"/>
+    <cs:fontRef idx="minor">
+      <a:schemeClr val="dk1"/>
+    </cs:fontRef>
+    <cs:spPr>
+      <a:gradFill flip="none" rotWithShape="1">
+        <a:gsLst>
+          <a:gs pos="0">
+            <a:schemeClr val="lt1"/>
+          </a:gs>
+          <a:gs pos="39000">
+            <a:schemeClr val="lt1"/>
+          </a:gs>
+          <a:gs pos="100000">
+            <a:schemeClr val="lt1">
+              <a:lumMod val="75000"/>
+            </a:schemeClr>
+          </a:gs>
+        </a:gsLst>
+        <a:path path="circle">
+          <a:fillToRect l="50000" t="-80000" r="50000" b="180000"/>
+        </a:path>
+        <a:tileRect/>
+      </a:gradFill>
+      <a:ln w="9525" cap="flat" cmpd="sng" algn="ctr">
+        <a:solidFill>
+          <a:schemeClr val="dk1">
+            <a:lumMod val="25000"/>
+            <a:lumOff val="75000"/>
+          </a:schemeClr>
+        </a:solidFill>
+        <a:round/>
+      </a:ln>
+    </cs:spPr>
+    <cs:defRPr sz="1197" kern="1200"/>
+  </cs:chartArea>
+  <cs:dataLabel>
+    <cs:lnRef idx="0"/>
+    <cs:fillRef idx="0"/>
+    <cs:effectRef idx="0"/>
+    <cs:fontRef idx="minor">
+      <a:schemeClr val="lt1"/>
+    </cs:fontRef>
+    <cs:spPr>
+      <a:pattFill prst="pct75">
+        <a:fgClr>
+          <a:schemeClr val="dk1">
+            <a:lumMod val="75000"/>
+            <a:lumOff val="25000"/>
+          </a:schemeClr>
+        </a:fgClr>
+        <a:bgClr>
+          <a:schemeClr val="dk1">
+            <a:lumMod val="65000"/>
+            <a:lumOff val="35000"/>
+          </a:schemeClr>
+        </a:bgClr>
+      </a:pattFill>
+      <a:effectLst>
+        <a:outerShdw blurRad="50800" dist="38100" dir="2700000" algn="tl" rotWithShape="0">
+          <a:prstClr val="black">
+            <a:alpha val="40000"/>
+          </a:prstClr>
+        </a:outerShdw>
+      </a:effectLst>
+    </cs:spPr>
+    <cs:defRPr sz="1330" b="1" i="0" u="none" strike="noStrike" kern="1200" baseline="0"/>
+  </cs:dataLabel>
+  <cs:dataLabelCallout>
+    <cs:lnRef idx="0"/>
+    <cs:fillRef idx="0"/>
+    <cs:effectRef idx="0"/>
+    <cs:fontRef idx="minor">
+      <a:schemeClr val="lt1"/>
+    </cs:fontRef>
+    <cs:spPr>
+      <a:pattFill prst="pct75">
+        <a:fgClr>
+          <a:schemeClr val="dk1">
+            <a:lumMod val="75000"/>
+            <a:lumOff val="25000"/>
+          </a:schemeClr>
+        </a:fgClr>
+        <a:bgClr>
+          <a:schemeClr val="dk1">
+            <a:lumMod val="65000"/>
+            <a:lumOff val="35000"/>
+          </a:schemeClr>
+        </a:bgClr>
+      </a:pattFill>
+      <a:effectLst>
+        <a:outerShdw blurRad="50800" dist="38100" dir="2700000" algn="tl" rotWithShape="0">
+          <a:prstClr val="black">
+            <a:alpha val="40000"/>
+          </a:prstClr>
+        </a:outerShdw>
+      </a:effectLst>
+    </cs:spPr>
+    <cs:defRPr sz="1330" b="1" i="0" u="none" strike="noStrike" kern="1200" baseline="0"/>
+    <cs:bodyPr rot="0" spcFirstLastPara="1" vertOverflow="clip" horzOverflow="clip" vert="horz" wrap="square" lIns="36576" tIns="18288" rIns="36576" bIns="18288" anchor="ctr" anchorCtr="1">
+      <a:spAutoFit/>
+    </cs:bodyPr>
+  </cs:dataLabelCallout>
+  <cs:dataPoint>
+    <cs:lnRef idx="0"/>
+    <cs:fillRef idx="0">
+      <cs:styleClr val="auto"/>
+    </cs:fillRef>
+    <cs:effectRef idx="0"/>
+    <cs:fontRef idx="minor">
+      <a:schemeClr val="dk1"/>
+    </cs:fontRef>
+    <cs:spPr>
+      <a:solidFill>
+        <a:schemeClr val="phClr"/>
+      </a:solidFill>
+      <a:effectLst>
+        <a:outerShdw blurRad="254000" sx="102000" sy="102000" algn="ctr" rotWithShape="0">
+          <a:prstClr val="black">
+            <a:alpha val="20000"/>
+          </a:prstClr>
+        </a:outerShdw>
+      </a:effectLst>
+    </cs:spPr>
+  </cs:dataPoint>
+  <cs:dataPoint3D>
+    <cs:lnRef idx="0"/>
+    <cs:fillRef idx="0">
+      <cs:styleClr val="auto"/>
+    </cs:fillRef>
+    <cs:effectRef idx="0"/>
+    <cs:fontRef idx="minor">
+      <a:schemeClr val="dk1"/>
+    </cs:fontRef>
+    <cs:spPr>
+      <a:solidFill>
+        <a:schemeClr val="phClr"/>
+      </a:solidFill>
+      <a:effectLst>
+        <a:outerShdw blurRad="254000" sx="102000" sy="102000" algn="ctr" rotWithShape="0">
+          <a:prstClr val="black">
+            <a:alpha val="20000"/>
+          </a:prstClr>
+        </a:outerShdw>
+      </a:effectLst>
+    </cs:spPr>
+  </cs:dataPoint3D>
+  <cs:dataPointLine>
+    <cs:lnRef idx="0">
+      <cs:styleClr val="auto"/>
+    </cs:lnRef>
+    <cs:fillRef idx="0"/>
+    <cs:effectRef idx="0"/>
+    <cs:fontRef idx="minor">
+      <a:schemeClr val="dk1"/>
+    </cs:fontRef>
+    <cs:spPr>
+      <a:ln w="31750" cap="rnd">
+        <a:solidFill>
+          <a:schemeClr val="phClr">
+            <a:alpha val="85000"/>
+          </a:schemeClr>
+        </a:solidFill>
+        <a:round/>
+      </a:ln>
+    </cs:spPr>
+  </cs:dataPointLine>
+  <cs:dataPointMarker>
+    <cs:lnRef idx="0"/>
+    <cs:fillRef idx="0">
+      <cs:styleClr val="auto"/>
+    </cs:fillRef>
+    <cs:effectRef idx="0"/>
+    <cs:fontRef idx="minor">
+      <a:schemeClr val="dk1"/>
+    </cs:fontRef>
+    <cs:spPr>
+      <a:solidFill>
+        <a:schemeClr val="phClr">
+          <a:alpha val="85000"/>
+        </a:schemeClr>
+      </a:solidFill>
+    </cs:spPr>
+  </cs:dataPointMarker>
+  <cs:dataPointMarkerLayout symbol="circle" size="6"/>
+  <cs:dataPointWireframe>
+    <cs:lnRef idx="0">
+      <cs:styleClr val="auto"/>
+    </cs:lnRef>
+    <cs:fillRef idx="0"/>
+    <cs:effectRef idx="0"/>
+    <cs:fontRef idx="minor">
+      <a:schemeClr val="dk1"/>
+    </cs:fontRef>
+    <cs:spPr>
+      <a:ln w="9525" cap="rnd">
+        <a:solidFill>
+          <a:schemeClr val="phClr"/>
+        </a:solidFill>
+        <a:round/>
+      </a:ln>
+    </cs:spPr>
+  </cs:dataPointWireframe>
+  <cs:dataTable>
+    <cs:lnRef idx="0"/>
+    <cs:fillRef idx="0"/>
+    <cs:effectRef idx="0"/>
+    <cs:fontRef idx="minor">
+      <a:schemeClr val="dk1">
+        <a:lumMod val="75000"/>
+        <a:lumOff val="25000"/>
+      </a:schemeClr>
+    </cs:fontRef>
+    <cs:spPr>
+      <a:ln w="9525">
+        <a:solidFill>
+          <a:schemeClr val="dk1">
+            <a:lumMod val="35000"/>
+            <a:lumOff val="65000"/>
+          </a:schemeClr>
+        </a:solidFill>
+      </a:ln>
+    </cs:spPr>
+    <cs:defRPr sz="1197" kern="1200"/>
+  </cs:dataTable>
+  <cs:downBar>
+    <cs:lnRef idx="0"/>
+    <cs:fillRef idx="0"/>
+    <cs:effectRef idx="0"/>
+    <cs:fontRef idx="minor">
+      <a:schemeClr val="dk1"/>
+    </cs:fontRef>
+    <cs:spPr>
+      <a:solidFill>
+        <a:schemeClr val="dk1">
+          <a:lumMod val="50000"/>
+          <a:lumOff val="50000"/>
+        </a:schemeClr>
+      </a:solidFill>
+      <a:ln w="9525">
+        <a:solidFill>
+          <a:schemeClr val="dk1">
+            <a:lumMod val="65000"/>
+            <a:lumOff val="35000"/>
+          </a:schemeClr>
+        </a:solidFill>
+      </a:ln>
+    </cs:spPr>
+  </cs:downBar>
+  <cs:dropLine>
+    <cs:lnRef idx="0"/>
+    <cs:fillRef idx="0"/>
+    <cs:effectRef idx="0"/>
+    <cs:fontRef idx="minor">
+      <a:schemeClr val="dk1"/>
+    </cs:fontRef>
+    <cs:spPr>
+      <a:ln w="9525">
+        <a:solidFill>
+          <a:schemeClr val="dk1">
+            <a:lumMod val="35000"/>
+            <a:lumOff val="65000"/>
+          </a:schemeClr>
+        </a:solidFill>
+        <a:prstDash val="dash"/>
+      </a:ln>
+    </cs:spPr>
+  </cs:dropLine>
+  <cs:errorBar>
+    <cs:lnRef idx="0"/>
+    <cs:fillRef idx="0"/>
+    <cs:effectRef idx="0"/>
+    <cs:fontRef idx="minor">
+      <a:schemeClr val="dk1"/>
+    </cs:fontRef>
+    <cs:spPr>
+      <a:ln w="9525">
+        <a:solidFill>
+          <a:schemeClr val="dk1">
+            <a:lumMod val="65000"/>
+            <a:lumOff val="35000"/>
+          </a:schemeClr>
+        </a:solidFill>
+        <a:round/>
+      </a:ln>
+    </cs:spPr>
+  </cs:errorBar>
+  <cs:floor>
+    <cs:lnRef idx="0"/>
+    <cs:fillRef idx="0"/>
+    <cs:effectRef idx="0"/>
+    <cs:fontRef idx="minor">
+      <a:schemeClr val="dk1"/>
+    </cs:fontRef>
+  </cs:floor>
+  <cs:gridlineMajor>
+    <cs:lnRef idx="0"/>
+    <cs:fillRef idx="0"/>
+    <cs:effectRef idx="0"/>
+    <cs:fontRef idx="minor">
+      <a:schemeClr val="dk1"/>
+    </cs:fontRef>
+    <cs:spPr>
+      <a:ln w="9525" cap="flat" cmpd="sng" algn="ctr">
+        <a:gradFill>
+          <a:gsLst>
+            <a:gs pos="100000">
+              <a:schemeClr val="dk1">
+                <a:lumMod val="95000"/>
+                <a:lumOff val="5000"/>
+                <a:alpha val="42000"/>
+              </a:schemeClr>
+            </a:gs>
+            <a:gs pos="0">
+              <a:schemeClr val="lt1">
+                <a:lumMod val="75000"/>
+                <a:alpha val="36000"/>
+              </a:schemeClr>
+            </a:gs>
+          </a:gsLst>
+          <a:lin ang="5400000" scaled="0"/>
+        </a:gradFill>
+        <a:round/>
+      </a:ln>
+    </cs:spPr>
+  </cs:gridlineMajor>
+  <cs:gridlineMinor>
+    <cs:lnRef idx="0"/>
+    <cs:fillRef idx="0"/>
+    <cs:effectRef idx="0"/>
+    <cs:fontRef idx="minor">
+      <a:schemeClr val="dk1"/>
+    </cs:fontRef>
+    <cs:spPr>
+      <a:ln>
+        <a:gradFill>
+          <a:gsLst>
+            <a:gs pos="100000">
+              <a:schemeClr val="dk1">
+                <a:lumMod val="95000"/>
+                <a:lumOff val="5000"/>
+                <a:alpha val="42000"/>
+              </a:schemeClr>
+            </a:gs>
+            <a:gs pos="0">
+              <a:schemeClr val="lt1">
+                <a:lumMod val="75000"/>
+                <a:alpha val="36000"/>
+              </a:schemeClr>
+            </a:gs>
+          </a:gsLst>
+          <a:lin ang="5400000" scaled="0"/>
+        </a:gradFill>
+      </a:ln>
+    </cs:spPr>
+  </cs:gridlineMinor>
+  <cs:hiLoLine>
+    <cs:lnRef idx="0"/>
+    <cs:fillRef idx="0"/>
+    <cs:effectRef idx="0"/>
+    <cs:fontRef idx="minor">
+      <a:schemeClr val="dk1"/>
+    </cs:fontRef>
+    <cs:spPr>
+      <a:ln w="9525">
+        <a:solidFill>
+          <a:schemeClr val="dk1">
+            <a:lumMod val="35000"/>
+            <a:lumOff val="65000"/>
+          </a:schemeClr>
+        </a:solidFill>
+        <a:prstDash val="dash"/>
+      </a:ln>
+    </cs:spPr>
+  </cs:hiLoLine>
+  <cs:leaderLine>
+    <cs:lnRef idx="0"/>
+    <cs:fillRef idx="0"/>
+    <cs:effectRef idx="0"/>
+    <cs:fontRef idx="minor">
+      <a:schemeClr val="dk1"/>
+    </cs:fontRef>
+    <cs:spPr>
+      <a:ln w="9525">
+        <a:solidFill>
+          <a:schemeClr val="dk1">
+            <a:lumMod val="50000"/>
+            <a:lumOff val="50000"/>
+          </a:schemeClr>
+        </a:solidFill>
+      </a:ln>
+    </cs:spPr>
+  </cs:leaderLine>
+  <cs:legend>
+    <cs:lnRef idx="0"/>
+    <cs:fillRef idx="0"/>
+    <cs:effectRef idx="0"/>
+    <cs:fontRef idx="minor">
+      <a:schemeClr val="dk1">
+        <a:lumMod val="75000"/>
+        <a:lumOff val="25000"/>
+      </a:schemeClr>
+    </cs:fontRef>
+    <cs:spPr>
+      <a:solidFill>
+        <a:schemeClr val="lt1">
+          <a:lumMod val="95000"/>
+          <a:alpha val="39000"/>
+        </a:schemeClr>
+      </a:solidFill>
+    </cs:spPr>
+    <cs:defRPr sz="1197" kern="1200"/>
+  </cs:legend>
+  <cs:plotArea>
+    <cs:lnRef idx="0"/>
+    <cs:fillRef idx="0"/>
+    <cs:effectRef idx="0"/>
+    <cs:fontRef idx="minor">
+      <a:schemeClr val="dk1"/>
+    </cs:fontRef>
+  </cs:plotArea>
+  <cs:plotArea3D>
+    <cs:lnRef idx="0"/>
+    <cs:fillRef idx="0"/>
+    <cs:effectRef idx="0"/>
+    <cs:fontRef idx="minor">
+      <a:schemeClr val="dk1"/>
+    </cs:fontRef>
+  </cs:plotArea3D>
+  <cs:seriesAxis>
+    <cs:lnRef idx="0"/>
+    <cs:fillRef idx="0"/>
+    <cs:effectRef idx="0"/>
+    <cs:fontRef idx="minor">
+      <a:schemeClr val="dk1">
+        <a:lumMod val="75000"/>
+        <a:lumOff val="25000"/>
+      </a:schemeClr>
+    </cs:fontRef>
+    <cs:spPr>
+      <a:ln w="31750" cap="flat" cmpd="sng" algn="ctr">
+        <a:solidFill>
+          <a:schemeClr val="dk1">
+            <a:lumMod val="75000"/>
+            <a:lumOff val="25000"/>
+          </a:schemeClr>
+        </a:solidFill>
+        <a:round/>
+      </a:ln>
+    </cs:spPr>
+    <cs:defRPr sz="1197" kern="1200"/>
+  </cs:seriesAxis>
+  <cs:seriesLine>
+    <cs:lnRef idx="0"/>
+    <cs:fillRef idx="0"/>
+    <cs:effectRef idx="0"/>
+    <cs:fontRef idx="minor">
+      <a:schemeClr val="dk1"/>
+    </cs:fontRef>
+    <cs:spPr>
+      <a:ln w="9525">
+        <a:solidFill>
+          <a:schemeClr val="dk1">
+            <a:lumMod val="50000"/>
+            <a:lumOff val="50000"/>
+          </a:schemeClr>
+        </a:solidFill>
+        <a:round/>
+      </a:ln>
+    </cs:spPr>
+  </cs:seriesLine>
+  <cs:title>
+    <cs:lnRef idx="0"/>
+    <cs:fillRef idx="0"/>
+    <cs:effectRef idx="0"/>
+    <cs:fontRef idx="minor">
+      <a:schemeClr val="dk1">
+        <a:lumMod val="75000"/>
+        <a:lumOff val="25000"/>
+      </a:schemeClr>
+    </cs:fontRef>
+    <cs:defRPr sz="2200" b="1" kern="1200" baseline="0"/>
+  </cs:title>
+  <cs:trendline>
+    <cs:lnRef idx="0">
+      <cs:styleClr val="auto"/>
+    </cs:lnRef>
+    <cs:fillRef idx="0"/>
+    <cs:effectRef idx="0"/>
+    <cs:fontRef idx="minor">
+      <a:schemeClr val="dk1"/>
+    </cs:fontRef>
+    <cs:spPr>
+      <a:ln w="19050" cap="rnd">
+        <a:solidFill>
+          <a:schemeClr val="phClr"/>
+        </a:solidFill>
+      </a:ln>
+    </cs:spPr>
+  </cs:trendline>
+  <cs:trendlineLabel>
+    <cs:lnRef idx="0"/>
+    <cs:fillRef idx="0"/>
+    <cs:effectRef idx="0"/>
+    <cs:fontRef idx="minor">
+      <a:schemeClr val="dk1">
+        <a:lumMod val="75000"/>
+        <a:lumOff val="25000"/>
+      </a:schemeClr>
+    </cs:fontRef>
+    <cs:defRPr sz="1197" kern="1200"/>
+  </cs:trendlineLabel>
+  <cs:upBar>
+    <cs:lnRef idx="0"/>
+    <cs:fillRef idx="0"/>
+    <cs:effectRef idx="0"/>
+    <cs:fontRef idx="minor">
+      <a:schemeClr val="dk1"/>
+    </cs:fontRef>
+    <cs:spPr>
+      <a:solidFill>
+        <a:schemeClr val="lt1"/>
+      </a:solidFill>
+      <a:ln w="9525">
+        <a:solidFill>
+          <a:schemeClr val="dk1">
+            <a:lumMod val="65000"/>
+            <a:lumOff val="35000"/>
+          </a:schemeClr>
+        </a:solidFill>
+      </a:ln>
+    </cs:spPr>
+  </cs:upBar>
+  <cs:valueAxis>
+    <cs:lnRef idx="0"/>
+    <cs:fillRef idx="0"/>
+    <cs:effectRef idx="0"/>
+    <cs:fontRef idx="minor">
+      <a:schemeClr val="dk1">
+        <a:lumMod val="75000"/>
+        <a:lumOff val="25000"/>
+      </a:schemeClr>
+    </cs:fontRef>
+    <cs:spPr>
+      <a:ln>
+        <a:noFill/>
+      </a:ln>
+    </cs:spPr>
+    <cs:defRPr sz="1197" kern="1200"/>
+  </cs:valueAxis>
+  <cs:wall>
+    <cs:lnRef idx="0"/>
+    <cs:fillRef idx="0"/>
+    <cs:effectRef idx="0"/>
+    <cs:fontRef idx="minor">
+      <a:schemeClr val="dk1"/>
+    </cs:fontRef>
+  </cs:wall>
+</cs:chartStyle>
+</file>
+
 <file path=ppt/handoutMasters/handoutMaster1.xml><?xml version="1.0" encoding="utf-8"?>
 <p:handoutMaster xmlns:a="http://schemas.openxmlformats.org/drawingml/2006/main" xmlns:r="http://schemas.openxmlformats.org/officeDocument/2006/relationships" xmlns:p="http://schemas.openxmlformats.org/presentationml/2006/main">
   <p:cSld>
@@ -244,7 +1234,7 @@
           <a:p>
             <a:fld id="{4B667731-CB6E-4D20-A52C-F16264025886}" type="datetimeFigureOut">
               <a:rPr lang="it-IT" smtClean="0"/>
-              <a:t>01/04/2022</a:t>
+              <a:t>02/04/2022</a:t>
             </a:fld>
             <a:endParaRPr lang="it-IT"/>
           </a:p>
@@ -422,7 +1412,7 @@
           <a:p>
             <a:fld id="{958F0A98-611F-4C09-BB46-AFE9EE9F6991}" type="datetimeFigureOut">
               <a:rPr lang="it-IT" noProof="0" smtClean="0"/>
-              <a:t>01/04/2022</a:t>
+              <a:t>02/04/2022</a:t>
             </a:fld>
             <a:endParaRPr lang="it-IT" noProof="0"/>
           </a:p>
@@ -1668,6 +2658,441 @@
           <a:p>
             <a:r>
               <a:rPr lang="it-IT" dirty="0"/>
+              <a:t>L’articolo citato si è dimostrato uno dei più utili e completi dell’intera lista.  </a:t>
+            </a:r>
+            <a:br>
+              <a:rPr lang="it-IT" dirty="0"/>
+            </a:br>
+            <a:r>
+              <a:rPr lang="it-IT" dirty="0"/>
+              <a:t>Esso si pone come un compendio dell’intera struttura della speech processing andando a definire tutte le categorie che ne fanno parte (es. Speaker </a:t>
+            </a:r>
+            <a:r>
+              <a:rPr lang="it-IT" dirty="0" err="1"/>
+              <a:t>recognition</a:t>
+            </a:r>
+            <a:r>
+              <a:rPr lang="it-IT" dirty="0"/>
+              <a:t>) e per ognuna di esse la tecnologia ed gli strumenti che le compongono, nonché i limiti e le vulnerabilità.</a:t>
+            </a:r>
+            <a:br>
+              <a:rPr lang="it-IT" dirty="0"/>
+            </a:br>
+            <a:r>
+              <a:rPr lang="it-IT" dirty="0"/>
+              <a:t>Un altro dei punti forti di questo testo è anche l’aver mostrato l’adozione e l’evoluzione delle tecniche nel corso dell’ultima decade.</a:t>
+            </a:r>
+          </a:p>
+          <a:p>
+            <a:endParaRPr lang="it-IT" dirty="0"/>
+          </a:p>
+        </p:txBody>
+      </p:sp>
+      <p:sp>
+        <p:nvSpPr>
+          <p:cNvPr id="4" name="Segnaposto numero diapositiva 3"/>
+          <p:cNvSpPr>
+            <a:spLocks noGrp="1"/>
+          </p:cNvSpPr>
+          <p:nvPr>
+            <p:ph type="sldNum" sz="quarter" idx="5"/>
+          </p:nvPr>
+        </p:nvSpPr>
+        <p:spPr/>
+        <p:txBody>
+          <a:bodyPr/>
+          <a:lstStyle/>
+          <a:p>
+            <a:fld id="{A9EFFE62-ED7B-4054-A37F-4A2F492ECA71}" type="slidenum">
+              <a:rPr lang="it-IT" noProof="0" smtClean="0"/>
+              <a:t>6</a:t>
+            </a:fld>
+            <a:endParaRPr lang="it-IT" noProof="0"/>
+          </a:p>
+        </p:txBody>
+      </p:sp>
+    </p:spTree>
+    <p:extLst>
+      <p:ext uri="{BB962C8B-B14F-4D97-AF65-F5344CB8AC3E}">
+        <p14:creationId xmlns:p14="http://schemas.microsoft.com/office/powerpoint/2010/main" val="2007758530"/>
+      </p:ext>
+    </p:extLst>
+  </p:cSld>
+  <p:clrMapOvr>
+    <a:masterClrMapping/>
+  </p:clrMapOvr>
+</p:notes>
+</file>
+
+<file path=ppt/notesSlides/notesSlide5.xml><?xml version="1.0" encoding="utf-8"?>
+<p:notes xmlns:a="http://schemas.openxmlformats.org/drawingml/2006/main" xmlns:r="http://schemas.openxmlformats.org/officeDocument/2006/relationships" xmlns:p="http://schemas.openxmlformats.org/presentationml/2006/main">
+  <p:cSld>
+    <p:spTree>
+      <p:nvGrpSpPr>
+        <p:cNvPr id="1" name=""/>
+        <p:cNvGrpSpPr/>
+        <p:nvPr/>
+      </p:nvGrpSpPr>
+      <p:grpSpPr>
+        <a:xfrm>
+          <a:off x="0" y="0"/>
+          <a:ext cx="0" cy="0"/>
+          <a:chOff x="0" y="0"/>
+          <a:chExt cx="0" cy="0"/>
+        </a:xfrm>
+      </p:grpSpPr>
+      <p:sp>
+        <p:nvSpPr>
+          <p:cNvPr id="2" name="Segnaposto immagine diapositiva 1"/>
+          <p:cNvSpPr>
+            <a:spLocks noGrp="1" noRot="1" noChangeAspect="1"/>
+          </p:cNvSpPr>
+          <p:nvPr>
+            <p:ph type="sldImg"/>
+          </p:nvPr>
+        </p:nvSpPr>
+        <p:spPr/>
+      </p:sp>
+      <p:sp>
+        <p:nvSpPr>
+          <p:cNvPr id="3" name="Segnaposto note 2"/>
+          <p:cNvSpPr>
+            <a:spLocks noGrp="1"/>
+          </p:cNvSpPr>
+          <p:nvPr>
+            <p:ph type="body" idx="1"/>
+          </p:nvPr>
+        </p:nvSpPr>
+        <p:spPr/>
+        <p:txBody>
+          <a:bodyPr/>
+          <a:lstStyle/>
+          <a:p>
+            <a:r>
+              <a:rPr lang="it-IT" sz="1200" b="1" dirty="0"/>
+              <a:t>https://holypython.com/knn/k-nearest-neighbor-pros-cons/</a:t>
+            </a:r>
+          </a:p>
+          <a:p>
+            <a:r>
+              <a:rPr lang="it-IT" sz="1200" b="1" dirty="0"/>
+              <a:t>K-NN</a:t>
+            </a:r>
+          </a:p>
+          <a:p>
+            <a:pPr marL="285750" indent="-285750">
+              <a:buClr>
+                <a:schemeClr val="tx1"/>
+              </a:buClr>
+              <a:buFont typeface="Century Gothic" panose="020B0502020202020204" pitchFamily="34" charset="0"/>
+              <a:buChar char="+"/>
+            </a:pPr>
+            <a:r>
+              <a:rPr lang="it-IT" sz="1200" dirty="0"/>
+              <a:t>Semplice e intuitivo: </a:t>
+            </a:r>
+            <a:br>
+              <a:rPr lang="it-IT" sz="1200" dirty="0"/>
+            </a:br>
+            <a:r>
+              <a:rPr lang="it-IT" sz="1200" dirty="0"/>
+              <a:t>l'algoritmo è molto facile da capire e implementare</a:t>
+            </a:r>
+          </a:p>
+          <a:p>
+            <a:pPr marL="285750" indent="-285750">
+              <a:buClr>
+                <a:schemeClr val="tx1"/>
+              </a:buClr>
+              <a:buFont typeface="Century Gothic" panose="020B0502020202020204" pitchFamily="34" charset="0"/>
+              <a:buChar char="+"/>
+            </a:pPr>
+            <a:r>
+              <a:rPr lang="it-IT" sz="1200" dirty="0"/>
+              <a:t>Approccio basato sulla memoria: </a:t>
+            </a:r>
+            <a:br>
+              <a:rPr lang="it-IT" sz="1200" dirty="0"/>
+            </a:br>
+            <a:r>
+              <a:rPr lang="it-IT" sz="1200" dirty="0"/>
+              <a:t>consente di adattarsi immediatamente ai nuovi dati di allenamento</a:t>
+            </a:r>
+          </a:p>
+          <a:p>
+            <a:pPr marL="285750" indent="-285750">
+              <a:buClr>
+                <a:schemeClr val="tx1"/>
+              </a:buClr>
+              <a:buFont typeface="Century Gothic" panose="020B0502020202020204" pitchFamily="34" charset="0"/>
+              <a:buChar char="+"/>
+            </a:pPr>
+            <a:r>
+              <a:rPr lang="it-IT" sz="1200" dirty="0"/>
+              <a:t>Varietà di metriche di distanza:</a:t>
+            </a:r>
+            <a:br>
+              <a:rPr lang="it-IT" sz="1200" dirty="0"/>
+            </a:br>
+            <a:r>
+              <a:rPr lang="it-IT" sz="1200" dirty="0"/>
+              <a:t>C'è flessibilità da parte degli utenti per utilizzare una metrica di distanza più adatta alla loro applicazione</a:t>
+            </a:r>
+          </a:p>
+          <a:p>
+            <a:pPr marL="285750" indent="-285750">
+              <a:buClr>
+                <a:schemeClr val="tx1"/>
+              </a:buClr>
+              <a:buFont typeface="Century Gothic" panose="020B0502020202020204" pitchFamily="34" charset="0"/>
+              <a:buChar char="–"/>
+            </a:pPr>
+            <a:r>
+              <a:rPr lang="it-IT" sz="1200" dirty="0"/>
+              <a:t>Complessità computazionale: </a:t>
+            </a:r>
+            <a:br>
+              <a:rPr lang="it-IT" sz="1200" dirty="0"/>
+            </a:br>
+            <a:r>
+              <a:rPr lang="it-IT" sz="1200" dirty="0"/>
+              <a:t>all'aumentare dei dati di addestramento, la velocità con cui vengono effettuati i calcoli diminuisce rapidamente</a:t>
+            </a:r>
+          </a:p>
+          <a:p>
+            <a:pPr marL="285750" indent="-285750">
+              <a:buClr>
+                <a:schemeClr val="tx1"/>
+              </a:buClr>
+              <a:buFont typeface="Century Gothic" panose="020B0502020202020204" pitchFamily="34" charset="0"/>
+              <a:buChar char="–"/>
+            </a:pPr>
+            <a:r>
+              <a:rPr lang="it-IT" sz="1200" dirty="0"/>
+              <a:t>Scarse prestazioni su dati sbilanciati: </a:t>
+            </a:r>
+            <a:br>
+              <a:rPr lang="it-IT" sz="1200" dirty="0"/>
+            </a:br>
+            <a:r>
+              <a:rPr lang="it-IT" sz="1200" dirty="0"/>
+              <a:t>quando la maggior parte dei dati su cui viene eseguito il training del modello rappresenta 1 etichetta, tale etichetta avrà un'alta probabilità di essere prevista</a:t>
+            </a:r>
+          </a:p>
+          <a:p>
+            <a:pPr marL="285750" indent="-285750">
+              <a:buFont typeface="Century Gothic" panose="020B0502020202020204" pitchFamily="34" charset="0"/>
+              <a:buChar char="–"/>
+            </a:pPr>
+            <a:r>
+              <a:rPr lang="it-IT" sz="1200" dirty="0"/>
+              <a:t>Valore ottimale di K: </a:t>
+            </a:r>
+            <a:br>
+              <a:rPr lang="it-IT" sz="1200" dirty="0"/>
+            </a:br>
+            <a:r>
+              <a:rPr lang="it-IT" sz="1200" dirty="0"/>
+              <a:t>Se scelto in modo errato, il modello sarà sotto o sovradimensionato ai dati</a:t>
+            </a:r>
+          </a:p>
+          <a:p>
+            <a:endParaRPr lang="it-IT" dirty="0"/>
+          </a:p>
+          <a:p>
+            <a:endParaRPr lang="it-IT" dirty="0"/>
+          </a:p>
+          <a:p>
+            <a:r>
+              <a:rPr lang="it-IT" dirty="0"/>
+              <a:t>https://holypython.com/svm/support-vector-machine-pros-cons/</a:t>
+            </a:r>
+          </a:p>
+        </p:txBody>
+      </p:sp>
+      <p:sp>
+        <p:nvSpPr>
+          <p:cNvPr id="4" name="Segnaposto numero diapositiva 3"/>
+          <p:cNvSpPr>
+            <a:spLocks noGrp="1"/>
+          </p:cNvSpPr>
+          <p:nvPr>
+            <p:ph type="sldNum" sz="quarter" idx="5"/>
+          </p:nvPr>
+        </p:nvSpPr>
+        <p:spPr/>
+        <p:txBody>
+          <a:bodyPr/>
+          <a:lstStyle/>
+          <a:p>
+            <a:fld id="{A9EFFE62-ED7B-4054-A37F-4A2F492ECA71}" type="slidenum">
+              <a:rPr lang="it-IT" noProof="0" smtClean="0"/>
+              <a:t>8</a:t>
+            </a:fld>
+            <a:endParaRPr lang="it-IT" noProof="0"/>
+          </a:p>
+        </p:txBody>
+      </p:sp>
+    </p:spTree>
+    <p:extLst>
+      <p:ext uri="{BB962C8B-B14F-4D97-AF65-F5344CB8AC3E}">
+        <p14:creationId xmlns:p14="http://schemas.microsoft.com/office/powerpoint/2010/main" val="100065340"/>
+      </p:ext>
+    </p:extLst>
+  </p:cSld>
+  <p:clrMapOvr>
+    <a:masterClrMapping/>
+  </p:clrMapOvr>
+</p:notes>
+</file>
+
+<file path=ppt/notesSlides/notesSlide6.xml><?xml version="1.0" encoding="utf-8"?>
+<p:notes xmlns:a="http://schemas.openxmlformats.org/drawingml/2006/main" xmlns:r="http://schemas.openxmlformats.org/officeDocument/2006/relationships" xmlns:p="http://schemas.openxmlformats.org/presentationml/2006/main">
+  <p:cSld>
+    <p:spTree>
+      <p:nvGrpSpPr>
+        <p:cNvPr id="1" name=""/>
+        <p:cNvGrpSpPr/>
+        <p:nvPr/>
+      </p:nvGrpSpPr>
+      <p:grpSpPr>
+        <a:xfrm>
+          <a:off x="0" y="0"/>
+          <a:ext cx="0" cy="0"/>
+          <a:chOff x="0" y="0"/>
+          <a:chExt cx="0" cy="0"/>
+        </a:xfrm>
+      </p:grpSpPr>
+      <p:sp>
+        <p:nvSpPr>
+          <p:cNvPr id="2" name="Segnaposto immagine diapositiva 1"/>
+          <p:cNvSpPr>
+            <a:spLocks noGrp="1" noRot="1" noChangeAspect="1"/>
+          </p:cNvSpPr>
+          <p:nvPr>
+            <p:ph type="sldImg"/>
+          </p:nvPr>
+        </p:nvSpPr>
+        <p:spPr/>
+      </p:sp>
+      <p:sp>
+        <p:nvSpPr>
+          <p:cNvPr id="3" name="Segnaposto note 2"/>
+          <p:cNvSpPr>
+            <a:spLocks noGrp="1"/>
+          </p:cNvSpPr>
+          <p:nvPr>
+            <p:ph type="body" idx="1"/>
+          </p:nvPr>
+        </p:nvSpPr>
+        <p:spPr/>
+        <p:txBody>
+          <a:bodyPr/>
+          <a:lstStyle/>
+          <a:p>
+            <a:r>
+              <a:rPr lang="it-IT" dirty="0"/>
+              <a:t>Un modello di miscela gaussiana è un modello probabilistico che presuppone che tutti i punti dati siano generati da una miscela di un numero finito di distribuzioni gaussiane con parametri sconosciuti.</a:t>
+            </a:r>
+            <a:br>
+              <a:rPr lang="it-IT" dirty="0"/>
+            </a:br>
+            <a:r>
+              <a:rPr lang="it-IT" dirty="0"/>
+              <a:t>I modelli di miscele in generale non richiedono di sapere a quale sottopopolazione appartiene una pattern, consentendo al modello di apprendere autonomamente le sottopopolazioni. </a:t>
+            </a:r>
+            <a:br>
+              <a:rPr lang="it-IT" dirty="0"/>
+            </a:br>
+            <a:r>
+              <a:rPr lang="it-IT" dirty="0"/>
+              <a:t>Poiché l'assegnazione della pattern alla sottopopolazione non è nota, costituisce una forma di apprendimento non supervisionato.</a:t>
+            </a:r>
+          </a:p>
+        </p:txBody>
+      </p:sp>
+      <p:sp>
+        <p:nvSpPr>
+          <p:cNvPr id="4" name="Segnaposto numero diapositiva 3"/>
+          <p:cNvSpPr>
+            <a:spLocks noGrp="1"/>
+          </p:cNvSpPr>
+          <p:nvPr>
+            <p:ph type="sldNum" sz="quarter" idx="5"/>
+          </p:nvPr>
+        </p:nvSpPr>
+        <p:spPr/>
+        <p:txBody>
+          <a:bodyPr/>
+          <a:lstStyle/>
+          <a:p>
+            <a:fld id="{A9EFFE62-ED7B-4054-A37F-4A2F492ECA71}" type="slidenum">
+              <a:rPr lang="it-IT" noProof="0" smtClean="0"/>
+              <a:t>9</a:t>
+            </a:fld>
+            <a:endParaRPr lang="it-IT" noProof="0"/>
+          </a:p>
+        </p:txBody>
+      </p:sp>
+    </p:spTree>
+    <p:extLst>
+      <p:ext uri="{BB962C8B-B14F-4D97-AF65-F5344CB8AC3E}">
+        <p14:creationId xmlns:p14="http://schemas.microsoft.com/office/powerpoint/2010/main" val="1043950135"/>
+      </p:ext>
+    </p:extLst>
+  </p:cSld>
+  <p:clrMapOvr>
+    <a:masterClrMapping/>
+  </p:clrMapOvr>
+</p:notes>
+</file>
+
+<file path=ppt/notesSlides/notesSlide7.xml><?xml version="1.0" encoding="utf-8"?>
+<p:notes xmlns:a="http://schemas.openxmlformats.org/drawingml/2006/main" xmlns:r="http://schemas.openxmlformats.org/officeDocument/2006/relationships" xmlns:p="http://schemas.openxmlformats.org/presentationml/2006/main">
+  <p:cSld>
+    <p:spTree>
+      <p:nvGrpSpPr>
+        <p:cNvPr id="1" name=""/>
+        <p:cNvGrpSpPr/>
+        <p:nvPr/>
+      </p:nvGrpSpPr>
+      <p:grpSpPr>
+        <a:xfrm>
+          <a:off x="0" y="0"/>
+          <a:ext cx="0" cy="0"/>
+          <a:chOff x="0" y="0"/>
+          <a:chExt cx="0" cy="0"/>
+        </a:xfrm>
+      </p:grpSpPr>
+      <p:sp>
+        <p:nvSpPr>
+          <p:cNvPr id="2" name="Segnaposto immagine diapositiva 1"/>
+          <p:cNvSpPr>
+            <a:spLocks noGrp="1" noRot="1" noChangeAspect="1"/>
+          </p:cNvSpPr>
+          <p:nvPr>
+            <p:ph type="sldImg"/>
+          </p:nvPr>
+        </p:nvSpPr>
+        <p:spPr/>
+      </p:sp>
+      <p:sp>
+        <p:nvSpPr>
+          <p:cNvPr id="3" name="Segnaposto note 2"/>
+          <p:cNvSpPr>
+            <a:spLocks noGrp="1"/>
+          </p:cNvSpPr>
+          <p:nvPr>
+            <p:ph type="body" idx="1"/>
+          </p:nvPr>
+        </p:nvSpPr>
+        <p:spPr/>
+        <p:txBody>
+          <a:bodyPr/>
+          <a:lstStyle/>
+          <a:p>
+            <a:r>
+              <a:rPr lang="it-IT" dirty="0"/>
               <a:t>È stata data una prima forma implementativa, principalmente atta a testare le informazioni raccolte </a:t>
             </a:r>
             <a:r>
@@ -1782,6 +3207,90 @@
     <p:extLst>
       <p:ext uri="{BB962C8B-B14F-4D97-AF65-F5344CB8AC3E}">
         <p14:creationId xmlns:p14="http://schemas.microsoft.com/office/powerpoint/2010/main" val="2959467699"/>
+      </p:ext>
+    </p:extLst>
+  </p:cSld>
+  <p:clrMapOvr>
+    <a:masterClrMapping/>
+  </p:clrMapOvr>
+</p:notes>
+</file>
+
+<file path=ppt/notesSlides/notesSlide8.xml><?xml version="1.0" encoding="utf-8"?>
+<p:notes xmlns:a="http://schemas.openxmlformats.org/drawingml/2006/main" xmlns:r="http://schemas.openxmlformats.org/officeDocument/2006/relationships" xmlns:p="http://schemas.openxmlformats.org/presentationml/2006/main">
+  <p:cSld>
+    <p:spTree>
+      <p:nvGrpSpPr>
+        <p:cNvPr id="1" name=""/>
+        <p:cNvGrpSpPr/>
+        <p:nvPr/>
+      </p:nvGrpSpPr>
+      <p:grpSpPr>
+        <a:xfrm>
+          <a:off x="0" y="0"/>
+          <a:ext cx="0" cy="0"/>
+          <a:chOff x="0" y="0"/>
+          <a:chExt cx="0" cy="0"/>
+        </a:xfrm>
+      </p:grpSpPr>
+      <p:sp>
+        <p:nvSpPr>
+          <p:cNvPr id="2" name="Segnaposto immagine diapositiva 1"/>
+          <p:cNvSpPr>
+            <a:spLocks noGrp="1" noRot="1" noChangeAspect="1"/>
+          </p:cNvSpPr>
+          <p:nvPr>
+            <p:ph type="sldImg"/>
+          </p:nvPr>
+        </p:nvSpPr>
+        <p:spPr/>
+      </p:sp>
+      <p:sp>
+        <p:nvSpPr>
+          <p:cNvPr id="3" name="Segnaposto note 2"/>
+          <p:cNvSpPr>
+            <a:spLocks noGrp="1"/>
+          </p:cNvSpPr>
+          <p:nvPr>
+            <p:ph type="body" idx="1"/>
+          </p:nvPr>
+        </p:nvSpPr>
+        <p:spPr/>
+        <p:txBody>
+          <a:bodyPr/>
+          <a:lstStyle/>
+          <a:p>
+            <a:endParaRPr lang="it-IT" dirty="0"/>
+          </a:p>
+        </p:txBody>
+      </p:sp>
+      <p:sp>
+        <p:nvSpPr>
+          <p:cNvPr id="4" name="Segnaposto numero diapositiva 3"/>
+          <p:cNvSpPr>
+            <a:spLocks noGrp="1"/>
+          </p:cNvSpPr>
+          <p:nvPr>
+            <p:ph type="sldNum" sz="quarter" idx="5"/>
+          </p:nvPr>
+        </p:nvSpPr>
+        <p:spPr/>
+        <p:txBody>
+          <a:bodyPr/>
+          <a:lstStyle/>
+          <a:p>
+            <a:fld id="{A9EFFE62-ED7B-4054-A37F-4A2F492ECA71}" type="slidenum">
+              <a:rPr lang="it-IT" noProof="0" smtClean="0"/>
+              <a:t>14</a:t>
+            </a:fld>
+            <a:endParaRPr lang="it-IT" noProof="0"/>
+          </a:p>
+        </p:txBody>
+      </p:sp>
+    </p:spTree>
+    <p:extLst>
+      <p:ext uri="{BB962C8B-B14F-4D97-AF65-F5344CB8AC3E}">
+        <p14:creationId xmlns:p14="http://schemas.microsoft.com/office/powerpoint/2010/main" val="3549612095"/>
       </p:ext>
     </p:extLst>
   </p:cSld>
@@ -2005,7 +3514,7 @@
             <a:pPr rtl="0"/>
             <a:fld id="{57B0FFBD-E1BC-406E-BD96-00B5FBEC9D3A}" type="datetime1">
               <a:rPr lang="it-IT" noProof="0" smtClean="0"/>
-              <a:t>01/04/2022</a:t>
+              <a:t>02/04/2022</a:t>
             </a:fld>
             <a:endParaRPr lang="it-IT" noProof="0"/>
           </a:p>
@@ -2295,7 +3804,7 @@
             <a:pPr rtl="0"/>
             <a:fld id="{829BF3C0-76B5-43F1-8FFA-90565AF7A6E5}" type="datetime1">
               <a:rPr lang="it-IT" noProof="0" smtClean="0"/>
-              <a:t>01/04/2022</a:t>
+              <a:t>02/04/2022</a:t>
             </a:fld>
             <a:endParaRPr lang="it-IT" noProof="0"/>
           </a:p>
@@ -2553,7 +4062,7 @@
             <a:pPr rtl="0"/>
             <a:fld id="{03B532AA-145D-47BE-822F-17D40912C6D9}" type="datetime1">
               <a:rPr lang="it-IT" noProof="0" smtClean="0"/>
-              <a:t>01/04/2022</a:t>
+              <a:t>02/04/2022</a:t>
             </a:fld>
             <a:endParaRPr lang="it-IT" noProof="0"/>
           </a:p>
@@ -3021,7 +4530,7 @@
             <a:pPr rtl="0"/>
             <a:fld id="{D38E090A-D4E0-4DB4-8F1D-3725BBDAE71E}" type="datetime1">
               <a:rPr lang="it-IT" noProof="0" smtClean="0"/>
-              <a:t>01/04/2022</a:t>
+              <a:t>02/04/2022</a:t>
             </a:fld>
             <a:endParaRPr lang="it-IT" noProof="0"/>
           </a:p>
@@ -3200,7 +4709,7 @@
             <a:pPr rtl="0"/>
             <a:fld id="{BCEA48FA-6B17-49E0-900B-FAD12608DC4F}" type="datetime1">
               <a:rPr lang="it-IT" noProof="0" smtClean="0"/>
-              <a:t>01/04/2022</a:t>
+              <a:t>02/04/2022</a:t>
             </a:fld>
             <a:endParaRPr lang="it-IT" noProof="0"/>
           </a:p>
@@ -3775,7 +5284,7 @@
             <a:pPr rtl="0"/>
             <a:fld id="{503CF22B-254E-460A-9603-CB7FA7937FE0}" type="datetime1">
               <a:rPr lang="it-IT" noProof="0" smtClean="0"/>
-              <a:t>01/04/2022</a:t>
+              <a:t>02/04/2022</a:t>
             </a:fld>
             <a:endParaRPr lang="it-IT" noProof="0"/>
           </a:p>
@@ -4105,7 +5614,7 @@
             <a:pPr rtl="0"/>
             <a:fld id="{764DFCD9-F6B5-45AE-BD02-88498CA14BAD}" type="datetime1">
               <a:rPr lang="it-IT" noProof="0" smtClean="0"/>
-              <a:t>01/04/2022</a:t>
+              <a:t>02/04/2022</a:t>
             </a:fld>
             <a:endParaRPr lang="it-IT" noProof="0"/>
           </a:p>
@@ -4278,7 +5787,7 @@
             <a:pPr rtl="0"/>
             <a:fld id="{1818985A-998D-417B-A07B-C56A8BE57D5C}" type="datetime1">
               <a:rPr lang="it-IT" noProof="0" smtClean="0"/>
-              <a:t>01/04/2022</a:t>
+              <a:t>02/04/2022</a:t>
             </a:fld>
             <a:endParaRPr lang="it-IT" noProof="0"/>
           </a:p>
@@ -4456,7 +5965,7 @@
             <a:pPr rtl="0"/>
             <a:fld id="{F5ED0816-B9EF-4A61-8007-865474D10EBA}" type="datetime1">
               <a:rPr lang="it-IT" noProof="0" smtClean="0"/>
-              <a:t>01/04/2022</a:t>
+              <a:t>02/04/2022</a:t>
             </a:fld>
             <a:endParaRPr lang="it-IT" noProof="0"/>
           </a:p>
@@ -4624,7 +6133,7 @@
             <a:pPr rtl="0"/>
             <a:fld id="{0723EAA3-D544-49EF-8F55-A751DF235442}" type="datetime1">
               <a:rPr lang="it-IT" noProof="0" smtClean="0"/>
-              <a:t>01/04/2022</a:t>
+              <a:t>02/04/2022</a:t>
             </a:fld>
             <a:endParaRPr lang="it-IT" noProof="0"/>
           </a:p>
@@ -4880,7 +6389,7 @@
             <a:pPr rtl="0"/>
             <a:fld id="{13A5D636-B530-41BE-AA00-8E473EA63152}" type="datetime1">
               <a:rPr lang="it-IT" noProof="0" smtClean="0"/>
-              <a:t>01/04/2022</a:t>
+              <a:t>02/04/2022</a:t>
             </a:fld>
             <a:endParaRPr lang="it-IT" noProof="0"/>
           </a:p>
@@ -5169,7 +6678,7 @@
             <a:pPr rtl="0"/>
             <a:fld id="{7E7EDC53-241B-4D60-A4B0-55225EE21EB0}" type="datetime1">
               <a:rPr lang="it-IT" noProof="0" smtClean="0"/>
-              <a:t>01/04/2022</a:t>
+              <a:t>02/04/2022</a:t>
             </a:fld>
             <a:endParaRPr lang="it-IT" noProof="0"/>
           </a:p>
@@ -5596,7 +7105,7 @@
             <a:pPr rtl="0"/>
             <a:fld id="{B42D9000-69A0-477F-8B29-20CB3BA50947}" type="datetime1">
               <a:rPr lang="it-IT" noProof="0" smtClean="0"/>
-              <a:t>01/04/2022</a:t>
+              <a:t>02/04/2022</a:t>
             </a:fld>
             <a:endParaRPr lang="it-IT" noProof="0"/>
           </a:p>
@@ -5713,7 +7222,7 @@
             <a:pPr rtl="0"/>
             <a:fld id="{36821639-A6BE-4571-B53D-69DB93B3E672}" type="datetime1">
               <a:rPr lang="it-IT" noProof="0" smtClean="0"/>
-              <a:t>01/04/2022</a:t>
+              <a:t>02/04/2022</a:t>
             </a:fld>
             <a:endParaRPr lang="it-IT" noProof="0"/>
           </a:p>
@@ -5807,7 +7316,7 @@
             <a:pPr rtl="0"/>
             <a:fld id="{FCE1A125-A460-4021-8D44-5D5F3005DC87}" type="datetime1">
               <a:rPr lang="it-IT" noProof="0" smtClean="0"/>
-              <a:t>01/04/2022</a:t>
+              <a:t>02/04/2022</a:t>
             </a:fld>
             <a:endParaRPr lang="it-IT" noProof="0"/>
           </a:p>
@@ -6088,7 +7597,7 @@
             <a:pPr rtl="0"/>
             <a:fld id="{07FE7ACD-F1B0-49DE-8C38-139A1FB9174D}" type="datetime1">
               <a:rPr lang="it-IT" noProof="0" smtClean="0"/>
-              <a:t>01/04/2022</a:t>
+              <a:t>02/04/2022</a:t>
             </a:fld>
             <a:endParaRPr lang="it-IT" noProof="0"/>
           </a:p>
@@ -6378,7 +7887,7 @@
             <a:pPr rtl="0"/>
             <a:fld id="{AFBF778C-B8FE-40FA-8157-9F604E8B4CEE}" type="datetime1">
               <a:rPr lang="it-IT" noProof="0" smtClean="0"/>
-              <a:t>01/04/2022</a:t>
+              <a:t>02/04/2022</a:t>
             </a:fld>
             <a:endParaRPr lang="it-IT" noProof="0"/>
           </a:p>
@@ -6607,7 +8116,7 @@
             <a:pPr rtl="0"/>
             <a:fld id="{0242243B-132F-42E2-B08A-6B670AF620C8}" type="datetime1">
               <a:rPr lang="it-IT" noProof="0" smtClean="0"/>
-              <a:t>01/04/2022</a:t>
+              <a:t>02/04/2022</a:t>
             </a:fld>
             <a:endParaRPr lang="it-IT" noProof="0"/>
           </a:p>
@@ -7483,6 +8992,52 @@
       </p:grpSpPr>
       <p:sp>
         <p:nvSpPr>
+          <p:cNvPr id="6" name="Rettangolo 5">
+            <a:extLst>
+              <a:ext uri="{FF2B5EF4-FFF2-40B4-BE49-F238E27FC236}">
+                <a16:creationId xmlns:a16="http://schemas.microsoft.com/office/drawing/2014/main" id="{5621A4A2-5E41-4BAB-B4B7-E73C66170148}"/>
+              </a:ext>
+            </a:extLst>
+          </p:cNvPr>
+          <p:cNvSpPr/>
+          <p:nvPr/>
+        </p:nvSpPr>
+        <p:spPr>
+          <a:xfrm>
+            <a:off x="5114260" y="1977656"/>
+            <a:ext cx="6858000" cy="4561367"/>
+          </a:xfrm>
+          <a:prstGeom prst="rect">
+            <a:avLst/>
+          </a:prstGeom>
+        </p:spPr>
+        <p:style>
+          <a:lnRef idx="2">
+            <a:schemeClr val="accent1">
+              <a:shade val="50000"/>
+            </a:schemeClr>
+          </a:lnRef>
+          <a:fillRef idx="1">
+            <a:schemeClr val="accent1"/>
+          </a:fillRef>
+          <a:effectRef idx="0">
+            <a:schemeClr val="accent1"/>
+          </a:effectRef>
+          <a:fontRef idx="minor">
+            <a:schemeClr val="lt1"/>
+          </a:fontRef>
+        </p:style>
+        <p:txBody>
+          <a:bodyPr rtlCol="0" anchor="ctr"/>
+          <a:lstStyle/>
+          <a:p>
+            <a:pPr algn="ctr"/>
+            <a:endParaRPr lang="it-IT"/>
+          </a:p>
+        </p:txBody>
+      </p:sp>
+      <p:sp>
+        <p:nvSpPr>
           <p:cNvPr id="2" name="Titolo 1">
             <a:extLst>
               <a:ext uri="{FF2B5EF4-FFF2-40B4-BE49-F238E27FC236}">
@@ -7503,9 +9058,10 @@
           <a:lstStyle/>
           <a:p>
             <a:r>
-              <a:rPr lang="it-IT" dirty="0"/>
-              <a:t>MFCC</a:t>
-            </a:r>
+              <a:rPr lang="en-US" b="1" dirty="0"/>
+              <a:t>MEL FREQUENCY CEPSTRAL COEFFICIENT (MFCC)</a:t>
+            </a:r>
+            <a:endParaRPr lang="it-IT" b="1" dirty="0"/>
           </a:p>
         </p:txBody>
       </p:sp>
@@ -7525,15 +9081,95 @@
             <p:ph idx="1"/>
           </p:nvPr>
         </p:nvSpPr>
-        <p:spPr/>
+        <p:spPr>
+          <a:xfrm>
+            <a:off x="767685" y="2060944"/>
+            <a:ext cx="4249110" cy="3744433"/>
+          </a:xfrm>
+        </p:spPr>
         <p:txBody>
           <a:bodyPr/>
           <a:lstStyle/>
           <a:p>
-            <a:endParaRPr lang="it-IT"/>
-          </a:p>
-        </p:txBody>
-      </p:sp>
+            <a:r>
+              <a:rPr lang="it-IT" dirty="0"/>
+              <a:t>Percezione della voce umana</a:t>
+            </a:r>
+          </a:p>
+          <a:p>
+            <a:r>
+              <a:rPr lang="it-IT" dirty="0"/>
+              <a:t>Scala MEL</a:t>
+            </a:r>
+          </a:p>
+        </p:txBody>
+      </p:sp>
+      <p:pic>
+        <p:nvPicPr>
+          <p:cNvPr id="8" name="Elemento grafico 7">
+            <a:extLst>
+              <a:ext uri="{FF2B5EF4-FFF2-40B4-BE49-F238E27FC236}">
+                <a16:creationId xmlns:a16="http://schemas.microsoft.com/office/drawing/2014/main" id="{DBAE7931-3D3F-4504-A9D8-49DC5A4D9170}"/>
+              </a:ext>
+            </a:extLst>
+          </p:cNvPr>
+          <p:cNvPicPr>
+            <a:picLocks noChangeAspect="1"/>
+          </p:cNvPicPr>
+          <p:nvPr/>
+        </p:nvPicPr>
+        <p:blipFill>
+          <a:blip r:embed="rId2">
+            <a:extLst>
+              <a:ext uri="{96DAC541-7B7A-43D3-8B79-37D633B846F1}">
+                <asvg:svgBlip xmlns:asvg="http://schemas.microsoft.com/office/drawing/2016/SVG/main" r:embed="rId3"/>
+              </a:ext>
+            </a:extLst>
+          </a:blip>
+          <a:stretch>
+            <a:fillRect/>
+          </a:stretch>
+        </p:blipFill>
+        <p:spPr>
+          <a:xfrm>
+            <a:off x="6260792" y="5433238"/>
+            <a:ext cx="4786619" cy="783265"/>
+          </a:xfrm>
+          <a:prstGeom prst="rect">
+            <a:avLst/>
+          </a:prstGeom>
+        </p:spPr>
+      </p:pic>
+      <p:pic>
+        <p:nvPicPr>
+          <p:cNvPr id="10" name="Immagine 9">
+            <a:extLst>
+              <a:ext uri="{FF2B5EF4-FFF2-40B4-BE49-F238E27FC236}">
+                <a16:creationId xmlns:a16="http://schemas.microsoft.com/office/drawing/2014/main" id="{202381E3-7954-461A-A752-D26C7ED758AD}"/>
+              </a:ext>
+            </a:extLst>
+          </p:cNvPr>
+          <p:cNvPicPr>
+            <a:picLocks noChangeAspect="1"/>
+          </p:cNvPicPr>
+          <p:nvPr/>
+        </p:nvPicPr>
+        <p:blipFill>
+          <a:blip r:embed="rId4"/>
+          <a:stretch>
+            <a:fillRect/>
+          </a:stretch>
+        </p:blipFill>
+        <p:spPr>
+          <a:xfrm>
+            <a:off x="5688419" y="2087526"/>
+            <a:ext cx="5975497" cy="3196649"/>
+          </a:xfrm>
+          <a:prstGeom prst="rect">
+            <a:avLst/>
+          </a:prstGeom>
+        </p:spPr>
+      </p:pic>
     </p:spTree>
     <p:extLst>
       <p:ext uri="{BB962C8B-B14F-4D97-AF65-F5344CB8AC3E}">
@@ -7550,6 +9186,29 @@
 <file path=ppt/slides/slide11.xml><?xml version="1.0" encoding="utf-8"?>
 <p:sld xmlns:a="http://schemas.openxmlformats.org/drawingml/2006/main" xmlns:r="http://schemas.openxmlformats.org/officeDocument/2006/relationships" xmlns:p="http://schemas.openxmlformats.org/presentationml/2006/main">
   <p:cSld>
+    <p:bg>
+      <p:bgPr>
+        <a:blipFill rotWithShape="1">
+          <a:blip r:embed="rId2">
+            <a:duotone>
+              <a:schemeClr val="bg2">
+                <a:shade val="28000"/>
+                <a:satMod val="94000"/>
+                <a:lumMod val="20000"/>
+              </a:schemeClr>
+              <a:schemeClr val="bg2">
+                <a:tint val="94000"/>
+                <a:shade val="84000"/>
+                <a:satMod val="148000"/>
+                <a:lumMod val="114000"/>
+              </a:schemeClr>
+            </a:duotone>
+          </a:blip>
+          <a:stretch/>
+        </a:blipFill>
+        <a:effectLst/>
+      </p:bgPr>
+    </p:bg>
     <p:spTree>
       <p:nvGrpSpPr>
         <p:cNvPr id="1" name=""/>
@@ -7580,24 +9239,31 @@
             <p:ph type="title"/>
           </p:nvPr>
         </p:nvSpPr>
-        <p:spPr/>
-        <p:txBody>
-          <a:bodyPr/>
+        <p:spPr>
+          <a:xfrm>
+            <a:off x="643192" y="609600"/>
+            <a:ext cx="3643674" cy="1905000"/>
+          </a:xfrm>
+        </p:spPr>
+        <p:txBody>
+          <a:bodyPr>
+            <a:normAutofit/>
+          </a:bodyPr>
           <a:lstStyle/>
           <a:p>
             <a:r>
-              <a:rPr lang="it-IT" dirty="0"/>
-              <a:t>MFCC 2</a:t>
-            </a:r>
-          </a:p>
-        </p:txBody>
-      </p:sp>
-      <p:sp>
-        <p:nvSpPr>
-          <p:cNvPr id="3" name="Segnaposto contenuto 2">
+              <a:rPr lang="it-IT" sz="2800"/>
+              <a:t>Processo di estrazione delle mfcc</a:t>
+            </a:r>
+          </a:p>
+        </p:txBody>
+      </p:sp>
+      <p:sp>
+        <p:nvSpPr>
+          <p:cNvPr id="9" name="Content Placeholder 8">
             <a:extLst>
               <a:ext uri="{FF2B5EF4-FFF2-40B4-BE49-F238E27FC236}">
-                <a16:creationId xmlns:a16="http://schemas.microsoft.com/office/drawing/2014/main" id="{42D02D43-E2F9-47F1-BED6-271651B9287F}"/>
+                <a16:creationId xmlns:a16="http://schemas.microsoft.com/office/drawing/2014/main" id="{3BA43331-793A-288F-9CED-B255A7D79455}"/>
               </a:ext>
             </a:extLst>
           </p:cNvPr>
@@ -7608,15 +9274,94 @@
             <p:ph idx="1"/>
           </p:nvPr>
         </p:nvSpPr>
-        <p:spPr/>
-        <p:txBody>
-          <a:bodyPr/>
+        <p:spPr>
+          <a:xfrm>
+            <a:off x="643192" y="2666999"/>
+            <a:ext cx="3643674" cy="3216276"/>
+          </a:xfrm>
+        </p:spPr>
+        <p:txBody>
+          <a:bodyPr anchor="t">
+            <a:normAutofit/>
+          </a:bodyPr>
           <a:lstStyle/>
           <a:p>
-            <a:endParaRPr lang="it-IT"/>
-          </a:p>
-        </p:txBody>
-      </p:sp>
+            <a:endParaRPr lang="en-US" sz="1800"/>
+          </a:p>
+        </p:txBody>
+      </p:sp>
+      <p:pic>
+        <p:nvPicPr>
+          <p:cNvPr id="3074" name="Picture 2" descr="How I Understood: What features to consider while training audio files? |  by Joel Jogy | Towards Data Science">
+            <a:hlinkClick r:id="rId3"/>
+            <a:extLst>
+              <a:ext uri="{FF2B5EF4-FFF2-40B4-BE49-F238E27FC236}">
+                <a16:creationId xmlns:a16="http://schemas.microsoft.com/office/drawing/2014/main" id="{AA47A1A3-370F-4975-A210-A969CC1E2453}"/>
+              </a:ext>
+            </a:extLst>
+          </p:cNvPr>
+          <p:cNvPicPr>
+            <a:picLocks noChangeAspect="1" noChangeArrowheads="1"/>
+          </p:cNvPicPr>
+          <p:nvPr/>
+        </p:nvPicPr>
+        <p:blipFill>
+          <a:blip r:embed="rId4">
+            <a:extLst>
+              <a:ext uri="{28A0092B-C50C-407E-A947-70E740481C1C}">
+                <a14:useLocalDpi xmlns:a14="http://schemas.microsoft.com/office/drawing/2010/main" val="0"/>
+              </a:ext>
+            </a:extLst>
+          </a:blip>
+          <a:stretch>
+            <a:fillRect/>
+          </a:stretch>
+        </p:blipFill>
+        <p:spPr bwMode="auto">
+          <a:xfrm>
+            <a:off x="4806175" y="1456660"/>
+            <a:ext cx="7007266" cy="3774558"/>
+          </a:xfrm>
+          <a:prstGeom prst="roundRect">
+            <a:avLst>
+              <a:gd name="adj" fmla="val 3517"/>
+            </a:avLst>
+          </a:prstGeom>
+          <a:noFill/>
+          <a:ln w="38100">
+            <a:gradFill flip="none" rotWithShape="1">
+              <a:gsLst>
+                <a:gs pos="0">
+                  <a:srgbClr val="363D46"/>
+                </a:gs>
+                <a:gs pos="100000">
+                  <a:srgbClr val="363D46">
+                    <a:lumMod val="75000"/>
+                  </a:srgbClr>
+                </a:gs>
+              </a:gsLst>
+              <a:lin ang="5400000" scaled="0"/>
+              <a:tileRect/>
+            </a:gradFill>
+          </a:ln>
+          <a:effectLst>
+            <a:innerShdw blurRad="57150" dist="38100" dir="14460000">
+              <a:srgbClr val="000000">
+                <a:alpha val="70000"/>
+              </a:srgbClr>
+            </a:innerShdw>
+          </a:effectLst>
+          <a:extLst>
+            <a:ext uri="{909E8E84-426E-40DD-AFC4-6F175D3DCCD1}">
+              <a14:hiddenFill xmlns:a14="http://schemas.microsoft.com/office/drawing/2010/main">
+                <a:solidFill>
+                  <a:srgbClr val="FFFFFF"/>
+                </a:solidFill>
+              </a14:hiddenFill>
+            </a:ext>
+          </a:extLst>
+        </p:spPr>
+      </p:pic>
     </p:spTree>
     <p:extLst>
       <p:ext uri="{BB962C8B-B14F-4D97-AF65-F5344CB8AC3E}">
@@ -8069,6 +9814,7 @@
                     </a:srgbClr>
                   </a:outerShdw>
                 </a:effectLst>
+                <a:hlinkClick r:id="rId4"/>
               </a:rPr>
               <a:t>Repository di </a:t>
             </a:r>
@@ -8088,115 +9834,11 @@
                     </a:srgbClr>
                   </a:outerShdw>
                 </a:effectLst>
+                <a:hlinkClick r:id="rId4"/>
               </a:rPr>
               <a:t>partenza</a:t>
             </a:r>
             <a:endParaRPr lang="it-IT" dirty="0"/>
-          </a:p>
-        </p:txBody>
-      </p:sp>
-      <p:sp>
-        <p:nvSpPr>
-          <p:cNvPr id="3" name="Content Placeholder 2">
-            <a:extLst>
-              <a:ext uri="{FF2B5EF4-FFF2-40B4-BE49-F238E27FC236}">
-                <a16:creationId xmlns:a16="http://schemas.microsoft.com/office/drawing/2014/main" id="{824B6045-BC13-4763-816C-B5D21C49D596}"/>
-              </a:ext>
-            </a:extLst>
-          </p:cNvPr>
-          <p:cNvSpPr>
-            <a:spLocks noGrp="1"/>
-          </p:cNvSpPr>
-          <p:nvPr>
-            <p:ph idx="1"/>
-          </p:nvPr>
-        </p:nvSpPr>
-        <p:spPr>
-          <a:xfrm>
-            <a:off x="643192" y="2666999"/>
-            <a:ext cx="6573684" cy="3216276"/>
-          </a:xfrm>
-        </p:spPr>
-        <p:txBody>
-          <a:bodyPr anchor="t">
-            <a:normAutofit/>
-          </a:bodyPr>
-          <a:lstStyle/>
-          <a:p>
-            <a:pPr>
-              <a:lnSpc>
-                <a:spcPct val="90000"/>
-              </a:lnSpc>
-              <a:buClr>
-                <a:srgbClr val="FFFFFF"/>
-              </a:buClr>
-            </a:pPr>
-            <a:endParaRPr lang="en-US" sz="1600" dirty="0">
-              <a:effectLst>
-                <a:glow rad="38100">
-                  <a:prstClr val="black">
-                    <a:lumMod val="50000"/>
-                    <a:lumOff val="50000"/>
-                    <a:alpha val="20000"/>
-                  </a:prstClr>
-                </a:glow>
-                <a:outerShdw blurRad="44450" dist="12700" dir="13860000" algn="tl" rotWithShape="0">
-                  <a:srgbClr val="000000">
-                    <a:alpha val="20000"/>
-                  </a:srgbClr>
-                </a:outerShdw>
-              </a:effectLst>
-              <a:latin typeface="Century Gothic"/>
-              <a:ea typeface="+mn-lt"/>
-              <a:cs typeface="Times New Roman"/>
-            </a:endParaRPr>
-          </a:p>
-          <a:p>
-            <a:pPr marL="0" indent="0">
-              <a:lnSpc>
-                <a:spcPct val="90000"/>
-              </a:lnSpc>
-              <a:buClr>
-                <a:srgbClr val="FFFFFF"/>
-              </a:buClr>
-              <a:buNone/>
-            </a:pPr>
-            <a:br>
-              <a:rPr lang="en-US" sz="1600" dirty="0">
-                <a:effectLst>
-                  <a:glow rad="38100">
-                    <a:prstClr val="black">
-                      <a:lumMod val="50000"/>
-                      <a:lumOff val="50000"/>
-                      <a:alpha val="20000"/>
-                    </a:prstClr>
-                  </a:glow>
-                  <a:outerShdw blurRad="44450" dist="12700" dir="13860000" algn="tl" rotWithShape="0">
-                    <a:srgbClr val="000000">
-                      <a:alpha val="20000"/>
-                    </a:srgbClr>
-                  </a:outerShdw>
-                </a:effectLst>
-                <a:ea typeface="+mn-lt"/>
-                <a:cs typeface="+mn-lt"/>
-              </a:rPr>
-            </a:br>
-            <a:endParaRPr lang="en-US" sz="1600" dirty="0">
-              <a:effectLst>
-                <a:glow rad="38100">
-                  <a:prstClr val="black">
-                    <a:lumMod val="50000"/>
-                    <a:lumOff val="50000"/>
-                    <a:alpha val="20000"/>
-                  </a:prstClr>
-                </a:glow>
-                <a:outerShdw blurRad="44450" dist="12700" dir="13860000" algn="tl" rotWithShape="0">
-                  <a:srgbClr val="000000">
-                    <a:alpha val="20000"/>
-                  </a:srgbClr>
-                </a:outerShdw>
-              </a:effectLst>
-            </a:endParaRPr>
           </a:p>
         </p:txBody>
       </p:sp>
@@ -8215,19 +9857,19 @@
           <p:nvPr/>
         </p:nvPicPr>
         <p:blipFill>
-          <a:blip r:embed="rId4"/>
+          <a:blip r:embed="rId5"/>
           <a:stretch>
             <a:fillRect/>
           </a:stretch>
         </p:blipFill>
         <p:spPr>
           <a:xfrm>
-            <a:off x="4104596" y="1358246"/>
-            <a:ext cx="7444211" cy="4684335"/>
+            <a:off x="4628561" y="1687956"/>
+            <a:ext cx="6920246" cy="4354625"/>
           </a:xfrm>
           <a:prstGeom prst="roundRect">
             <a:avLst>
-              <a:gd name="adj" fmla="val 0"/>
+              <a:gd name="adj" fmla="val 2214"/>
             </a:avLst>
           </a:prstGeom>
           <a:ln w="38100">
@@ -8255,6 +9897,103 @@
           </a:effectLst>
         </p:spPr>
       </p:pic>
+      <p:sp>
+        <p:nvSpPr>
+          <p:cNvPr id="7" name="CasellaDiTesto 6">
+            <a:extLst>
+              <a:ext uri="{FF2B5EF4-FFF2-40B4-BE49-F238E27FC236}">
+                <a16:creationId xmlns:a16="http://schemas.microsoft.com/office/drawing/2014/main" id="{5A88EDC4-94F1-441A-B532-5C0920ECFB30}"/>
+              </a:ext>
+            </a:extLst>
+          </p:cNvPr>
+          <p:cNvSpPr txBox="1"/>
+          <p:nvPr/>
+        </p:nvSpPr>
+        <p:spPr>
+          <a:xfrm>
+            <a:off x="196886" y="1905000"/>
+            <a:ext cx="4044099" cy="2031325"/>
+          </a:xfrm>
+          <a:prstGeom prst="rect">
+            <a:avLst/>
+          </a:prstGeom>
+          <a:noFill/>
+        </p:spPr>
+        <p:txBody>
+          <a:bodyPr wrap="square" rtlCol="0">
+            <a:spAutoFit/>
+          </a:bodyPr>
+          <a:lstStyle/>
+          <a:p>
+            <a:pPr marL="285750" indent="-285750">
+              <a:buFont typeface="Arial" panose="020B0604020202020204" pitchFamily="34" charset="0"/>
+              <a:buChar char="•"/>
+            </a:pPr>
+            <a:r>
+              <a:rPr lang="it-IT" dirty="0"/>
+              <a:t>Identificazione ottenuta solo tramite GMM</a:t>
+            </a:r>
+            <a:br>
+              <a:rPr lang="it-IT" dirty="0"/>
+            </a:br>
+            <a:endParaRPr lang="it-IT" dirty="0"/>
+          </a:p>
+          <a:p>
+            <a:pPr marL="285750" indent="-285750">
+              <a:buFont typeface="Arial" panose="020B0604020202020204" pitchFamily="34" charset="0"/>
+              <a:buChar char="•"/>
+            </a:pPr>
+            <a:r>
+              <a:rPr lang="it-IT" dirty="0"/>
+              <a:t>Librerie:</a:t>
+            </a:r>
+            <a:br>
+              <a:rPr lang="it-IT" dirty="0"/>
+            </a:br>
+            <a:r>
+              <a:rPr lang="it-IT" dirty="0"/>
+              <a:t>- </a:t>
+            </a:r>
+            <a:r>
+              <a:rPr lang="it-IT" dirty="0" err="1">
+                <a:hlinkClick r:id="rId6"/>
+              </a:rPr>
+              <a:t>numpy</a:t>
+            </a:r>
+            <a:r>
+              <a:rPr lang="it-IT" dirty="0"/>
+              <a:t> </a:t>
+            </a:r>
+            <a:br>
+              <a:rPr lang="it-IT" dirty="0"/>
+            </a:br>
+            <a:r>
+              <a:rPr lang="it-IT" dirty="0"/>
+              <a:t>- </a:t>
+            </a:r>
+            <a:r>
+              <a:rPr lang="it-IT" dirty="0" err="1">
+                <a:hlinkClick r:id="rId7"/>
+              </a:rPr>
+              <a:t>scikit-learn</a:t>
+            </a:r>
+            <a:br>
+              <a:rPr lang="it-IT" dirty="0"/>
+            </a:br>
+            <a:r>
+              <a:rPr lang="it-IT" dirty="0"/>
+              <a:t>- </a:t>
+            </a:r>
+            <a:r>
+              <a:rPr lang="it-IT" dirty="0" err="1">
+                <a:hlinkClick r:id="rId8"/>
+              </a:rPr>
+              <a:t>python_speech_features</a:t>
+            </a:r>
+            <a:endParaRPr lang="it-IT" dirty="0"/>
+          </a:p>
+        </p:txBody>
+      </p:sp>
     </p:spTree>
     <p:extLst>
       <p:ext uri="{BB962C8B-B14F-4D97-AF65-F5344CB8AC3E}">
@@ -8274,7 +10013,7 @@
     <p:bg>
       <p:bgPr>
         <a:blipFill rotWithShape="1">
-          <a:blip r:embed="rId2">
+          <a:blip r:embed="rId3">
             <a:duotone>
               <a:schemeClr val="bg2">
                 <a:shade val="28000"/>
@@ -8308,6 +10047,52 @@
           <a:chExt cx="0" cy="0"/>
         </a:xfrm>
       </p:grpSpPr>
+      <p:pic>
+        <p:nvPicPr>
+          <p:cNvPr id="13" name="Picture 4">
+            <a:extLst>
+              <a:ext uri="{FF2B5EF4-FFF2-40B4-BE49-F238E27FC236}">
+                <a16:creationId xmlns:a16="http://schemas.microsoft.com/office/drawing/2014/main" id="{3D7D3A95-3CBC-4392-B064-EF8A51022D43}"/>
+              </a:ext>
+            </a:extLst>
+          </p:cNvPr>
+          <p:cNvPicPr>
+            <a:picLocks noChangeAspect="1" noChangeArrowheads="1"/>
+          </p:cNvPicPr>
+          <p:nvPr/>
+        </p:nvPicPr>
+        <p:blipFill rotWithShape="1">
+          <a:blip r:embed="rId4">
+            <a:alphaModFix amt="15000"/>
+            <a:extLst>
+              <a:ext uri="{28A0092B-C50C-407E-A947-70E740481C1C}">
+                <a14:useLocalDpi xmlns:a14="http://schemas.microsoft.com/office/drawing/2010/main" val="0"/>
+              </a:ext>
+            </a:extLst>
+          </a:blip>
+          <a:srcRect l="6973" r="4138"/>
+          <a:stretch/>
+        </p:blipFill>
+        <p:spPr bwMode="auto">
+          <a:xfrm>
+            <a:off x="-1578" y="-5316"/>
+            <a:ext cx="12191980" cy="6857990"/>
+          </a:xfrm>
+          <a:prstGeom prst="rect">
+            <a:avLst/>
+          </a:prstGeom>
+          <a:noFill/>
+          <a:extLst>
+            <a:ext uri="{909E8E84-426E-40DD-AFC4-6F175D3DCCD1}">
+              <a14:hiddenFill xmlns:a14="http://schemas.microsoft.com/office/drawing/2010/main">
+                <a:solidFill>
+                  <a:srgbClr val="FFFFFF"/>
+                </a:solidFill>
+              </a14:hiddenFill>
+            </a:ext>
+          </a:extLst>
+        </p:spPr>
+      </p:pic>
       <p:sp>
         <p:nvSpPr>
           <p:cNvPr id="2" name="Title 1">
@@ -8326,266 +10111,24 @@
         </p:nvSpPr>
         <p:spPr>
           <a:xfrm>
-            <a:off x="974179" y="714375"/>
-            <a:ext cx="3332955" cy="5076826"/>
+            <a:off x="1141413" y="609600"/>
+            <a:ext cx="9905998" cy="1905000"/>
           </a:xfrm>
         </p:spPr>
         <p:txBody>
-          <a:bodyPr anchor="ctr">
+          <a:bodyPr>
             <a:normAutofit/>
           </a:bodyPr>
           <a:lstStyle/>
           <a:p>
             <a:r>
-              <a:rPr lang="en-US" sz="4000" dirty="0">
-                <a:effectLst>
-                  <a:glow rad="38100">
-                    <a:prstClr val="black">
-                      <a:lumMod val="65000"/>
-                      <a:lumOff val="35000"/>
-                      <a:alpha val="40000"/>
-                    </a:prstClr>
-                  </a:glow>
-                  <a:outerShdw blurRad="28575" dist="38100" dir="14040000" algn="tl" rotWithShape="0">
-                    <a:srgbClr val="000000">
-                      <a:alpha val="25000"/>
-                    </a:srgbClr>
-                  </a:outerShdw>
-                </a:effectLst>
-              </a:rPr>
+              <a:rPr lang="en-US" b="1"/>
               <a:t>dataset</a:t>
             </a:r>
-            <a:endParaRPr lang="en-US" sz="4000" dirty="0"/>
-          </a:p>
-        </p:txBody>
-      </p:sp>
-      <p:sp>
-        <p:nvSpPr>
-          <p:cNvPr id="8" name="Rectangle 7">
-            <a:extLst>
-              <a:ext uri="{FF2B5EF4-FFF2-40B4-BE49-F238E27FC236}">
-                <a16:creationId xmlns:a16="http://schemas.microsoft.com/office/drawing/2014/main" id="{375136A9-49F9-4DA0-A741-F065B0FA091D}"/>
-              </a:ext>
-              <a:ext uri="{C183D7F6-B498-43B3-948B-1728B52AA6E4}">
-                <adec:decorative xmlns:adec="http://schemas.microsoft.com/office/drawing/2017/decorative" val="1"/>
-              </a:ext>
-            </a:extLst>
-          </p:cNvPr>
-          <p:cNvSpPr>
-            <a:spLocks noGrp="1" noRot="1" noChangeAspect="1" noMove="1" noResize="1" noEditPoints="1" noAdjustHandles="1" noChangeArrowheads="1" noChangeShapeType="1" noTextEdit="1"/>
-          </p:cNvSpPr>
-          <p:nvPr>
-            <p:extLst>
-              <p:ext uri="{386F3935-93C4-4BCD-93E2-E3B085C9AB24}">
-                <p16:designElem xmlns:p16="http://schemas.microsoft.com/office/powerpoint/2015/main" val="1"/>
-              </p:ext>
-            </p:extLst>
-          </p:nvPr>
-        </p:nvSpPr>
-        <p:spPr>
-          <a:xfrm>
-            <a:off x="4633356" y="0"/>
-            <a:ext cx="7558643" cy="6858000"/>
-          </a:xfrm>
-          <a:prstGeom prst="rect">
-            <a:avLst/>
-          </a:prstGeom>
-          <a:solidFill>
-            <a:schemeClr val="bg2"/>
-          </a:solidFill>
-          <a:ln>
-            <a:noFill/>
-          </a:ln>
-          <a:effectLst>
-            <a:innerShdw blurRad="63500" dist="50800" dir="10800000">
-              <a:prstClr val="black">
-                <a:alpha val="50000"/>
-              </a:prstClr>
-            </a:innerShdw>
-          </a:effectLst>
-        </p:spPr>
-        <p:style>
-          <a:lnRef idx="2">
-            <a:schemeClr val="accent1">
-              <a:shade val="50000"/>
-            </a:schemeClr>
-          </a:lnRef>
-          <a:fillRef idx="1">
-            <a:schemeClr val="accent1"/>
-          </a:fillRef>
-          <a:effectRef idx="0">
-            <a:schemeClr val="accent1"/>
-          </a:effectRef>
-          <a:fontRef idx="minor">
-            <a:schemeClr val="lt1"/>
-          </a:fontRef>
-        </p:style>
-        <p:txBody>
-          <a:bodyPr rtlCol="0" anchor="ctr"/>
-          <a:lstStyle/>
-          <a:p>
-            <a:pPr algn="ctr"/>
-            <a:endParaRPr lang="en-US" dirty="0"/>
-          </a:p>
-        </p:txBody>
-      </p:sp>
-      <p:sp>
-        <p:nvSpPr>
-          <p:cNvPr id="10" name="Rectangle 9">
-            <a:extLst>
-              <a:ext uri="{FF2B5EF4-FFF2-40B4-BE49-F238E27FC236}">
-                <a16:creationId xmlns:a16="http://schemas.microsoft.com/office/drawing/2014/main" id="{B912F6C7-0423-4B6F-AECE-710C848918FD}"/>
-              </a:ext>
-              <a:ext uri="{C183D7F6-B498-43B3-948B-1728B52AA6E4}">
-                <adec:decorative xmlns:adec="http://schemas.microsoft.com/office/drawing/2017/decorative" val="1"/>
-              </a:ext>
-            </a:extLst>
-          </p:cNvPr>
-          <p:cNvSpPr>
-            <a:spLocks noGrp="1" noRot="1" noChangeAspect="1" noMove="1" noResize="1" noEditPoints="1" noAdjustHandles="1" noChangeArrowheads="1" noChangeShapeType="1" noTextEdit="1"/>
-          </p:cNvSpPr>
-          <p:nvPr>
-            <p:extLst>
-              <p:ext uri="{386F3935-93C4-4BCD-93E2-E3B085C9AB24}">
-                <p16:designElem xmlns:p16="http://schemas.microsoft.com/office/powerpoint/2015/main" val="1"/>
-              </p:ext>
-            </p:extLst>
-          </p:nvPr>
-        </p:nvSpPr>
-        <p:spPr>
-          <a:xfrm rot="5400000" flipH="1">
-            <a:off x="1446539" y="3195797"/>
-            <a:ext cx="6858000" cy="466406"/>
-          </a:xfrm>
-          <a:prstGeom prst="rect">
-            <a:avLst/>
-          </a:prstGeom>
-          <a:gradFill>
-            <a:gsLst>
-              <a:gs pos="0">
-                <a:srgbClr val="363D46">
-                  <a:alpha val="0"/>
-                </a:srgbClr>
-              </a:gs>
-              <a:gs pos="100000">
-                <a:srgbClr val="363D46">
-                  <a:lumMod val="75000"/>
-                </a:srgbClr>
-              </a:gs>
-            </a:gsLst>
-            <a:lin ang="5400000" scaled="0"/>
-          </a:gradFill>
-          <a:ln>
-            <a:noFill/>
-          </a:ln>
-          <a:effectLst/>
-        </p:spPr>
-        <p:style>
-          <a:lnRef idx="2">
-            <a:schemeClr val="accent1">
-              <a:shade val="50000"/>
-            </a:schemeClr>
-          </a:lnRef>
-          <a:fillRef idx="1">
-            <a:schemeClr val="accent1"/>
-          </a:fillRef>
-          <a:effectRef idx="0">
-            <a:schemeClr val="accent1"/>
-          </a:effectRef>
-          <a:fontRef idx="minor">
-            <a:schemeClr val="lt1"/>
-          </a:fontRef>
-        </p:style>
-        <p:txBody>
-          <a:bodyPr rot="0" spcFirstLastPara="0" vertOverflow="overflow" horzOverflow="overflow" vert="horz" wrap="square" lIns="91440" tIns="45720" rIns="91440" bIns="45720" numCol="1" spcCol="0" rtlCol="0" fromWordArt="0" anchor="ctr" anchorCtr="0" forceAA="0" compatLnSpc="1">
-            <a:prstTxWarp prst="textNoShape">
-              <a:avLst/>
-            </a:prstTxWarp>
-            <a:noAutofit/>
-          </a:bodyPr>
-          <a:lstStyle/>
-          <a:p>
-            <a:pPr algn="ctr"/>
-            <a:endParaRPr lang="en-US"/>
-          </a:p>
-        </p:txBody>
-      </p:sp>
-      <p:cxnSp>
-        <p:nvCxnSpPr>
-          <p:cNvPr id="12" name="Straight Connector 11">
-            <a:extLst>
-              <a:ext uri="{FF2B5EF4-FFF2-40B4-BE49-F238E27FC236}">
-                <a16:creationId xmlns:a16="http://schemas.microsoft.com/office/drawing/2014/main" id="{A7208205-03EE-4EC8-9C34-59270C1880D8}"/>
-              </a:ext>
-              <a:ext uri="{C183D7F6-B498-43B3-948B-1728B52AA6E4}">
-                <adec:decorative xmlns:adec="http://schemas.microsoft.com/office/drawing/2017/decorative" val="1"/>
-              </a:ext>
-            </a:extLst>
-          </p:cNvPr>
-          <p:cNvCxnSpPr>
-            <a:cxnSpLocks noGrp="1" noRot="1" noChangeAspect="1" noMove="1" noResize="1" noEditPoints="1" noAdjustHandles="1" noChangeArrowheads="1" noChangeShapeType="1"/>
-          </p:cNvCxnSpPr>
-          <p:nvPr>
-            <p:extLst>
-              <p:ext uri="{386F3935-93C4-4BCD-93E2-E3B085C9AB24}">
-                <p16:designElem xmlns:p16="http://schemas.microsoft.com/office/powerpoint/2015/main" val="1"/>
-              </p:ext>
-            </p:extLst>
-          </p:nvPr>
-        </p:nvCxnSpPr>
-        <p:spPr>
-          <a:xfrm>
-            <a:off x="4642336" y="0"/>
-            <a:ext cx="0" cy="6858000"/>
-          </a:xfrm>
-          <a:prstGeom prst="line">
-            <a:avLst/>
-          </a:prstGeom>
-          <a:solidFill>
-            <a:srgbClr val="FFFFFF"/>
-          </a:solidFill>
-          <a:ln w="38100" cap="flat">
-            <a:gradFill flip="none" rotWithShape="1">
-              <a:gsLst>
-                <a:gs pos="0">
-                  <a:srgbClr val="363D46"/>
-                </a:gs>
-                <a:gs pos="100000">
-                  <a:srgbClr val="363D46">
-                    <a:lumMod val="75000"/>
-                  </a:srgbClr>
-                </a:gs>
-              </a:gsLst>
-              <a:lin ang="5400000" scaled="0"/>
-              <a:tileRect/>
-            </a:gradFill>
-            <a:miter lim="800000"/>
-          </a:ln>
-          <a:effectLst>
-            <a:innerShdw blurRad="57150" dist="38100" dir="14460000">
-              <a:srgbClr val="000000">
-                <a:alpha val="70000"/>
-              </a:srgbClr>
-            </a:innerShdw>
-          </a:effectLst>
-        </p:spPr>
-        <p:style>
-          <a:lnRef idx="2">
-            <a:schemeClr val="accent1">
-              <a:shade val="50000"/>
-            </a:schemeClr>
-          </a:lnRef>
-          <a:fillRef idx="1">
-            <a:schemeClr val="accent1"/>
-          </a:fillRef>
-          <a:effectRef idx="0">
-            <a:schemeClr val="accent1"/>
-          </a:effectRef>
-          <a:fontRef idx="minor">
-            <a:schemeClr val="lt1"/>
-          </a:fontRef>
-        </p:style>
-      </p:cxnSp>
+            <a:endParaRPr lang="en-US" b="1" dirty="0"/>
+          </a:p>
+        </p:txBody>
+      </p:sp>
       <p:sp>
         <p:nvSpPr>
           <p:cNvPr id="3" name="Content Placeholder 2">
@@ -8604,70 +10147,34 @@
         </p:nvSpPr>
         <p:spPr>
           <a:xfrm>
-            <a:off x="4685605" y="714375"/>
-            <a:ext cx="4136486" cy="4996207"/>
+            <a:off x="429032" y="2168146"/>
+            <a:ext cx="5280652" cy="3106480"/>
           </a:xfrm>
         </p:spPr>
         <p:txBody>
           <a:bodyPr>
-            <a:normAutofit lnSpcReduction="10000"/>
+            <a:normAutofit fontScale="92500" lnSpcReduction="10000"/>
           </a:bodyPr>
           <a:lstStyle/>
           <a:p>
             <a:r>
-              <a:rPr lang="it-IT" dirty="0">
-                <a:solidFill>
-                  <a:schemeClr val="tx1"/>
-                </a:solidFill>
-                <a:effectLst>
-                  <a:glow rad="38100">
-                    <a:prstClr val="black">
-                      <a:lumMod val="50000"/>
-                      <a:lumOff val="50000"/>
-                      <a:alpha val="20000"/>
-                    </a:prstClr>
-                  </a:glow>
-                  <a:outerShdw blurRad="44450" dist="12700" dir="13860000" algn="tl" rotWithShape="0">
-                    <a:srgbClr val="000000">
-                      <a:alpha val="20000"/>
-                    </a:srgbClr>
-                  </a:outerShdw>
-                </a:effectLst>
-              </a:rPr>
+              <a:rPr lang="it-IT" b="1" dirty="0"/>
               <a:t>Il progetto preesistente fa uso di un dataset fornito da voxforge.org
 È formato da un totale di 220 parlatori con ciascuno 10 file audio in formato Wav, con una frequenza di campionamento a 48khz in 16 bit, monocanale.
 Le voci che formano il dataset sono di persone di sesso maschile parlanti lingua inglese, ma un futuro sviluppo porterà alla modifica del dataset ad un più eterogeneo.</a:t>
             </a:r>
           </a:p>
           <a:p>
-            <a:endParaRPr lang="en-US" dirty="0">
-              <a:solidFill>
-                <a:schemeClr val="tx1"/>
-              </a:solidFill>
-              <a:effectLst>
-                <a:glow rad="38100">
-                  <a:prstClr val="black">
-                    <a:lumMod val="50000"/>
-                    <a:lumOff val="50000"/>
-                    <a:alpha val="20000"/>
-                  </a:prstClr>
-                </a:glow>
-                <a:outerShdw blurRad="44450" dist="12700" dir="13860000" algn="tl" rotWithShape="0">
-                  <a:srgbClr val="000000">
-                    <a:alpha val="20000"/>
-                  </a:srgbClr>
-                </a:outerShdw>
-              </a:effectLst>
-            </a:endParaRPr>
+            <a:endParaRPr lang="en-US" dirty="0"/>
           </a:p>
         </p:txBody>
       </p:sp>
       <p:pic>
         <p:nvPicPr>
-          <p:cNvPr id="6" name="Immagine 5">
+          <p:cNvPr id="18" name="Immagine 17">
             <a:extLst>
               <a:ext uri="{FF2B5EF4-FFF2-40B4-BE49-F238E27FC236}">
-                <a16:creationId xmlns:a16="http://schemas.microsoft.com/office/drawing/2014/main" id="{5E6EB1CE-38D9-4864-889E-E224B6158CE6}"/>
+                <a16:creationId xmlns:a16="http://schemas.microsoft.com/office/drawing/2014/main" id="{099EA903-2C77-4EED-8179-46552F51AB34}"/>
               </a:ext>
             </a:extLst>
           </p:cNvPr>
@@ -8677,15 +10184,15 @@
           <p:nvPr/>
         </p:nvPicPr>
         <p:blipFill>
-          <a:blip r:embed="rId3"/>
+          <a:blip r:embed="rId5"/>
           <a:stretch>
             <a:fillRect/>
           </a:stretch>
         </p:blipFill>
         <p:spPr>
           <a:xfrm>
-            <a:off x="5914390" y="5296539"/>
-            <a:ext cx="1423447" cy="1423447"/>
+            <a:off x="6304677" y="-5316"/>
+            <a:ext cx="5768996" cy="3369392"/>
           </a:xfrm>
           <a:prstGeom prst="rect">
             <a:avLst/>
@@ -8694,10 +10201,10 @@
       </p:pic>
       <p:pic>
         <p:nvPicPr>
-          <p:cNvPr id="14" name="Immagine 13">
+          <p:cNvPr id="20" name="Immagine 19" descr="Immagine che contiene testo, cielo&#10;&#10;Descrizione generata automaticamente">
             <a:extLst>
               <a:ext uri="{FF2B5EF4-FFF2-40B4-BE49-F238E27FC236}">
-                <a16:creationId xmlns:a16="http://schemas.microsoft.com/office/drawing/2014/main" id="{59049124-5942-4758-B2DE-BD5F6EA5F102}"/>
+                <a16:creationId xmlns:a16="http://schemas.microsoft.com/office/drawing/2014/main" id="{EF50A48F-F4EB-4024-9A75-383022A73A0E}"/>
               </a:ext>
             </a:extLst>
           </p:cNvPr>
@@ -8707,15 +10214,15 @@
           <p:nvPr/>
         </p:nvPicPr>
         <p:blipFill>
-          <a:blip r:embed="rId4"/>
+          <a:blip r:embed="rId6"/>
           <a:stretch>
             <a:fillRect/>
           </a:stretch>
         </p:blipFill>
         <p:spPr>
           <a:xfrm>
-            <a:off x="8822091" y="242992"/>
-            <a:ext cx="3193942" cy="4788341"/>
+            <a:off x="6304677" y="3407294"/>
+            <a:ext cx="5768996" cy="3412804"/>
           </a:xfrm>
           <a:prstGeom prst="rect">
             <a:avLst/>
@@ -8752,6 +10259,54 @@
           <a:chExt cx="0" cy="0"/>
         </a:xfrm>
       </p:grpSpPr>
+      <p:pic>
+        <p:nvPicPr>
+          <p:cNvPr id="2050" name="Picture 2">
+            <a:extLst>
+              <a:ext uri="{FF2B5EF4-FFF2-40B4-BE49-F238E27FC236}">
+                <a16:creationId xmlns:a16="http://schemas.microsoft.com/office/drawing/2014/main" id="{DC3D18B5-6F45-4B46-8BA1-62EE510B6A45}"/>
+              </a:ext>
+            </a:extLst>
+          </p:cNvPr>
+          <p:cNvPicPr>
+            <a:picLocks noChangeAspect="1" noChangeArrowheads="1"/>
+          </p:cNvPicPr>
+          <p:nvPr/>
+        </p:nvPicPr>
+        <p:blipFill>
+          <a:blip r:embed="rId2">
+            <a:alphaModFix amt="35000"/>
+            <a:extLst>
+              <a:ext uri="{28A0092B-C50C-407E-A947-70E740481C1C}">
+                <a14:useLocalDpi xmlns:a14="http://schemas.microsoft.com/office/drawing/2010/main" val="0"/>
+              </a:ext>
+            </a:extLst>
+          </a:blip>
+          <a:srcRect/>
+          <a:stretch>
+            <a:fillRect/>
+          </a:stretch>
+        </p:blipFill>
+        <p:spPr bwMode="auto">
+          <a:xfrm>
+            <a:off x="0" y="0"/>
+            <a:ext cx="12192000" cy="6868712"/>
+          </a:xfrm>
+          <a:prstGeom prst="rect">
+            <a:avLst/>
+          </a:prstGeom>
+          <a:noFill/>
+          <a:extLst>
+            <a:ext uri="{909E8E84-426E-40DD-AFC4-6F175D3DCCD1}">
+              <a14:hiddenFill xmlns:a14="http://schemas.microsoft.com/office/drawing/2010/main">
+                <a:solidFill>
+                  <a:srgbClr val="FFFFFF"/>
+                </a:solidFill>
+              </a14:hiddenFill>
+            </a:ext>
+          </a:extLst>
+        </p:spPr>
+      </p:pic>
       <p:sp>
         <p:nvSpPr>
           <p:cNvPr id="2" name="Titolo 1">
@@ -8774,8 +10329,8 @@
           <a:lstStyle/>
           <a:p>
             <a:r>
-              <a:rPr lang="it-IT" dirty="0"/>
-              <a:t>Dataset 2	</a:t>
+              <a:rPr lang="it-IT" b="1" dirty="0"/>
+              <a:t>Dataset </a:t>
             </a:r>
           </a:p>
         </p:txBody>
@@ -8796,15 +10351,120 @@
             <p:ph idx="1"/>
           </p:nvPr>
         </p:nvSpPr>
-        <p:spPr/>
+        <p:spPr>
+          <a:xfrm>
+            <a:off x="1141412" y="1913860"/>
+            <a:ext cx="6067461" cy="3965945"/>
+          </a:xfrm>
+        </p:spPr>
         <p:txBody>
           <a:bodyPr/>
           <a:lstStyle/>
           <a:p>
-            <a:endParaRPr lang="it-IT" dirty="0"/>
-          </a:p>
-        </p:txBody>
-      </p:sp>
+            <a:r>
+              <a:rPr lang="it-IT" b="1" dirty="0">
+                <a:effectLst>
+                  <a:glow rad="38100">
+                    <a:schemeClr val="bg1">
+                      <a:lumMod val="50000"/>
+                      <a:lumOff val="50000"/>
+                      <a:alpha val="20000"/>
+                    </a:schemeClr>
+                  </a:glow>
+                </a:effectLst>
+              </a:rPr>
+              <a:t>Un secondo dataset viene fornito sempre da voxforge.org</a:t>
+            </a:r>
+          </a:p>
+          <a:p>
+            <a:r>
+              <a:rPr lang="it-IT" b="1" dirty="0">
+                <a:effectLst>
+                  <a:glow rad="38100">
+                    <a:schemeClr val="bg1">
+                      <a:lumMod val="50000"/>
+                      <a:lumOff val="50000"/>
+                      <a:alpha val="20000"/>
+                    </a:schemeClr>
+                  </a:glow>
+                </a:effectLst>
+              </a:rPr>
+              <a:t>È formato da un totale di 10 parlatori e ,come il precedente, con ciascuno 10 file audio in formato Wav, con una frequenza di campionamento a 48khz in 16 bit, monocanale. </a:t>
+            </a:r>
+          </a:p>
+          <a:p>
+            <a:r>
+              <a:rPr lang="it-IT" b="1" dirty="0">
+                <a:effectLst>
+                  <a:glow rad="38100">
+                    <a:schemeClr val="bg1">
+                      <a:lumMod val="50000"/>
+                      <a:lumOff val="50000"/>
+                      <a:alpha val="20000"/>
+                    </a:schemeClr>
+                  </a:glow>
+                </a:effectLst>
+              </a:rPr>
+              <a:t>Sono presenti parlatori di entrambi i sessi parlanti lingua italiana,</a:t>
+            </a:r>
+            <a:br>
+              <a:rPr lang="it-IT" b="1" dirty="0">
+                <a:effectLst>
+                  <a:glow rad="38100">
+                    <a:schemeClr val="bg1">
+                      <a:lumMod val="50000"/>
+                      <a:lumOff val="50000"/>
+                      <a:alpha val="20000"/>
+                    </a:schemeClr>
+                  </a:glow>
+                </a:effectLst>
+              </a:rPr>
+            </a:br>
+            <a:r>
+              <a:rPr lang="it-IT" b="1" dirty="0">
+                <a:effectLst>
+                  <a:glow rad="38100">
+                    <a:schemeClr val="bg1">
+                      <a:lumMod val="50000"/>
+                      <a:lumOff val="50000"/>
+                      <a:alpha val="20000"/>
+                    </a:schemeClr>
+                  </a:glow>
+                </a:effectLst>
+              </a:rPr>
+              <a:t>provenienza regionale ignota</a:t>
+            </a:r>
+          </a:p>
+        </p:txBody>
+      </p:sp>
+      <p:graphicFrame>
+        <p:nvGraphicFramePr>
+          <p:cNvPr id="6" name="Grafico 5">
+            <a:extLst>
+              <a:ext uri="{FF2B5EF4-FFF2-40B4-BE49-F238E27FC236}">
+                <a16:creationId xmlns:a16="http://schemas.microsoft.com/office/drawing/2014/main" id="{415C8030-A832-437F-8778-2A3F570305FA}"/>
+              </a:ext>
+            </a:extLst>
+          </p:cNvPr>
+          <p:cNvGraphicFramePr/>
+          <p:nvPr>
+            <p:extLst>
+              <p:ext uri="{D42A27DB-BD31-4B8C-83A1-F6EECF244321}">
+                <p14:modId xmlns:p14="http://schemas.microsoft.com/office/powerpoint/2010/main" val="1568768622"/>
+              </p:ext>
+            </p:extLst>
+          </p:nvPr>
+        </p:nvGraphicFramePr>
+        <p:xfrm>
+          <a:off x="7570382" y="2953676"/>
+          <a:ext cx="3959354" cy="3475960"/>
+        </p:xfrm>
+        <a:graphic>
+          <a:graphicData uri="http://schemas.openxmlformats.org/drawingml/2006/chart">
+            <c:chart xmlns:c="http://schemas.openxmlformats.org/drawingml/2006/chart" xmlns:r="http://schemas.openxmlformats.org/officeDocument/2006/relationships" r:id="rId3"/>
+          </a:graphicData>
+        </a:graphic>
+      </p:graphicFrame>
     </p:spTree>
     <p:extLst>
       <p:ext uri="{BB962C8B-B14F-4D97-AF65-F5344CB8AC3E}">
@@ -8819,267 +10479,6 @@
 </file>
 
 <file path=ppt/slides/slide16.xml><?xml version="1.0" encoding="utf-8"?>
-<p:sld xmlns:a="http://schemas.openxmlformats.org/drawingml/2006/main" xmlns:r="http://schemas.openxmlformats.org/officeDocument/2006/relationships" xmlns:p="http://schemas.openxmlformats.org/presentationml/2006/main">
-  <p:cSld>
-    <p:bg>
-      <p:bgPr>
-        <a:blipFill rotWithShape="1">
-          <a:blip r:embed="rId2">
-            <a:duotone>
-              <a:schemeClr val="bg2">
-                <a:shade val="28000"/>
-                <a:satMod val="94000"/>
-                <a:lumMod val="20000"/>
-              </a:schemeClr>
-              <a:schemeClr val="bg2">
-                <a:tint val="94000"/>
-                <a:shade val="84000"/>
-                <a:satMod val="148000"/>
-                <a:lumMod val="114000"/>
-              </a:schemeClr>
-            </a:duotone>
-          </a:blip>
-          <a:stretch/>
-        </a:blipFill>
-        <a:effectLst/>
-      </p:bgPr>
-    </p:bg>
-    <p:spTree>
-      <p:nvGrpSpPr>
-        <p:cNvPr id="1" name=""/>
-        <p:cNvGrpSpPr/>
-        <p:nvPr/>
-      </p:nvGrpSpPr>
-      <p:grpSpPr>
-        <a:xfrm>
-          <a:off x="0" y="0"/>
-          <a:ext cx="0" cy="0"/>
-          <a:chOff x="0" y="0"/>
-          <a:chExt cx="0" cy="0"/>
-        </a:xfrm>
-      </p:grpSpPr>
-      <p:sp>
-        <p:nvSpPr>
-          <p:cNvPr id="3" name="Segnaposto contenuto 2">
-            <a:extLst>
-              <a:ext uri="{FF2B5EF4-FFF2-40B4-BE49-F238E27FC236}">
-                <a16:creationId xmlns:a16="http://schemas.microsoft.com/office/drawing/2014/main" id="{F98284C4-0179-4CD4-A468-B49A00A471F7}"/>
-              </a:ext>
-            </a:extLst>
-          </p:cNvPr>
-          <p:cNvSpPr>
-            <a:spLocks noGrp="1"/>
-          </p:cNvSpPr>
-          <p:nvPr>
-            <p:ph idx="1"/>
-          </p:nvPr>
-        </p:nvSpPr>
-        <p:spPr>
-          <a:xfrm>
-            <a:off x="543715" y="585239"/>
-            <a:ext cx="11104567" cy="3460911"/>
-          </a:xfrm>
-        </p:spPr>
-        <p:txBody>
-          <a:bodyPr>
-            <a:normAutofit/>
-          </a:bodyPr>
-          <a:lstStyle/>
-          <a:p>
-            <a:pPr marL="0" indent="0">
-              <a:lnSpc>
-                <a:spcPct val="90000"/>
-              </a:lnSpc>
-              <a:buNone/>
-            </a:pPr>
-            <a:r>
-              <a:rPr lang="it-IT" sz="1500" dirty="0"/>
-              <a:t>Il progetto si divide in tre file di codice </a:t>
-            </a:r>
-            <a:r>
-              <a:rPr lang="it-IT" sz="1500" dirty="0" err="1"/>
-              <a:t>python</a:t>
-            </a:r>
-            <a:r>
-              <a:rPr lang="it-IT" sz="1500" dirty="0"/>
-              <a:t>:</a:t>
-            </a:r>
-          </a:p>
-          <a:p>
-            <a:pPr marL="457200" indent="-457200">
-              <a:lnSpc>
-                <a:spcPct val="90000"/>
-              </a:lnSpc>
-              <a:buFont typeface="+mj-lt"/>
-              <a:buAutoNum type="arabicPeriod"/>
-            </a:pPr>
-            <a:r>
-              <a:rPr lang="it-IT" sz="1500" b="1" dirty="0"/>
-              <a:t>Modeltraining.py, </a:t>
-            </a:r>
-            <a:r>
-              <a:rPr lang="it-IT" sz="1500" dirty="0"/>
-              <a:t>si occupa di allenare i modelli utilizzando il training set descritto dal foglio di testo «development_set_enroll.txt» (contenente all’interno la </a:t>
-            </a:r>
-            <a:r>
-              <a:rPr lang="it-IT" sz="1500" dirty="0" err="1"/>
-              <a:t>path</a:t>
-            </a:r>
-            <a:r>
-              <a:rPr lang="it-IT" sz="1500" dirty="0"/>
-              <a:t> dei file) creando un modello di </a:t>
-            </a:r>
-            <a:r>
-              <a:rPr lang="it-IT" sz="1500" dirty="0" err="1"/>
-              <a:t>Gmm</a:t>
-            </a:r>
-            <a:r>
-              <a:rPr lang="it-IT" sz="1500" dirty="0"/>
-              <a:t> per ogni parlatore, mentre per i classificatori vengono generati modelli unici </a:t>
-            </a:r>
-            <a:r>
-              <a:rPr lang="it-IT" sz="1500" dirty="0" err="1"/>
-              <a:t>multiclasse</a:t>
-            </a:r>
-            <a:r>
-              <a:rPr lang="it-IT" sz="1500" dirty="0"/>
-              <a:t> one-</a:t>
-            </a:r>
-            <a:r>
-              <a:rPr lang="it-IT" sz="1500" dirty="0" err="1"/>
-              <a:t>aganist</a:t>
-            </a:r>
-            <a:r>
-              <a:rPr lang="it-IT" sz="1500" dirty="0"/>
-              <a:t>-one</a:t>
-            </a:r>
-            <a:endParaRPr lang="it-IT" sz="1500" b="1" dirty="0"/>
-          </a:p>
-          <a:p>
-            <a:pPr marL="457200" indent="-457200">
-              <a:lnSpc>
-                <a:spcPct val="90000"/>
-              </a:lnSpc>
-              <a:buFont typeface="+mj-lt"/>
-              <a:buAutoNum type="arabicPeriod"/>
-            </a:pPr>
-            <a:r>
-              <a:rPr lang="it-IT" sz="1500" b="1" dirty="0"/>
-              <a:t>Test.py, </a:t>
-            </a:r>
-            <a:r>
-              <a:rPr lang="it-IT" sz="1500" dirty="0"/>
-              <a:t>prende in esame i modelli creati dallo script precedente e attua il riconoscimento del parlatore, permettendo all’utente di scegliere un file singolo tramite la sua </a:t>
-            </a:r>
-            <a:r>
-              <a:rPr lang="it-IT" sz="1500" dirty="0" err="1"/>
-              <a:t>path</a:t>
-            </a:r>
-            <a:r>
-              <a:rPr lang="it-IT" sz="1500" dirty="0"/>
-              <a:t> o utilizzando l’intero test set</a:t>
-            </a:r>
-            <a:endParaRPr lang="it-IT" sz="1500" b="1" dirty="0"/>
-          </a:p>
-          <a:p>
-            <a:pPr marL="457200" indent="-457200">
-              <a:lnSpc>
-                <a:spcPct val="90000"/>
-              </a:lnSpc>
-              <a:buFont typeface="+mj-lt"/>
-              <a:buAutoNum type="arabicPeriod"/>
-            </a:pPr>
-            <a:r>
-              <a:rPr lang="it-IT" sz="1500" b="1" dirty="0"/>
-              <a:t>Featureextraction.py, </a:t>
-            </a:r>
-            <a:r>
-              <a:rPr lang="it-IT" sz="1500" dirty="0"/>
-              <a:t>formato da due funzioni che vengono riprese dagli altri file per l’estrazione delle feature, nel dettaglio:</a:t>
-            </a:r>
-            <a:br>
-              <a:rPr lang="it-IT" sz="1500" dirty="0"/>
-            </a:br>
-            <a:r>
-              <a:rPr lang="it-IT" sz="1500" dirty="0"/>
-              <a:t>- i file audio vengono suddivisi in finestre da 25 millisecondi, ottenendo 40 feature per ogni frame</a:t>
-            </a:r>
-            <a:br>
-              <a:rPr lang="it-IT" sz="1500" dirty="0"/>
-            </a:br>
-            <a:endParaRPr lang="it-IT" sz="1500" dirty="0"/>
-          </a:p>
-        </p:txBody>
-      </p:sp>
-      <p:pic>
-        <p:nvPicPr>
-          <p:cNvPr id="4" name="Immagine 3">
-            <a:extLst>
-              <a:ext uri="{FF2B5EF4-FFF2-40B4-BE49-F238E27FC236}">
-                <a16:creationId xmlns:a16="http://schemas.microsoft.com/office/drawing/2014/main" id="{380E7ADB-11BE-439B-BEB4-092C61D05518}"/>
-              </a:ext>
-            </a:extLst>
-          </p:cNvPr>
-          <p:cNvPicPr>
-            <a:picLocks noChangeAspect="1"/>
-          </p:cNvPicPr>
-          <p:nvPr/>
-        </p:nvPicPr>
-        <p:blipFill>
-          <a:blip r:embed="rId3"/>
-          <a:stretch>
-            <a:fillRect/>
-          </a:stretch>
-        </p:blipFill>
-        <p:spPr>
-          <a:xfrm>
-            <a:off x="1877609" y="4046150"/>
-            <a:ext cx="8738439" cy="2009841"/>
-          </a:xfrm>
-          <a:prstGeom prst="roundRect">
-            <a:avLst>
-              <a:gd name="adj" fmla="val 3517"/>
-            </a:avLst>
-          </a:prstGeom>
-          <a:ln w="38100">
-            <a:gradFill flip="none" rotWithShape="1">
-              <a:gsLst>
-                <a:gs pos="0">
-                  <a:srgbClr val="363D46"/>
-                </a:gs>
-                <a:gs pos="100000">
-                  <a:srgbClr val="363D46">
-                    <a:lumMod val="75000"/>
-                  </a:srgbClr>
-                </a:gs>
-              </a:gsLst>
-              <a:lin ang="5400000" scaled="0"/>
-              <a:tileRect/>
-            </a:gradFill>
-          </a:ln>
-          <a:effectLst>
-            <a:innerShdw blurRad="57150" dist="38100" dir="14460000">
-              <a:srgbClr val="000000">
-                <a:alpha val="70000"/>
-              </a:srgbClr>
-            </a:innerShdw>
-          </a:effectLst>
-        </p:spPr>
-      </p:pic>
-    </p:spTree>
-    <p:extLst>
-      <p:ext uri="{BB962C8B-B14F-4D97-AF65-F5344CB8AC3E}">
-        <p14:creationId xmlns:p14="http://schemas.microsoft.com/office/powerpoint/2010/main" val="1553107140"/>
-      </p:ext>
-    </p:extLst>
-  </p:cSld>
-  <p:clrMapOvr>
-    <a:masterClrMapping/>
-  </p:clrMapOvr>
-</p:sld>
-</file>
-
-<file path=ppt/slides/slide17.xml><?xml version="1.0" encoding="utf-8"?>
 <p:sld xmlns:a="http://schemas.openxmlformats.org/drawingml/2006/main" xmlns:r="http://schemas.openxmlformats.org/officeDocument/2006/relationships" xmlns:p="http://schemas.openxmlformats.org/presentationml/2006/main">
   <p:cSld>
     <p:spTree>
@@ -9162,7 +10561,7 @@
           <a:lstStyle/>
           <a:p>
             <a:r>
-              <a:rPr lang="en-US" dirty="0" err="1">
+              <a:rPr lang="it-IT" dirty="0">
                 <a:effectLst>
                   <a:glow rad="38100">
                     <a:prstClr val="black">
@@ -9173,10 +10572,11 @@
                   </a:glow>
                 </a:effectLst>
               </a:rPr>
-              <a:t>Massimizzare</a:t>
-            </a:r>
-            <a:r>
-              <a:rPr lang="en-US" dirty="0">
+              <a:t>Massimizzare l’affidabilità dei modelli con tuning di iper parametri e miglioramento dell’estrazione delle feature
+Aggiungere una soglia di </a:t>
+            </a:r>
+            <a:r>
+              <a:rPr lang="it-IT" dirty="0" err="1">
                 <a:effectLst>
                   <a:glow rad="38100">
                     <a:prstClr val="black">
@@ -9187,10 +10587,10 @@
                   </a:glow>
                 </a:effectLst>
               </a:rPr>
-              <a:t> </a:t>
-            </a:r>
-            <a:r>
-              <a:rPr lang="en-US" dirty="0" err="1">
+              <a:t>affidabiilità</a:t>
+            </a:r>
+            <a:r>
+              <a:rPr lang="it-IT" dirty="0">
                 <a:effectLst>
                   <a:glow rad="38100">
                     <a:prstClr val="black">
@@ -9201,10 +10601,10 @@
                   </a:glow>
                 </a:effectLst>
               </a:rPr>
-              <a:t>l’affidabilità</a:t>
-            </a:r>
-            <a:r>
-              <a:rPr lang="en-US" dirty="0">
+              <a:t> per permettere anche la speaker </a:t>
+            </a:r>
+            <a:r>
+              <a:rPr lang="it-IT" dirty="0" err="1">
                 <a:effectLst>
                   <a:glow rad="38100">
                     <a:prstClr val="black">
@@ -9215,10 +10615,10 @@
                   </a:glow>
                 </a:effectLst>
               </a:rPr>
-              <a:t> </a:t>
-            </a:r>
-            <a:r>
-              <a:rPr lang="en-US" dirty="0" err="1">
+              <a:t>verification</a:t>
+            </a:r>
+            <a:r>
+              <a:rPr lang="it-IT" dirty="0">
                 <a:effectLst>
                   <a:glow rad="38100">
                     <a:prstClr val="black">
@@ -9229,484 +10629,8 @@
                   </a:glow>
                 </a:effectLst>
               </a:rPr>
-              <a:t>dei</a:t>
-            </a:r>
-            <a:r>
-              <a:rPr lang="en-US" dirty="0">
-                <a:effectLst>
-                  <a:glow rad="38100">
-                    <a:prstClr val="black">
-                      <a:lumMod val="50000"/>
-                      <a:lumOff val="50000"/>
-                      <a:alpha val="20000"/>
-                    </a:prstClr>
-                  </a:glow>
-                </a:effectLst>
-              </a:rPr>
-              <a:t> </a:t>
-            </a:r>
-            <a:r>
-              <a:rPr lang="en-US" dirty="0" err="1">
-                <a:effectLst>
-                  <a:glow rad="38100">
-                    <a:prstClr val="black">
-                      <a:lumMod val="50000"/>
-                      <a:lumOff val="50000"/>
-                      <a:alpha val="20000"/>
-                    </a:prstClr>
-                  </a:glow>
-                </a:effectLst>
-              </a:rPr>
-              <a:t>modelli</a:t>
-            </a:r>
-            <a:r>
-              <a:rPr lang="en-US" dirty="0">
-                <a:effectLst>
-                  <a:glow rad="38100">
-                    <a:prstClr val="black">
-                      <a:lumMod val="50000"/>
-                      <a:lumOff val="50000"/>
-                      <a:alpha val="20000"/>
-                    </a:prstClr>
-                  </a:glow>
-                </a:effectLst>
-              </a:rPr>
-              <a:t> con tuning di </a:t>
-            </a:r>
-            <a:r>
-              <a:rPr lang="en-US" dirty="0" err="1">
-                <a:effectLst>
-                  <a:glow rad="38100">
-                    <a:prstClr val="black">
-                      <a:lumMod val="50000"/>
-                      <a:lumOff val="50000"/>
-                      <a:alpha val="20000"/>
-                    </a:prstClr>
-                  </a:glow>
-                </a:effectLst>
-              </a:rPr>
-              <a:t>iper</a:t>
-            </a:r>
-            <a:r>
-              <a:rPr lang="en-US" dirty="0">
-                <a:effectLst>
-                  <a:glow rad="38100">
-                    <a:prstClr val="black">
-                      <a:lumMod val="50000"/>
-                      <a:lumOff val="50000"/>
-                      <a:alpha val="20000"/>
-                    </a:prstClr>
-                  </a:glow>
-                </a:effectLst>
-              </a:rPr>
-              <a:t> </a:t>
-            </a:r>
-            <a:r>
-              <a:rPr lang="en-US" dirty="0" err="1">
-                <a:effectLst>
-                  <a:glow rad="38100">
-                    <a:prstClr val="black">
-                      <a:lumMod val="50000"/>
-                      <a:lumOff val="50000"/>
-                      <a:alpha val="20000"/>
-                    </a:prstClr>
-                  </a:glow>
-                </a:effectLst>
-              </a:rPr>
-              <a:t>parametri</a:t>
-            </a:r>
-            <a:r>
-              <a:rPr lang="en-US" dirty="0">
-                <a:effectLst>
-                  <a:glow rad="38100">
-                    <a:prstClr val="black">
-                      <a:lumMod val="50000"/>
-                      <a:lumOff val="50000"/>
-                      <a:alpha val="20000"/>
-                    </a:prstClr>
-                  </a:glow>
-                </a:effectLst>
-              </a:rPr>
-              <a:t> e </a:t>
-            </a:r>
-            <a:r>
-              <a:rPr lang="en-US" dirty="0" err="1">
-                <a:effectLst>
-                  <a:glow rad="38100">
-                    <a:prstClr val="black">
-                      <a:lumMod val="50000"/>
-                      <a:lumOff val="50000"/>
-                      <a:alpha val="20000"/>
-                    </a:prstClr>
-                  </a:glow>
-                </a:effectLst>
-              </a:rPr>
-              <a:t>miglioramento</a:t>
-            </a:r>
-            <a:r>
-              <a:rPr lang="en-US" dirty="0">
-                <a:effectLst>
-                  <a:glow rad="38100">
-                    <a:prstClr val="black">
-                      <a:lumMod val="50000"/>
-                      <a:lumOff val="50000"/>
-                      <a:alpha val="20000"/>
-                    </a:prstClr>
-                  </a:glow>
-                </a:effectLst>
-              </a:rPr>
-              <a:t> </a:t>
-            </a:r>
-            <a:r>
-              <a:rPr lang="en-US" dirty="0" err="1">
-                <a:effectLst>
-                  <a:glow rad="38100">
-                    <a:prstClr val="black">
-                      <a:lumMod val="50000"/>
-                      <a:lumOff val="50000"/>
-                      <a:alpha val="20000"/>
-                    </a:prstClr>
-                  </a:glow>
-                </a:effectLst>
-              </a:rPr>
-              <a:t>dell’estrazione</a:t>
-            </a:r>
-            <a:r>
-              <a:rPr lang="en-US" dirty="0">
-                <a:effectLst>
-                  <a:glow rad="38100">
-                    <a:prstClr val="black">
-                      <a:lumMod val="50000"/>
-                      <a:lumOff val="50000"/>
-                      <a:alpha val="20000"/>
-                    </a:prstClr>
-                  </a:glow>
-                </a:effectLst>
-              </a:rPr>
-              <a:t> </a:t>
-            </a:r>
-            <a:r>
-              <a:rPr lang="en-US" dirty="0" err="1">
-                <a:effectLst>
-                  <a:glow rad="38100">
-                    <a:prstClr val="black">
-                      <a:lumMod val="50000"/>
-                      <a:lumOff val="50000"/>
-                      <a:alpha val="20000"/>
-                    </a:prstClr>
-                  </a:glow>
-                </a:effectLst>
-              </a:rPr>
-              <a:t>delle</a:t>
-            </a:r>
-            <a:r>
-              <a:rPr lang="en-US" dirty="0">
-                <a:effectLst>
-                  <a:glow rad="38100">
-                    <a:prstClr val="black">
-                      <a:lumMod val="50000"/>
-                      <a:lumOff val="50000"/>
-                      <a:alpha val="20000"/>
-                    </a:prstClr>
-                  </a:glow>
-                </a:effectLst>
-              </a:rPr>
-              <a:t> feature</a:t>
-            </a:r>
-          </a:p>
-          <a:p>
-            <a:r>
-              <a:rPr lang="en-US" dirty="0" err="1">
-                <a:effectLst>
-                  <a:glow rad="38100">
-                    <a:prstClr val="black">
-                      <a:lumMod val="50000"/>
-                      <a:lumOff val="50000"/>
-                      <a:alpha val="20000"/>
-                    </a:prstClr>
-                  </a:glow>
-                </a:effectLst>
-              </a:rPr>
-              <a:t>Aggiungere</a:t>
-            </a:r>
-            <a:r>
-              <a:rPr lang="en-US" dirty="0">
-                <a:effectLst>
-                  <a:glow rad="38100">
-                    <a:prstClr val="black">
-                      <a:lumMod val="50000"/>
-                      <a:lumOff val="50000"/>
-                      <a:alpha val="20000"/>
-                    </a:prstClr>
-                  </a:glow>
-                </a:effectLst>
-              </a:rPr>
-              <a:t> </a:t>
-            </a:r>
-            <a:r>
-              <a:rPr lang="en-US" dirty="0" err="1">
-                <a:effectLst>
-                  <a:glow rad="38100">
-                    <a:prstClr val="black">
-                      <a:lumMod val="50000"/>
-                      <a:lumOff val="50000"/>
-                      <a:alpha val="20000"/>
-                    </a:prstClr>
-                  </a:glow>
-                </a:effectLst>
-              </a:rPr>
-              <a:t>una</a:t>
-            </a:r>
-            <a:r>
-              <a:rPr lang="en-US" dirty="0">
-                <a:effectLst>
-                  <a:glow rad="38100">
-                    <a:prstClr val="black">
-                      <a:lumMod val="50000"/>
-                      <a:lumOff val="50000"/>
-                      <a:alpha val="20000"/>
-                    </a:prstClr>
-                  </a:glow>
-                </a:effectLst>
-              </a:rPr>
-              <a:t> </a:t>
-            </a:r>
-            <a:r>
-              <a:rPr lang="en-US" dirty="0" err="1">
-                <a:effectLst>
-                  <a:glow rad="38100">
-                    <a:prstClr val="black">
-                      <a:lumMod val="50000"/>
-                      <a:lumOff val="50000"/>
-                      <a:alpha val="20000"/>
-                    </a:prstClr>
-                  </a:glow>
-                </a:effectLst>
-              </a:rPr>
-              <a:t>soglia</a:t>
-            </a:r>
-            <a:r>
-              <a:rPr lang="en-US" dirty="0">
-                <a:effectLst>
-                  <a:glow rad="38100">
-                    <a:prstClr val="black">
-                      <a:lumMod val="50000"/>
-                      <a:lumOff val="50000"/>
-                      <a:alpha val="20000"/>
-                    </a:prstClr>
-                  </a:glow>
-                </a:effectLst>
-              </a:rPr>
-              <a:t> di </a:t>
-            </a:r>
-            <a:r>
-              <a:rPr lang="en-US" dirty="0" err="1">
-                <a:effectLst>
-                  <a:glow rad="38100">
-                    <a:prstClr val="black">
-                      <a:lumMod val="50000"/>
-                      <a:lumOff val="50000"/>
-                      <a:alpha val="20000"/>
-                    </a:prstClr>
-                  </a:glow>
-                </a:effectLst>
-              </a:rPr>
-              <a:t>affidabiilità</a:t>
-            </a:r>
-            <a:r>
-              <a:rPr lang="en-US" dirty="0">
-                <a:effectLst>
-                  <a:glow rad="38100">
-                    <a:prstClr val="black">
-                      <a:lumMod val="50000"/>
-                      <a:lumOff val="50000"/>
-                      <a:alpha val="20000"/>
-                    </a:prstClr>
-                  </a:glow>
-                </a:effectLst>
-              </a:rPr>
-              <a:t> per </a:t>
-            </a:r>
-            <a:r>
-              <a:rPr lang="en-US" dirty="0" err="1">
-                <a:effectLst>
-                  <a:glow rad="38100">
-                    <a:prstClr val="black">
-                      <a:lumMod val="50000"/>
-                      <a:lumOff val="50000"/>
-                      <a:alpha val="20000"/>
-                    </a:prstClr>
-                  </a:glow>
-                </a:effectLst>
-              </a:rPr>
-              <a:t>permettere</a:t>
-            </a:r>
-            <a:r>
-              <a:rPr lang="en-US" dirty="0">
-                <a:effectLst>
-                  <a:glow rad="38100">
-                    <a:prstClr val="black">
-                      <a:lumMod val="50000"/>
-                      <a:lumOff val="50000"/>
-                      <a:alpha val="20000"/>
-                    </a:prstClr>
-                  </a:glow>
-                </a:effectLst>
-              </a:rPr>
-              <a:t> </a:t>
-            </a:r>
-            <a:r>
-              <a:rPr lang="en-US" dirty="0" err="1">
-                <a:effectLst>
-                  <a:glow rad="38100">
-                    <a:prstClr val="black">
-                      <a:lumMod val="50000"/>
-                      <a:lumOff val="50000"/>
-                      <a:alpha val="20000"/>
-                    </a:prstClr>
-                  </a:glow>
-                </a:effectLst>
-              </a:rPr>
-              <a:t>anche</a:t>
-            </a:r>
-            <a:r>
-              <a:rPr lang="en-US" dirty="0">
-                <a:effectLst>
-                  <a:glow rad="38100">
-                    <a:prstClr val="black">
-                      <a:lumMod val="50000"/>
-                      <a:lumOff val="50000"/>
-                      <a:alpha val="20000"/>
-                    </a:prstClr>
-                  </a:glow>
-                </a:effectLst>
-              </a:rPr>
-              <a:t> la speaker verification in </a:t>
-            </a:r>
-            <a:r>
-              <a:rPr lang="en-US" dirty="0" err="1">
-                <a:effectLst>
-                  <a:glow rad="38100">
-                    <a:prstClr val="black">
-                      <a:lumMod val="50000"/>
-                      <a:lumOff val="50000"/>
-                      <a:alpha val="20000"/>
-                    </a:prstClr>
-                  </a:glow>
-                </a:effectLst>
-              </a:rPr>
-              <a:t>seguito</a:t>
-            </a:r>
-            <a:r>
-              <a:rPr lang="en-US" dirty="0">
-                <a:effectLst>
-                  <a:glow rad="38100">
-                    <a:prstClr val="black">
-                      <a:lumMod val="50000"/>
-                      <a:lumOff val="50000"/>
-                      <a:alpha val="20000"/>
-                    </a:prstClr>
-                  </a:glow>
-                </a:effectLst>
-              </a:rPr>
-              <a:t> </a:t>
-            </a:r>
-            <a:r>
-              <a:rPr lang="en-US" dirty="0" err="1">
-                <a:effectLst>
-                  <a:glow rad="38100">
-                    <a:prstClr val="black">
-                      <a:lumMod val="50000"/>
-                      <a:lumOff val="50000"/>
-                      <a:alpha val="20000"/>
-                    </a:prstClr>
-                  </a:glow>
-                </a:effectLst>
-              </a:rPr>
-              <a:t>all’identificazione</a:t>
-            </a:r>
-            <a:endParaRPr lang="en-US" dirty="0">
-              <a:effectLst>
-                <a:glow rad="38100">
-                  <a:prstClr val="black">
-                    <a:lumMod val="50000"/>
-                    <a:lumOff val="50000"/>
-                    <a:alpha val="20000"/>
-                  </a:prstClr>
-                </a:glow>
-              </a:effectLst>
-            </a:endParaRPr>
-          </a:p>
-          <a:p>
-            <a:r>
-              <a:rPr lang="en-US" dirty="0" err="1">
-                <a:effectLst>
-                  <a:glow rad="38100">
-                    <a:prstClr val="black">
-                      <a:lumMod val="50000"/>
-                      <a:lumOff val="50000"/>
-                      <a:alpha val="20000"/>
-                    </a:prstClr>
-                  </a:glow>
-                </a:effectLst>
-              </a:rPr>
-              <a:t>Creare</a:t>
-            </a:r>
-            <a:r>
-              <a:rPr lang="en-US" dirty="0">
-                <a:effectLst>
-                  <a:glow rad="38100">
-                    <a:prstClr val="black">
-                      <a:lumMod val="50000"/>
-                      <a:lumOff val="50000"/>
-                      <a:alpha val="20000"/>
-                    </a:prstClr>
-                  </a:glow>
-                </a:effectLst>
-              </a:rPr>
-              <a:t> od </a:t>
-            </a:r>
-            <a:r>
-              <a:rPr lang="en-US" dirty="0" err="1">
-                <a:effectLst>
-                  <a:glow rad="38100">
-                    <a:prstClr val="black">
-                      <a:lumMod val="50000"/>
-                      <a:lumOff val="50000"/>
-                      <a:alpha val="20000"/>
-                    </a:prstClr>
-                  </a:glow>
-                </a:effectLst>
-              </a:rPr>
-              <a:t>utilizzare</a:t>
-            </a:r>
-            <a:r>
-              <a:rPr lang="en-US" dirty="0">
-                <a:effectLst>
-                  <a:glow rad="38100">
-                    <a:prstClr val="black">
-                      <a:lumMod val="50000"/>
-                      <a:lumOff val="50000"/>
-                      <a:alpha val="20000"/>
-                    </a:prstClr>
-                  </a:glow>
-                </a:effectLst>
-              </a:rPr>
-              <a:t> un dataset in lingua </a:t>
-            </a:r>
-            <a:r>
-              <a:rPr lang="en-US" dirty="0" err="1">
-                <a:effectLst>
-                  <a:glow rad="38100">
-                    <a:prstClr val="black">
-                      <a:lumMod val="50000"/>
-                      <a:lumOff val="50000"/>
-                      <a:alpha val="20000"/>
-                    </a:prstClr>
-                  </a:glow>
-                </a:effectLst>
-              </a:rPr>
-              <a:t>italiana</a:t>
+              <a:t> in seguito all’identificazione
+Creare od utilizzare un dataset in lingua italiana</a:t>
             </a:r>
             <a:endParaRPr lang="en-US" dirty="0">
               <a:effectLst>
@@ -13274,7 +14198,7 @@
           </p:nvPr>
         </p:nvPicPr>
         <p:blipFill>
-          <a:blip r:embed="rId2"/>
+          <a:blip r:embed="rId3"/>
           <a:stretch>
             <a:fillRect/>
           </a:stretch>
@@ -13300,8 +14224,8 @@
         </p:nvSpPr>
         <p:spPr>
           <a:xfrm>
-            <a:off x="686092" y="2819400"/>
-            <a:ext cx="6044646" cy="3139321"/>
+            <a:off x="638957" y="2555081"/>
+            <a:ext cx="6072927" cy="3693319"/>
           </a:xfrm>
           <a:prstGeom prst="rect">
             <a:avLst/>
@@ -13314,32 +14238,73 @@
           </a:bodyPr>
           <a:lstStyle/>
           <a:p>
+            <a:pPr marL="285750" indent="-285750">
+              <a:buFont typeface="Arial" panose="020B0604020202020204" pitchFamily="34" charset="0"/>
+              <a:buChar char="•"/>
+            </a:pPr>
             <a:r>
               <a:rPr lang="it-IT" dirty="0"/>
-              <a:t>L’articolo citato si è dimostrato uno dei più utili e completi dell’intera lista.  </a:t>
+              <a:t>Perfetto articolo di introduzione all’argomento</a:t>
+            </a:r>
+          </a:p>
+          <a:p>
+            <a:pPr marL="285750" indent="-285750">
+              <a:buFont typeface="Arial" panose="020B0604020202020204" pitchFamily="34" charset="0"/>
+              <a:buChar char="•"/>
+            </a:pPr>
+            <a:endParaRPr lang="it-IT" dirty="0"/>
+          </a:p>
+          <a:p>
+            <a:pPr marL="285750" indent="-285750">
+              <a:buFont typeface="Arial" panose="020B0604020202020204" pitchFamily="34" charset="0"/>
+              <a:buChar char="•"/>
+            </a:pPr>
+            <a:r>
+              <a:rPr lang="it-IT" dirty="0"/>
+              <a:t>Breve ed esaustiva rappresentazione dello speech processing</a:t>
             </a:r>
             <a:br>
               <a:rPr lang="it-IT" dirty="0"/>
             </a:br>
+            <a:endParaRPr lang="it-IT" dirty="0"/>
+          </a:p>
+          <a:p>
+            <a:pPr marL="285750" indent="-285750">
+              <a:buFont typeface="Arial" panose="020B0604020202020204" pitchFamily="34" charset="0"/>
+              <a:buChar char="•"/>
+            </a:pPr>
             <a:r>
               <a:rPr lang="it-IT" dirty="0"/>
-              <a:t>Esso si pone come un compendio dell’intera struttura della speech processing andando a definire tutte le categorie che ne fanno parte (es. Speaker </a:t>
-            </a:r>
-            <a:r>
-              <a:rPr lang="it-IT" dirty="0" err="1"/>
-              <a:t>recognition</a:t>
-            </a:r>
-            <a:r>
-              <a:rPr lang="it-IT" dirty="0"/>
-              <a:t>) e per ognuna di esse la tecnologia ed gli strumenti che le compongono, nonché i limiti e le vulnerabilità.</a:t>
+              <a:t>Dipanamento puntuale delle differenze tra tutte le sottocategorie dell’argomento</a:t>
             </a:r>
             <a:br>
               <a:rPr lang="it-IT" dirty="0"/>
             </a:br>
+            <a:endParaRPr lang="it-IT" dirty="0"/>
+          </a:p>
+          <a:p>
+            <a:pPr marL="285750" indent="-285750">
+              <a:buFont typeface="Arial" panose="020B0604020202020204" pitchFamily="34" charset="0"/>
+              <a:buChar char="•"/>
+            </a:pPr>
             <a:r>
               <a:rPr lang="it-IT" dirty="0"/>
-              <a:t>Un altro dei punti forti di questo testo è anche l’aver mostrato l’adozione e l’evoluzione delle tecniche nel corso dell’ultima decade.</a:t>
-            </a:r>
+              <a:t>Rappresentazione dell’evoluzione storica delle tecnologie e messa in mostra dei punti forti e deboli di ognuna di loro</a:t>
+            </a:r>
+          </a:p>
+          <a:p>
+            <a:pPr marL="285750" indent="-285750">
+              <a:buFont typeface="Arial" panose="020B0604020202020204" pitchFamily="34" charset="0"/>
+              <a:buChar char="•"/>
+            </a:pPr>
+            <a:endParaRPr lang="it-IT" dirty="0"/>
+          </a:p>
+          <a:p>
+            <a:pPr marL="285750" indent="-285750">
+              <a:buFont typeface="Arial" panose="020B0604020202020204" pitchFamily="34" charset="0"/>
+              <a:buChar char="•"/>
+            </a:pPr>
+            <a:endParaRPr lang="it-IT" dirty="0"/>
           </a:p>
         </p:txBody>
       </p:sp>
@@ -13358,7 +14323,7 @@
           <p:nvPr/>
         </p:nvPicPr>
         <p:blipFill>
-          <a:blip r:embed="rId3"/>
+          <a:blip r:embed="rId4"/>
           <a:stretch>
             <a:fillRect/>
           </a:stretch>
@@ -13536,7 +14501,59 @@
                   </a:outerShdw>
                 </a:effectLst>
               </a:rPr>
-              <a:t>L’intera tesi presenta la possibilità di una implementazione e miglioramento dell’interazione domotica a 360°, ma è solo nel capitolo 4 che riscontriamo lo studio sulla speaker </a:t>
+              <a:t>Tesi basata sullo sviluppo della tecnologia domotica</a:t>
+            </a:r>
+          </a:p>
+          <a:p>
+            <a:pPr marL="285750" indent="-285750">
+              <a:lnSpc>
+                <a:spcPct val="90000"/>
+              </a:lnSpc>
+              <a:spcBef>
+                <a:spcPct val="20000"/>
+              </a:spcBef>
+              <a:spcAft>
+                <a:spcPts val="600"/>
+              </a:spcAft>
+              <a:buClr>
+                <a:schemeClr val="tx1"/>
+              </a:buClr>
+              <a:buSzPct val="100000"/>
+              <a:buFont typeface="Arial"/>
+              <a:buChar char="•"/>
+            </a:pPr>
+            <a:r>
+              <a:rPr lang="it-IT" sz="1700" cap="small" dirty="0">
+                <a:gradFill flip="none" rotWithShape="1">
+                  <a:gsLst>
+                    <a:gs pos="0">
+                      <a:schemeClr val="tx1"/>
+                    </a:gs>
+                    <a:gs pos="100000">
+                      <a:schemeClr val="tx1">
+                        <a:lumMod val="75000"/>
+                      </a:schemeClr>
+                    </a:gs>
+                  </a:gsLst>
+                  <a:lin ang="5580000" scaled="0"/>
+                  <a:tileRect/>
+                </a:gradFill>
+                <a:effectLst>
+                  <a:glow rad="38100">
+                    <a:schemeClr val="bg1">
+                      <a:lumMod val="50000"/>
+                      <a:lumOff val="50000"/>
+                      <a:alpha val="20000"/>
+                    </a:schemeClr>
+                  </a:glow>
+                  <a:outerShdw blurRad="44450" dist="12700" dir="13860000" algn="tl" rotWithShape="0">
+                    <a:srgbClr val="000000">
+                      <a:alpha val="20000"/>
+                    </a:srgbClr>
+                  </a:outerShdw>
+                </a:effectLst>
+              </a:rPr>
+              <a:t>Approfondito capitolo sulla speaker </a:t>
             </a:r>
             <a:r>
               <a:rPr lang="it-IT" sz="1700" cap="small" dirty="0" err="1">
@@ -13569,175 +14586,9 @@
                   </a:outerShdw>
                 </a:effectLst>
               </a:rPr>
-              <a:t>recognition</a:t>
-            </a:r>
-            <a:r>
-              <a:rPr lang="it-IT" sz="1700" cap="small" dirty="0">
-                <a:gradFill flip="none" rotWithShape="1">
-                  <a:gsLst>
-                    <a:gs pos="0">
-                      <a:schemeClr val="tx1"/>
-                    </a:gs>
-                    <a:gs pos="100000">
-                      <a:schemeClr val="tx1">
-                        <a:lumMod val="75000"/>
-                      </a:schemeClr>
-                    </a:gs>
-                  </a:gsLst>
-                  <a:lin ang="5580000" scaled="0"/>
-                  <a:tileRect/>
-                </a:gradFill>
-                <a:effectLst>
-                  <a:glow rad="38100">
-                    <a:schemeClr val="bg1">
-                      <a:lumMod val="50000"/>
-                      <a:lumOff val="50000"/>
-                      <a:alpha val="20000"/>
-                    </a:schemeClr>
-                  </a:glow>
-                  <a:outerShdw blurRad="44450" dist="12700" dir="13860000" algn="tl" rotWithShape="0">
-                    <a:srgbClr val="000000">
-                      <a:alpha val="20000"/>
-                    </a:srgbClr>
-                  </a:outerShdw>
-                </a:effectLst>
-              </a:rPr>
-              <a:t> e le sue sottocategorie
-La particolarità di questo articolo sta nella presentazione e discussione di un’alternativa alle MFCC come metodo di estrazione delle feature, proponendo la rappresentazione tramite  </a:t>
-            </a:r>
-            <a:r>
-              <a:rPr lang="it-IT" sz="1700" cap="small" dirty="0" err="1">
-                <a:gradFill flip="none" rotWithShape="1">
-                  <a:gsLst>
-                    <a:gs pos="0">
-                      <a:schemeClr val="tx1"/>
-                    </a:gs>
-                    <a:gs pos="100000">
-                      <a:schemeClr val="tx1">
-                        <a:lumMod val="75000"/>
-                      </a:schemeClr>
-                    </a:gs>
-                  </a:gsLst>
-                  <a:lin ang="5580000" scaled="0"/>
-                  <a:tileRect/>
-                </a:gradFill>
-                <a:effectLst>
-                  <a:glow rad="38100">
-                    <a:schemeClr val="bg1">
-                      <a:lumMod val="50000"/>
-                      <a:lumOff val="50000"/>
-                      <a:alpha val="20000"/>
-                    </a:schemeClr>
-                  </a:glow>
-                  <a:outerShdw blurRad="44450" dist="12700" dir="13860000" algn="tl" rotWithShape="0">
-                    <a:srgbClr val="000000">
-                      <a:alpha val="20000"/>
-                    </a:srgbClr>
-                  </a:outerShdw>
-                </a:effectLst>
-              </a:rPr>
-              <a:t>Karhunen-Loève</a:t>
-            </a:r>
-            <a:r>
-              <a:rPr lang="it-IT" sz="1700" cap="small" dirty="0">
-                <a:gradFill flip="none" rotWithShape="1">
-                  <a:gsLst>
-                    <a:gs pos="0">
-                      <a:schemeClr val="tx1"/>
-                    </a:gs>
-                    <a:gs pos="100000">
-                      <a:schemeClr val="tx1">
-                        <a:lumMod val="75000"/>
-                      </a:schemeClr>
-                    </a:gs>
-                  </a:gsLst>
-                  <a:lin ang="5580000" scaled="0"/>
-                  <a:tileRect/>
-                </a:gradFill>
-                <a:effectLst>
-                  <a:glow rad="38100">
-                    <a:schemeClr val="bg1">
-                      <a:lumMod val="50000"/>
-                      <a:lumOff val="50000"/>
-                      <a:alpha val="20000"/>
-                    </a:schemeClr>
-                  </a:glow>
-                  <a:outerShdw blurRad="44450" dist="12700" dir="13860000" algn="tl" rotWithShape="0">
-                    <a:srgbClr val="000000">
-                      <a:alpha val="20000"/>
-                    </a:srgbClr>
-                  </a:outerShdw>
-                </a:effectLst>
-              </a:rPr>
-              <a:t> </a:t>
-            </a:r>
-            <a:r>
-              <a:rPr lang="it-IT" sz="1700" cap="small" dirty="0" err="1">
-                <a:gradFill flip="none" rotWithShape="1">
-                  <a:gsLst>
-                    <a:gs pos="0">
-                      <a:schemeClr val="tx1"/>
-                    </a:gs>
-                    <a:gs pos="100000">
-                      <a:schemeClr val="tx1">
-                        <a:lumMod val="75000"/>
-                      </a:schemeClr>
-                    </a:gs>
-                  </a:gsLst>
-                  <a:lin ang="5580000" scaled="0"/>
-                  <a:tileRect/>
-                </a:gradFill>
-                <a:effectLst>
-                  <a:glow rad="38100">
-                    <a:schemeClr val="bg1">
-                      <a:lumMod val="50000"/>
-                      <a:lumOff val="50000"/>
-                      <a:alpha val="20000"/>
-                    </a:schemeClr>
-                  </a:glow>
-                  <a:outerShdw blurRad="44450" dist="12700" dir="13860000" algn="tl" rotWithShape="0">
-                    <a:srgbClr val="000000">
-                      <a:alpha val="20000"/>
-                    </a:srgbClr>
-                  </a:outerShdw>
-                </a:effectLst>
-              </a:rPr>
-              <a:t>Transform</a:t>
-            </a:r>
-            <a:r>
-              <a:rPr lang="it-IT" sz="1700" cap="small" dirty="0">
-                <a:gradFill flip="none" rotWithShape="1">
-                  <a:gsLst>
-                    <a:gs pos="0">
-                      <a:schemeClr val="tx1"/>
-                    </a:gs>
-                    <a:gs pos="100000">
-                      <a:schemeClr val="tx1">
-                        <a:lumMod val="75000"/>
-                      </a:schemeClr>
-                    </a:gs>
-                  </a:gsLst>
-                  <a:lin ang="5580000" scaled="0"/>
-                  <a:tileRect/>
-                </a:gradFill>
-                <a:effectLst>
-                  <a:glow rad="38100">
-                    <a:schemeClr val="bg1">
-                      <a:lumMod val="50000"/>
-                      <a:lumOff val="50000"/>
-                      <a:alpha val="20000"/>
-                    </a:schemeClr>
-                  </a:glow>
-                  <a:outerShdw blurRad="44450" dist="12700" dir="13860000" algn="tl" rotWithShape="0">
-                    <a:srgbClr val="000000">
-                      <a:alpha val="20000"/>
-                    </a:srgbClr>
-                  </a:outerShdw>
-                </a:effectLst>
-              </a:rPr>
-              <a:t> Discreta (DKLT)</a:t>
-            </a:r>
-            <a:endParaRPr lang="en-US" sz="1700" b="1" cap="small" dirty="0">
+              <a:t>identification</a:t>
+            </a:r>
+            <a:endParaRPr lang="it-IT" sz="1700" cap="small" dirty="0">
               <a:gradFill flip="none" rotWithShape="1">
                 <a:gsLst>
                   <a:gs pos="0">
@@ -13767,6 +14618,307 @@
                 </a:outerShdw>
               </a:effectLst>
             </a:endParaRPr>
+          </a:p>
+          <a:p>
+            <a:pPr marL="285750" indent="-285750">
+              <a:lnSpc>
+                <a:spcPct val="90000"/>
+              </a:lnSpc>
+              <a:spcBef>
+                <a:spcPct val="20000"/>
+              </a:spcBef>
+              <a:spcAft>
+                <a:spcPts val="600"/>
+              </a:spcAft>
+              <a:buClr>
+                <a:schemeClr val="tx1"/>
+              </a:buClr>
+              <a:buSzPct val="100000"/>
+              <a:buFont typeface="Arial"/>
+              <a:buChar char="•"/>
+            </a:pPr>
+            <a:r>
+              <a:rPr lang="it-IT" sz="1700" cap="small" dirty="0">
+                <a:gradFill flip="none" rotWithShape="1">
+                  <a:gsLst>
+                    <a:gs pos="0">
+                      <a:schemeClr val="tx1"/>
+                    </a:gs>
+                    <a:gs pos="100000">
+                      <a:schemeClr val="tx1">
+                        <a:lumMod val="75000"/>
+                      </a:schemeClr>
+                    </a:gs>
+                  </a:gsLst>
+                  <a:lin ang="5580000" scaled="0"/>
+                  <a:tileRect/>
+                </a:gradFill>
+                <a:effectLst>
+                  <a:glow rad="38100">
+                    <a:schemeClr val="bg1">
+                      <a:lumMod val="50000"/>
+                      <a:lumOff val="50000"/>
+                      <a:alpha val="20000"/>
+                    </a:schemeClr>
+                  </a:glow>
+                  <a:outerShdw blurRad="44450" dist="12700" dir="13860000" algn="tl" rotWithShape="0">
+                    <a:srgbClr val="000000">
+                      <a:alpha val="20000"/>
+                    </a:srgbClr>
+                  </a:outerShdw>
+                </a:effectLst>
+              </a:rPr>
+              <a:t>Presentazione e sperimentazione su</a:t>
+            </a:r>
+            <a:br>
+              <a:rPr lang="it-IT" sz="1700" cap="small" dirty="0">
+                <a:gradFill flip="none" rotWithShape="1">
+                  <a:gsLst>
+                    <a:gs pos="0">
+                      <a:schemeClr val="tx1"/>
+                    </a:gs>
+                    <a:gs pos="100000">
+                      <a:schemeClr val="tx1">
+                        <a:lumMod val="75000"/>
+                      </a:schemeClr>
+                    </a:gs>
+                  </a:gsLst>
+                  <a:lin ang="5580000" scaled="0"/>
+                  <a:tileRect/>
+                </a:gradFill>
+                <a:effectLst>
+                  <a:glow rad="38100">
+                    <a:schemeClr val="bg1">
+                      <a:lumMod val="50000"/>
+                      <a:lumOff val="50000"/>
+                      <a:alpha val="20000"/>
+                    </a:schemeClr>
+                  </a:glow>
+                  <a:outerShdw blurRad="44450" dist="12700" dir="13860000" algn="tl" rotWithShape="0">
+                    <a:srgbClr val="000000">
+                      <a:alpha val="20000"/>
+                    </a:srgbClr>
+                  </a:outerShdw>
+                </a:effectLst>
+              </a:rPr>
+            </a:br>
+            <a:r>
+              <a:rPr lang="it-IT" sz="1700" b="1" cap="small" dirty="0" err="1">
+                <a:gradFill flip="none" rotWithShape="1">
+                  <a:gsLst>
+                    <a:gs pos="0">
+                      <a:schemeClr val="tx1"/>
+                    </a:gs>
+                    <a:gs pos="100000">
+                      <a:schemeClr val="tx1">
+                        <a:lumMod val="75000"/>
+                      </a:schemeClr>
+                    </a:gs>
+                  </a:gsLst>
+                  <a:lin ang="5580000" scaled="0"/>
+                  <a:tileRect/>
+                </a:gradFill>
+                <a:effectLst>
+                  <a:glow rad="38100">
+                    <a:schemeClr val="bg1">
+                      <a:lumMod val="50000"/>
+                      <a:lumOff val="50000"/>
+                      <a:alpha val="20000"/>
+                    </a:schemeClr>
+                  </a:glow>
+                  <a:outerShdw blurRad="44450" dist="12700" dir="13860000" algn="tl" rotWithShape="0">
+                    <a:srgbClr val="000000">
+                      <a:alpha val="20000"/>
+                    </a:srgbClr>
+                  </a:outerShdw>
+                </a:effectLst>
+              </a:rPr>
+              <a:t>Karhunen-Loève</a:t>
+            </a:r>
+            <a:r>
+              <a:rPr lang="it-IT" sz="1700" b="1" cap="small" dirty="0">
+                <a:gradFill flip="none" rotWithShape="1">
+                  <a:gsLst>
+                    <a:gs pos="0">
+                      <a:schemeClr val="tx1"/>
+                    </a:gs>
+                    <a:gs pos="100000">
+                      <a:schemeClr val="tx1">
+                        <a:lumMod val="75000"/>
+                      </a:schemeClr>
+                    </a:gs>
+                  </a:gsLst>
+                  <a:lin ang="5580000" scaled="0"/>
+                  <a:tileRect/>
+                </a:gradFill>
+                <a:effectLst>
+                  <a:glow rad="38100">
+                    <a:schemeClr val="bg1">
+                      <a:lumMod val="50000"/>
+                      <a:lumOff val="50000"/>
+                      <a:alpha val="20000"/>
+                    </a:schemeClr>
+                  </a:glow>
+                  <a:outerShdw blurRad="44450" dist="12700" dir="13860000" algn="tl" rotWithShape="0">
+                    <a:srgbClr val="000000">
+                      <a:alpha val="20000"/>
+                    </a:srgbClr>
+                  </a:outerShdw>
+                </a:effectLst>
+              </a:rPr>
+              <a:t> </a:t>
+            </a:r>
+            <a:r>
+              <a:rPr lang="it-IT" sz="1700" b="1" cap="small" dirty="0" err="1">
+                <a:gradFill flip="none" rotWithShape="1">
+                  <a:gsLst>
+                    <a:gs pos="0">
+                      <a:schemeClr val="tx1"/>
+                    </a:gs>
+                    <a:gs pos="100000">
+                      <a:schemeClr val="tx1">
+                        <a:lumMod val="75000"/>
+                      </a:schemeClr>
+                    </a:gs>
+                  </a:gsLst>
+                  <a:lin ang="5580000" scaled="0"/>
+                  <a:tileRect/>
+                </a:gradFill>
+                <a:effectLst>
+                  <a:glow rad="38100">
+                    <a:schemeClr val="bg1">
+                      <a:lumMod val="50000"/>
+                      <a:lumOff val="50000"/>
+                      <a:alpha val="20000"/>
+                    </a:schemeClr>
+                  </a:glow>
+                  <a:outerShdw blurRad="44450" dist="12700" dir="13860000" algn="tl" rotWithShape="0">
+                    <a:srgbClr val="000000">
+                      <a:alpha val="20000"/>
+                    </a:srgbClr>
+                  </a:outerShdw>
+                </a:effectLst>
+              </a:rPr>
+              <a:t>Transform</a:t>
+            </a:r>
+            <a:r>
+              <a:rPr lang="it-IT" sz="1700" b="1" cap="small" dirty="0">
+                <a:gradFill flip="none" rotWithShape="1">
+                  <a:gsLst>
+                    <a:gs pos="0">
+                      <a:schemeClr val="tx1"/>
+                    </a:gs>
+                    <a:gs pos="100000">
+                      <a:schemeClr val="tx1">
+                        <a:lumMod val="75000"/>
+                      </a:schemeClr>
+                    </a:gs>
+                  </a:gsLst>
+                  <a:lin ang="5580000" scaled="0"/>
+                  <a:tileRect/>
+                </a:gradFill>
+                <a:effectLst>
+                  <a:glow rad="38100">
+                    <a:schemeClr val="bg1">
+                      <a:lumMod val="50000"/>
+                      <a:lumOff val="50000"/>
+                      <a:alpha val="20000"/>
+                    </a:schemeClr>
+                  </a:glow>
+                  <a:outerShdw blurRad="44450" dist="12700" dir="13860000" algn="tl" rotWithShape="0">
+                    <a:srgbClr val="000000">
+                      <a:alpha val="20000"/>
+                    </a:srgbClr>
+                  </a:outerShdw>
+                </a:effectLst>
+              </a:rPr>
+              <a:t> Discreta </a:t>
+            </a:r>
+            <a:r>
+              <a:rPr lang="it-IT" sz="1700" cap="small" dirty="0">
+                <a:gradFill flip="none" rotWithShape="1">
+                  <a:gsLst>
+                    <a:gs pos="0">
+                      <a:schemeClr val="tx1"/>
+                    </a:gs>
+                    <a:gs pos="100000">
+                      <a:schemeClr val="tx1">
+                        <a:lumMod val="75000"/>
+                      </a:schemeClr>
+                    </a:gs>
+                  </a:gsLst>
+                  <a:lin ang="5580000" scaled="0"/>
+                  <a:tileRect/>
+                </a:gradFill>
+                <a:effectLst>
+                  <a:glow rad="38100">
+                    <a:schemeClr val="bg1">
+                      <a:lumMod val="50000"/>
+                      <a:lumOff val="50000"/>
+                      <a:alpha val="20000"/>
+                    </a:schemeClr>
+                  </a:glow>
+                  <a:outerShdw blurRad="44450" dist="12700" dir="13860000" algn="tl" rotWithShape="0">
+                    <a:srgbClr val="000000">
+                      <a:alpha val="20000"/>
+                    </a:srgbClr>
+                  </a:outerShdw>
+                </a:effectLst>
+              </a:rPr>
+              <a:t>(DKLT) </a:t>
+            </a:r>
+          </a:p>
+          <a:p>
+            <a:pPr marL="285750" indent="-285750">
+              <a:lnSpc>
+                <a:spcPct val="90000"/>
+              </a:lnSpc>
+              <a:spcBef>
+                <a:spcPct val="20000"/>
+              </a:spcBef>
+              <a:spcAft>
+                <a:spcPts val="600"/>
+              </a:spcAft>
+              <a:buClr>
+                <a:schemeClr val="tx1"/>
+              </a:buClr>
+              <a:buSzPct val="100000"/>
+              <a:buFont typeface="Arial"/>
+              <a:buChar char="•"/>
+            </a:pPr>
+            <a:r>
+              <a:rPr lang="it-IT" sz="1700" cap="small" dirty="0">
+                <a:gradFill flip="none" rotWithShape="1">
+                  <a:gsLst>
+                    <a:gs pos="0">
+                      <a:schemeClr val="tx1"/>
+                    </a:gs>
+                    <a:gs pos="100000">
+                      <a:schemeClr val="tx1">
+                        <a:lumMod val="75000"/>
+                      </a:schemeClr>
+                    </a:gs>
+                  </a:gsLst>
+                  <a:lin ang="5580000" scaled="0"/>
+                  <a:tileRect/>
+                </a:gradFill>
+                <a:effectLst>
+                  <a:glow rad="38100">
+                    <a:schemeClr val="bg1">
+                      <a:lumMod val="50000"/>
+                      <a:lumOff val="50000"/>
+                      <a:alpha val="20000"/>
+                    </a:schemeClr>
+                  </a:glow>
+                  <a:outerShdw blurRad="44450" dist="12700" dir="13860000" algn="tl" rotWithShape="0">
+                    <a:srgbClr val="000000">
+                      <a:alpha val="20000"/>
+                    </a:srgbClr>
+                  </a:outerShdw>
+                </a:effectLst>
+              </a:rPr>
+              <a:t>Analisi sperimentale sul caso multi-speakers</a:t>
+            </a:r>
           </a:p>
         </p:txBody>
       </p:sp>
@@ -14111,508 +15263,12 @@
           </a:p>
         </p:txBody>
       </p:sp>
-      <p:sp>
-        <p:nvSpPr>
-          <p:cNvPr id="3" name="Segnaposto contenuto 2">
-            <a:extLst>
-              <a:ext uri="{FF2B5EF4-FFF2-40B4-BE49-F238E27FC236}">
-                <a16:creationId xmlns:a16="http://schemas.microsoft.com/office/drawing/2014/main" id="{91A56503-1D36-4E3E-BC2E-BEAB90C33BE7}"/>
-              </a:ext>
-            </a:extLst>
-          </p:cNvPr>
-          <p:cNvSpPr>
-            <a:spLocks noGrp="1"/>
-          </p:cNvSpPr>
-          <p:nvPr>
-            <p:ph idx="1"/>
-          </p:nvPr>
-        </p:nvSpPr>
-        <p:spPr>
-          <a:xfrm>
-            <a:off x="358987" y="1023998"/>
-            <a:ext cx="6192642" cy="1828800"/>
-          </a:xfrm>
-        </p:spPr>
-        <p:txBody>
-          <a:bodyPr>
-            <a:noAutofit/>
-          </a:bodyPr>
-          <a:lstStyle/>
-          <a:p>
-            <a:pPr marL="0" indent="0">
-              <a:buNone/>
-            </a:pPr>
-            <a:endParaRPr lang="it-IT" sz="1600" dirty="0">
-              <a:solidFill>
-                <a:schemeClr val="tx1"/>
-              </a:solidFill>
-            </a:endParaRPr>
-          </a:p>
-          <a:p>
-            <a:r>
-              <a:rPr lang="it-IT" sz="1600" dirty="0">
-                <a:solidFill>
-                  <a:schemeClr val="tx2"/>
-                </a:solidFill>
-                <a:effectLst>
-                  <a:glow rad="38100">
-                    <a:schemeClr val="bg1">
-                      <a:lumMod val="50000"/>
-                      <a:lumOff val="50000"/>
-                      <a:alpha val="20000"/>
-                    </a:schemeClr>
-                  </a:glow>
-                </a:effectLst>
-              </a:rPr>
-              <a:t>K </a:t>
-            </a:r>
-            <a:r>
-              <a:rPr lang="it-IT" sz="1600" dirty="0" err="1">
-                <a:solidFill>
-                  <a:schemeClr val="tx2"/>
-                </a:solidFill>
-                <a:effectLst>
-                  <a:glow rad="38100">
-                    <a:schemeClr val="bg1">
-                      <a:lumMod val="50000"/>
-                      <a:lumOff val="50000"/>
-                      <a:alpha val="20000"/>
-                    </a:schemeClr>
-                  </a:glow>
-                </a:effectLst>
-              </a:rPr>
-              <a:t>Nearest</a:t>
-            </a:r>
-            <a:r>
-              <a:rPr lang="it-IT" sz="1600" dirty="0">
-                <a:solidFill>
-                  <a:schemeClr val="tx2"/>
-                </a:solidFill>
-                <a:effectLst>
-                  <a:glow rad="38100">
-                    <a:schemeClr val="bg1">
-                      <a:lumMod val="50000"/>
-                      <a:lumOff val="50000"/>
-                      <a:alpha val="20000"/>
-                    </a:schemeClr>
-                  </a:glow>
-                </a:effectLst>
-              </a:rPr>
-              <a:t> </a:t>
-            </a:r>
-            <a:r>
-              <a:rPr lang="it-IT" sz="1600" dirty="0" err="1">
-                <a:solidFill>
-                  <a:schemeClr val="tx2"/>
-                </a:solidFill>
-                <a:effectLst>
-                  <a:glow rad="38100">
-                    <a:schemeClr val="bg1">
-                      <a:lumMod val="50000"/>
-                      <a:lumOff val="50000"/>
-                      <a:alpha val="20000"/>
-                    </a:schemeClr>
-                  </a:glow>
-                </a:effectLst>
-              </a:rPr>
-              <a:t>Neighbor</a:t>
-            </a:r>
-            <a:r>
-              <a:rPr lang="it-IT" sz="1600" dirty="0">
-                <a:solidFill>
-                  <a:schemeClr val="tx2"/>
-                </a:solidFill>
-                <a:effectLst>
-                  <a:glow rad="38100">
-                    <a:schemeClr val="bg1">
-                      <a:lumMod val="50000"/>
-                      <a:lumOff val="50000"/>
-                      <a:alpha val="20000"/>
-                    </a:schemeClr>
-                  </a:glow>
-                </a:effectLst>
-              </a:rPr>
-              <a:t> (K-NN)</a:t>
-            </a:r>
-            <a:br>
-              <a:rPr lang="it-IT" sz="1600" dirty="0">
-                <a:solidFill>
-                  <a:schemeClr val="tx2"/>
-                </a:solidFill>
-                <a:effectLst>
-                  <a:glow rad="38100">
-                    <a:schemeClr val="bg1">
-                      <a:lumMod val="50000"/>
-                      <a:lumOff val="50000"/>
-                      <a:alpha val="20000"/>
-                    </a:schemeClr>
-                  </a:glow>
-                </a:effectLst>
-              </a:rPr>
-            </a:br>
-            <a:r>
-              <a:rPr lang="it-IT" sz="1600" dirty="0">
-                <a:solidFill>
-                  <a:schemeClr val="tx2"/>
-                </a:solidFill>
-                <a:effectLst>
-                  <a:glow rad="38100">
-                    <a:schemeClr val="bg1">
-                      <a:lumMod val="50000"/>
-                      <a:lumOff val="50000"/>
-                      <a:alpha val="20000"/>
-                    </a:schemeClr>
-                  </a:glow>
-                </a:effectLst>
-              </a:rPr>
-              <a:t>La regola K-NN determina i K elementi più vicini al pattern </a:t>
-            </a:r>
-            <a:r>
-              <a:rPr lang="it-IT" sz="1600" b="1" dirty="0">
-                <a:solidFill>
-                  <a:schemeClr val="tx2"/>
-                </a:solidFill>
-                <a:effectLst>
-                  <a:glow rad="38100">
-                    <a:schemeClr val="bg1">
-                      <a:lumMod val="50000"/>
-                      <a:lumOff val="50000"/>
-                      <a:alpha val="20000"/>
-                    </a:schemeClr>
-                  </a:glow>
-                </a:effectLst>
-              </a:rPr>
-              <a:t>X</a:t>
-            </a:r>
-            <a:r>
-              <a:rPr lang="it-IT" sz="1600" dirty="0">
-                <a:solidFill>
-                  <a:schemeClr val="tx2"/>
-                </a:solidFill>
-                <a:effectLst>
-                  <a:glow rad="38100">
-                    <a:schemeClr val="bg1">
-                      <a:lumMod val="50000"/>
-                      <a:lumOff val="50000"/>
-                      <a:alpha val="20000"/>
-                    </a:schemeClr>
-                  </a:glow>
-                </a:effectLst>
-              </a:rPr>
-              <a:t> da classificare (</a:t>
-            </a:r>
-            <a:r>
-              <a:rPr lang="it-IT" sz="1600" b="1" dirty="0">
-                <a:solidFill>
-                  <a:schemeClr val="tx2"/>
-                </a:solidFill>
-                <a:effectLst>
-                  <a:glow rad="38100">
-                    <a:schemeClr val="bg1">
-                      <a:lumMod val="50000"/>
-                      <a:lumOff val="50000"/>
-                      <a:alpha val="20000"/>
-                    </a:schemeClr>
-                  </a:glow>
-                </a:effectLst>
-              </a:rPr>
-              <a:t>k </a:t>
-            </a:r>
-            <a:r>
-              <a:rPr lang="it-IT" sz="1600" dirty="0">
-                <a:solidFill>
-                  <a:schemeClr val="tx2"/>
-                </a:solidFill>
-                <a:effectLst>
-                  <a:glow rad="38100">
-                    <a:schemeClr val="bg1">
-                      <a:lumMod val="50000"/>
-                      <a:lumOff val="50000"/>
-                      <a:alpha val="20000"/>
-                    </a:schemeClr>
-                  </a:glow>
-                </a:effectLst>
-              </a:rPr>
-              <a:t>è un </a:t>
-            </a:r>
-            <a:r>
-              <a:rPr lang="it-IT" sz="1600" dirty="0" err="1">
-                <a:solidFill>
-                  <a:schemeClr val="tx2"/>
-                </a:solidFill>
-                <a:effectLst>
-                  <a:glow rad="38100">
-                    <a:schemeClr val="bg1">
-                      <a:lumMod val="50000"/>
-                      <a:lumOff val="50000"/>
-                      <a:alpha val="20000"/>
-                    </a:schemeClr>
-                  </a:glow>
-                </a:effectLst>
-              </a:rPr>
-              <a:t>iperparametro</a:t>
-            </a:r>
-            <a:r>
-              <a:rPr lang="it-IT" sz="1600" dirty="0">
-                <a:solidFill>
-                  <a:schemeClr val="tx2"/>
-                </a:solidFill>
-                <a:effectLst>
-                  <a:glow rad="38100">
-                    <a:schemeClr val="bg1">
-                      <a:lumMod val="50000"/>
-                      <a:lumOff val="50000"/>
-                      <a:alpha val="20000"/>
-                    </a:schemeClr>
-                  </a:glow>
-                </a:effectLst>
-              </a:rPr>
-              <a:t>) ogni pattern tra i </a:t>
-            </a:r>
-            <a:r>
-              <a:rPr lang="it-IT" sz="1600" b="1" dirty="0">
-                <a:solidFill>
-                  <a:schemeClr val="tx2"/>
-                </a:solidFill>
-                <a:effectLst>
-                  <a:glow rad="38100">
-                    <a:schemeClr val="bg1">
-                      <a:lumMod val="50000"/>
-                      <a:lumOff val="50000"/>
-                      <a:alpha val="20000"/>
-                    </a:schemeClr>
-                  </a:glow>
-                </a:effectLst>
-              </a:rPr>
-              <a:t>k</a:t>
-            </a:r>
-            <a:r>
-              <a:rPr lang="it-IT" sz="1600" dirty="0">
-                <a:solidFill>
-                  <a:schemeClr val="tx2"/>
-                </a:solidFill>
-                <a:effectLst>
-                  <a:glow rad="38100">
-                    <a:schemeClr val="bg1">
-                      <a:lumMod val="50000"/>
-                      <a:lumOff val="50000"/>
-                      <a:alpha val="20000"/>
-                    </a:schemeClr>
-                  </a:glow>
-                </a:effectLst>
-              </a:rPr>
-              <a:t> vicini vota per la classe cui esso stesso appartiene il pattern </a:t>
-            </a:r>
-            <a:r>
-              <a:rPr lang="it-IT" sz="1600" b="1" dirty="0">
-                <a:solidFill>
-                  <a:schemeClr val="tx2"/>
-                </a:solidFill>
-                <a:effectLst>
-                  <a:glow rad="38100">
-                    <a:schemeClr val="bg1">
-                      <a:lumMod val="50000"/>
-                      <a:lumOff val="50000"/>
-                      <a:alpha val="20000"/>
-                    </a:schemeClr>
-                  </a:glow>
-                </a:effectLst>
-              </a:rPr>
-              <a:t> X </a:t>
-            </a:r>
-            <a:r>
-              <a:rPr lang="it-IT" sz="1600" dirty="0">
-                <a:solidFill>
-                  <a:schemeClr val="tx2"/>
-                </a:solidFill>
-                <a:effectLst>
-                  <a:glow rad="38100">
-                    <a:schemeClr val="bg1">
-                      <a:lumMod val="50000"/>
-                      <a:lumOff val="50000"/>
-                      <a:alpha val="20000"/>
-                    </a:schemeClr>
-                  </a:glow>
-                </a:effectLst>
-              </a:rPr>
-              <a:t>viene assegnato alla classe che ha ottenuto il maggior numero di voti.</a:t>
-            </a:r>
-          </a:p>
-        </p:txBody>
-      </p:sp>
       <p:pic>
         <p:nvPicPr>
           <p:cNvPr id="5" name="Immagine 4">
             <a:extLst>
               <a:ext uri="{FF2B5EF4-FFF2-40B4-BE49-F238E27FC236}">
                 <a16:creationId xmlns:a16="http://schemas.microsoft.com/office/drawing/2014/main" id="{9E0E35D8-82BB-45E0-8015-F0780E1B90E5}"/>
-              </a:ext>
-            </a:extLst>
-          </p:cNvPr>
-          <p:cNvPicPr>
-            <a:picLocks noChangeAspect="1"/>
-          </p:cNvPicPr>
-          <p:nvPr/>
-        </p:nvPicPr>
-        <p:blipFill>
-          <a:blip r:embed="rId2"/>
-          <a:stretch>
-            <a:fillRect/>
-          </a:stretch>
-        </p:blipFill>
-        <p:spPr>
-          <a:xfrm>
-            <a:off x="7212297" y="297598"/>
-            <a:ext cx="2762054" cy="2629521"/>
-          </a:xfrm>
-          <a:prstGeom prst="rect">
-            <a:avLst/>
-          </a:prstGeom>
-        </p:spPr>
-      </p:pic>
-      <p:sp>
-        <p:nvSpPr>
-          <p:cNvPr id="7" name="CasellaDiTesto 6">
-            <a:extLst>
-              <a:ext uri="{FF2B5EF4-FFF2-40B4-BE49-F238E27FC236}">
-                <a16:creationId xmlns:a16="http://schemas.microsoft.com/office/drawing/2014/main" id="{DC726B2E-0492-4144-87A0-7FE4AE16BC2E}"/>
-              </a:ext>
-            </a:extLst>
-          </p:cNvPr>
-          <p:cNvSpPr txBox="1"/>
-          <p:nvPr/>
-        </p:nvSpPr>
-        <p:spPr>
-          <a:xfrm>
-            <a:off x="9974351" y="297598"/>
-            <a:ext cx="1912849" cy="1600438"/>
-          </a:xfrm>
-          <a:prstGeom prst="rect">
-            <a:avLst/>
-          </a:prstGeom>
-          <a:noFill/>
-        </p:spPr>
-        <p:txBody>
-          <a:bodyPr wrap="square">
-            <a:spAutoFit/>
-          </a:bodyPr>
-          <a:lstStyle/>
-          <a:p>
-            <a:r>
-              <a:rPr lang="it-IT" sz="1400" dirty="0"/>
-              <a:t>nella figura il classificatore 5-NN assegna </a:t>
-            </a:r>
-            <a:r>
-              <a:rPr lang="it-IT" sz="1400" b="1" dirty="0"/>
-              <a:t>X </a:t>
-            </a:r>
-            <a:r>
-              <a:rPr lang="it-IT" sz="1400" dirty="0"/>
-              <a:t>alla classe “nera” in quanto quest’ultima ha ricevuto 3 voti su 5.</a:t>
-            </a:r>
-          </a:p>
-        </p:txBody>
-      </p:sp>
-      <p:sp>
-        <p:nvSpPr>
-          <p:cNvPr id="9" name="CasellaDiTesto 8">
-            <a:extLst>
-              <a:ext uri="{FF2B5EF4-FFF2-40B4-BE49-F238E27FC236}">
-                <a16:creationId xmlns:a16="http://schemas.microsoft.com/office/drawing/2014/main" id="{250507D2-81BD-4201-9233-59AC306D500B}"/>
-              </a:ext>
-            </a:extLst>
-          </p:cNvPr>
-          <p:cNvSpPr txBox="1"/>
-          <p:nvPr/>
-        </p:nvSpPr>
-        <p:spPr>
-          <a:xfrm>
-            <a:off x="358987" y="3198000"/>
-            <a:ext cx="6004107" cy="2554545"/>
-          </a:xfrm>
-          <a:prstGeom prst="rect">
-            <a:avLst/>
-          </a:prstGeom>
-          <a:noFill/>
-        </p:spPr>
-        <p:txBody>
-          <a:bodyPr wrap="square">
-            <a:spAutoFit/>
-          </a:bodyPr>
-          <a:lstStyle/>
-          <a:p>
-            <a:pPr marL="285750" indent="-285750">
-              <a:buFont typeface="Arial" panose="020B0604020202020204" pitchFamily="34" charset="0"/>
-              <a:buChar char="•"/>
-            </a:pPr>
-            <a:r>
-              <a:rPr lang="it-IT" sz="1600" dirty="0">
-                <a:solidFill>
-                  <a:schemeClr val="tx2"/>
-                </a:solidFill>
-              </a:rPr>
-              <a:t>Support </a:t>
-            </a:r>
-            <a:r>
-              <a:rPr lang="it-IT" sz="1600" dirty="0" err="1">
-                <a:solidFill>
-                  <a:schemeClr val="tx2"/>
-                </a:solidFill>
-              </a:rPr>
-              <a:t>Vector</a:t>
-            </a:r>
-            <a:r>
-              <a:rPr lang="it-IT" sz="1600" dirty="0">
-                <a:solidFill>
-                  <a:schemeClr val="tx2"/>
-                </a:solidFill>
-              </a:rPr>
-              <a:t> Machines (SVM)</a:t>
-            </a:r>
-            <a:br>
-              <a:rPr lang="it-IT" sz="1600" dirty="0">
-                <a:solidFill>
-                  <a:schemeClr val="tx2"/>
-                </a:solidFill>
-              </a:rPr>
-            </a:br>
-            <a:r>
-              <a:rPr lang="it-IT" sz="1600" dirty="0">
-                <a:solidFill>
-                  <a:schemeClr val="tx2"/>
-                </a:solidFill>
-              </a:rPr>
-              <a:t>La SVM nasce come classificatore binario (2 classi), Date due classi di pattern multidimensionali linearmente separabili, tra tutti i possibili iperpiani di separazione, SVM determina quello in grado di separare le classi con il maggior margine possibile, nel caso qui trattato si sfrutta l’approccio One-</a:t>
-            </a:r>
-            <a:r>
-              <a:rPr lang="it-IT" sz="1600" dirty="0" err="1">
-                <a:solidFill>
-                  <a:schemeClr val="tx2"/>
-                </a:solidFill>
-              </a:rPr>
-              <a:t>Against</a:t>
-            </a:r>
-            <a:r>
-              <a:rPr lang="it-IT" sz="1600" dirty="0">
-                <a:solidFill>
-                  <a:schemeClr val="tx2"/>
-                </a:solidFill>
-              </a:rPr>
-              <a:t>-One che consente di risolvere il problema di classificazione multi-classe attraverso classificatori binari.</a:t>
-            </a:r>
-            <a:br>
-              <a:rPr lang="it-IT" sz="1600" dirty="0"/>
-            </a:br>
-            <a:endParaRPr lang="it-IT" sz="1600" dirty="0"/>
-          </a:p>
-        </p:txBody>
-      </p:sp>
-      <p:pic>
-        <p:nvPicPr>
-          <p:cNvPr id="11" name="Immagine 10">
-            <a:extLst>
-              <a:ext uri="{FF2B5EF4-FFF2-40B4-BE49-F238E27FC236}">
-                <a16:creationId xmlns:a16="http://schemas.microsoft.com/office/drawing/2014/main" id="{30B24D03-7D17-4ABB-BDFC-9D09D73EDEBE}"/>
               </a:ext>
             </a:extLst>
           </p:cNvPr>
@@ -14629,8 +15285,8 @@
         </p:blipFill>
         <p:spPr>
           <a:xfrm>
-            <a:off x="7212297" y="3198907"/>
-            <a:ext cx="2730321" cy="2282757"/>
+            <a:off x="7848617" y="911502"/>
+            <a:ext cx="3113988" cy="2964568"/>
           </a:xfrm>
           <a:prstGeom prst="rect">
             <a:avLst/>
@@ -14639,10 +15295,10 @@
       </p:pic>
       <p:sp>
         <p:nvSpPr>
-          <p:cNvPr id="12" name="CasellaDiTesto 11">
+          <p:cNvPr id="9" name="CasellaDiTesto 8">
             <a:extLst>
               <a:ext uri="{FF2B5EF4-FFF2-40B4-BE49-F238E27FC236}">
-                <a16:creationId xmlns:a16="http://schemas.microsoft.com/office/drawing/2014/main" id="{05551FF6-D961-4643-90A3-F5AF7A4767DB}"/>
+                <a16:creationId xmlns:a16="http://schemas.microsoft.com/office/drawing/2014/main" id="{250507D2-81BD-4201-9233-59AC306D500B}"/>
               </a:ext>
             </a:extLst>
           </p:cNvPr>
@@ -14651,8 +15307,8 @@
         </p:nvSpPr>
         <p:spPr>
           <a:xfrm>
-            <a:off x="10060407" y="3198907"/>
-            <a:ext cx="1826794" cy="738664"/>
+            <a:off x="358987" y="4277645"/>
+            <a:ext cx="6004107" cy="830997"/>
           </a:xfrm>
           <a:prstGeom prst="rect">
             <a:avLst/>
@@ -14660,30 +15316,286 @@
           <a:noFill/>
         </p:spPr>
         <p:txBody>
+          <a:bodyPr wrap="square">
+            <a:spAutoFit/>
+          </a:bodyPr>
+          <a:lstStyle/>
+          <a:p>
+            <a:br>
+              <a:rPr lang="it-IT" sz="1600" dirty="0">
+                <a:solidFill>
+                  <a:schemeClr val="tx2"/>
+                </a:solidFill>
+              </a:rPr>
+            </a:br>
+            <a:br>
+              <a:rPr lang="it-IT" sz="1600" dirty="0"/>
+            </a:br>
+            <a:endParaRPr lang="it-IT" sz="1600" dirty="0"/>
+          </a:p>
+        </p:txBody>
+      </p:sp>
+      <p:pic>
+        <p:nvPicPr>
+          <p:cNvPr id="11" name="Immagine 10">
+            <a:extLst>
+              <a:ext uri="{FF2B5EF4-FFF2-40B4-BE49-F238E27FC236}">
+                <a16:creationId xmlns:a16="http://schemas.microsoft.com/office/drawing/2014/main" id="{30B24D03-7D17-4ABB-BDFC-9D09D73EDEBE}"/>
+              </a:ext>
+            </a:extLst>
+          </p:cNvPr>
+          <p:cNvPicPr>
+            <a:picLocks noChangeAspect="1"/>
+          </p:cNvPicPr>
+          <p:nvPr/>
+        </p:nvPicPr>
+        <p:blipFill>
+          <a:blip r:embed="rId4"/>
+          <a:stretch>
+            <a:fillRect/>
+          </a:stretch>
+        </p:blipFill>
+        <p:spPr>
+          <a:xfrm>
+            <a:off x="6291623" y="3806876"/>
+            <a:ext cx="3113988" cy="2603532"/>
+          </a:xfrm>
+          <a:prstGeom prst="rect">
+            <a:avLst/>
+          </a:prstGeom>
+        </p:spPr>
+      </p:pic>
+      <p:sp>
+        <p:nvSpPr>
+          <p:cNvPr id="4" name="CasellaDiTesto 3">
+            <a:extLst>
+              <a:ext uri="{FF2B5EF4-FFF2-40B4-BE49-F238E27FC236}">
+                <a16:creationId xmlns:a16="http://schemas.microsoft.com/office/drawing/2014/main" id="{ADF3400E-8674-4AD5-8B7A-D4DCA4E35BD6}"/>
+              </a:ext>
+            </a:extLst>
+          </p:cNvPr>
+          <p:cNvSpPr txBox="1"/>
+          <p:nvPr/>
+        </p:nvSpPr>
+        <p:spPr>
+          <a:xfrm>
+            <a:off x="575034" y="1312484"/>
+            <a:ext cx="5212155" cy="2523768"/>
+          </a:xfrm>
+          <a:prstGeom prst="rect">
+            <a:avLst/>
+          </a:prstGeom>
+          <a:noFill/>
+        </p:spPr>
+        <p:txBody>
           <a:bodyPr wrap="square" rtlCol="0">
             <a:spAutoFit/>
           </a:bodyPr>
           <a:lstStyle/>
           <a:p>
             <a:r>
+              <a:rPr lang="it-IT" b="1" dirty="0"/>
+              <a:t>K-NN</a:t>
+            </a:r>
+          </a:p>
+          <a:p>
+            <a:pPr marL="285750" indent="-285750">
+              <a:buClr>
+                <a:schemeClr val="tx1"/>
+              </a:buClr>
+              <a:buFont typeface="Century Gothic" panose="020B0502020202020204" pitchFamily="34" charset="0"/>
+              <a:buChar char="+"/>
+            </a:pPr>
+            <a:r>
+              <a:rPr lang="it-IT" dirty="0"/>
+              <a:t>Algoritmo semplice e intuitivo</a:t>
+            </a:r>
+          </a:p>
+          <a:p>
+            <a:pPr marL="285750" indent="-285750">
+              <a:buClr>
+                <a:schemeClr val="tx1"/>
+              </a:buClr>
+              <a:buFont typeface="Century Gothic" panose="020B0502020202020204" pitchFamily="34" charset="0"/>
+              <a:buChar char="+"/>
+            </a:pPr>
+            <a:r>
+              <a:rPr lang="it-IT" dirty="0"/>
+              <a:t>Alta adattabilità rispetto a nuovi dati </a:t>
+            </a:r>
+          </a:p>
+          <a:p>
+            <a:pPr marL="285750" indent="-285750">
+              <a:buClr>
+                <a:schemeClr val="tx1"/>
+              </a:buClr>
+              <a:buFont typeface="Century Gothic" panose="020B0502020202020204" pitchFamily="34" charset="0"/>
+              <a:buChar char="+"/>
+            </a:pPr>
+            <a:r>
+              <a:rPr lang="it-IT" dirty="0"/>
+              <a:t>Varietà sulla scelta della metrica di distanza</a:t>
+            </a:r>
+            <a:br>
+              <a:rPr lang="it-IT" dirty="0"/>
+            </a:br>
+            <a:endParaRPr lang="it-IT" dirty="0"/>
+          </a:p>
+          <a:p>
+            <a:pPr marL="285750" indent="-285750">
+              <a:buClr>
+                <a:schemeClr val="tx1"/>
+              </a:buClr>
+              <a:buFont typeface="Century Gothic" panose="020B0502020202020204" pitchFamily="34" charset="0"/>
+              <a:buChar char="–"/>
+            </a:pPr>
+            <a:r>
+              <a:rPr lang="it-IT" dirty="0"/>
+              <a:t>Complessità computazionale</a:t>
+            </a:r>
+          </a:p>
+          <a:p>
+            <a:pPr marL="285750" indent="-285750">
+              <a:buFont typeface="Century Gothic" panose="020B0502020202020204" pitchFamily="34" charset="0"/>
+              <a:buChar char="–"/>
+            </a:pPr>
+            <a:r>
+              <a:rPr lang="it-IT" dirty="0"/>
+              <a:t>Ricerca del valore ottimale di K</a:t>
+            </a:r>
+            <a:br>
               <a:rPr lang="it-IT" sz="1400" dirty="0"/>
-              <a:t>Esempio di </a:t>
-            </a:r>
-            <a:r>
-              <a:rPr lang="it-IT" sz="1400" dirty="0" err="1"/>
-              <a:t>svm</a:t>
-            </a:r>
-            <a:r>
-              <a:rPr lang="it-IT" sz="1400" dirty="0"/>
-              <a:t> </a:t>
-            </a:r>
-            <a:r>
-              <a:rPr lang="it-IT" sz="1400" dirty="0" err="1"/>
-              <a:t>multiclasse</a:t>
-            </a:r>
-            <a:r>
-              <a:rPr lang="it-IT" sz="1400" dirty="0"/>
-              <a:t> bidimensionale</a:t>
+            </a:br>
+            <a:endParaRPr lang="it-IT" sz="1400" dirty="0"/>
+          </a:p>
+        </p:txBody>
+      </p:sp>
+      <p:sp>
+        <p:nvSpPr>
+          <p:cNvPr id="10" name="CasellaDiTesto 9">
+            <a:extLst>
+              <a:ext uri="{FF2B5EF4-FFF2-40B4-BE49-F238E27FC236}">
+                <a16:creationId xmlns:a16="http://schemas.microsoft.com/office/drawing/2014/main" id="{43456912-A242-44BD-81E8-965D502A38A7}"/>
+              </a:ext>
+            </a:extLst>
+          </p:cNvPr>
+          <p:cNvSpPr txBox="1"/>
+          <p:nvPr/>
+        </p:nvSpPr>
+        <p:spPr>
+          <a:xfrm>
+            <a:off x="575034" y="3806876"/>
+            <a:ext cx="4921526" cy="2585323"/>
+          </a:xfrm>
+          <a:prstGeom prst="rect">
+            <a:avLst/>
+          </a:prstGeom>
+          <a:noFill/>
+        </p:spPr>
+        <p:txBody>
+          <a:bodyPr wrap="square" rtlCol="0">
+            <a:spAutoFit/>
+          </a:bodyPr>
+          <a:lstStyle/>
+          <a:p>
+            <a:r>
+              <a:rPr lang="it-IT" b="1" dirty="0"/>
+              <a:t>SVM</a:t>
+            </a:r>
+          </a:p>
+          <a:p>
+            <a:pPr marL="285750" indent="-285750">
+              <a:buClr>
+                <a:schemeClr val="tx1"/>
+              </a:buClr>
+              <a:buFont typeface="Century Gothic" panose="020B0502020202020204" pitchFamily="34" charset="0"/>
+              <a:buChar char="+"/>
+            </a:pPr>
+            <a:r>
+              <a:rPr lang="it-IT" dirty="0"/>
+              <a:t>Flessibilità data dalle funzioni kernel</a:t>
+            </a:r>
+          </a:p>
+          <a:p>
+            <a:pPr marL="285750" indent="-285750">
+              <a:buClr>
+                <a:schemeClr val="tx1"/>
+              </a:buClr>
+              <a:buFont typeface="Century Gothic" panose="020B0502020202020204" pitchFamily="34" charset="0"/>
+              <a:buChar char="+"/>
+            </a:pPr>
+            <a:r>
+              <a:rPr lang="it-IT" dirty="0"/>
+              <a:t>Predizione veloce</a:t>
+            </a:r>
+          </a:p>
+          <a:p>
+            <a:pPr marL="285750" indent="-285750">
+              <a:buClr>
+                <a:schemeClr val="tx1"/>
+              </a:buClr>
+              <a:buFont typeface="Century Gothic" panose="020B0502020202020204" pitchFamily="34" charset="0"/>
+              <a:buChar char="+"/>
+            </a:pPr>
+            <a:r>
+              <a:rPr lang="it-IT" dirty="0"/>
+              <a:t>Accuratezza proporzionale alla </a:t>
+            </a:r>
+            <a:r>
+              <a:rPr lang="it-IT" dirty="0" err="1"/>
+              <a:t>dimensionalità</a:t>
+            </a:r>
+            <a:endParaRPr lang="it-IT" dirty="0"/>
+          </a:p>
+          <a:p>
+            <a:pPr marL="285750" indent="-285750">
+              <a:buFont typeface="Arial" panose="020B0604020202020204" pitchFamily="34" charset="0"/>
+              <a:buChar char="•"/>
+            </a:pPr>
+            <a:endParaRPr lang="it-IT" dirty="0"/>
+          </a:p>
+          <a:p>
+            <a:pPr marL="285750" indent="-285750">
+              <a:buClr>
+                <a:schemeClr val="tx1"/>
+              </a:buClr>
+              <a:buFont typeface="Century Gothic" panose="020B0502020202020204" pitchFamily="34" charset="0"/>
+              <a:buChar char="–"/>
+            </a:pPr>
+            <a:r>
+              <a:rPr lang="it-IT" dirty="0"/>
+              <a:t>Complessità nel tuning</a:t>
+            </a:r>
+          </a:p>
+          <a:p>
+            <a:pPr marL="285750" indent="-285750">
+              <a:buClr>
+                <a:schemeClr val="tx1"/>
+              </a:buClr>
+              <a:buFont typeface="Century Gothic" panose="020B0502020202020204" pitchFamily="34" charset="0"/>
+              <a:buChar char="–"/>
+            </a:pPr>
+            <a:r>
+              <a:rPr lang="it-IT" dirty="0"/>
+              <a:t>Probabilità di riscontrare </a:t>
+            </a:r>
+            <a:r>
+              <a:rPr lang="it-IT" dirty="0" err="1"/>
+              <a:t>overfitting</a:t>
+            </a:r>
+            <a:endParaRPr lang="it-IT" dirty="0"/>
+          </a:p>
+          <a:p>
+            <a:pPr marL="285750" indent="-285750">
+              <a:buClr>
+                <a:schemeClr val="tx1"/>
+              </a:buClr>
+              <a:buFont typeface="Century Gothic" panose="020B0502020202020204" pitchFamily="34" charset="0"/>
+              <a:buChar char="–"/>
+            </a:pPr>
+            <a:r>
+              <a:rPr lang="it-IT" dirty="0"/>
+              <a:t>Scarsa adattabilità a grossi dataset</a:t>
             </a:r>
           </a:p>
         </p:txBody>
@@ -14707,7 +15619,7 @@
     <p:bg>
       <p:bgPr>
         <a:blipFill rotWithShape="1">
-          <a:blip r:embed="rId2">
+          <a:blip r:embed="rId3">
             <a:duotone>
               <a:schemeClr val="bg2">
                 <a:shade val="28000"/>
@@ -14760,7 +15672,7 @@
         <p:spPr>
           <a:xfrm>
             <a:off x="519245" y="772211"/>
-            <a:ext cx="6004103" cy="5268667"/>
+            <a:ext cx="6498243" cy="5617956"/>
           </a:xfrm>
         </p:spPr>
         <p:txBody>
@@ -14768,6 +15680,75 @@
             <a:normAutofit/>
           </a:bodyPr>
           <a:lstStyle/>
+          <a:p>
+            <a:pPr marL="0" indent="0">
+              <a:lnSpc>
+                <a:spcPct val="90000"/>
+              </a:lnSpc>
+              <a:buNone/>
+            </a:pPr>
+            <a:r>
+              <a:rPr lang="it-IT" sz="1800" b="1" dirty="0" err="1">
+                <a:solidFill>
+                  <a:schemeClr val="tx2"/>
+                </a:solidFill>
+              </a:rPr>
+              <a:t>Gaussian</a:t>
+            </a:r>
+            <a:r>
+              <a:rPr lang="it-IT" sz="1800" b="1" dirty="0">
+                <a:solidFill>
+                  <a:schemeClr val="tx2"/>
+                </a:solidFill>
+              </a:rPr>
+              <a:t> </a:t>
+            </a:r>
+            <a:r>
+              <a:rPr lang="it-IT" sz="1800" b="1" dirty="0" err="1">
+                <a:solidFill>
+                  <a:schemeClr val="tx2"/>
+                </a:solidFill>
+              </a:rPr>
+              <a:t>Mixture</a:t>
+            </a:r>
+            <a:r>
+              <a:rPr lang="it-IT" sz="1800" b="1" dirty="0">
+                <a:solidFill>
+                  <a:schemeClr val="tx2"/>
+                </a:solidFill>
+              </a:rPr>
+              <a:t> Model (</a:t>
+            </a:r>
+            <a:r>
+              <a:rPr lang="it-IT" sz="1800" b="1" dirty="0" err="1">
+                <a:solidFill>
+                  <a:schemeClr val="tx2"/>
+                </a:solidFill>
+              </a:rPr>
+              <a:t>Gmm</a:t>
+            </a:r>
+            <a:r>
+              <a:rPr lang="it-IT" sz="1800" b="1" dirty="0">
+                <a:solidFill>
+                  <a:schemeClr val="tx2"/>
+                </a:solidFill>
+              </a:rPr>
+              <a:t>)</a:t>
+            </a:r>
+          </a:p>
+          <a:p>
+            <a:pPr marL="0" indent="0">
+              <a:lnSpc>
+                <a:spcPct val="90000"/>
+              </a:lnSpc>
+              <a:buNone/>
+            </a:pPr>
+            <a:endParaRPr lang="it-IT" sz="1800" b="1" dirty="0">
+              <a:solidFill>
+                <a:schemeClr val="tx2"/>
+              </a:solidFill>
+            </a:endParaRPr>
+          </a:p>
           <a:p>
             <a:pPr>
               <a:lnSpc>
@@ -14775,52 +15756,221 @@
               </a:lnSpc>
             </a:pPr>
             <a:r>
-              <a:rPr lang="it-IT" sz="1800" dirty="0" err="1">
+              <a:rPr lang="en-US" sz="1800" dirty="0" err="1">
                 <a:solidFill>
                   <a:schemeClr val="tx2"/>
                 </a:solidFill>
               </a:rPr>
-              <a:t>Gaussian</a:t>
-            </a:r>
+              <a:t>Nessuna</a:t>
+            </a:r>
+            <a:r>
+              <a:rPr lang="en-US" sz="1800" dirty="0">
+                <a:solidFill>
+                  <a:schemeClr val="tx2"/>
+                </a:solidFill>
+              </a:rPr>
+              <a:t> </a:t>
+            </a:r>
+            <a:r>
+              <a:rPr lang="en-US" sz="1800" dirty="0" err="1">
+                <a:solidFill>
+                  <a:schemeClr val="tx2"/>
+                </a:solidFill>
+              </a:rPr>
+              <a:t>impostazione</a:t>
+            </a:r>
+            <a:r>
+              <a:rPr lang="en-US" sz="1800" dirty="0">
+                <a:solidFill>
+                  <a:schemeClr val="tx2"/>
+                </a:solidFill>
+              </a:rPr>
+              <a:t> a priori del </a:t>
+            </a:r>
+            <a:r>
+              <a:rPr lang="en-US" sz="1800" dirty="0" err="1">
+                <a:solidFill>
+                  <a:schemeClr val="tx2"/>
+                </a:solidFill>
+              </a:rPr>
+              <a:t>numero</a:t>
+            </a:r>
+            <a:r>
+              <a:rPr lang="en-US" sz="1800" dirty="0">
+                <a:solidFill>
+                  <a:schemeClr val="tx2"/>
+                </a:solidFill>
+              </a:rPr>
+              <a:t> di cluster</a:t>
+            </a:r>
+          </a:p>
+          <a:p>
+            <a:pPr>
+              <a:lnSpc>
+                <a:spcPct val="90000"/>
+              </a:lnSpc>
+            </a:pPr>
+            <a:r>
+              <a:rPr lang="en-US" sz="1800" dirty="0">
+                <a:solidFill>
+                  <a:schemeClr val="tx2"/>
+                </a:solidFill>
+              </a:rPr>
+              <a:t>I cluster non </a:t>
+            </a:r>
+            <a:r>
+              <a:rPr lang="en-US" sz="1800" dirty="0" err="1">
+                <a:solidFill>
+                  <a:schemeClr val="tx2"/>
+                </a:solidFill>
+              </a:rPr>
+              <a:t>possiedono</a:t>
+            </a:r>
+            <a:r>
+              <a:rPr lang="en-US" sz="1800" dirty="0">
+                <a:solidFill>
+                  <a:schemeClr val="tx2"/>
+                </a:solidFill>
+              </a:rPr>
+              <a:t> </a:t>
+            </a:r>
+            <a:r>
+              <a:rPr lang="en-US" sz="1800" dirty="0" err="1">
+                <a:solidFill>
+                  <a:schemeClr val="tx2"/>
+                </a:solidFill>
+              </a:rPr>
+              <a:t>una</a:t>
+            </a:r>
+            <a:r>
+              <a:rPr lang="en-US" sz="1800" dirty="0">
+                <a:solidFill>
+                  <a:schemeClr val="tx2"/>
+                </a:solidFill>
+              </a:rPr>
+              <a:t> </a:t>
+            </a:r>
+            <a:r>
+              <a:rPr lang="en-US" sz="1800" dirty="0" err="1">
+                <a:solidFill>
+                  <a:schemeClr val="tx2"/>
+                </a:solidFill>
+              </a:rPr>
+              <a:t>struttura</a:t>
+            </a:r>
+            <a:r>
+              <a:rPr lang="en-US" sz="1800" dirty="0">
+                <a:solidFill>
+                  <a:schemeClr val="tx2"/>
+                </a:solidFill>
+              </a:rPr>
+              <a:t> </a:t>
+            </a:r>
+            <a:r>
+              <a:rPr lang="en-US" sz="1800" dirty="0" err="1">
+                <a:solidFill>
+                  <a:schemeClr val="tx2"/>
+                </a:solidFill>
+              </a:rPr>
+              <a:t>fissa</a:t>
+            </a:r>
+            <a:endParaRPr lang="en-US" sz="1800" dirty="0">
+              <a:solidFill>
+                <a:schemeClr val="tx2"/>
+              </a:solidFill>
+            </a:endParaRPr>
+          </a:p>
+          <a:p>
+            <a:pPr>
+              <a:lnSpc>
+                <a:spcPct val="90000"/>
+              </a:lnSpc>
+            </a:pPr>
+            <a:r>
+              <a:rPr lang="en-US" sz="1800" dirty="0">
+                <a:solidFill>
+                  <a:schemeClr val="tx2"/>
+                </a:solidFill>
+              </a:rPr>
+              <a:t>Soft/Fuzzy clustering </a:t>
+            </a:r>
+            <a:br>
+              <a:rPr lang="en-US" sz="1800" dirty="0">
+                <a:solidFill>
+                  <a:schemeClr val="tx2"/>
+                </a:solidFill>
+              </a:rPr>
+            </a:br>
+            <a:r>
+              <a:rPr lang="en-US" sz="1800" dirty="0">
+                <a:solidFill>
+                  <a:schemeClr val="tx2"/>
+                </a:solidFill>
+              </a:rPr>
+              <a:t>( </a:t>
+            </a:r>
+            <a:r>
+              <a:rPr lang="en-US" sz="1800" dirty="0" err="1">
+                <a:solidFill>
+                  <a:schemeClr val="tx2"/>
+                </a:solidFill>
+              </a:rPr>
+              <a:t>assegnazione</a:t>
+            </a:r>
+            <a:r>
+              <a:rPr lang="en-US" sz="1800" dirty="0">
+                <a:solidFill>
+                  <a:schemeClr val="tx2"/>
+                </a:solidFill>
+              </a:rPr>
+              <a:t> </a:t>
+            </a:r>
+            <a:r>
+              <a:rPr lang="en-US" sz="1800" dirty="0" err="1">
+                <a:solidFill>
+                  <a:schemeClr val="tx2"/>
+                </a:solidFill>
+              </a:rPr>
+              <a:t>probabilistica</a:t>
+            </a:r>
+            <a:r>
+              <a:rPr lang="en-US" sz="1800" dirty="0">
+                <a:solidFill>
+                  <a:schemeClr val="tx2"/>
+                </a:solidFill>
+              </a:rPr>
+              <a:t> del </a:t>
+            </a:r>
+            <a:r>
+              <a:rPr lang="en-US" sz="1800" dirty="0" err="1">
+                <a:solidFill>
+                  <a:schemeClr val="tx2"/>
+                </a:solidFill>
+              </a:rPr>
+              <a:t>dato</a:t>
+            </a:r>
+            <a:r>
+              <a:rPr lang="en-US" sz="1800" dirty="0">
+                <a:solidFill>
+                  <a:schemeClr val="tx2"/>
+                </a:solidFill>
+              </a:rPr>
+              <a:t> al clustering )</a:t>
+            </a:r>
+          </a:p>
+          <a:p>
+            <a:pPr>
+              <a:lnSpc>
+                <a:spcPct val="90000"/>
+              </a:lnSpc>
+            </a:pPr>
             <a:r>
               <a:rPr lang="it-IT" sz="1800" dirty="0">
                 <a:solidFill>
                   <a:schemeClr val="tx2"/>
                 </a:solidFill>
               </a:rPr>
-              <a:t> </a:t>
-            </a:r>
-            <a:r>
-              <a:rPr lang="it-IT" sz="1800" dirty="0" err="1">
-                <a:solidFill>
-                  <a:schemeClr val="tx2"/>
-                </a:solidFill>
-              </a:rPr>
-              <a:t>Mixture</a:t>
-            </a:r>
-            <a:r>
-              <a:rPr lang="it-IT" sz="1800" dirty="0">
-                <a:solidFill>
-                  <a:schemeClr val="tx2"/>
-                </a:solidFill>
-              </a:rPr>
-              <a:t> Model (</a:t>
-            </a:r>
-            <a:r>
-              <a:rPr lang="it-IT" sz="1800" dirty="0" err="1">
-                <a:solidFill>
-                  <a:schemeClr val="tx2"/>
-                </a:solidFill>
-              </a:rPr>
-              <a:t>Gmm</a:t>
-            </a:r>
-            <a:r>
-              <a:rPr lang="it-IT" sz="1800" dirty="0">
-                <a:solidFill>
-                  <a:schemeClr val="tx2"/>
-                </a:solidFill>
-              </a:rPr>
-              <a:t>)</a:t>
+              <a:t>Lentezza nella generazione dei cluster </a:t>
             </a:r>
             <a:br>
               <a:rPr lang="it-IT" sz="1800" dirty="0">
@@ -14835,7 +15985,7 @@
                   <a:schemeClr val="tx2"/>
                 </a:solidFill>
               </a:rPr>
-              <a:t>Un modello di miscela gaussiana è un modello probabilistico che presuppone che tutti i punti dati siano generati da una miscela di un numero finito di distribuzioni gaussiane con parametri sconosciuti.</a:t>
+              <a:t>(algoritmo iterativo)</a:t>
             </a:r>
             <a:br>
               <a:rPr lang="it-IT" sz="1800" dirty="0">
@@ -14844,29 +15994,11 @@
                 </a:solidFill>
               </a:rPr>
             </a:br>
-            <a:r>
-              <a:rPr lang="it-IT" sz="1800" dirty="0">
-                <a:solidFill>
-                  <a:schemeClr val="tx2"/>
-                </a:solidFill>
-              </a:rPr>
-              <a:t>I modelli di miscele in generale non richiedono di sapere a quale sottopopolazione appartiene una pattern, consentendo al modello di apprendere autonomamente le sottopopolazioni. </a:t>
-            </a:r>
-            <a:br>
-              <a:rPr lang="it-IT" sz="1800" dirty="0">
-                <a:solidFill>
-                  <a:schemeClr val="tx2"/>
-                </a:solidFill>
-              </a:rPr>
-            </a:br>
-            <a:r>
-              <a:rPr lang="it-IT" sz="1800" dirty="0">
-                <a:solidFill>
-                  <a:schemeClr val="tx2"/>
-                </a:solidFill>
-              </a:rPr>
-              <a:t>Poiché l'assegnazione della pattern alla sottopopolazione non è nota, costituisce una forma di apprendimento non supervisionato.</a:t>
-            </a:r>
+            <a:endParaRPr lang="it-IT" sz="1800" dirty="0">
+              <a:solidFill>
+                <a:schemeClr val="tx2"/>
+              </a:solidFill>
+            </a:endParaRPr>
           </a:p>
         </p:txBody>
       </p:sp>
@@ -14948,7 +16080,7 @@
           <p:nvPr/>
         </p:nvPicPr>
         <p:blipFill>
-          <a:blip r:embed="rId3"/>
+          <a:blip r:embed="rId4"/>
           <a:stretch>
             <a:fillRect/>
           </a:stretch>
@@ -14978,7 +16110,7 @@
           <p:nvPr/>
         </p:nvPicPr>
         <p:blipFill>
-          <a:blip r:embed="rId4"/>
+          <a:blip r:embed="rId5"/>
           <a:stretch>
             <a:fillRect/>
           </a:stretch>

--- a/Presentazione.pptx
+++ b/Presentazione.pptx
@@ -1234,7 +1234,7 @@
           <a:p>
             <a:fld id="{4B667731-CB6E-4D20-A52C-F16264025886}" type="datetimeFigureOut">
               <a:rPr lang="it-IT" smtClean="0"/>
-              <a:t>02/04/2022</a:t>
+              <a:t>05/04/2022</a:t>
             </a:fld>
             <a:endParaRPr lang="it-IT"/>
           </a:p>
@@ -1412,7 +1412,7 @@
           <a:p>
             <a:fld id="{958F0A98-611F-4C09-BB46-AFE9EE9F6991}" type="datetimeFigureOut">
               <a:rPr lang="it-IT" noProof="0" smtClean="0"/>
-              <a:t>02/04/2022</a:t>
+              <a:t>05/04/2022</a:t>
             </a:fld>
             <a:endParaRPr lang="it-IT" noProof="0"/>
           </a:p>
@@ -3514,7 +3514,7 @@
             <a:pPr rtl="0"/>
             <a:fld id="{57B0FFBD-E1BC-406E-BD96-00B5FBEC9D3A}" type="datetime1">
               <a:rPr lang="it-IT" noProof="0" smtClean="0"/>
-              <a:t>02/04/2022</a:t>
+              <a:t>05/04/2022</a:t>
             </a:fld>
             <a:endParaRPr lang="it-IT" noProof="0"/>
           </a:p>
@@ -3804,7 +3804,7 @@
             <a:pPr rtl="0"/>
             <a:fld id="{829BF3C0-76B5-43F1-8FFA-90565AF7A6E5}" type="datetime1">
               <a:rPr lang="it-IT" noProof="0" smtClean="0"/>
-              <a:t>02/04/2022</a:t>
+              <a:t>05/04/2022</a:t>
             </a:fld>
             <a:endParaRPr lang="it-IT" noProof="0"/>
           </a:p>
@@ -4062,7 +4062,7 @@
             <a:pPr rtl="0"/>
             <a:fld id="{03B532AA-145D-47BE-822F-17D40912C6D9}" type="datetime1">
               <a:rPr lang="it-IT" noProof="0" smtClean="0"/>
-              <a:t>02/04/2022</a:t>
+              <a:t>05/04/2022</a:t>
             </a:fld>
             <a:endParaRPr lang="it-IT" noProof="0"/>
           </a:p>
@@ -4530,7 +4530,7 @@
             <a:pPr rtl="0"/>
             <a:fld id="{D38E090A-D4E0-4DB4-8F1D-3725BBDAE71E}" type="datetime1">
               <a:rPr lang="it-IT" noProof="0" smtClean="0"/>
-              <a:t>02/04/2022</a:t>
+              <a:t>05/04/2022</a:t>
             </a:fld>
             <a:endParaRPr lang="it-IT" noProof="0"/>
           </a:p>
@@ -4709,7 +4709,7 @@
             <a:pPr rtl="0"/>
             <a:fld id="{BCEA48FA-6B17-49E0-900B-FAD12608DC4F}" type="datetime1">
               <a:rPr lang="it-IT" noProof="0" smtClean="0"/>
-              <a:t>02/04/2022</a:t>
+              <a:t>05/04/2022</a:t>
             </a:fld>
             <a:endParaRPr lang="it-IT" noProof="0"/>
           </a:p>
@@ -5284,7 +5284,7 @@
             <a:pPr rtl="0"/>
             <a:fld id="{503CF22B-254E-460A-9603-CB7FA7937FE0}" type="datetime1">
               <a:rPr lang="it-IT" noProof="0" smtClean="0"/>
-              <a:t>02/04/2022</a:t>
+              <a:t>05/04/2022</a:t>
             </a:fld>
             <a:endParaRPr lang="it-IT" noProof="0"/>
           </a:p>
@@ -5614,7 +5614,7 @@
             <a:pPr rtl="0"/>
             <a:fld id="{764DFCD9-F6B5-45AE-BD02-88498CA14BAD}" type="datetime1">
               <a:rPr lang="it-IT" noProof="0" smtClean="0"/>
-              <a:t>02/04/2022</a:t>
+              <a:t>05/04/2022</a:t>
             </a:fld>
             <a:endParaRPr lang="it-IT" noProof="0"/>
           </a:p>
@@ -5787,7 +5787,7 @@
             <a:pPr rtl="0"/>
             <a:fld id="{1818985A-998D-417B-A07B-C56A8BE57D5C}" type="datetime1">
               <a:rPr lang="it-IT" noProof="0" smtClean="0"/>
-              <a:t>02/04/2022</a:t>
+              <a:t>05/04/2022</a:t>
             </a:fld>
             <a:endParaRPr lang="it-IT" noProof="0"/>
           </a:p>
@@ -5965,7 +5965,7 @@
             <a:pPr rtl="0"/>
             <a:fld id="{F5ED0816-B9EF-4A61-8007-865474D10EBA}" type="datetime1">
               <a:rPr lang="it-IT" noProof="0" smtClean="0"/>
-              <a:t>02/04/2022</a:t>
+              <a:t>05/04/2022</a:t>
             </a:fld>
             <a:endParaRPr lang="it-IT" noProof="0"/>
           </a:p>
@@ -6133,7 +6133,7 @@
             <a:pPr rtl="0"/>
             <a:fld id="{0723EAA3-D544-49EF-8F55-A751DF235442}" type="datetime1">
               <a:rPr lang="it-IT" noProof="0" smtClean="0"/>
-              <a:t>02/04/2022</a:t>
+              <a:t>05/04/2022</a:t>
             </a:fld>
             <a:endParaRPr lang="it-IT" noProof="0"/>
           </a:p>
@@ -6389,7 +6389,7 @@
             <a:pPr rtl="0"/>
             <a:fld id="{13A5D636-B530-41BE-AA00-8E473EA63152}" type="datetime1">
               <a:rPr lang="it-IT" noProof="0" smtClean="0"/>
-              <a:t>02/04/2022</a:t>
+              <a:t>05/04/2022</a:t>
             </a:fld>
             <a:endParaRPr lang="it-IT" noProof="0"/>
           </a:p>
@@ -6678,7 +6678,7 @@
             <a:pPr rtl="0"/>
             <a:fld id="{7E7EDC53-241B-4D60-A4B0-55225EE21EB0}" type="datetime1">
               <a:rPr lang="it-IT" noProof="0" smtClean="0"/>
-              <a:t>02/04/2022</a:t>
+              <a:t>05/04/2022</a:t>
             </a:fld>
             <a:endParaRPr lang="it-IT" noProof="0"/>
           </a:p>
@@ -7105,7 +7105,7 @@
             <a:pPr rtl="0"/>
             <a:fld id="{B42D9000-69A0-477F-8B29-20CB3BA50947}" type="datetime1">
               <a:rPr lang="it-IT" noProof="0" smtClean="0"/>
-              <a:t>02/04/2022</a:t>
+              <a:t>05/04/2022</a:t>
             </a:fld>
             <a:endParaRPr lang="it-IT" noProof="0"/>
           </a:p>
@@ -7222,7 +7222,7 @@
             <a:pPr rtl="0"/>
             <a:fld id="{36821639-A6BE-4571-B53D-69DB93B3E672}" type="datetime1">
               <a:rPr lang="it-IT" noProof="0" smtClean="0"/>
-              <a:t>02/04/2022</a:t>
+              <a:t>05/04/2022</a:t>
             </a:fld>
             <a:endParaRPr lang="it-IT" noProof="0"/>
           </a:p>
@@ -7316,7 +7316,7 @@
             <a:pPr rtl="0"/>
             <a:fld id="{FCE1A125-A460-4021-8D44-5D5F3005DC87}" type="datetime1">
               <a:rPr lang="it-IT" noProof="0" smtClean="0"/>
-              <a:t>02/04/2022</a:t>
+              <a:t>05/04/2022</a:t>
             </a:fld>
             <a:endParaRPr lang="it-IT" noProof="0"/>
           </a:p>
@@ -7597,7 +7597,7 @@
             <a:pPr rtl="0"/>
             <a:fld id="{07FE7ACD-F1B0-49DE-8C38-139A1FB9174D}" type="datetime1">
               <a:rPr lang="it-IT" noProof="0" smtClean="0"/>
-              <a:t>02/04/2022</a:t>
+              <a:t>05/04/2022</a:t>
             </a:fld>
             <a:endParaRPr lang="it-IT" noProof="0"/>
           </a:p>
@@ -7887,7 +7887,7 @@
             <a:pPr rtl="0"/>
             <a:fld id="{AFBF778C-B8FE-40FA-8157-9F604E8B4CEE}" type="datetime1">
               <a:rPr lang="it-IT" noProof="0" smtClean="0"/>
-              <a:t>02/04/2022</a:t>
+              <a:t>05/04/2022</a:t>
             </a:fld>
             <a:endParaRPr lang="it-IT" noProof="0"/>
           </a:p>
@@ -8116,7 +8116,7 @@
             <a:pPr rtl="0"/>
             <a:fld id="{0242243B-132F-42E2-B08A-6B670AF620C8}" type="datetime1">
               <a:rPr lang="it-IT" noProof="0" smtClean="0"/>
-              <a:t>02/04/2022</a:t>
+              <a:t>05/04/2022</a:t>
             </a:fld>
             <a:endParaRPr lang="it-IT" noProof="0"/>
           </a:p>
@@ -9004,7 +9004,7 @@
         </p:nvSpPr>
         <p:spPr>
           <a:xfrm>
-            <a:off x="5114260" y="1977656"/>
+            <a:off x="5114260" y="1848086"/>
             <a:ext cx="6858000" cy="4561367"/>
           </a:xfrm>
           <a:prstGeom prst="rect">
@@ -9052,7 +9052,12 @@
             <p:ph type="title"/>
           </p:nvPr>
         </p:nvSpPr>
-        <p:spPr/>
+        <p:spPr>
+          <a:xfrm>
+            <a:off x="1141413" y="-51598"/>
+            <a:ext cx="9905998" cy="1905000"/>
+          </a:xfrm>
+        </p:spPr>
         <p:txBody>
           <a:bodyPr/>
           <a:lstStyle/>
@@ -9083,7 +9088,7 @@
         </p:nvSpPr>
         <p:spPr>
           <a:xfrm>
-            <a:off x="767685" y="2060944"/>
+            <a:off x="613541" y="1505221"/>
             <a:ext cx="4249110" cy="3744433"/>
           </a:xfrm>
         </p:spPr>
@@ -9093,14 +9098,23 @@
           <a:p>
             <a:r>
               <a:rPr lang="it-IT" dirty="0"/>
-              <a:t>Percezione della voce umana</a:t>
+              <a:t>Scala mel (da Melodia) nata nel 1937 dallo psicofisico S.S. Stevens</a:t>
             </a:r>
           </a:p>
           <a:p>
             <a:r>
               <a:rPr lang="it-IT" dirty="0"/>
-              <a:t>Scala MEL</a:t>
-            </a:r>
+              <a:t>Valutazione basata sul pitch (altezza) del suono</a:t>
+            </a:r>
+          </a:p>
+          <a:p>
+            <a:r>
+              <a:rPr lang="it-IT" dirty="0"/>
+              <a:t>intento di rappresentare la percezione umana dei segnali sonori</a:t>
+            </a:r>
+          </a:p>
+          <a:p>
+            <a:endParaRPr lang="it-IT" dirty="0"/>
           </a:p>
         </p:txBody>
       </p:sp>
@@ -9170,6 +9184,36 @@
           </a:prstGeom>
         </p:spPr>
       </p:pic>
+      <p:pic>
+        <p:nvPicPr>
+          <p:cNvPr id="4" name="Immagine 3">
+            <a:extLst>
+              <a:ext uri="{FF2B5EF4-FFF2-40B4-BE49-F238E27FC236}">
+                <a16:creationId xmlns:a16="http://schemas.microsoft.com/office/drawing/2014/main" id="{8DAC9E1E-4FB6-4550-B53E-465D5EB728A9}"/>
+              </a:ext>
+            </a:extLst>
+          </p:cNvPr>
+          <p:cNvPicPr>
+            <a:picLocks noChangeAspect="1"/>
+          </p:cNvPicPr>
+          <p:nvPr/>
+        </p:nvPicPr>
+        <p:blipFill>
+          <a:blip r:embed="rId5"/>
+          <a:stretch>
+            <a:fillRect/>
+          </a:stretch>
+        </p:blipFill>
+        <p:spPr>
+          <a:xfrm>
+            <a:off x="330218" y="4690308"/>
+            <a:ext cx="4645820" cy="1935336"/>
+          </a:xfrm>
+          <a:prstGeom prst="rect">
+            <a:avLst/>
+          </a:prstGeom>
+        </p:spPr>
+      </p:pic>
     </p:spTree>
     <p:extLst>
       <p:ext uri="{BB962C8B-B14F-4D97-AF65-F5344CB8AC3E}">
@@ -9188,24 +9232,9 @@
   <p:cSld>
     <p:bg>
       <p:bgPr>
-        <a:blipFill rotWithShape="1">
-          <a:blip r:embed="rId2">
-            <a:duotone>
-              <a:schemeClr val="bg2">
-                <a:shade val="28000"/>
-                <a:satMod val="94000"/>
-                <a:lumMod val="20000"/>
-              </a:schemeClr>
-              <a:schemeClr val="bg2">
-                <a:tint val="94000"/>
-                <a:shade val="84000"/>
-                <a:satMod val="148000"/>
-                <a:lumMod val="114000"/>
-              </a:schemeClr>
-            </a:duotone>
-          </a:blip>
-          <a:stretch/>
-        </a:blipFill>
+        <a:solidFill>
+          <a:schemeClr val="bg1"/>
+        </a:solidFill>
         <a:effectLst/>
       </p:bgPr>
     </p:bg>
@@ -9225,6 +9254,66 @@
       </p:grpSpPr>
       <p:sp>
         <p:nvSpPr>
+          <p:cNvPr id="14" name="Rectangle 13">
+            <a:extLst>
+              <a:ext uri="{FF2B5EF4-FFF2-40B4-BE49-F238E27FC236}">
+                <a16:creationId xmlns:a16="http://schemas.microsoft.com/office/drawing/2014/main" id="{0EF8982E-02F0-4D24-85CB-98DEBCC3226A}"/>
+              </a:ext>
+              <a:ext uri="{C183D7F6-B498-43B3-948B-1728B52AA6E4}">
+                <adec:decorative xmlns:adec="http://schemas.microsoft.com/office/drawing/2017/decorative" val="1"/>
+              </a:ext>
+            </a:extLst>
+          </p:cNvPr>
+          <p:cNvSpPr>
+            <a:spLocks noGrp="1" noRot="1" noChangeAspect="1" noMove="1" noResize="1" noEditPoints="1" noAdjustHandles="1" noChangeArrowheads="1" noChangeShapeType="1" noTextEdit="1"/>
+          </p:cNvSpPr>
+          <p:nvPr>
+            <p:extLst>
+              <p:ext uri="{386F3935-93C4-4BCD-93E2-E3B085C9AB24}">
+                <p16:designElem xmlns:p16="http://schemas.microsoft.com/office/powerpoint/2015/main" val="1"/>
+              </p:ext>
+            </p:extLst>
+          </p:nvPr>
+        </p:nvSpPr>
+        <p:spPr>
+          <a:xfrm>
+            <a:off x="0" y="0"/>
+            <a:ext cx="12192000" cy="6858000"/>
+          </a:xfrm>
+          <a:prstGeom prst="rect">
+            <a:avLst/>
+          </a:prstGeom>
+          <a:ln>
+            <a:noFill/>
+          </a:ln>
+        </p:spPr>
+        <p:style>
+          <a:lnRef idx="2">
+            <a:schemeClr val="accent1">
+              <a:shade val="50000"/>
+            </a:schemeClr>
+          </a:lnRef>
+          <a:fillRef idx="1003">
+            <a:schemeClr val="dk2"/>
+          </a:fillRef>
+          <a:effectRef idx="0">
+            <a:schemeClr val="accent1"/>
+          </a:effectRef>
+          <a:fontRef idx="minor">
+            <a:schemeClr val="lt1"/>
+          </a:fontRef>
+        </p:style>
+        <p:txBody>
+          <a:bodyPr rtlCol="0" anchor="ctr"/>
+          <a:lstStyle/>
+          <a:p>
+            <a:pPr algn="ctr"/>
+            <a:endParaRPr lang="en-US"/>
+          </a:p>
+        </p:txBody>
+      </p:sp>
+      <p:sp>
+        <p:nvSpPr>
           <p:cNvPr id="2" name="Titolo 1">
             <a:extLst>
               <a:ext uri="{FF2B5EF4-FFF2-40B4-BE49-F238E27FC236}">
@@ -9242,7 +9331,7 @@
         <p:spPr>
           <a:xfrm>
             <a:off x="643192" y="609600"/>
-            <a:ext cx="3643674" cy="1905000"/>
+            <a:ext cx="3643674" cy="1867786"/>
           </a:xfrm>
         </p:spPr>
         <p:txBody>
@@ -9251,8 +9340,24 @@
           </a:bodyPr>
           <a:lstStyle/>
           <a:p>
-            <a:r>
-              <a:rPr lang="it-IT" sz="2800"/>
+            <a:pPr algn="ctr"/>
+            <a:r>
+              <a:rPr lang="it-IT" sz="2800" dirty="0">
+                <a:gradFill flip="none" rotWithShape="1">
+                  <a:gsLst>
+                    <a:gs pos="0">
+                      <a:sysClr val="window" lastClr="FFFFFF"/>
+                    </a:gs>
+                    <a:gs pos="100000">
+                      <a:sysClr val="window" lastClr="FFFFFF">
+                        <a:lumMod val="65000"/>
+                      </a:sysClr>
+                    </a:gs>
+                  </a:gsLst>
+                  <a:lin ang="5580000" scaled="0"/>
+                  <a:tileRect/>
+                </a:gradFill>
+              </a:rPr>
               <a:t>Processo di estrazione delle mfcc</a:t>
             </a:r>
           </a:p>
@@ -9276,8 +9381,8 @@
         </p:nvSpPr>
         <p:spPr>
           <a:xfrm>
-            <a:off x="643192" y="2666999"/>
-            <a:ext cx="3643674" cy="3216276"/>
+            <a:off x="643192" y="2666998"/>
+            <a:ext cx="3748056" cy="3581402"/>
           </a:xfrm>
         </p:spPr>
         <p:txBody>
@@ -9286,48 +9391,273 @@
           </a:bodyPr>
           <a:lstStyle/>
           <a:p>
-            <a:endParaRPr lang="en-US" sz="1800"/>
+            <a:pPr marL="342900" indent="-342900">
+              <a:buFont typeface="+mj-lt"/>
+              <a:buAutoNum type="arabicPeriod"/>
+            </a:pPr>
+            <a:r>
+              <a:rPr lang="en-US" sz="1800" dirty="0">
+                <a:gradFill flip="none" rotWithShape="1">
+                  <a:gsLst>
+                    <a:gs pos="0">
+                      <a:sysClr val="window" lastClr="FFFFFF"/>
+                    </a:gs>
+                    <a:gs pos="100000">
+                      <a:sysClr val="window" lastClr="FFFFFF">
+                        <a:lumMod val="75000"/>
+                      </a:sysClr>
+                    </a:gs>
+                  </a:gsLst>
+                  <a:lin ang="5580000" scaled="0"/>
+                  <a:tileRect/>
+                </a:gradFill>
+              </a:rPr>
+              <a:t>Pre-emphasis</a:t>
+            </a:r>
+          </a:p>
+          <a:p>
+            <a:pPr marL="342900" indent="-342900">
+              <a:buFont typeface="+mj-lt"/>
+              <a:buAutoNum type="arabicPeriod"/>
+            </a:pPr>
+            <a:r>
+              <a:rPr lang="en-US" sz="1800" dirty="0">
+                <a:gradFill flip="none" rotWithShape="1">
+                  <a:gsLst>
+                    <a:gs pos="0">
+                      <a:sysClr val="window" lastClr="FFFFFF"/>
+                    </a:gs>
+                    <a:gs pos="100000">
+                      <a:sysClr val="window" lastClr="FFFFFF">
+                        <a:lumMod val="75000"/>
+                      </a:sysClr>
+                    </a:gs>
+                  </a:gsLst>
+                  <a:lin ang="5580000" scaled="0"/>
+                  <a:tileRect/>
+                </a:gradFill>
+              </a:rPr>
+              <a:t>Frame blocking and windowing</a:t>
+            </a:r>
+          </a:p>
+          <a:p>
+            <a:pPr marL="342900" indent="-342900">
+              <a:buFont typeface="+mj-lt"/>
+              <a:buAutoNum type="arabicPeriod"/>
+            </a:pPr>
+            <a:r>
+              <a:rPr lang="it-IT" sz="1800" dirty="0">
+                <a:gradFill flip="none" rotWithShape="1">
+                  <a:gsLst>
+                    <a:gs pos="0">
+                      <a:sysClr val="window" lastClr="FFFFFF"/>
+                    </a:gs>
+                    <a:gs pos="100000">
+                      <a:sysClr val="window" lastClr="FFFFFF">
+                        <a:lumMod val="75000"/>
+                      </a:sysClr>
+                    </a:gs>
+                  </a:gsLst>
+                  <a:lin ang="5580000" scaled="0"/>
+                  <a:tileRect/>
+                </a:gradFill>
+              </a:rPr>
+              <a:t>DFT </a:t>
+            </a:r>
+            <a:r>
+              <a:rPr lang="it-IT" sz="1800" dirty="0" err="1">
+                <a:gradFill flip="none" rotWithShape="1">
+                  <a:gsLst>
+                    <a:gs pos="0">
+                      <a:sysClr val="window" lastClr="FFFFFF"/>
+                    </a:gs>
+                    <a:gs pos="100000">
+                      <a:sysClr val="window" lastClr="FFFFFF">
+                        <a:lumMod val="75000"/>
+                      </a:sysClr>
+                    </a:gs>
+                  </a:gsLst>
+                  <a:lin ang="5580000" scaled="0"/>
+                  <a:tileRect/>
+                </a:gradFill>
+              </a:rPr>
+              <a:t>spectrum</a:t>
+            </a:r>
+            <a:endParaRPr lang="it-IT" sz="1800" dirty="0">
+              <a:gradFill flip="none" rotWithShape="1">
+                <a:gsLst>
+                  <a:gs pos="0">
+                    <a:sysClr val="window" lastClr="FFFFFF"/>
+                  </a:gs>
+                  <a:gs pos="100000">
+                    <a:sysClr val="window" lastClr="FFFFFF">
+                      <a:lumMod val="75000"/>
+                    </a:sysClr>
+                  </a:gs>
+                </a:gsLst>
+                <a:lin ang="5580000" scaled="0"/>
+                <a:tileRect/>
+              </a:gradFill>
+            </a:endParaRPr>
+          </a:p>
+          <a:p>
+            <a:pPr marL="342900" indent="-342900">
+              <a:buFont typeface="+mj-lt"/>
+              <a:buAutoNum type="arabicPeriod"/>
+            </a:pPr>
+            <a:r>
+              <a:rPr lang="it-IT" sz="1800" dirty="0">
+                <a:gradFill flip="none" rotWithShape="1">
+                  <a:gsLst>
+                    <a:gs pos="0">
+                      <a:sysClr val="window" lastClr="FFFFFF"/>
+                    </a:gs>
+                    <a:gs pos="100000">
+                      <a:sysClr val="window" lastClr="FFFFFF">
+                        <a:lumMod val="75000"/>
+                      </a:sysClr>
+                    </a:gs>
+                  </a:gsLst>
+                  <a:lin ang="5580000" scaled="0"/>
+                  <a:tileRect/>
+                </a:gradFill>
+              </a:rPr>
+              <a:t>Mel </a:t>
+            </a:r>
+            <a:r>
+              <a:rPr lang="it-IT" sz="1800" dirty="0" err="1">
+                <a:gradFill flip="none" rotWithShape="1">
+                  <a:gsLst>
+                    <a:gs pos="0">
+                      <a:sysClr val="window" lastClr="FFFFFF"/>
+                    </a:gs>
+                    <a:gs pos="100000">
+                      <a:sysClr val="window" lastClr="FFFFFF">
+                        <a:lumMod val="75000"/>
+                      </a:sysClr>
+                    </a:gs>
+                  </a:gsLst>
+                  <a:lin ang="5580000" scaled="0"/>
+                  <a:tileRect/>
+                </a:gradFill>
+              </a:rPr>
+              <a:t>spectrum</a:t>
+            </a:r>
+            <a:endParaRPr lang="it-IT" sz="1800" dirty="0">
+              <a:gradFill flip="none" rotWithShape="1">
+                <a:gsLst>
+                  <a:gs pos="0">
+                    <a:sysClr val="window" lastClr="FFFFFF"/>
+                  </a:gs>
+                  <a:gs pos="100000">
+                    <a:sysClr val="window" lastClr="FFFFFF">
+                      <a:lumMod val="75000"/>
+                    </a:sysClr>
+                  </a:gs>
+                </a:gsLst>
+                <a:lin ang="5580000" scaled="0"/>
+                <a:tileRect/>
+              </a:gradFill>
+            </a:endParaRPr>
+          </a:p>
+          <a:p>
+            <a:pPr marL="342900" indent="-342900">
+              <a:buFont typeface="+mj-lt"/>
+              <a:buAutoNum type="arabicPeriod"/>
+            </a:pPr>
+            <a:r>
+              <a:rPr lang="it-IT" sz="1800" dirty="0">
+                <a:gradFill flip="none" rotWithShape="1">
+                  <a:gsLst>
+                    <a:gs pos="0">
+                      <a:sysClr val="window" lastClr="FFFFFF"/>
+                    </a:gs>
+                    <a:gs pos="100000">
+                      <a:sysClr val="window" lastClr="FFFFFF">
+                        <a:lumMod val="75000"/>
+                      </a:sysClr>
+                    </a:gs>
+                  </a:gsLst>
+                  <a:lin ang="5580000" scaled="0"/>
+                  <a:tileRect/>
+                </a:gradFill>
+              </a:rPr>
+              <a:t>delta </a:t>
+            </a:r>
+            <a:r>
+              <a:rPr lang="it-IT" sz="1800" dirty="0" err="1">
+                <a:gradFill flip="none" rotWithShape="1">
+                  <a:gsLst>
+                    <a:gs pos="0">
+                      <a:sysClr val="window" lastClr="FFFFFF"/>
+                    </a:gs>
+                    <a:gs pos="100000">
+                      <a:sysClr val="window" lastClr="FFFFFF">
+                        <a:lumMod val="75000"/>
+                      </a:sysClr>
+                    </a:gs>
+                  </a:gsLst>
+                  <a:lin ang="5580000" scaled="0"/>
+                  <a:tileRect/>
+                </a:gradFill>
+              </a:rPr>
+              <a:t>coefficients</a:t>
+            </a:r>
+            <a:endParaRPr lang="en-US" sz="1800" dirty="0">
+              <a:gradFill flip="none" rotWithShape="1">
+                <a:gsLst>
+                  <a:gs pos="0">
+                    <a:sysClr val="window" lastClr="FFFFFF"/>
+                  </a:gs>
+                  <a:gs pos="100000">
+                    <a:sysClr val="window" lastClr="FFFFFF">
+                      <a:lumMod val="75000"/>
+                    </a:sysClr>
+                  </a:gs>
+                </a:gsLst>
+                <a:lin ang="5580000" scaled="0"/>
+                <a:tileRect/>
+              </a:gradFill>
+            </a:endParaRPr>
           </a:p>
         </p:txBody>
       </p:sp>
-      <p:pic>
-        <p:nvPicPr>
-          <p:cNvPr id="3074" name="Picture 2" descr="How I Understood: What features to consider while training audio files? |  by Joel Jogy | Towards Data Science">
-            <a:hlinkClick r:id="rId3"/>
+      <p:sp>
+        <p:nvSpPr>
+          <p:cNvPr id="16" name="Rounded Rectangle 7">
             <a:extLst>
               <a:ext uri="{FF2B5EF4-FFF2-40B4-BE49-F238E27FC236}">
-                <a16:creationId xmlns:a16="http://schemas.microsoft.com/office/drawing/2014/main" id="{AA47A1A3-370F-4975-A210-A969CC1E2453}"/>
+                <a16:creationId xmlns:a16="http://schemas.microsoft.com/office/drawing/2014/main" id="{2CB72970-2D5B-4516-9F76-B1220A77B6AB}"/>
+              </a:ext>
+              <a:ext uri="{C183D7F6-B498-43B3-948B-1728B52AA6E4}">
+                <adec:decorative xmlns:adec="http://schemas.microsoft.com/office/drawing/2017/decorative" val="1"/>
               </a:ext>
             </a:extLst>
           </p:cNvPr>
-          <p:cNvPicPr>
-            <a:picLocks noChangeAspect="1" noChangeArrowheads="1"/>
-          </p:cNvPicPr>
-          <p:nvPr/>
-        </p:nvPicPr>
-        <p:blipFill>
-          <a:blip r:embed="rId4">
-            <a:extLst>
-              <a:ext uri="{28A0092B-C50C-407E-A947-70E740481C1C}">
-                <a14:useLocalDpi xmlns:a14="http://schemas.microsoft.com/office/drawing/2010/main" val="0"/>
-              </a:ext>
-            </a:extLst>
-          </a:blip>
-          <a:stretch>
-            <a:fillRect/>
-          </a:stretch>
-        </p:blipFill>
-        <p:spPr bwMode="auto">
+          <p:cNvSpPr>
+            <a:spLocks noGrp="1" noRot="1" noChangeAspect="1" noMove="1" noResize="1" noEditPoints="1" noAdjustHandles="1" noChangeArrowheads="1" noChangeShapeType="1" noTextEdit="1"/>
+          </p:cNvSpPr>
+          <p:nvPr>
+            <p:extLst>
+              <p:ext uri="{386F3935-93C4-4BCD-93E2-E3B085C9AB24}">
+                <p16:designElem xmlns:p16="http://schemas.microsoft.com/office/powerpoint/2015/main" val="1"/>
+              </p:ext>
+            </p:extLst>
+          </p:nvPr>
+        </p:nvSpPr>
+        <p:spPr>
           <a:xfrm>
-            <a:off x="4806175" y="1456660"/>
-            <a:ext cx="7007266" cy="3774558"/>
+            <a:off x="4630994" y="620720"/>
+            <a:ext cx="6929447" cy="5272133"/>
           </a:xfrm>
           <a:prstGeom prst="roundRect">
             <a:avLst>
-              <a:gd name="adj" fmla="val 3517"/>
+              <a:gd name="adj" fmla="val 3812"/>
             </a:avLst>
           </a:prstGeom>
-          <a:noFill/>
+          <a:solidFill>
+            <a:schemeClr val="bg1"/>
+          </a:solidFill>
           <a:ln w="38100">
             <a:gradFill flip="none" rotWithShape="1">
               <a:gsLst>
@@ -9351,15 +9681,64 @@
               </a:srgbClr>
             </a:innerShdw>
           </a:effectLst>
-          <a:extLst>
-            <a:ext uri="{909E8E84-426E-40DD-AFC4-6F175D3DCCD1}">
-              <a14:hiddenFill xmlns:a14="http://schemas.microsoft.com/office/drawing/2010/main">
-                <a:solidFill>
-                  <a:srgbClr val="FFFFFF"/>
-                </a:solidFill>
-              </a14:hiddenFill>
-            </a:ext>
-          </a:extLst>
+        </p:spPr>
+        <p:style>
+          <a:lnRef idx="2">
+            <a:schemeClr val="accent1">
+              <a:shade val="50000"/>
+            </a:schemeClr>
+          </a:lnRef>
+          <a:fillRef idx="1">
+            <a:schemeClr val="accent1"/>
+          </a:fillRef>
+          <a:effectRef idx="0">
+            <a:schemeClr val="accent1"/>
+          </a:effectRef>
+          <a:fontRef idx="minor">
+            <a:schemeClr val="lt1"/>
+          </a:fontRef>
+        </p:style>
+        <p:txBody>
+          <a:bodyPr rtlCol="0" anchor="ctr"/>
+          <a:lstStyle/>
+          <a:p>
+            <a:pPr algn="ctr"/>
+            <a:endParaRPr lang="en-US">
+              <a:solidFill>
+                <a:schemeClr val="tx1"/>
+              </a:solidFill>
+            </a:endParaRPr>
+          </a:p>
+        </p:txBody>
+      </p:sp>
+      <p:pic>
+        <p:nvPicPr>
+          <p:cNvPr id="8" name="Immagine 7">
+            <a:extLst>
+              <a:ext uri="{FF2B5EF4-FFF2-40B4-BE49-F238E27FC236}">
+                <a16:creationId xmlns:a16="http://schemas.microsoft.com/office/drawing/2014/main" id="{E7D46B90-C7C4-4BFC-BB1B-77A9A72586D3}"/>
+              </a:ext>
+            </a:extLst>
+          </p:cNvPr>
+          <p:cNvPicPr>
+            <a:picLocks noChangeAspect="1"/>
+          </p:cNvPicPr>
+          <p:nvPr/>
+        </p:nvPicPr>
+        <p:blipFill>
+          <a:blip r:embed="rId2"/>
+          <a:stretch>
+            <a:fillRect/>
+          </a:stretch>
+        </p:blipFill>
+        <p:spPr>
+          <a:xfrm>
+            <a:off x="5128626" y="1135316"/>
+            <a:ext cx="5934182" cy="4242940"/>
+          </a:xfrm>
+          <a:prstGeom prst="rect">
+            <a:avLst/>
+          </a:prstGeom>
         </p:spPr>
       </p:pic>
     </p:spTree>
@@ -9370,7 +9749,7 @@
     </p:extLst>
   </p:cSld>
   <p:clrMapOvr>
-    <a:masterClrMapping/>
+    <a:overrideClrMapping bg1="lt1" tx1="dk1" bg2="lt2" tx2="dk2" accent1="accent1" accent2="accent2" accent3="accent3" accent4="accent4" accent5="accent5" accent6="accent6" hlink="hlink" folHlink="folHlink"/>
   </p:clrMapOvr>
 </p:sld>
 </file>
@@ -9433,84 +9812,51 @@
         </p:nvSpPr>
         <p:spPr>
           <a:xfrm>
-            <a:off x="2502605" y="166540"/>
-            <a:ext cx="7871543" cy="1905000"/>
+            <a:off x="1751012" y="4363271"/>
+            <a:ext cx="8676222" cy="1066801"/>
           </a:xfrm>
         </p:spPr>
         <p:txBody>
-          <a:bodyPr>
+          <a:bodyPr vert="horz" lIns="91440" tIns="45720" rIns="91440" bIns="45720" rtlCol="0" anchor="b">
             <a:normAutofit/>
           </a:bodyPr>
           <a:lstStyle/>
           <a:p>
-            <a:r>
-              <a:rPr lang="en-US" dirty="0" err="1">
+            <a:pPr algn="ctr">
+              <a:lnSpc>
+                <a:spcPct val="90000"/>
+              </a:lnSpc>
+            </a:pPr>
+            <a:r>
+              <a:rPr lang="en-US" sz="3400">
                 <a:effectLst>
                   <a:glow rad="38100">
-                    <a:prstClr val="black">
+                    <a:schemeClr val="bg1">
                       <a:lumMod val="65000"/>
                       <a:lumOff val="35000"/>
-                      <a:alpha val="40000"/>
-                    </a:prstClr>
+                      <a:alpha val="50000"/>
+                    </a:schemeClr>
                   </a:glow>
-                  <a:outerShdw blurRad="28575" dist="38100" dir="14040000" algn="tl" rotWithShape="0">
+                  <a:outerShdw blurRad="28575" dist="31750" dir="13200000" algn="tl" rotWithShape="0">
                     <a:srgbClr val="000000">
                       <a:alpha val="25000"/>
                     </a:srgbClr>
                   </a:outerShdw>
                 </a:effectLst>
               </a:rPr>
-              <a:t>Proposta</a:t>
-            </a:r>
-            <a:r>
-              <a:rPr lang="en-US" dirty="0">
+              <a:t>Proposta implementativa</a:t>
+            </a:r>
+            <a:br>
+              <a:rPr lang="en-US" sz="3400">
                 <a:effectLst>
                   <a:glow rad="38100">
-                    <a:prstClr val="black">
+                    <a:schemeClr val="bg1">
                       <a:lumMod val="65000"/>
                       <a:lumOff val="35000"/>
-                      <a:alpha val="40000"/>
-                    </a:prstClr>
+                      <a:alpha val="50000"/>
+                    </a:schemeClr>
                   </a:glow>
-                  <a:outerShdw blurRad="28575" dist="38100" dir="14040000" algn="tl" rotWithShape="0">
-                    <a:srgbClr val="000000">
-                      <a:alpha val="25000"/>
-                    </a:srgbClr>
-                  </a:outerShdw>
-                </a:effectLst>
-              </a:rPr>
-              <a:t> </a:t>
-            </a:r>
-            <a:r>
-              <a:rPr lang="en-US" dirty="0" err="1">
-                <a:effectLst>
-                  <a:glow rad="38100">
-                    <a:prstClr val="black">
-                      <a:lumMod val="65000"/>
-                      <a:lumOff val="35000"/>
-                      <a:alpha val="40000"/>
-                    </a:prstClr>
-                  </a:glow>
-                  <a:outerShdw blurRad="28575" dist="38100" dir="14040000" algn="tl" rotWithShape="0">
-                    <a:srgbClr val="000000">
-                      <a:alpha val="25000"/>
-                    </a:srgbClr>
-                  </a:outerShdw>
-                </a:effectLst>
-              </a:rPr>
-              <a:t>implementativa</a:t>
-            </a:r>
-            <a:br>
-              <a:rPr lang="en-US" dirty="0">
-                <a:effectLst>
-                  <a:glow rad="38100">
-                    <a:prstClr val="black">
-                      <a:lumMod val="65000"/>
-                      <a:lumOff val="35000"/>
-                      <a:alpha val="40000"/>
-                    </a:prstClr>
-                  </a:glow>
-                  <a:outerShdw blurRad="28575" dist="38100" dir="14040000" algn="tl" rotWithShape="0">
+                  <a:outerShdw blurRad="28575" dist="31750" dir="13200000" algn="tl" rotWithShape="0">
                     <a:srgbClr val="000000">
                       <a:alpha val="25000"/>
                     </a:srgbClr>
@@ -9518,7 +9864,22 @@
                 </a:effectLst>
               </a:rPr>
             </a:br>
-            <a:endParaRPr lang="en-US" dirty="0"/>
+            <a:endParaRPr lang="en-US" sz="3400">
+              <a:effectLst>
+                <a:glow rad="38100">
+                  <a:schemeClr val="bg1">
+                    <a:lumMod val="65000"/>
+                    <a:lumOff val="35000"/>
+                    <a:alpha val="50000"/>
+                  </a:schemeClr>
+                </a:glow>
+                <a:outerShdw blurRad="28575" dist="31750" dir="13200000" algn="tl" rotWithShape="0">
+                  <a:srgbClr val="000000">
+                    <a:alpha val="25000"/>
+                  </a:srgbClr>
+                </a:outerShdw>
+              </a:effectLst>
+            </a:endParaRPr>
           </a:p>
         </p:txBody>
       </p:sp>
@@ -9540,122 +9901,95 @@
         </p:nvSpPr>
         <p:spPr>
           <a:xfrm>
-            <a:off x="1546806" y="5598735"/>
-            <a:ext cx="8068533" cy="943467"/>
+            <a:off x="1751012" y="5516211"/>
+            <a:ext cx="8676222" cy="722243"/>
           </a:xfrm>
         </p:spPr>
         <p:txBody>
-          <a:bodyPr anchor="t">
+          <a:bodyPr vert="horz" lIns="91440" tIns="45720" rIns="91440" bIns="45720" rtlCol="0" anchor="t">
             <a:normAutofit/>
           </a:bodyPr>
           <a:lstStyle/>
           <a:p>
-            <a:pPr>
+            <a:pPr marL="0" indent="0" algn="ctr">
               <a:lnSpc>
                 <a:spcPct val="90000"/>
               </a:lnSpc>
-              <a:buClr>
-                <a:srgbClr val="FFFFFF"/>
-              </a:buClr>
+              <a:buNone/>
             </a:pPr>
             <a:br>
-              <a:rPr lang="en-US" sz="1600" dirty="0">
-                <a:effectLst>
-                  <a:glow rad="38100">
-                    <a:prstClr val="black">
-                      <a:lumMod val="50000"/>
-                      <a:lumOff val="50000"/>
-                      <a:alpha val="20000"/>
-                    </a:prstClr>
-                  </a:glow>
-                  <a:outerShdw blurRad="44450" dist="12700" dir="13860000" algn="tl" rotWithShape="0">
-                    <a:srgbClr val="000000">
-                      <a:alpha val="20000"/>
-                    </a:srgbClr>
-                  </a:outerShdw>
-                </a:effectLst>
+              <a:rPr lang="en-US" sz="2100">
+                <a:gradFill flip="none" rotWithShape="1">
+                  <a:gsLst>
+                    <a:gs pos="0">
+                      <a:schemeClr val="tx1"/>
+                    </a:gs>
+                    <a:gs pos="100000">
+                      <a:schemeClr val="tx1">
+                        <a:lumMod val="75000"/>
+                      </a:schemeClr>
+                    </a:gs>
+                  </a:gsLst>
+                  <a:lin ang="5400000" scaled="0"/>
+                  <a:tileRect/>
+                </a:gradFill>
               </a:rPr>
             </a:br>
             <a:r>
-              <a:rPr lang="en-US" sz="1600" dirty="0">
-                <a:effectLst>
-                  <a:glow rad="38100">
-                    <a:prstClr val="black">
-                      <a:lumMod val="50000"/>
-                      <a:lumOff val="50000"/>
-                      <a:alpha val="20000"/>
-                    </a:prstClr>
-                  </a:glow>
-                  <a:outerShdw blurRad="44450" dist="12700" dir="13860000" algn="tl" rotWithShape="0">
-                    <a:srgbClr val="000000">
-                      <a:alpha val="20000"/>
-                    </a:srgbClr>
-                  </a:outerShdw>
-                </a:effectLst>
+              <a:rPr lang="en-US" sz="2100">
+                <a:gradFill flip="none" rotWithShape="1">
+                  <a:gsLst>
+                    <a:gs pos="0">
+                      <a:schemeClr val="tx1"/>
+                    </a:gs>
+                    <a:gs pos="100000">
+                      <a:schemeClr val="tx1">
+                        <a:lumMod val="75000"/>
+                      </a:schemeClr>
+                    </a:gs>
+                  </a:gsLst>
+                  <a:lin ang="5400000" scaled="0"/>
+                  <a:tileRect/>
+                </a:gradFill>
               </a:rPr>
-              <a:t>(</a:t>
-            </a:r>
-            <a:r>
-              <a:rPr lang="en-US" sz="1600" dirty="0">
-                <a:effectLst>
-                  <a:glow rad="38100">
-                    <a:prstClr val="black">
-                      <a:lumMod val="50000"/>
-                      <a:lumOff val="50000"/>
-                      <a:alpha val="20000"/>
-                    </a:prstClr>
-                  </a:glow>
-                  <a:outerShdw blurRad="44450" dist="12700" dir="13860000" algn="tl" rotWithShape="0">
-                    <a:srgbClr val="000000">
-                      <a:alpha val="20000"/>
-                    </a:srgbClr>
-                  </a:outerShdw>
-                </a:effectLst>
-                <a:ea typeface="+mn-lt"/>
-                <a:cs typeface="+mn-lt"/>
-              </a:rPr>
-              <a:t> </a:t>
-            </a:r>
-            <a:r>
-              <a:rPr lang="en-US" sz="1600" dirty="0">
-                <a:effectLst>
-                  <a:glow rad="38100">
-                    <a:prstClr val="black">
-                      <a:lumMod val="50000"/>
-                      <a:lumOff val="50000"/>
-                      <a:alpha val="20000"/>
-                    </a:prstClr>
-                  </a:glow>
-                  <a:outerShdw blurRad="44450" dist="12700" dir="13860000" algn="tl" rotWithShape="0">
-                    <a:srgbClr val="000000">
-                      <a:alpha val="20000"/>
-                    </a:srgbClr>
-                  </a:outerShdw>
-                </a:effectLst>
-                <a:ea typeface="+mn-lt"/>
-                <a:cs typeface="+mn-lt"/>
+              <a:t>( </a:t>
+            </a:r>
+            <a:r>
+              <a:rPr lang="en-US" sz="2100">
+                <a:gradFill flip="none" rotWithShape="1">
+                  <a:gsLst>
+                    <a:gs pos="0">
+                      <a:schemeClr val="tx1"/>
+                    </a:gs>
+                    <a:gs pos="100000">
+                      <a:schemeClr val="tx1">
+                        <a:lumMod val="75000"/>
+                      </a:schemeClr>
+                    </a:gs>
+                  </a:gsLst>
+                  <a:lin ang="5400000" scaled="0"/>
+                  <a:tileRect/>
+                </a:gradFill>
                 <a:hlinkClick r:id="rId3"/>
               </a:rPr>
               <a:t>https://github.com/Fillayth/multimodello_speaker_recognition</a:t>
             </a:r>
             <a:r>
-              <a:rPr lang="en-US" sz="1600" dirty="0">
-                <a:effectLst>
-                  <a:glow rad="38100">
-                    <a:prstClr val="black">
-                      <a:lumMod val="50000"/>
-                      <a:lumOff val="50000"/>
-                      <a:alpha val="20000"/>
-                    </a:prstClr>
-                  </a:glow>
-                  <a:outerShdw blurRad="44450" dist="12700" dir="13860000" algn="tl" rotWithShape="0">
-                    <a:srgbClr val="000000">
-                      <a:alpha val="20000"/>
-                    </a:srgbClr>
-                  </a:outerShdw>
-                </a:effectLst>
-                <a:ea typeface="+mn-lt"/>
-                <a:cs typeface="+mn-lt"/>
+              <a:rPr lang="en-US" sz="2100">
+                <a:gradFill flip="none" rotWithShape="1">
+                  <a:gsLst>
+                    <a:gs pos="0">
+                      <a:schemeClr val="tx1"/>
+                    </a:gs>
+                    <a:gs pos="100000">
+                      <a:schemeClr val="tx1">
+                        <a:lumMod val="75000"/>
+                      </a:schemeClr>
+                    </a:gs>
+                  </a:gsLst>
+                  <a:lin ang="5400000" scaled="0"/>
+                  <a:tileRect/>
+                </a:gradFill>
               </a:rPr>
               <a:t> )</a:t>
             </a:r>
@@ -9684,8 +10018,8 @@
         </p:blipFill>
         <p:spPr>
           <a:xfrm>
-            <a:off x="1642433" y="1375331"/>
-            <a:ext cx="7871543" cy="4408064"/>
+            <a:off x="2876960" y="640080"/>
+            <a:ext cx="6433456" cy="3602736"/>
           </a:xfrm>
           <a:prstGeom prst="roundRect">
             <a:avLst>
@@ -9788,57 +10122,571 @@
         </p:nvSpPr>
         <p:spPr>
           <a:xfrm>
-            <a:off x="486887" y="0"/>
-            <a:ext cx="6573685" cy="1905000"/>
+            <a:off x="643192" y="609600"/>
+            <a:ext cx="3643674" cy="1905000"/>
           </a:xfrm>
         </p:spPr>
         <p:txBody>
-          <a:bodyPr>
+          <a:bodyPr vert="horz" lIns="91440" tIns="45720" rIns="91440" bIns="45720" rtlCol="0" anchor="ctr">
             <a:normAutofit/>
           </a:bodyPr>
           <a:lstStyle/>
           <a:p>
             <a:r>
-              <a:rPr lang="en-US" dirty="0">
+              <a:rPr lang="en-US" sz="2800">
+                <a:hlinkClick r:id="rId4"/>
+              </a:rPr>
+              <a:t>Repository di partenza</a:t>
+            </a:r>
+            <a:endParaRPr lang="en-US" sz="2800"/>
+          </a:p>
+        </p:txBody>
+      </p:sp>
+      <p:sp>
+        <p:nvSpPr>
+          <p:cNvPr id="7" name="CasellaDiTesto 6">
+            <a:extLst>
+              <a:ext uri="{FF2B5EF4-FFF2-40B4-BE49-F238E27FC236}">
+                <a16:creationId xmlns:a16="http://schemas.microsoft.com/office/drawing/2014/main" id="{5A88EDC4-94F1-441A-B532-5C0920ECFB30}"/>
+              </a:ext>
+            </a:extLst>
+          </p:cNvPr>
+          <p:cNvSpPr txBox="1"/>
+          <p:nvPr/>
+        </p:nvSpPr>
+        <p:spPr>
+          <a:xfrm>
+            <a:off x="643192" y="2666999"/>
+            <a:ext cx="3643674" cy="3216276"/>
+          </a:xfrm>
+          <a:prstGeom prst="rect">
+            <a:avLst/>
+          </a:prstGeom>
+        </p:spPr>
+        <p:txBody>
+          <a:bodyPr vert="horz" lIns="91440" tIns="45720" rIns="91440" bIns="45720" rtlCol="0" anchor="t">
+            <a:normAutofit/>
+          </a:bodyPr>
+          <a:lstStyle/>
+          <a:p>
+            <a:pPr marL="285750" indent="-285750">
+              <a:spcBef>
+                <a:spcPct val="20000"/>
+              </a:spcBef>
+              <a:spcAft>
+                <a:spcPts val="600"/>
+              </a:spcAft>
+              <a:buClr>
+                <a:schemeClr val="tx1"/>
+              </a:buClr>
+              <a:buSzPct val="100000"/>
+              <a:buFont typeface="Arial"/>
+              <a:buChar char="•"/>
+            </a:pPr>
+            <a:r>
+              <a:rPr lang="en-US" cap="small">
+                <a:gradFill flip="none" rotWithShape="1">
+                  <a:gsLst>
+                    <a:gs pos="0">
+                      <a:schemeClr val="tx1"/>
+                    </a:gs>
+                    <a:gs pos="100000">
+                      <a:schemeClr val="tx1">
+                        <a:lumMod val="75000"/>
+                      </a:schemeClr>
+                    </a:gs>
+                  </a:gsLst>
+                  <a:lin ang="5580000" scaled="0"/>
+                  <a:tileRect/>
+                </a:gradFill>
                 <a:effectLst>
                   <a:glow rad="38100">
-                    <a:prstClr val="black">
-                      <a:lumMod val="65000"/>
-                      <a:lumOff val="35000"/>
-                      <a:alpha val="40000"/>
-                    </a:prstClr>
+                    <a:schemeClr val="bg1">
+                      <a:lumMod val="50000"/>
+                      <a:lumOff val="50000"/>
+                      <a:alpha val="20000"/>
+                    </a:schemeClr>
                   </a:glow>
-                  <a:outerShdw blurRad="28575" dist="38100" dir="14040000" algn="tl" rotWithShape="0">
+                  <a:outerShdw blurRad="44450" dist="12700" dir="13860000" algn="tl" rotWithShape="0">
                     <a:srgbClr val="000000">
-                      <a:alpha val="25000"/>
+                      <a:alpha val="20000"/>
                     </a:srgbClr>
                   </a:outerShdw>
                 </a:effectLst>
-                <a:hlinkClick r:id="rId4"/>
               </a:rPr>
-              <a:t>Repository di </a:t>
-            </a:r>
-            <a:r>
-              <a:rPr lang="it-IT" dirty="0">
+              <a:t>Identificazione ottenuta solo tramite GMM</a:t>
+            </a:r>
+            <a:br>
+              <a:rPr lang="en-US" cap="small">
+                <a:gradFill flip="none" rotWithShape="1">
+                  <a:gsLst>
+                    <a:gs pos="0">
+                      <a:schemeClr val="tx1"/>
+                    </a:gs>
+                    <a:gs pos="100000">
+                      <a:schemeClr val="tx1">
+                        <a:lumMod val="75000"/>
+                      </a:schemeClr>
+                    </a:gs>
+                  </a:gsLst>
+                  <a:lin ang="5580000" scaled="0"/>
+                  <a:tileRect/>
+                </a:gradFill>
                 <a:effectLst>
                   <a:glow rad="38100">
-                    <a:prstClr val="black">
-                      <a:lumMod val="65000"/>
-                      <a:lumOff val="35000"/>
-                      <a:alpha val="40000"/>
-                    </a:prstClr>
+                    <a:schemeClr val="bg1">
+                      <a:lumMod val="50000"/>
+                      <a:lumOff val="50000"/>
+                      <a:alpha val="20000"/>
+                    </a:schemeClr>
                   </a:glow>
-                  <a:outerShdw blurRad="28575" dist="38100" dir="14040000" algn="tl" rotWithShape="0">
+                  <a:outerShdw blurRad="44450" dist="12700" dir="13860000" algn="tl" rotWithShape="0">
                     <a:srgbClr val="000000">
-                      <a:alpha val="25000"/>
+                      <a:alpha val="20000"/>
                     </a:srgbClr>
                   </a:outerShdw>
                 </a:effectLst>
-                <a:hlinkClick r:id="rId4"/>
               </a:rPr>
-              <a:t>partenza</a:t>
-            </a:r>
-            <a:endParaRPr lang="it-IT" dirty="0"/>
+            </a:br>
+            <a:endParaRPr lang="en-US" cap="small">
+              <a:gradFill flip="none" rotWithShape="1">
+                <a:gsLst>
+                  <a:gs pos="0">
+                    <a:schemeClr val="tx1"/>
+                  </a:gs>
+                  <a:gs pos="100000">
+                    <a:schemeClr val="tx1">
+                      <a:lumMod val="75000"/>
+                    </a:schemeClr>
+                  </a:gs>
+                </a:gsLst>
+                <a:lin ang="5580000" scaled="0"/>
+                <a:tileRect/>
+              </a:gradFill>
+              <a:effectLst>
+                <a:glow rad="38100">
+                  <a:schemeClr val="bg1">
+                    <a:lumMod val="50000"/>
+                    <a:lumOff val="50000"/>
+                    <a:alpha val="20000"/>
+                  </a:schemeClr>
+                </a:glow>
+                <a:outerShdw blurRad="44450" dist="12700" dir="13860000" algn="tl" rotWithShape="0">
+                  <a:srgbClr val="000000">
+                    <a:alpha val="20000"/>
+                  </a:srgbClr>
+                </a:outerShdw>
+              </a:effectLst>
+            </a:endParaRPr>
+          </a:p>
+          <a:p>
+            <a:pPr marL="285750" indent="-285750">
+              <a:spcBef>
+                <a:spcPct val="20000"/>
+              </a:spcBef>
+              <a:spcAft>
+                <a:spcPts val="600"/>
+              </a:spcAft>
+              <a:buClr>
+                <a:schemeClr val="tx1"/>
+              </a:buClr>
+              <a:buSzPct val="100000"/>
+              <a:buFont typeface="Arial"/>
+              <a:buChar char="•"/>
+            </a:pPr>
+            <a:r>
+              <a:rPr lang="en-US" cap="small">
+                <a:gradFill flip="none" rotWithShape="1">
+                  <a:gsLst>
+                    <a:gs pos="0">
+                      <a:schemeClr val="tx1"/>
+                    </a:gs>
+                    <a:gs pos="100000">
+                      <a:schemeClr val="tx1">
+                        <a:lumMod val="75000"/>
+                      </a:schemeClr>
+                    </a:gs>
+                  </a:gsLst>
+                  <a:lin ang="5580000" scaled="0"/>
+                  <a:tileRect/>
+                </a:gradFill>
+                <a:effectLst>
+                  <a:glow rad="38100">
+                    <a:schemeClr val="bg1">
+                      <a:lumMod val="50000"/>
+                      <a:lumOff val="50000"/>
+                      <a:alpha val="20000"/>
+                    </a:schemeClr>
+                  </a:glow>
+                  <a:outerShdw blurRad="44450" dist="12700" dir="13860000" algn="tl" rotWithShape="0">
+                    <a:srgbClr val="000000">
+                      <a:alpha val="20000"/>
+                    </a:srgbClr>
+                  </a:outerShdw>
+                </a:effectLst>
+              </a:rPr>
+              <a:t>Librerie:</a:t>
+            </a:r>
+            <a:br>
+              <a:rPr lang="en-US" cap="small">
+                <a:gradFill flip="none" rotWithShape="1">
+                  <a:gsLst>
+                    <a:gs pos="0">
+                      <a:schemeClr val="tx1"/>
+                    </a:gs>
+                    <a:gs pos="100000">
+                      <a:schemeClr val="tx1">
+                        <a:lumMod val="75000"/>
+                      </a:schemeClr>
+                    </a:gs>
+                  </a:gsLst>
+                  <a:lin ang="5580000" scaled="0"/>
+                  <a:tileRect/>
+                </a:gradFill>
+                <a:effectLst>
+                  <a:glow rad="38100">
+                    <a:schemeClr val="bg1">
+                      <a:lumMod val="50000"/>
+                      <a:lumOff val="50000"/>
+                      <a:alpha val="20000"/>
+                    </a:schemeClr>
+                  </a:glow>
+                  <a:outerShdw blurRad="44450" dist="12700" dir="13860000" algn="tl" rotWithShape="0">
+                    <a:srgbClr val="000000">
+                      <a:alpha val="20000"/>
+                    </a:srgbClr>
+                  </a:outerShdw>
+                </a:effectLst>
+              </a:rPr>
+            </a:br>
+            <a:r>
+              <a:rPr lang="en-US" cap="small">
+                <a:gradFill flip="none" rotWithShape="1">
+                  <a:gsLst>
+                    <a:gs pos="0">
+                      <a:schemeClr val="tx1"/>
+                    </a:gs>
+                    <a:gs pos="100000">
+                      <a:schemeClr val="tx1">
+                        <a:lumMod val="75000"/>
+                      </a:schemeClr>
+                    </a:gs>
+                  </a:gsLst>
+                  <a:lin ang="5580000" scaled="0"/>
+                  <a:tileRect/>
+                </a:gradFill>
+                <a:effectLst>
+                  <a:glow rad="38100">
+                    <a:schemeClr val="bg1">
+                      <a:lumMod val="50000"/>
+                      <a:lumOff val="50000"/>
+                      <a:alpha val="20000"/>
+                    </a:schemeClr>
+                  </a:glow>
+                  <a:outerShdw blurRad="44450" dist="12700" dir="13860000" algn="tl" rotWithShape="0">
+                    <a:srgbClr val="000000">
+                      <a:alpha val="20000"/>
+                    </a:srgbClr>
+                  </a:outerShdw>
+                </a:effectLst>
+              </a:rPr>
+              <a:t>- </a:t>
+            </a:r>
+            <a:r>
+              <a:rPr lang="en-US" cap="small">
+                <a:gradFill flip="none" rotWithShape="1">
+                  <a:gsLst>
+                    <a:gs pos="0">
+                      <a:schemeClr val="tx1"/>
+                    </a:gs>
+                    <a:gs pos="100000">
+                      <a:schemeClr val="tx1">
+                        <a:lumMod val="75000"/>
+                      </a:schemeClr>
+                    </a:gs>
+                  </a:gsLst>
+                  <a:lin ang="5580000" scaled="0"/>
+                  <a:tileRect/>
+                </a:gradFill>
+                <a:effectLst>
+                  <a:glow rad="38100">
+                    <a:schemeClr val="bg1">
+                      <a:lumMod val="50000"/>
+                      <a:lumOff val="50000"/>
+                      <a:alpha val="20000"/>
+                    </a:schemeClr>
+                  </a:glow>
+                  <a:outerShdw blurRad="44450" dist="12700" dir="13860000" algn="tl" rotWithShape="0">
+                    <a:srgbClr val="000000">
+                      <a:alpha val="20000"/>
+                    </a:srgbClr>
+                  </a:outerShdw>
+                </a:effectLst>
+                <a:hlinkClick r:id="rId5"/>
+              </a:rPr>
+              <a:t>numpy</a:t>
+            </a:r>
+            <a:r>
+              <a:rPr lang="en-US" cap="small">
+                <a:gradFill flip="none" rotWithShape="1">
+                  <a:gsLst>
+                    <a:gs pos="0">
+                      <a:schemeClr val="tx1"/>
+                    </a:gs>
+                    <a:gs pos="100000">
+                      <a:schemeClr val="tx1">
+                        <a:lumMod val="75000"/>
+                      </a:schemeClr>
+                    </a:gs>
+                  </a:gsLst>
+                  <a:lin ang="5580000" scaled="0"/>
+                  <a:tileRect/>
+                </a:gradFill>
+                <a:effectLst>
+                  <a:glow rad="38100">
+                    <a:schemeClr val="bg1">
+                      <a:lumMod val="50000"/>
+                      <a:lumOff val="50000"/>
+                      <a:alpha val="20000"/>
+                    </a:schemeClr>
+                  </a:glow>
+                  <a:outerShdw blurRad="44450" dist="12700" dir="13860000" algn="tl" rotWithShape="0">
+                    <a:srgbClr val="000000">
+                      <a:alpha val="20000"/>
+                    </a:srgbClr>
+                  </a:outerShdw>
+                </a:effectLst>
+              </a:rPr>
+              <a:t> </a:t>
+            </a:r>
+            <a:br>
+              <a:rPr lang="en-US" cap="small">
+                <a:gradFill flip="none" rotWithShape="1">
+                  <a:gsLst>
+                    <a:gs pos="0">
+                      <a:schemeClr val="tx1"/>
+                    </a:gs>
+                    <a:gs pos="100000">
+                      <a:schemeClr val="tx1">
+                        <a:lumMod val="75000"/>
+                      </a:schemeClr>
+                    </a:gs>
+                  </a:gsLst>
+                  <a:lin ang="5580000" scaled="0"/>
+                  <a:tileRect/>
+                </a:gradFill>
+                <a:effectLst>
+                  <a:glow rad="38100">
+                    <a:schemeClr val="bg1">
+                      <a:lumMod val="50000"/>
+                      <a:lumOff val="50000"/>
+                      <a:alpha val="20000"/>
+                    </a:schemeClr>
+                  </a:glow>
+                  <a:outerShdw blurRad="44450" dist="12700" dir="13860000" algn="tl" rotWithShape="0">
+                    <a:srgbClr val="000000">
+                      <a:alpha val="20000"/>
+                    </a:srgbClr>
+                  </a:outerShdw>
+                </a:effectLst>
+              </a:rPr>
+            </a:br>
+            <a:r>
+              <a:rPr lang="en-US" cap="small">
+                <a:gradFill flip="none" rotWithShape="1">
+                  <a:gsLst>
+                    <a:gs pos="0">
+                      <a:schemeClr val="tx1"/>
+                    </a:gs>
+                    <a:gs pos="100000">
+                      <a:schemeClr val="tx1">
+                        <a:lumMod val="75000"/>
+                      </a:schemeClr>
+                    </a:gs>
+                  </a:gsLst>
+                  <a:lin ang="5580000" scaled="0"/>
+                  <a:tileRect/>
+                </a:gradFill>
+                <a:effectLst>
+                  <a:glow rad="38100">
+                    <a:schemeClr val="bg1">
+                      <a:lumMod val="50000"/>
+                      <a:lumOff val="50000"/>
+                      <a:alpha val="20000"/>
+                    </a:schemeClr>
+                  </a:glow>
+                  <a:outerShdw blurRad="44450" dist="12700" dir="13860000" algn="tl" rotWithShape="0">
+                    <a:srgbClr val="000000">
+                      <a:alpha val="20000"/>
+                    </a:srgbClr>
+                  </a:outerShdw>
+                </a:effectLst>
+              </a:rPr>
+              <a:t>- </a:t>
+            </a:r>
+            <a:r>
+              <a:rPr lang="en-US" cap="small">
+                <a:gradFill flip="none" rotWithShape="1">
+                  <a:gsLst>
+                    <a:gs pos="0">
+                      <a:schemeClr val="tx1"/>
+                    </a:gs>
+                    <a:gs pos="100000">
+                      <a:schemeClr val="tx1">
+                        <a:lumMod val="75000"/>
+                      </a:schemeClr>
+                    </a:gs>
+                  </a:gsLst>
+                  <a:lin ang="5580000" scaled="0"/>
+                  <a:tileRect/>
+                </a:gradFill>
+                <a:effectLst>
+                  <a:glow rad="38100">
+                    <a:schemeClr val="bg1">
+                      <a:lumMod val="50000"/>
+                      <a:lumOff val="50000"/>
+                      <a:alpha val="20000"/>
+                    </a:schemeClr>
+                  </a:glow>
+                  <a:outerShdw blurRad="44450" dist="12700" dir="13860000" algn="tl" rotWithShape="0">
+                    <a:srgbClr val="000000">
+                      <a:alpha val="20000"/>
+                    </a:srgbClr>
+                  </a:outerShdw>
+                </a:effectLst>
+                <a:hlinkClick r:id="rId6"/>
+              </a:rPr>
+              <a:t>scikit-learn</a:t>
+            </a:r>
+            <a:br>
+              <a:rPr lang="en-US" cap="small">
+                <a:gradFill flip="none" rotWithShape="1">
+                  <a:gsLst>
+                    <a:gs pos="0">
+                      <a:schemeClr val="tx1"/>
+                    </a:gs>
+                    <a:gs pos="100000">
+                      <a:schemeClr val="tx1">
+                        <a:lumMod val="75000"/>
+                      </a:schemeClr>
+                    </a:gs>
+                  </a:gsLst>
+                  <a:lin ang="5580000" scaled="0"/>
+                  <a:tileRect/>
+                </a:gradFill>
+                <a:effectLst>
+                  <a:glow rad="38100">
+                    <a:schemeClr val="bg1">
+                      <a:lumMod val="50000"/>
+                      <a:lumOff val="50000"/>
+                      <a:alpha val="20000"/>
+                    </a:schemeClr>
+                  </a:glow>
+                  <a:outerShdw blurRad="44450" dist="12700" dir="13860000" algn="tl" rotWithShape="0">
+                    <a:srgbClr val="000000">
+                      <a:alpha val="20000"/>
+                    </a:srgbClr>
+                  </a:outerShdw>
+                </a:effectLst>
+              </a:rPr>
+            </a:br>
+            <a:r>
+              <a:rPr lang="en-US" cap="small">
+                <a:gradFill flip="none" rotWithShape="1">
+                  <a:gsLst>
+                    <a:gs pos="0">
+                      <a:schemeClr val="tx1"/>
+                    </a:gs>
+                    <a:gs pos="100000">
+                      <a:schemeClr val="tx1">
+                        <a:lumMod val="75000"/>
+                      </a:schemeClr>
+                    </a:gs>
+                  </a:gsLst>
+                  <a:lin ang="5580000" scaled="0"/>
+                  <a:tileRect/>
+                </a:gradFill>
+                <a:effectLst>
+                  <a:glow rad="38100">
+                    <a:schemeClr val="bg1">
+                      <a:lumMod val="50000"/>
+                      <a:lumOff val="50000"/>
+                      <a:alpha val="20000"/>
+                    </a:schemeClr>
+                  </a:glow>
+                  <a:outerShdw blurRad="44450" dist="12700" dir="13860000" algn="tl" rotWithShape="0">
+                    <a:srgbClr val="000000">
+                      <a:alpha val="20000"/>
+                    </a:srgbClr>
+                  </a:outerShdw>
+                </a:effectLst>
+              </a:rPr>
+              <a:t>- </a:t>
+            </a:r>
+            <a:r>
+              <a:rPr lang="en-US" cap="small">
+                <a:gradFill flip="none" rotWithShape="1">
+                  <a:gsLst>
+                    <a:gs pos="0">
+                      <a:schemeClr val="tx1"/>
+                    </a:gs>
+                    <a:gs pos="100000">
+                      <a:schemeClr val="tx1">
+                        <a:lumMod val="75000"/>
+                      </a:schemeClr>
+                    </a:gs>
+                  </a:gsLst>
+                  <a:lin ang="5580000" scaled="0"/>
+                  <a:tileRect/>
+                </a:gradFill>
+                <a:effectLst>
+                  <a:glow rad="38100">
+                    <a:schemeClr val="bg1">
+                      <a:lumMod val="50000"/>
+                      <a:lumOff val="50000"/>
+                      <a:alpha val="20000"/>
+                    </a:schemeClr>
+                  </a:glow>
+                  <a:outerShdw blurRad="44450" dist="12700" dir="13860000" algn="tl" rotWithShape="0">
+                    <a:srgbClr val="000000">
+                      <a:alpha val="20000"/>
+                    </a:srgbClr>
+                  </a:outerShdw>
+                </a:effectLst>
+                <a:hlinkClick r:id="rId7"/>
+              </a:rPr>
+              <a:t>python_speech_features</a:t>
+            </a:r>
+            <a:endParaRPr lang="en-US" cap="small">
+              <a:gradFill flip="none" rotWithShape="1">
+                <a:gsLst>
+                  <a:gs pos="0">
+                    <a:schemeClr val="tx1"/>
+                  </a:gs>
+                  <a:gs pos="100000">
+                    <a:schemeClr val="tx1">
+                      <a:lumMod val="75000"/>
+                    </a:schemeClr>
+                  </a:gs>
+                </a:gsLst>
+                <a:lin ang="5580000" scaled="0"/>
+                <a:tileRect/>
+              </a:gradFill>
+              <a:effectLst>
+                <a:glow rad="38100">
+                  <a:schemeClr val="bg1">
+                    <a:lumMod val="50000"/>
+                    <a:lumOff val="50000"/>
+                    <a:alpha val="20000"/>
+                  </a:schemeClr>
+                </a:glow>
+                <a:outerShdw blurRad="44450" dist="12700" dir="13860000" algn="tl" rotWithShape="0">
+                  <a:srgbClr val="000000">
+                    <a:alpha val="20000"/>
+                  </a:srgbClr>
+                </a:outerShdw>
+              </a:effectLst>
+            </a:endParaRPr>
           </a:p>
         </p:txBody>
       </p:sp>
@@ -9857,19 +10705,19 @@
           <p:nvPr/>
         </p:nvPicPr>
         <p:blipFill>
-          <a:blip r:embed="rId5"/>
+          <a:blip r:embed="rId8"/>
           <a:stretch>
             <a:fillRect/>
           </a:stretch>
         </p:blipFill>
         <p:spPr>
           <a:xfrm>
-            <a:off x="4628561" y="1687956"/>
-            <a:ext cx="6920246" cy="4354625"/>
+            <a:off x="4630994" y="1323677"/>
+            <a:ext cx="6916633" cy="3890605"/>
           </a:xfrm>
           <a:prstGeom prst="roundRect">
             <a:avLst>
-              <a:gd name="adj" fmla="val 2214"/>
+              <a:gd name="adj" fmla="val 3517"/>
             </a:avLst>
           </a:prstGeom>
           <a:ln w="38100">
@@ -9897,103 +10745,6 @@
           </a:effectLst>
         </p:spPr>
       </p:pic>
-      <p:sp>
-        <p:nvSpPr>
-          <p:cNvPr id="7" name="CasellaDiTesto 6">
-            <a:extLst>
-              <a:ext uri="{FF2B5EF4-FFF2-40B4-BE49-F238E27FC236}">
-                <a16:creationId xmlns:a16="http://schemas.microsoft.com/office/drawing/2014/main" id="{5A88EDC4-94F1-441A-B532-5C0920ECFB30}"/>
-              </a:ext>
-            </a:extLst>
-          </p:cNvPr>
-          <p:cNvSpPr txBox="1"/>
-          <p:nvPr/>
-        </p:nvSpPr>
-        <p:spPr>
-          <a:xfrm>
-            <a:off x="196886" y="1905000"/>
-            <a:ext cx="4044099" cy="2031325"/>
-          </a:xfrm>
-          <a:prstGeom prst="rect">
-            <a:avLst/>
-          </a:prstGeom>
-          <a:noFill/>
-        </p:spPr>
-        <p:txBody>
-          <a:bodyPr wrap="square" rtlCol="0">
-            <a:spAutoFit/>
-          </a:bodyPr>
-          <a:lstStyle/>
-          <a:p>
-            <a:pPr marL="285750" indent="-285750">
-              <a:buFont typeface="Arial" panose="020B0604020202020204" pitchFamily="34" charset="0"/>
-              <a:buChar char="•"/>
-            </a:pPr>
-            <a:r>
-              <a:rPr lang="it-IT" dirty="0"/>
-              <a:t>Identificazione ottenuta solo tramite GMM</a:t>
-            </a:r>
-            <a:br>
-              <a:rPr lang="it-IT" dirty="0"/>
-            </a:br>
-            <a:endParaRPr lang="it-IT" dirty="0"/>
-          </a:p>
-          <a:p>
-            <a:pPr marL="285750" indent="-285750">
-              <a:buFont typeface="Arial" panose="020B0604020202020204" pitchFamily="34" charset="0"/>
-              <a:buChar char="•"/>
-            </a:pPr>
-            <a:r>
-              <a:rPr lang="it-IT" dirty="0"/>
-              <a:t>Librerie:</a:t>
-            </a:r>
-            <a:br>
-              <a:rPr lang="it-IT" dirty="0"/>
-            </a:br>
-            <a:r>
-              <a:rPr lang="it-IT" dirty="0"/>
-              <a:t>- </a:t>
-            </a:r>
-            <a:r>
-              <a:rPr lang="it-IT" dirty="0" err="1">
-                <a:hlinkClick r:id="rId6"/>
-              </a:rPr>
-              <a:t>numpy</a:t>
-            </a:r>
-            <a:r>
-              <a:rPr lang="it-IT" dirty="0"/>
-              <a:t> </a:t>
-            </a:r>
-            <a:br>
-              <a:rPr lang="it-IT" dirty="0"/>
-            </a:br>
-            <a:r>
-              <a:rPr lang="it-IT" dirty="0"/>
-              <a:t>- </a:t>
-            </a:r>
-            <a:r>
-              <a:rPr lang="it-IT" dirty="0" err="1">
-                <a:hlinkClick r:id="rId7"/>
-              </a:rPr>
-              <a:t>scikit-learn</a:t>
-            </a:r>
-            <a:br>
-              <a:rPr lang="it-IT" dirty="0"/>
-            </a:br>
-            <a:r>
-              <a:rPr lang="it-IT" dirty="0"/>
-              <a:t>- </a:t>
-            </a:r>
-            <a:r>
-              <a:rPr lang="it-IT" dirty="0" err="1">
-                <a:hlinkClick r:id="rId8"/>
-              </a:rPr>
-              <a:t>python_speech_features</a:t>
-            </a:r>
-            <a:endParaRPr lang="it-IT" dirty="0"/>
-          </a:p>
-        </p:txBody>
-      </p:sp>
     </p:spTree>
     <p:extLst>
       <p:ext uri="{BB962C8B-B14F-4D97-AF65-F5344CB8AC3E}">
@@ -10481,187 +11232,6 @@
 <file path=ppt/slides/slide16.xml><?xml version="1.0" encoding="utf-8"?>
 <p:sld xmlns:a="http://schemas.openxmlformats.org/drawingml/2006/main" xmlns:r="http://schemas.openxmlformats.org/officeDocument/2006/relationships" xmlns:p="http://schemas.openxmlformats.org/presentationml/2006/main">
   <p:cSld>
-    <p:spTree>
-      <p:nvGrpSpPr>
-        <p:cNvPr id="1" name=""/>
-        <p:cNvGrpSpPr/>
-        <p:nvPr/>
-      </p:nvGrpSpPr>
-      <p:grpSpPr>
-        <a:xfrm>
-          <a:off x="0" y="0"/>
-          <a:ext cx="0" cy="0"/>
-          <a:chOff x="0" y="0"/>
-          <a:chExt cx="0" cy="0"/>
-        </a:xfrm>
-      </p:grpSpPr>
-      <p:sp>
-        <p:nvSpPr>
-          <p:cNvPr id="2" name="Title 1">
-            <a:extLst>
-              <a:ext uri="{FF2B5EF4-FFF2-40B4-BE49-F238E27FC236}">
-                <a16:creationId xmlns:a16="http://schemas.microsoft.com/office/drawing/2014/main" id="{A8568D91-2EF6-4AF0-A7EB-941E9690FACA}"/>
-              </a:ext>
-            </a:extLst>
-          </p:cNvPr>
-          <p:cNvSpPr>
-            <a:spLocks noGrp="1"/>
-          </p:cNvSpPr>
-          <p:nvPr>
-            <p:ph type="title"/>
-          </p:nvPr>
-        </p:nvSpPr>
-        <p:spPr/>
-        <p:txBody>
-          <a:bodyPr/>
-          <a:lstStyle/>
-          <a:p>
-            <a:r>
-              <a:rPr lang="en-US" dirty="0">
-                <a:effectLst>
-                  <a:glow rad="38100">
-                    <a:prstClr val="black">
-                      <a:lumMod val="65000"/>
-                      <a:lumOff val="35000"/>
-                      <a:alpha val="40000"/>
-                    </a:prstClr>
-                  </a:glow>
-                  <a:outerShdw blurRad="28575" dist="38100" dir="14040000" algn="tl" rotWithShape="0">
-                    <a:srgbClr val="000000">
-                      <a:alpha val="25000"/>
-                    </a:srgbClr>
-                  </a:outerShdw>
-                </a:effectLst>
-              </a:rPr>
-              <a:t>Open point</a:t>
-            </a:r>
-            <a:endParaRPr lang="en-US" dirty="0"/>
-          </a:p>
-        </p:txBody>
-      </p:sp>
-      <p:sp>
-        <p:nvSpPr>
-          <p:cNvPr id="3" name="Content Placeholder 2">
-            <a:extLst>
-              <a:ext uri="{FF2B5EF4-FFF2-40B4-BE49-F238E27FC236}">
-                <a16:creationId xmlns:a16="http://schemas.microsoft.com/office/drawing/2014/main" id="{4FACE9E4-022F-4EF4-880D-598587B3CA7E}"/>
-              </a:ext>
-            </a:extLst>
-          </p:cNvPr>
-          <p:cNvSpPr>
-            <a:spLocks noGrp="1"/>
-          </p:cNvSpPr>
-          <p:nvPr>
-            <p:ph idx="1"/>
-          </p:nvPr>
-        </p:nvSpPr>
-        <p:spPr/>
-        <p:txBody>
-          <a:bodyPr/>
-          <a:lstStyle/>
-          <a:p>
-            <a:r>
-              <a:rPr lang="it-IT" dirty="0">
-                <a:effectLst>
-                  <a:glow rad="38100">
-                    <a:prstClr val="black">
-                      <a:lumMod val="50000"/>
-                      <a:lumOff val="50000"/>
-                      <a:alpha val="20000"/>
-                    </a:prstClr>
-                  </a:glow>
-                </a:effectLst>
-              </a:rPr>
-              <a:t>Massimizzare l’affidabilità dei modelli con tuning di iper parametri e miglioramento dell’estrazione delle feature
-Aggiungere una soglia di </a:t>
-            </a:r>
-            <a:r>
-              <a:rPr lang="it-IT" dirty="0" err="1">
-                <a:effectLst>
-                  <a:glow rad="38100">
-                    <a:prstClr val="black">
-                      <a:lumMod val="50000"/>
-                      <a:lumOff val="50000"/>
-                      <a:alpha val="20000"/>
-                    </a:prstClr>
-                  </a:glow>
-                </a:effectLst>
-              </a:rPr>
-              <a:t>affidabiilità</a:t>
-            </a:r>
-            <a:r>
-              <a:rPr lang="it-IT" dirty="0">
-                <a:effectLst>
-                  <a:glow rad="38100">
-                    <a:prstClr val="black">
-                      <a:lumMod val="50000"/>
-                      <a:lumOff val="50000"/>
-                      <a:alpha val="20000"/>
-                    </a:prstClr>
-                  </a:glow>
-                </a:effectLst>
-              </a:rPr>
-              <a:t> per permettere anche la speaker </a:t>
-            </a:r>
-            <a:r>
-              <a:rPr lang="it-IT" dirty="0" err="1">
-                <a:effectLst>
-                  <a:glow rad="38100">
-                    <a:prstClr val="black">
-                      <a:lumMod val="50000"/>
-                      <a:lumOff val="50000"/>
-                      <a:alpha val="20000"/>
-                    </a:prstClr>
-                  </a:glow>
-                </a:effectLst>
-              </a:rPr>
-              <a:t>verification</a:t>
-            </a:r>
-            <a:r>
-              <a:rPr lang="it-IT" dirty="0">
-                <a:effectLst>
-                  <a:glow rad="38100">
-                    <a:prstClr val="black">
-                      <a:lumMod val="50000"/>
-                      <a:lumOff val="50000"/>
-                      <a:alpha val="20000"/>
-                    </a:prstClr>
-                  </a:glow>
-                </a:effectLst>
-              </a:rPr>
-              <a:t> in seguito all’identificazione
-Creare od utilizzare un dataset in lingua italiana</a:t>
-            </a:r>
-            <a:endParaRPr lang="en-US" dirty="0">
-              <a:effectLst>
-                <a:glow rad="38100">
-                  <a:prstClr val="black">
-                    <a:lumMod val="50000"/>
-                    <a:lumOff val="50000"/>
-                    <a:alpha val="20000"/>
-                  </a:prstClr>
-                </a:glow>
-              </a:effectLst>
-            </a:endParaRPr>
-          </a:p>
-        </p:txBody>
-      </p:sp>
-    </p:spTree>
-    <p:extLst>
-      <p:ext uri="{BB962C8B-B14F-4D97-AF65-F5344CB8AC3E}">
-        <p14:creationId xmlns:p14="http://schemas.microsoft.com/office/powerpoint/2010/main" val="1103747572"/>
-      </p:ext>
-    </p:extLst>
-  </p:cSld>
-  <p:clrMapOvr>
-    <a:masterClrMapping/>
-  </p:clrMapOvr>
-</p:sld>
-</file>
-
-<file path=ppt/slides/slide2.xml><?xml version="1.0" encoding="utf-8"?>
-<p:sld xmlns:a="http://schemas.openxmlformats.org/drawingml/2006/main" xmlns:r="http://schemas.openxmlformats.org/officeDocument/2006/relationships" xmlns:p="http://schemas.openxmlformats.org/presentationml/2006/main">
-  <p:cSld>
     <p:bg>
       <p:bgPr>
         <a:blipFill rotWithShape="1">
@@ -10704,761 +11274,6 @@
           <p:cNvPr id="8" name="Rectangle 7">
             <a:extLst>
               <a:ext uri="{FF2B5EF4-FFF2-40B4-BE49-F238E27FC236}">
-                <a16:creationId xmlns:a16="http://schemas.microsoft.com/office/drawing/2014/main" id="{5690F3EE-0CD1-4520-B020-4E1DF3141C74}"/>
-              </a:ext>
-              <a:ext uri="{C183D7F6-B498-43B3-948B-1728B52AA6E4}">
-                <adec:decorative xmlns:adec="http://schemas.microsoft.com/office/drawing/2017/decorative" val="1"/>
-              </a:ext>
-            </a:extLst>
-          </p:cNvPr>
-          <p:cNvSpPr>
-            <a:spLocks noGrp="1" noRot="1" noChangeAspect="1" noMove="1" noResize="1" noEditPoints="1" noAdjustHandles="1" noChangeArrowheads="1" noChangeShapeType="1" noTextEdit="1"/>
-          </p:cNvSpPr>
-          <p:nvPr>
-            <p:extLst>
-              <p:ext uri="{386F3935-93C4-4BCD-93E2-E3B085C9AB24}">
-                <p16:designElem xmlns:p16="http://schemas.microsoft.com/office/powerpoint/2015/main" val="1"/>
-              </p:ext>
-            </p:extLst>
-          </p:nvPr>
-        </p:nvSpPr>
-        <p:spPr>
-          <a:xfrm>
-            <a:off x="0" y="-1"/>
-            <a:ext cx="12192000" cy="6858001"/>
-          </a:xfrm>
-          <a:prstGeom prst="rect">
-            <a:avLst/>
-          </a:prstGeom>
-          <a:solidFill>
-            <a:schemeClr val="bg2"/>
-          </a:solidFill>
-          <a:ln>
-            <a:noFill/>
-          </a:ln>
-        </p:spPr>
-        <p:style>
-          <a:lnRef idx="2">
-            <a:schemeClr val="accent1">
-              <a:shade val="50000"/>
-            </a:schemeClr>
-          </a:lnRef>
-          <a:fillRef idx="1">
-            <a:schemeClr val="accent1"/>
-          </a:fillRef>
-          <a:effectRef idx="0">
-            <a:schemeClr val="accent1"/>
-          </a:effectRef>
-          <a:fontRef idx="minor">
-            <a:schemeClr val="lt1"/>
-          </a:fontRef>
-        </p:style>
-        <p:txBody>
-          <a:bodyPr rtlCol="0" anchor="ctr"/>
-          <a:lstStyle/>
-          <a:p>
-            <a:pPr algn="ctr"/>
-            <a:endParaRPr lang="en-US" dirty="0"/>
-          </a:p>
-        </p:txBody>
-      </p:sp>
-      <p:sp useBgFill="1">
-        <p:nvSpPr>
-          <p:cNvPr id="10" name="Freeform: Shape 9">
-            <a:extLst>
-              <a:ext uri="{FF2B5EF4-FFF2-40B4-BE49-F238E27FC236}">
-                <a16:creationId xmlns:a16="http://schemas.microsoft.com/office/drawing/2014/main" id="{9EFDE1E9-7FE0-45CA-9DE2-237F77319A9F}"/>
-              </a:ext>
-              <a:ext uri="{C183D7F6-B498-43B3-948B-1728B52AA6E4}">
-                <adec:decorative xmlns:adec="http://schemas.microsoft.com/office/drawing/2017/decorative" val="1"/>
-              </a:ext>
-            </a:extLst>
-          </p:cNvPr>
-          <p:cNvSpPr>
-            <a:spLocks noGrp="1" noRot="1" noChangeAspect="1" noMove="1" noResize="1" noEditPoints="1" noAdjustHandles="1" noChangeArrowheads="1" noChangeShapeType="1" noTextEdit="1"/>
-          </p:cNvSpPr>
-          <p:nvPr>
-            <p:extLst>
-              <p:ext uri="{386F3935-93C4-4BCD-93E2-E3B085C9AB24}">
-                <p16:designElem xmlns:p16="http://schemas.microsoft.com/office/powerpoint/2015/main" val="1"/>
-              </p:ext>
-            </p:extLst>
-          </p:nvPr>
-        </p:nvSpPr>
-        <p:spPr>
-          <a:xfrm>
-            <a:off x="0" y="-1"/>
-            <a:ext cx="12192000" cy="2270840"/>
-          </a:xfrm>
-          <a:custGeom>
-            <a:avLst/>
-            <a:gdLst>
-              <a:gd name="connsiteX0" fmla="*/ 0 w 12192000"/>
-              <a:gd name="connsiteY0" fmla="*/ 0 h 2270840"/>
-              <a:gd name="connsiteX1" fmla="*/ 12192000 w 12192000"/>
-              <a:gd name="connsiteY1" fmla="*/ 0 h 2270840"/>
-              <a:gd name="connsiteX2" fmla="*/ 12192000 w 12192000"/>
-              <a:gd name="connsiteY2" fmla="*/ 519831 h 2270840"/>
-              <a:gd name="connsiteX3" fmla="*/ 12192000 w 12192000"/>
-              <a:gd name="connsiteY3" fmla="*/ 744794 h 2270840"/>
-              <a:gd name="connsiteX4" fmla="*/ 12192000 w 12192000"/>
-              <a:gd name="connsiteY4" fmla="*/ 1754022 h 2270840"/>
-              <a:gd name="connsiteX5" fmla="*/ 11957522 w 12192000"/>
-              <a:gd name="connsiteY5" fmla="*/ 1797924 h 2270840"/>
-              <a:gd name="connsiteX6" fmla="*/ 11679973 w 12192000"/>
-              <a:gd name="connsiteY6" fmla="*/ 1847668 h 2270840"/>
-              <a:gd name="connsiteX7" fmla="*/ 11401197 w 12192000"/>
-              <a:gd name="connsiteY7" fmla="*/ 1896361 h 2270840"/>
-              <a:gd name="connsiteX8" fmla="*/ 11121192 w 12192000"/>
-              <a:gd name="connsiteY8" fmla="*/ 1938047 h 2270840"/>
-              <a:gd name="connsiteX9" fmla="*/ 10842416 w 12192000"/>
-              <a:gd name="connsiteY9" fmla="*/ 1980084 h 2270840"/>
-              <a:gd name="connsiteX10" fmla="*/ 10562411 w 12192000"/>
-              <a:gd name="connsiteY10" fmla="*/ 2019319 h 2270840"/>
-              <a:gd name="connsiteX11" fmla="*/ 10286091 w 12192000"/>
-              <a:gd name="connsiteY11" fmla="*/ 2052948 h 2270840"/>
-              <a:gd name="connsiteX12" fmla="*/ 10006086 w 12192000"/>
-              <a:gd name="connsiteY12" fmla="*/ 2084826 h 2270840"/>
-              <a:gd name="connsiteX13" fmla="*/ 9727310 w 12192000"/>
-              <a:gd name="connsiteY13" fmla="*/ 2113902 h 2270840"/>
-              <a:gd name="connsiteX14" fmla="*/ 9453445 w 12192000"/>
-              <a:gd name="connsiteY14" fmla="*/ 2139124 h 2270840"/>
-              <a:gd name="connsiteX15" fmla="*/ 9175897 w 12192000"/>
-              <a:gd name="connsiteY15" fmla="*/ 2164346 h 2270840"/>
-              <a:gd name="connsiteX16" fmla="*/ 8902033 w 12192000"/>
-              <a:gd name="connsiteY16" fmla="*/ 2185365 h 2270840"/>
-              <a:gd name="connsiteX17" fmla="*/ 8628169 w 12192000"/>
-              <a:gd name="connsiteY17" fmla="*/ 2201829 h 2270840"/>
-              <a:gd name="connsiteX18" fmla="*/ 8355533 w 12192000"/>
-              <a:gd name="connsiteY18" fmla="*/ 2218995 h 2270840"/>
-              <a:gd name="connsiteX19" fmla="*/ 8085353 w 12192000"/>
-              <a:gd name="connsiteY19" fmla="*/ 2233357 h 2270840"/>
-              <a:gd name="connsiteX20" fmla="*/ 7817629 w 12192000"/>
-              <a:gd name="connsiteY20" fmla="*/ 2243516 h 2270840"/>
-              <a:gd name="connsiteX21" fmla="*/ 7549905 w 12192000"/>
-              <a:gd name="connsiteY21" fmla="*/ 2252274 h 2270840"/>
-              <a:gd name="connsiteX22" fmla="*/ 7284638 w 12192000"/>
-              <a:gd name="connsiteY22" fmla="*/ 2260681 h 2270840"/>
-              <a:gd name="connsiteX23" fmla="*/ 7023055 w 12192000"/>
-              <a:gd name="connsiteY23" fmla="*/ 2264535 h 2270840"/>
-              <a:gd name="connsiteX24" fmla="*/ 6761472 w 12192000"/>
-              <a:gd name="connsiteY24" fmla="*/ 2268738 h 2270840"/>
-              <a:gd name="connsiteX25" fmla="*/ 6503573 w 12192000"/>
-              <a:gd name="connsiteY25" fmla="*/ 2270840 h 2270840"/>
-              <a:gd name="connsiteX26" fmla="*/ 6248130 w 12192000"/>
-              <a:gd name="connsiteY26" fmla="*/ 2268738 h 2270840"/>
-              <a:gd name="connsiteX27" fmla="*/ 5995144 w 12192000"/>
-              <a:gd name="connsiteY27" fmla="*/ 2268738 h 2270840"/>
-              <a:gd name="connsiteX28" fmla="*/ 5744613 w 12192000"/>
-              <a:gd name="connsiteY28" fmla="*/ 2264535 h 2270840"/>
-              <a:gd name="connsiteX29" fmla="*/ 5498995 w 12192000"/>
-              <a:gd name="connsiteY29" fmla="*/ 2258229 h 2270840"/>
-              <a:gd name="connsiteX30" fmla="*/ 5255834 w 12192000"/>
-              <a:gd name="connsiteY30" fmla="*/ 2252274 h 2270840"/>
-              <a:gd name="connsiteX31" fmla="*/ 5017584 w 12192000"/>
-              <a:gd name="connsiteY31" fmla="*/ 2245618 h 2270840"/>
-              <a:gd name="connsiteX32" fmla="*/ 4780562 w 12192000"/>
-              <a:gd name="connsiteY32" fmla="*/ 2235459 h 2270840"/>
-              <a:gd name="connsiteX33" fmla="*/ 4547227 w 12192000"/>
-              <a:gd name="connsiteY33" fmla="*/ 2224599 h 2270840"/>
-              <a:gd name="connsiteX34" fmla="*/ 4318800 w 12192000"/>
-              <a:gd name="connsiteY34" fmla="*/ 2214791 h 2270840"/>
-              <a:gd name="connsiteX35" fmla="*/ 3873004 w 12192000"/>
-              <a:gd name="connsiteY35" fmla="*/ 2187116 h 2270840"/>
-              <a:gd name="connsiteX36" fmla="*/ 3445628 w 12192000"/>
-              <a:gd name="connsiteY36" fmla="*/ 2157691 h 2270840"/>
-              <a:gd name="connsiteX37" fmla="*/ 3035446 w 12192000"/>
-              <a:gd name="connsiteY37" fmla="*/ 2126863 h 2270840"/>
-              <a:gd name="connsiteX38" fmla="*/ 2647370 w 12192000"/>
-              <a:gd name="connsiteY38" fmla="*/ 2092884 h 2270840"/>
-              <a:gd name="connsiteX39" fmla="*/ 2276487 w 12192000"/>
-              <a:gd name="connsiteY39" fmla="*/ 2057502 h 2270840"/>
-              <a:gd name="connsiteX40" fmla="*/ 1932621 w 12192000"/>
-              <a:gd name="connsiteY40" fmla="*/ 2019319 h 2270840"/>
-              <a:gd name="connsiteX41" fmla="*/ 1609634 w 12192000"/>
-              <a:gd name="connsiteY41" fmla="*/ 1981836 h 2270840"/>
-              <a:gd name="connsiteX42" fmla="*/ 1312435 w 12192000"/>
-              <a:gd name="connsiteY42" fmla="*/ 1944353 h 2270840"/>
-              <a:gd name="connsiteX43" fmla="*/ 1039799 w 12192000"/>
-              <a:gd name="connsiteY43" fmla="*/ 1908972 h 2270840"/>
-              <a:gd name="connsiteX44" fmla="*/ 797865 w 12192000"/>
-              <a:gd name="connsiteY44" fmla="*/ 1875342 h 2270840"/>
-              <a:gd name="connsiteX45" fmla="*/ 579265 w 12192000"/>
-              <a:gd name="connsiteY45" fmla="*/ 1843464 h 2270840"/>
-              <a:gd name="connsiteX46" fmla="*/ 395052 w 12192000"/>
-              <a:gd name="connsiteY46" fmla="*/ 1816841 h 2270840"/>
-              <a:gd name="connsiteX47" fmla="*/ 240312 w 12192000"/>
-              <a:gd name="connsiteY47" fmla="*/ 1791618 h 2270840"/>
-              <a:gd name="connsiteX48" fmla="*/ 27853 w 12192000"/>
-              <a:gd name="connsiteY48" fmla="*/ 1755537 h 2270840"/>
-              <a:gd name="connsiteX49" fmla="*/ 0 w 12192000"/>
-              <a:gd name="connsiteY49" fmla="*/ 1750824 h 2270840"/>
-              <a:gd name="connsiteX50" fmla="*/ 0 w 12192000"/>
-              <a:gd name="connsiteY50" fmla="*/ 744794 h 2270840"/>
-              <a:gd name="connsiteX51" fmla="*/ 0 w 12192000"/>
-              <a:gd name="connsiteY51" fmla="*/ 519831 h 2270840"/>
-            </a:gdLst>
-            <a:ahLst/>
-            <a:cxnLst>
-              <a:cxn ang="0">
-                <a:pos x="connsiteX0" y="connsiteY0"/>
-              </a:cxn>
-              <a:cxn ang="0">
-                <a:pos x="connsiteX1" y="connsiteY1"/>
-              </a:cxn>
-              <a:cxn ang="0">
-                <a:pos x="connsiteX2" y="connsiteY2"/>
-              </a:cxn>
-              <a:cxn ang="0">
-                <a:pos x="connsiteX3" y="connsiteY3"/>
-              </a:cxn>
-              <a:cxn ang="0">
-                <a:pos x="connsiteX4" y="connsiteY4"/>
-              </a:cxn>
-              <a:cxn ang="0">
-                <a:pos x="connsiteX5" y="connsiteY5"/>
-              </a:cxn>
-              <a:cxn ang="0">
-                <a:pos x="connsiteX6" y="connsiteY6"/>
-              </a:cxn>
-              <a:cxn ang="0">
-                <a:pos x="connsiteX7" y="connsiteY7"/>
-              </a:cxn>
-              <a:cxn ang="0">
-                <a:pos x="connsiteX8" y="connsiteY8"/>
-              </a:cxn>
-              <a:cxn ang="0">
-                <a:pos x="connsiteX9" y="connsiteY9"/>
-              </a:cxn>
-              <a:cxn ang="0">
-                <a:pos x="connsiteX10" y="connsiteY10"/>
-              </a:cxn>
-              <a:cxn ang="0">
-                <a:pos x="connsiteX11" y="connsiteY11"/>
-              </a:cxn>
-              <a:cxn ang="0">
-                <a:pos x="connsiteX12" y="connsiteY12"/>
-              </a:cxn>
-              <a:cxn ang="0">
-                <a:pos x="connsiteX13" y="connsiteY13"/>
-              </a:cxn>
-              <a:cxn ang="0">
-                <a:pos x="connsiteX14" y="connsiteY14"/>
-              </a:cxn>
-              <a:cxn ang="0">
-                <a:pos x="connsiteX15" y="connsiteY15"/>
-              </a:cxn>
-              <a:cxn ang="0">
-                <a:pos x="connsiteX16" y="connsiteY16"/>
-              </a:cxn>
-              <a:cxn ang="0">
-                <a:pos x="connsiteX17" y="connsiteY17"/>
-              </a:cxn>
-              <a:cxn ang="0">
-                <a:pos x="connsiteX18" y="connsiteY18"/>
-              </a:cxn>
-              <a:cxn ang="0">
-                <a:pos x="connsiteX19" y="connsiteY19"/>
-              </a:cxn>
-              <a:cxn ang="0">
-                <a:pos x="connsiteX20" y="connsiteY20"/>
-              </a:cxn>
-              <a:cxn ang="0">
-                <a:pos x="connsiteX21" y="connsiteY21"/>
-              </a:cxn>
-              <a:cxn ang="0">
-                <a:pos x="connsiteX22" y="connsiteY22"/>
-              </a:cxn>
-              <a:cxn ang="0">
-                <a:pos x="connsiteX23" y="connsiteY23"/>
-              </a:cxn>
-              <a:cxn ang="0">
-                <a:pos x="connsiteX24" y="connsiteY24"/>
-              </a:cxn>
-              <a:cxn ang="0">
-                <a:pos x="connsiteX25" y="connsiteY25"/>
-              </a:cxn>
-              <a:cxn ang="0">
-                <a:pos x="connsiteX26" y="connsiteY26"/>
-              </a:cxn>
-              <a:cxn ang="0">
-                <a:pos x="connsiteX27" y="connsiteY27"/>
-              </a:cxn>
-              <a:cxn ang="0">
-                <a:pos x="connsiteX28" y="connsiteY28"/>
-              </a:cxn>
-              <a:cxn ang="0">
-                <a:pos x="connsiteX29" y="connsiteY29"/>
-              </a:cxn>
-              <a:cxn ang="0">
-                <a:pos x="connsiteX30" y="connsiteY30"/>
-              </a:cxn>
-              <a:cxn ang="0">
-                <a:pos x="connsiteX31" y="connsiteY31"/>
-              </a:cxn>
-              <a:cxn ang="0">
-                <a:pos x="connsiteX32" y="connsiteY32"/>
-              </a:cxn>
-              <a:cxn ang="0">
-                <a:pos x="connsiteX33" y="connsiteY33"/>
-              </a:cxn>
-              <a:cxn ang="0">
-                <a:pos x="connsiteX34" y="connsiteY34"/>
-              </a:cxn>
-              <a:cxn ang="0">
-                <a:pos x="connsiteX35" y="connsiteY35"/>
-              </a:cxn>
-              <a:cxn ang="0">
-                <a:pos x="connsiteX36" y="connsiteY36"/>
-              </a:cxn>
-              <a:cxn ang="0">
-                <a:pos x="connsiteX37" y="connsiteY37"/>
-              </a:cxn>
-              <a:cxn ang="0">
-                <a:pos x="connsiteX38" y="connsiteY38"/>
-              </a:cxn>
-              <a:cxn ang="0">
-                <a:pos x="connsiteX39" y="connsiteY39"/>
-              </a:cxn>
-              <a:cxn ang="0">
-                <a:pos x="connsiteX40" y="connsiteY40"/>
-              </a:cxn>
-              <a:cxn ang="0">
-                <a:pos x="connsiteX41" y="connsiteY41"/>
-              </a:cxn>
-              <a:cxn ang="0">
-                <a:pos x="connsiteX42" y="connsiteY42"/>
-              </a:cxn>
-              <a:cxn ang="0">
-                <a:pos x="connsiteX43" y="connsiteY43"/>
-              </a:cxn>
-              <a:cxn ang="0">
-                <a:pos x="connsiteX44" y="connsiteY44"/>
-              </a:cxn>
-              <a:cxn ang="0">
-                <a:pos x="connsiteX45" y="connsiteY45"/>
-              </a:cxn>
-              <a:cxn ang="0">
-                <a:pos x="connsiteX46" y="connsiteY46"/>
-              </a:cxn>
-              <a:cxn ang="0">
-                <a:pos x="connsiteX47" y="connsiteY47"/>
-              </a:cxn>
-              <a:cxn ang="0">
-                <a:pos x="connsiteX48" y="connsiteY48"/>
-              </a:cxn>
-              <a:cxn ang="0">
-                <a:pos x="connsiteX49" y="connsiteY49"/>
-              </a:cxn>
-              <a:cxn ang="0">
-                <a:pos x="connsiteX50" y="connsiteY50"/>
-              </a:cxn>
-              <a:cxn ang="0">
-                <a:pos x="connsiteX51" y="connsiteY51"/>
-              </a:cxn>
-            </a:cxnLst>
-            <a:rect l="l" t="t" r="r" b="b"/>
-            <a:pathLst>
-              <a:path w="12192000" h="2270840">
-                <a:moveTo>
-                  <a:pt x="0" y="0"/>
-                </a:moveTo>
-                <a:lnTo>
-                  <a:pt x="12192000" y="0"/>
-                </a:lnTo>
-                <a:lnTo>
-                  <a:pt x="12192000" y="519831"/>
-                </a:lnTo>
-                <a:lnTo>
-                  <a:pt x="12192000" y="744794"/>
-                </a:lnTo>
-                <a:lnTo>
-                  <a:pt x="12192000" y="1754022"/>
-                </a:lnTo>
-                <a:lnTo>
-                  <a:pt x="11957522" y="1797924"/>
-                </a:lnTo>
-                <a:lnTo>
-                  <a:pt x="11679973" y="1847668"/>
-                </a:lnTo>
-                <a:lnTo>
-                  <a:pt x="11401197" y="1896361"/>
-                </a:lnTo>
-                <a:lnTo>
-                  <a:pt x="11121192" y="1938047"/>
-                </a:lnTo>
-                <a:lnTo>
-                  <a:pt x="10842416" y="1980084"/>
-                </a:lnTo>
-                <a:lnTo>
-                  <a:pt x="10562411" y="2019319"/>
-                </a:lnTo>
-                <a:lnTo>
-                  <a:pt x="10286091" y="2052948"/>
-                </a:lnTo>
-                <a:lnTo>
-                  <a:pt x="10006086" y="2084826"/>
-                </a:lnTo>
-                <a:lnTo>
-                  <a:pt x="9727310" y="2113902"/>
-                </a:lnTo>
-                <a:lnTo>
-                  <a:pt x="9453445" y="2139124"/>
-                </a:lnTo>
-                <a:lnTo>
-                  <a:pt x="9175897" y="2164346"/>
-                </a:lnTo>
-                <a:lnTo>
-                  <a:pt x="8902033" y="2185365"/>
-                </a:lnTo>
-                <a:lnTo>
-                  <a:pt x="8628169" y="2201829"/>
-                </a:lnTo>
-                <a:lnTo>
-                  <a:pt x="8355533" y="2218995"/>
-                </a:lnTo>
-                <a:lnTo>
-                  <a:pt x="8085353" y="2233357"/>
-                </a:lnTo>
-                <a:lnTo>
-                  <a:pt x="7817629" y="2243516"/>
-                </a:lnTo>
-                <a:lnTo>
-                  <a:pt x="7549905" y="2252274"/>
-                </a:lnTo>
-                <a:lnTo>
-                  <a:pt x="7284638" y="2260681"/>
-                </a:lnTo>
-                <a:lnTo>
-                  <a:pt x="7023055" y="2264535"/>
-                </a:lnTo>
-                <a:lnTo>
-                  <a:pt x="6761472" y="2268738"/>
-                </a:lnTo>
-                <a:lnTo>
-                  <a:pt x="6503573" y="2270840"/>
-                </a:lnTo>
-                <a:lnTo>
-                  <a:pt x="6248130" y="2268738"/>
-                </a:lnTo>
-                <a:lnTo>
-                  <a:pt x="5995144" y="2268738"/>
-                </a:lnTo>
-                <a:lnTo>
-                  <a:pt x="5744613" y="2264535"/>
-                </a:lnTo>
-                <a:lnTo>
-                  <a:pt x="5498995" y="2258229"/>
-                </a:lnTo>
-                <a:lnTo>
-                  <a:pt x="5255834" y="2252274"/>
-                </a:lnTo>
-                <a:lnTo>
-                  <a:pt x="5017584" y="2245618"/>
-                </a:lnTo>
-                <a:lnTo>
-                  <a:pt x="4780562" y="2235459"/>
-                </a:lnTo>
-                <a:lnTo>
-                  <a:pt x="4547227" y="2224599"/>
-                </a:lnTo>
-                <a:lnTo>
-                  <a:pt x="4318800" y="2214791"/>
-                </a:lnTo>
-                <a:lnTo>
-                  <a:pt x="3873004" y="2187116"/>
-                </a:lnTo>
-                <a:lnTo>
-                  <a:pt x="3445628" y="2157691"/>
-                </a:lnTo>
-                <a:lnTo>
-                  <a:pt x="3035446" y="2126863"/>
-                </a:lnTo>
-                <a:lnTo>
-                  <a:pt x="2647370" y="2092884"/>
-                </a:lnTo>
-                <a:lnTo>
-                  <a:pt x="2276487" y="2057502"/>
-                </a:lnTo>
-                <a:lnTo>
-                  <a:pt x="1932621" y="2019319"/>
-                </a:lnTo>
-                <a:lnTo>
-                  <a:pt x="1609634" y="1981836"/>
-                </a:lnTo>
-                <a:lnTo>
-                  <a:pt x="1312435" y="1944353"/>
-                </a:lnTo>
-                <a:lnTo>
-                  <a:pt x="1039799" y="1908972"/>
-                </a:lnTo>
-                <a:lnTo>
-                  <a:pt x="797865" y="1875342"/>
-                </a:lnTo>
-                <a:lnTo>
-                  <a:pt x="579265" y="1843464"/>
-                </a:lnTo>
-                <a:lnTo>
-                  <a:pt x="395052" y="1816841"/>
-                </a:lnTo>
-                <a:lnTo>
-                  <a:pt x="240312" y="1791618"/>
-                </a:lnTo>
-                <a:lnTo>
-                  <a:pt x="27853" y="1755537"/>
-                </a:lnTo>
-                <a:lnTo>
-                  <a:pt x="0" y="1750824"/>
-                </a:lnTo>
-                <a:lnTo>
-                  <a:pt x="0" y="744794"/>
-                </a:lnTo>
-                <a:lnTo>
-                  <a:pt x="0" y="519831"/>
-                </a:lnTo>
-                <a:close/>
-              </a:path>
-            </a:pathLst>
-          </a:custGeom>
-          <a:ln w="44450">
-            <a:gradFill>
-              <a:gsLst>
-                <a:gs pos="0">
-                  <a:schemeClr val="bg2">
-                    <a:alpha val="65000"/>
-                  </a:schemeClr>
-                </a:gs>
-                <a:gs pos="98000">
-                  <a:schemeClr val="bg2">
-                    <a:lumMod val="75000"/>
-                    <a:alpha val="55000"/>
-                  </a:schemeClr>
-                </a:gs>
-              </a:gsLst>
-              <a:lin ang="5400000" scaled="1"/>
-            </a:gradFill>
-          </a:ln>
-          <a:effectLst>
-            <a:outerShdw blurRad="50800" dist="38100" dir="5400000" algn="t" rotWithShape="0">
-              <a:prstClr val="black">
-                <a:alpha val="50000"/>
-              </a:prstClr>
-            </a:outerShdw>
-          </a:effectLst>
-        </p:spPr>
-        <p:style>
-          <a:lnRef idx="2">
-            <a:schemeClr val="accent1">
-              <a:shade val="50000"/>
-            </a:schemeClr>
-          </a:lnRef>
-          <a:fillRef idx="1003">
-            <a:schemeClr val="dk2"/>
-          </a:fillRef>
-          <a:effectRef idx="0">
-            <a:schemeClr val="accent1"/>
-          </a:effectRef>
-          <a:fontRef idx="minor">
-            <a:schemeClr val="lt1"/>
-          </a:fontRef>
-        </p:style>
-        <p:txBody>
-          <a:bodyPr wrap="square" rtlCol="0" anchor="ctr">
-            <a:noAutofit/>
-          </a:bodyPr>
-          <a:lstStyle/>
-          <a:p>
-            <a:pPr algn="ctr"/>
-            <a:endParaRPr lang="en-US" dirty="0"/>
-          </a:p>
-        </p:txBody>
-      </p:sp>
-      <p:sp>
-        <p:nvSpPr>
-          <p:cNvPr id="2" name="Title 1">
-            <a:extLst>
-              <a:ext uri="{FF2B5EF4-FFF2-40B4-BE49-F238E27FC236}">
-                <a16:creationId xmlns:a16="http://schemas.microsoft.com/office/drawing/2014/main" id="{5A70EDA7-1F25-4772-9771-2300E44218B8}"/>
-              </a:ext>
-            </a:extLst>
-          </p:cNvPr>
-          <p:cNvSpPr>
-            <a:spLocks noGrp="1"/>
-          </p:cNvSpPr>
-          <p:nvPr>
-            <p:ph type="title"/>
-          </p:nvPr>
-        </p:nvSpPr>
-        <p:spPr>
-          <a:xfrm>
-            <a:off x="1141413" y="609600"/>
-            <a:ext cx="9905998" cy="1173480"/>
-          </a:xfrm>
-        </p:spPr>
-        <p:txBody>
-          <a:bodyPr>
-            <a:normAutofit/>
-          </a:bodyPr>
-          <a:lstStyle/>
-          <a:p>
-            <a:pPr algn="ctr"/>
-            <a:r>
-              <a:rPr lang="it-IT" dirty="0">
-                <a:effectLst>
-                  <a:glow rad="38100">
-                    <a:prstClr val="black">
-                      <a:lumMod val="65000"/>
-                      <a:lumOff val="35000"/>
-                      <a:alpha val="40000"/>
-                    </a:prstClr>
-                  </a:glow>
-                  <a:outerShdw blurRad="28575" dist="38100" dir="14040000" algn="tl" rotWithShape="0">
-                    <a:srgbClr val="000000">
-                      <a:alpha val="25000"/>
-                    </a:srgbClr>
-                  </a:outerShdw>
-                </a:effectLst>
-              </a:rPr>
-              <a:t>Obiettivi</a:t>
-            </a:r>
-            <a:endParaRPr lang="it-IT" dirty="0"/>
-          </a:p>
-        </p:txBody>
-      </p:sp>
-      <p:sp>
-        <p:nvSpPr>
-          <p:cNvPr id="3" name="Content Placeholder 2">
-            <a:extLst>
-              <a:ext uri="{FF2B5EF4-FFF2-40B4-BE49-F238E27FC236}">
-                <a16:creationId xmlns:a16="http://schemas.microsoft.com/office/drawing/2014/main" id="{EED73C6E-90E9-4CBB-8A7C-11FF43A837A0}"/>
-              </a:ext>
-            </a:extLst>
-          </p:cNvPr>
-          <p:cNvSpPr>
-            <a:spLocks noGrp="1"/>
-          </p:cNvSpPr>
-          <p:nvPr>
-            <p:ph idx="1"/>
-          </p:nvPr>
-        </p:nvSpPr>
-        <p:spPr>
-          <a:xfrm>
-            <a:off x="1141413" y="2666999"/>
-            <a:ext cx="9905998" cy="3124201"/>
-          </a:xfrm>
-        </p:spPr>
-        <p:txBody>
-          <a:bodyPr>
-            <a:normAutofit/>
-          </a:bodyPr>
-          <a:lstStyle/>
-          <a:p>
-            <a:r>
-              <a:rPr lang="it-IT" dirty="0">
-                <a:effectLst>
-                  <a:glow rad="38100">
-                    <a:prstClr val="black">
-                      <a:lumMod val="50000"/>
-                      <a:lumOff val="50000"/>
-                      <a:alpha val="20000"/>
-                    </a:prstClr>
-                  </a:glow>
-                  <a:outerShdw blurRad="44450" dist="12700" dir="13860000" algn="tl" rotWithShape="0">
-                    <a:srgbClr val="000000">
-                      <a:alpha val="20000"/>
-                    </a:srgbClr>
-                  </a:outerShdw>
-                </a:effectLst>
-              </a:rPr>
-              <a:t>Comparazione e ottimizzazione dell'attuale stato dell'arte sulla speaker verification, su più modelli di machine learning e misurarne le performance</a:t>
-            </a:r>
-          </a:p>
-          <a:p>
-            <a:pPr>
-              <a:buClr>
-                <a:srgbClr val="FFFFFF"/>
-              </a:buClr>
-            </a:pPr>
-            <a:r>
-              <a:rPr lang="it-IT" dirty="0">
-                <a:effectLst>
-                  <a:glow rad="38100">
-                    <a:prstClr val="black">
-                      <a:lumMod val="50000"/>
-                      <a:lumOff val="50000"/>
-                      <a:alpha val="20000"/>
-                    </a:prstClr>
-                  </a:glow>
-                  <a:outerShdw blurRad="44450" dist="12700" dir="13860000" algn="tl" rotWithShape="0">
-                    <a:srgbClr val="000000">
-                      <a:alpha val="20000"/>
-                    </a:srgbClr>
-                  </a:outerShdw>
-                </a:effectLst>
-              </a:rPr>
-              <a:t>Valutazione sulla possibilità di un utilizzo di questa tecnologia in ambito probatorio</a:t>
-            </a:r>
-          </a:p>
-        </p:txBody>
-      </p:sp>
-    </p:spTree>
-    <p:extLst>
-      <p:ext uri="{BB962C8B-B14F-4D97-AF65-F5344CB8AC3E}">
-        <p14:creationId xmlns:p14="http://schemas.microsoft.com/office/powerpoint/2010/main" val="3424013670"/>
-      </p:ext>
-    </p:extLst>
-  </p:cSld>
-  <p:clrMapOvr>
-    <a:masterClrMapping/>
-  </p:clrMapOvr>
-</p:sld>
-</file>
-
-<file path=ppt/slides/slide3.xml><?xml version="1.0" encoding="utf-8"?>
-<p:sld xmlns:a="http://schemas.openxmlformats.org/drawingml/2006/main" xmlns:r="http://schemas.openxmlformats.org/officeDocument/2006/relationships" xmlns:p="http://schemas.openxmlformats.org/presentationml/2006/main">
-  <p:cSld>
-    <p:bg>
-      <p:bgPr>
-        <a:blipFill rotWithShape="1">
-          <a:blip r:embed="rId2">
-            <a:duotone>
-              <a:schemeClr val="bg2">
-                <a:shade val="28000"/>
-                <a:satMod val="94000"/>
-                <a:lumMod val="20000"/>
-              </a:schemeClr>
-              <a:schemeClr val="bg2">
-                <a:tint val="94000"/>
-                <a:shade val="84000"/>
-                <a:satMod val="148000"/>
-                <a:lumMod val="114000"/>
-              </a:schemeClr>
-            </a:duotone>
-          </a:blip>
-          <a:stretch/>
-        </a:blipFill>
-        <a:effectLst/>
-      </p:bgPr>
-    </p:bg>
-    <p:spTree>
-      <p:nvGrpSpPr>
-        <p:cNvPr id="1" name=""/>
-        <p:cNvGrpSpPr/>
-        <p:nvPr/>
-      </p:nvGrpSpPr>
-      <p:grpSpPr>
-        <a:xfrm>
-          <a:off x="0" y="0"/>
-          <a:ext cx="0" cy="0"/>
-          <a:chOff x="0" y="0"/>
-          <a:chExt cx="0" cy="0"/>
-        </a:xfrm>
-      </p:grpSpPr>
-      <p:sp>
-        <p:nvSpPr>
-          <p:cNvPr id="8" name="Rectangle 7">
-            <a:extLst>
-              <a:ext uri="{FF2B5EF4-FFF2-40B4-BE49-F238E27FC236}">
                 <a16:creationId xmlns:a16="http://schemas.microsoft.com/office/drawing/2014/main" id="{5BBD3ED2-B0E6-45A2-ABD5-ECF31BC37C2E}"/>
               </a:ext>
               <a:ext uri="{C183D7F6-B498-43B3-948B-1728B52AA6E4}">
@@ -11513,7 +11328,7 @@
           <a:lstStyle/>
           <a:p>
             <a:pPr algn="ctr"/>
-            <a:endParaRPr lang="en-US" dirty="0"/>
+            <a:endParaRPr lang="en-US"/>
           </a:p>
         </p:txBody>
       </p:sp>
@@ -11600,7 +11415,7 @@
           <a:lstStyle/>
           <a:p>
             <a:pPr algn="ctr"/>
-            <a:endParaRPr lang="en-US" dirty="0"/>
+            <a:endParaRPr lang="en-US"/>
           </a:p>
         </p:txBody>
       </p:sp>
@@ -12125,6 +11940,1654 @@
           <a:lstStyle/>
           <a:p>
             <a:pPr algn="ctr"/>
+            <a:endParaRPr lang="en-US"/>
+          </a:p>
+        </p:txBody>
+      </p:sp>
+      <p:sp>
+        <p:nvSpPr>
+          <p:cNvPr id="2" name="Title 1">
+            <a:extLst>
+              <a:ext uri="{FF2B5EF4-FFF2-40B4-BE49-F238E27FC236}">
+                <a16:creationId xmlns:a16="http://schemas.microsoft.com/office/drawing/2014/main" id="{A8568D91-2EF6-4AF0-A7EB-941E9690FACA}"/>
+              </a:ext>
+            </a:extLst>
+          </p:cNvPr>
+          <p:cNvSpPr>
+            <a:spLocks noGrp="1"/>
+          </p:cNvSpPr>
+          <p:nvPr>
+            <p:ph type="title"/>
+          </p:nvPr>
+        </p:nvSpPr>
+        <p:spPr>
+          <a:xfrm>
+            <a:off x="962022" y="643467"/>
+            <a:ext cx="4340023" cy="5571064"/>
+          </a:xfrm>
+        </p:spPr>
+        <p:txBody>
+          <a:bodyPr anchor="ctr">
+            <a:normAutofit/>
+          </a:bodyPr>
+          <a:lstStyle/>
+          <a:p>
+            <a:r>
+              <a:rPr lang="en-US" sz="4400">
+                <a:effectLst>
+                  <a:glow rad="38100">
+                    <a:prstClr val="black">
+                      <a:lumMod val="65000"/>
+                      <a:lumOff val="35000"/>
+                      <a:alpha val="40000"/>
+                    </a:prstClr>
+                  </a:glow>
+                  <a:outerShdw blurRad="28575" dist="38100" dir="14040000" algn="tl" rotWithShape="0">
+                    <a:srgbClr val="000000">
+                      <a:alpha val="25000"/>
+                    </a:srgbClr>
+                  </a:outerShdw>
+                </a:effectLst>
+              </a:rPr>
+              <a:t>Open point</a:t>
+            </a:r>
+            <a:endParaRPr lang="en-US" sz="4400"/>
+          </a:p>
+        </p:txBody>
+      </p:sp>
+      <p:sp>
+        <p:nvSpPr>
+          <p:cNvPr id="3" name="Content Placeholder 2">
+            <a:extLst>
+              <a:ext uri="{FF2B5EF4-FFF2-40B4-BE49-F238E27FC236}">
+                <a16:creationId xmlns:a16="http://schemas.microsoft.com/office/drawing/2014/main" id="{4FACE9E4-022F-4EF4-880D-598587B3CA7E}"/>
+              </a:ext>
+            </a:extLst>
+          </p:cNvPr>
+          <p:cNvSpPr>
+            <a:spLocks noGrp="1"/>
+          </p:cNvSpPr>
+          <p:nvPr>
+            <p:ph idx="1"/>
+          </p:nvPr>
+        </p:nvSpPr>
+        <p:spPr>
+          <a:xfrm>
+            <a:off x="6708499" y="643467"/>
+            <a:ext cx="4521480" cy="5571064"/>
+          </a:xfrm>
+        </p:spPr>
+        <p:txBody>
+          <a:bodyPr>
+            <a:normAutofit/>
+          </a:bodyPr>
+          <a:lstStyle/>
+          <a:p>
+            <a:r>
+              <a:rPr lang="it-IT" dirty="0">
+                <a:effectLst>
+                  <a:glow rad="38100">
+                    <a:prstClr val="black">
+                      <a:lumMod val="50000"/>
+                      <a:lumOff val="50000"/>
+                      <a:alpha val="20000"/>
+                    </a:prstClr>
+                  </a:glow>
+                </a:effectLst>
+              </a:rPr>
+              <a:t>Massimizzare l’affidabilità dei modelli con tuning di iper parametri e miglioramento dell’estrazione delle feature
+Aggiungere una soglia di </a:t>
+            </a:r>
+            <a:r>
+              <a:rPr lang="it-IT" dirty="0" err="1">
+                <a:effectLst>
+                  <a:glow rad="38100">
+                    <a:prstClr val="black">
+                      <a:lumMod val="50000"/>
+                      <a:lumOff val="50000"/>
+                      <a:alpha val="20000"/>
+                    </a:prstClr>
+                  </a:glow>
+                </a:effectLst>
+              </a:rPr>
+              <a:t>affidabiilità</a:t>
+            </a:r>
+            <a:r>
+              <a:rPr lang="it-IT" dirty="0">
+                <a:effectLst>
+                  <a:glow rad="38100">
+                    <a:prstClr val="black">
+                      <a:lumMod val="50000"/>
+                      <a:lumOff val="50000"/>
+                      <a:alpha val="20000"/>
+                    </a:prstClr>
+                  </a:glow>
+                </a:effectLst>
+              </a:rPr>
+              <a:t> per permettere anche la speaker </a:t>
+            </a:r>
+            <a:r>
+              <a:rPr lang="it-IT" dirty="0" err="1">
+                <a:effectLst>
+                  <a:glow rad="38100">
+                    <a:prstClr val="black">
+                      <a:lumMod val="50000"/>
+                      <a:lumOff val="50000"/>
+                      <a:alpha val="20000"/>
+                    </a:prstClr>
+                  </a:glow>
+                </a:effectLst>
+              </a:rPr>
+              <a:t>verification</a:t>
+            </a:r>
+            <a:r>
+              <a:rPr lang="it-IT" dirty="0">
+                <a:effectLst>
+                  <a:glow rad="38100">
+                    <a:prstClr val="black">
+                      <a:lumMod val="50000"/>
+                      <a:lumOff val="50000"/>
+                      <a:alpha val="20000"/>
+                    </a:prstClr>
+                  </a:glow>
+                </a:effectLst>
+              </a:rPr>
+              <a:t> in seguito all’identificazione
+Creare od utilizzare un dataset in lingua italiana</a:t>
+            </a:r>
+            <a:endParaRPr lang="en-US" dirty="0">
+              <a:effectLst>
+                <a:glow rad="38100">
+                  <a:prstClr val="black">
+                    <a:lumMod val="50000"/>
+                    <a:lumOff val="50000"/>
+                    <a:alpha val="20000"/>
+                  </a:prstClr>
+                </a:glow>
+              </a:effectLst>
+            </a:endParaRPr>
+          </a:p>
+        </p:txBody>
+      </p:sp>
+    </p:spTree>
+    <p:extLst>
+      <p:ext uri="{BB962C8B-B14F-4D97-AF65-F5344CB8AC3E}">
+        <p14:creationId xmlns:p14="http://schemas.microsoft.com/office/powerpoint/2010/main" val="1103747572"/>
+      </p:ext>
+    </p:extLst>
+  </p:cSld>
+  <p:clrMapOvr>
+    <a:masterClrMapping/>
+  </p:clrMapOvr>
+</p:sld>
+</file>
+
+<file path=ppt/slides/slide2.xml><?xml version="1.0" encoding="utf-8"?>
+<p:sld xmlns:a="http://schemas.openxmlformats.org/drawingml/2006/main" xmlns:r="http://schemas.openxmlformats.org/officeDocument/2006/relationships" xmlns:p="http://schemas.openxmlformats.org/presentationml/2006/main">
+  <p:cSld>
+    <p:bg>
+      <p:bgPr>
+        <a:blipFill rotWithShape="1">
+          <a:blip r:embed="rId2">
+            <a:duotone>
+              <a:schemeClr val="bg2">
+                <a:shade val="28000"/>
+                <a:satMod val="94000"/>
+                <a:lumMod val="20000"/>
+              </a:schemeClr>
+              <a:schemeClr val="bg2">
+                <a:tint val="94000"/>
+                <a:shade val="84000"/>
+                <a:satMod val="148000"/>
+                <a:lumMod val="114000"/>
+              </a:schemeClr>
+            </a:duotone>
+          </a:blip>
+          <a:stretch/>
+        </a:blipFill>
+        <a:effectLst/>
+      </p:bgPr>
+    </p:bg>
+    <p:spTree>
+      <p:nvGrpSpPr>
+        <p:cNvPr id="1" name=""/>
+        <p:cNvGrpSpPr/>
+        <p:nvPr/>
+      </p:nvGrpSpPr>
+      <p:grpSpPr>
+        <a:xfrm>
+          <a:off x="0" y="0"/>
+          <a:ext cx="0" cy="0"/>
+          <a:chOff x="0" y="0"/>
+          <a:chExt cx="0" cy="0"/>
+        </a:xfrm>
+      </p:grpSpPr>
+      <p:sp>
+        <p:nvSpPr>
+          <p:cNvPr id="8" name="Rectangle 7">
+            <a:extLst>
+              <a:ext uri="{FF2B5EF4-FFF2-40B4-BE49-F238E27FC236}">
+                <a16:creationId xmlns:a16="http://schemas.microsoft.com/office/drawing/2014/main" id="{5690F3EE-0CD1-4520-B020-4E1DF3141C74}"/>
+              </a:ext>
+              <a:ext uri="{C183D7F6-B498-43B3-948B-1728B52AA6E4}">
+                <adec:decorative xmlns:adec="http://schemas.microsoft.com/office/drawing/2017/decorative" val="1"/>
+              </a:ext>
+            </a:extLst>
+          </p:cNvPr>
+          <p:cNvSpPr>
+            <a:spLocks noGrp="1" noRot="1" noChangeAspect="1" noMove="1" noResize="1" noEditPoints="1" noAdjustHandles="1" noChangeArrowheads="1" noChangeShapeType="1" noTextEdit="1"/>
+          </p:cNvSpPr>
+          <p:nvPr>
+            <p:extLst>
+              <p:ext uri="{386F3935-93C4-4BCD-93E2-E3B085C9AB24}">
+                <p16:designElem xmlns:p16="http://schemas.microsoft.com/office/powerpoint/2015/main" val="1"/>
+              </p:ext>
+            </p:extLst>
+          </p:nvPr>
+        </p:nvSpPr>
+        <p:spPr>
+          <a:xfrm>
+            <a:off x="0" y="-1"/>
+            <a:ext cx="12192000" cy="6858001"/>
+          </a:xfrm>
+          <a:prstGeom prst="rect">
+            <a:avLst/>
+          </a:prstGeom>
+          <a:solidFill>
+            <a:schemeClr val="bg2"/>
+          </a:solidFill>
+          <a:ln>
+            <a:noFill/>
+          </a:ln>
+        </p:spPr>
+        <p:style>
+          <a:lnRef idx="2">
+            <a:schemeClr val="accent1">
+              <a:shade val="50000"/>
+            </a:schemeClr>
+          </a:lnRef>
+          <a:fillRef idx="1">
+            <a:schemeClr val="accent1"/>
+          </a:fillRef>
+          <a:effectRef idx="0">
+            <a:schemeClr val="accent1"/>
+          </a:effectRef>
+          <a:fontRef idx="minor">
+            <a:schemeClr val="lt1"/>
+          </a:fontRef>
+        </p:style>
+        <p:txBody>
+          <a:bodyPr rtlCol="0" anchor="ctr"/>
+          <a:lstStyle/>
+          <a:p>
+            <a:pPr algn="ctr"/>
+            <a:endParaRPr lang="en-US" dirty="0"/>
+          </a:p>
+        </p:txBody>
+      </p:sp>
+      <p:sp useBgFill="1">
+        <p:nvSpPr>
+          <p:cNvPr id="10" name="Freeform: Shape 9">
+            <a:extLst>
+              <a:ext uri="{FF2B5EF4-FFF2-40B4-BE49-F238E27FC236}">
+                <a16:creationId xmlns:a16="http://schemas.microsoft.com/office/drawing/2014/main" id="{9EFDE1E9-7FE0-45CA-9DE2-237F77319A9F}"/>
+              </a:ext>
+              <a:ext uri="{C183D7F6-B498-43B3-948B-1728B52AA6E4}">
+                <adec:decorative xmlns:adec="http://schemas.microsoft.com/office/drawing/2017/decorative" val="1"/>
+              </a:ext>
+            </a:extLst>
+          </p:cNvPr>
+          <p:cNvSpPr>
+            <a:spLocks noGrp="1" noRot="1" noChangeAspect="1" noMove="1" noResize="1" noEditPoints="1" noAdjustHandles="1" noChangeArrowheads="1" noChangeShapeType="1" noTextEdit="1"/>
+          </p:cNvSpPr>
+          <p:nvPr>
+            <p:extLst>
+              <p:ext uri="{386F3935-93C4-4BCD-93E2-E3B085C9AB24}">
+                <p16:designElem xmlns:p16="http://schemas.microsoft.com/office/powerpoint/2015/main" val="1"/>
+              </p:ext>
+            </p:extLst>
+          </p:nvPr>
+        </p:nvSpPr>
+        <p:spPr>
+          <a:xfrm>
+            <a:off x="0" y="-1"/>
+            <a:ext cx="12192000" cy="2270840"/>
+          </a:xfrm>
+          <a:custGeom>
+            <a:avLst/>
+            <a:gdLst>
+              <a:gd name="connsiteX0" fmla="*/ 0 w 12192000"/>
+              <a:gd name="connsiteY0" fmla="*/ 0 h 2270840"/>
+              <a:gd name="connsiteX1" fmla="*/ 12192000 w 12192000"/>
+              <a:gd name="connsiteY1" fmla="*/ 0 h 2270840"/>
+              <a:gd name="connsiteX2" fmla="*/ 12192000 w 12192000"/>
+              <a:gd name="connsiteY2" fmla="*/ 519831 h 2270840"/>
+              <a:gd name="connsiteX3" fmla="*/ 12192000 w 12192000"/>
+              <a:gd name="connsiteY3" fmla="*/ 744794 h 2270840"/>
+              <a:gd name="connsiteX4" fmla="*/ 12192000 w 12192000"/>
+              <a:gd name="connsiteY4" fmla="*/ 1754022 h 2270840"/>
+              <a:gd name="connsiteX5" fmla="*/ 11957522 w 12192000"/>
+              <a:gd name="connsiteY5" fmla="*/ 1797924 h 2270840"/>
+              <a:gd name="connsiteX6" fmla="*/ 11679973 w 12192000"/>
+              <a:gd name="connsiteY6" fmla="*/ 1847668 h 2270840"/>
+              <a:gd name="connsiteX7" fmla="*/ 11401197 w 12192000"/>
+              <a:gd name="connsiteY7" fmla="*/ 1896361 h 2270840"/>
+              <a:gd name="connsiteX8" fmla="*/ 11121192 w 12192000"/>
+              <a:gd name="connsiteY8" fmla="*/ 1938047 h 2270840"/>
+              <a:gd name="connsiteX9" fmla="*/ 10842416 w 12192000"/>
+              <a:gd name="connsiteY9" fmla="*/ 1980084 h 2270840"/>
+              <a:gd name="connsiteX10" fmla="*/ 10562411 w 12192000"/>
+              <a:gd name="connsiteY10" fmla="*/ 2019319 h 2270840"/>
+              <a:gd name="connsiteX11" fmla="*/ 10286091 w 12192000"/>
+              <a:gd name="connsiteY11" fmla="*/ 2052948 h 2270840"/>
+              <a:gd name="connsiteX12" fmla="*/ 10006086 w 12192000"/>
+              <a:gd name="connsiteY12" fmla="*/ 2084826 h 2270840"/>
+              <a:gd name="connsiteX13" fmla="*/ 9727310 w 12192000"/>
+              <a:gd name="connsiteY13" fmla="*/ 2113902 h 2270840"/>
+              <a:gd name="connsiteX14" fmla="*/ 9453445 w 12192000"/>
+              <a:gd name="connsiteY14" fmla="*/ 2139124 h 2270840"/>
+              <a:gd name="connsiteX15" fmla="*/ 9175897 w 12192000"/>
+              <a:gd name="connsiteY15" fmla="*/ 2164346 h 2270840"/>
+              <a:gd name="connsiteX16" fmla="*/ 8902033 w 12192000"/>
+              <a:gd name="connsiteY16" fmla="*/ 2185365 h 2270840"/>
+              <a:gd name="connsiteX17" fmla="*/ 8628169 w 12192000"/>
+              <a:gd name="connsiteY17" fmla="*/ 2201829 h 2270840"/>
+              <a:gd name="connsiteX18" fmla="*/ 8355533 w 12192000"/>
+              <a:gd name="connsiteY18" fmla="*/ 2218995 h 2270840"/>
+              <a:gd name="connsiteX19" fmla="*/ 8085353 w 12192000"/>
+              <a:gd name="connsiteY19" fmla="*/ 2233357 h 2270840"/>
+              <a:gd name="connsiteX20" fmla="*/ 7817629 w 12192000"/>
+              <a:gd name="connsiteY20" fmla="*/ 2243516 h 2270840"/>
+              <a:gd name="connsiteX21" fmla="*/ 7549905 w 12192000"/>
+              <a:gd name="connsiteY21" fmla="*/ 2252274 h 2270840"/>
+              <a:gd name="connsiteX22" fmla="*/ 7284638 w 12192000"/>
+              <a:gd name="connsiteY22" fmla="*/ 2260681 h 2270840"/>
+              <a:gd name="connsiteX23" fmla="*/ 7023055 w 12192000"/>
+              <a:gd name="connsiteY23" fmla="*/ 2264535 h 2270840"/>
+              <a:gd name="connsiteX24" fmla="*/ 6761472 w 12192000"/>
+              <a:gd name="connsiteY24" fmla="*/ 2268738 h 2270840"/>
+              <a:gd name="connsiteX25" fmla="*/ 6503573 w 12192000"/>
+              <a:gd name="connsiteY25" fmla="*/ 2270840 h 2270840"/>
+              <a:gd name="connsiteX26" fmla="*/ 6248130 w 12192000"/>
+              <a:gd name="connsiteY26" fmla="*/ 2268738 h 2270840"/>
+              <a:gd name="connsiteX27" fmla="*/ 5995144 w 12192000"/>
+              <a:gd name="connsiteY27" fmla="*/ 2268738 h 2270840"/>
+              <a:gd name="connsiteX28" fmla="*/ 5744613 w 12192000"/>
+              <a:gd name="connsiteY28" fmla="*/ 2264535 h 2270840"/>
+              <a:gd name="connsiteX29" fmla="*/ 5498995 w 12192000"/>
+              <a:gd name="connsiteY29" fmla="*/ 2258229 h 2270840"/>
+              <a:gd name="connsiteX30" fmla="*/ 5255834 w 12192000"/>
+              <a:gd name="connsiteY30" fmla="*/ 2252274 h 2270840"/>
+              <a:gd name="connsiteX31" fmla="*/ 5017584 w 12192000"/>
+              <a:gd name="connsiteY31" fmla="*/ 2245618 h 2270840"/>
+              <a:gd name="connsiteX32" fmla="*/ 4780562 w 12192000"/>
+              <a:gd name="connsiteY32" fmla="*/ 2235459 h 2270840"/>
+              <a:gd name="connsiteX33" fmla="*/ 4547227 w 12192000"/>
+              <a:gd name="connsiteY33" fmla="*/ 2224599 h 2270840"/>
+              <a:gd name="connsiteX34" fmla="*/ 4318800 w 12192000"/>
+              <a:gd name="connsiteY34" fmla="*/ 2214791 h 2270840"/>
+              <a:gd name="connsiteX35" fmla="*/ 3873004 w 12192000"/>
+              <a:gd name="connsiteY35" fmla="*/ 2187116 h 2270840"/>
+              <a:gd name="connsiteX36" fmla="*/ 3445628 w 12192000"/>
+              <a:gd name="connsiteY36" fmla="*/ 2157691 h 2270840"/>
+              <a:gd name="connsiteX37" fmla="*/ 3035446 w 12192000"/>
+              <a:gd name="connsiteY37" fmla="*/ 2126863 h 2270840"/>
+              <a:gd name="connsiteX38" fmla="*/ 2647370 w 12192000"/>
+              <a:gd name="connsiteY38" fmla="*/ 2092884 h 2270840"/>
+              <a:gd name="connsiteX39" fmla="*/ 2276487 w 12192000"/>
+              <a:gd name="connsiteY39" fmla="*/ 2057502 h 2270840"/>
+              <a:gd name="connsiteX40" fmla="*/ 1932621 w 12192000"/>
+              <a:gd name="connsiteY40" fmla="*/ 2019319 h 2270840"/>
+              <a:gd name="connsiteX41" fmla="*/ 1609634 w 12192000"/>
+              <a:gd name="connsiteY41" fmla="*/ 1981836 h 2270840"/>
+              <a:gd name="connsiteX42" fmla="*/ 1312435 w 12192000"/>
+              <a:gd name="connsiteY42" fmla="*/ 1944353 h 2270840"/>
+              <a:gd name="connsiteX43" fmla="*/ 1039799 w 12192000"/>
+              <a:gd name="connsiteY43" fmla="*/ 1908972 h 2270840"/>
+              <a:gd name="connsiteX44" fmla="*/ 797865 w 12192000"/>
+              <a:gd name="connsiteY44" fmla="*/ 1875342 h 2270840"/>
+              <a:gd name="connsiteX45" fmla="*/ 579265 w 12192000"/>
+              <a:gd name="connsiteY45" fmla="*/ 1843464 h 2270840"/>
+              <a:gd name="connsiteX46" fmla="*/ 395052 w 12192000"/>
+              <a:gd name="connsiteY46" fmla="*/ 1816841 h 2270840"/>
+              <a:gd name="connsiteX47" fmla="*/ 240312 w 12192000"/>
+              <a:gd name="connsiteY47" fmla="*/ 1791618 h 2270840"/>
+              <a:gd name="connsiteX48" fmla="*/ 27853 w 12192000"/>
+              <a:gd name="connsiteY48" fmla="*/ 1755537 h 2270840"/>
+              <a:gd name="connsiteX49" fmla="*/ 0 w 12192000"/>
+              <a:gd name="connsiteY49" fmla="*/ 1750824 h 2270840"/>
+              <a:gd name="connsiteX50" fmla="*/ 0 w 12192000"/>
+              <a:gd name="connsiteY50" fmla="*/ 744794 h 2270840"/>
+              <a:gd name="connsiteX51" fmla="*/ 0 w 12192000"/>
+              <a:gd name="connsiteY51" fmla="*/ 519831 h 2270840"/>
+            </a:gdLst>
+            <a:ahLst/>
+            <a:cxnLst>
+              <a:cxn ang="0">
+                <a:pos x="connsiteX0" y="connsiteY0"/>
+              </a:cxn>
+              <a:cxn ang="0">
+                <a:pos x="connsiteX1" y="connsiteY1"/>
+              </a:cxn>
+              <a:cxn ang="0">
+                <a:pos x="connsiteX2" y="connsiteY2"/>
+              </a:cxn>
+              <a:cxn ang="0">
+                <a:pos x="connsiteX3" y="connsiteY3"/>
+              </a:cxn>
+              <a:cxn ang="0">
+                <a:pos x="connsiteX4" y="connsiteY4"/>
+              </a:cxn>
+              <a:cxn ang="0">
+                <a:pos x="connsiteX5" y="connsiteY5"/>
+              </a:cxn>
+              <a:cxn ang="0">
+                <a:pos x="connsiteX6" y="connsiteY6"/>
+              </a:cxn>
+              <a:cxn ang="0">
+                <a:pos x="connsiteX7" y="connsiteY7"/>
+              </a:cxn>
+              <a:cxn ang="0">
+                <a:pos x="connsiteX8" y="connsiteY8"/>
+              </a:cxn>
+              <a:cxn ang="0">
+                <a:pos x="connsiteX9" y="connsiteY9"/>
+              </a:cxn>
+              <a:cxn ang="0">
+                <a:pos x="connsiteX10" y="connsiteY10"/>
+              </a:cxn>
+              <a:cxn ang="0">
+                <a:pos x="connsiteX11" y="connsiteY11"/>
+              </a:cxn>
+              <a:cxn ang="0">
+                <a:pos x="connsiteX12" y="connsiteY12"/>
+              </a:cxn>
+              <a:cxn ang="0">
+                <a:pos x="connsiteX13" y="connsiteY13"/>
+              </a:cxn>
+              <a:cxn ang="0">
+                <a:pos x="connsiteX14" y="connsiteY14"/>
+              </a:cxn>
+              <a:cxn ang="0">
+                <a:pos x="connsiteX15" y="connsiteY15"/>
+              </a:cxn>
+              <a:cxn ang="0">
+                <a:pos x="connsiteX16" y="connsiteY16"/>
+              </a:cxn>
+              <a:cxn ang="0">
+                <a:pos x="connsiteX17" y="connsiteY17"/>
+              </a:cxn>
+              <a:cxn ang="0">
+                <a:pos x="connsiteX18" y="connsiteY18"/>
+              </a:cxn>
+              <a:cxn ang="0">
+                <a:pos x="connsiteX19" y="connsiteY19"/>
+              </a:cxn>
+              <a:cxn ang="0">
+                <a:pos x="connsiteX20" y="connsiteY20"/>
+              </a:cxn>
+              <a:cxn ang="0">
+                <a:pos x="connsiteX21" y="connsiteY21"/>
+              </a:cxn>
+              <a:cxn ang="0">
+                <a:pos x="connsiteX22" y="connsiteY22"/>
+              </a:cxn>
+              <a:cxn ang="0">
+                <a:pos x="connsiteX23" y="connsiteY23"/>
+              </a:cxn>
+              <a:cxn ang="0">
+                <a:pos x="connsiteX24" y="connsiteY24"/>
+              </a:cxn>
+              <a:cxn ang="0">
+                <a:pos x="connsiteX25" y="connsiteY25"/>
+              </a:cxn>
+              <a:cxn ang="0">
+                <a:pos x="connsiteX26" y="connsiteY26"/>
+              </a:cxn>
+              <a:cxn ang="0">
+                <a:pos x="connsiteX27" y="connsiteY27"/>
+              </a:cxn>
+              <a:cxn ang="0">
+                <a:pos x="connsiteX28" y="connsiteY28"/>
+              </a:cxn>
+              <a:cxn ang="0">
+                <a:pos x="connsiteX29" y="connsiteY29"/>
+              </a:cxn>
+              <a:cxn ang="0">
+                <a:pos x="connsiteX30" y="connsiteY30"/>
+              </a:cxn>
+              <a:cxn ang="0">
+                <a:pos x="connsiteX31" y="connsiteY31"/>
+              </a:cxn>
+              <a:cxn ang="0">
+                <a:pos x="connsiteX32" y="connsiteY32"/>
+              </a:cxn>
+              <a:cxn ang="0">
+                <a:pos x="connsiteX33" y="connsiteY33"/>
+              </a:cxn>
+              <a:cxn ang="0">
+                <a:pos x="connsiteX34" y="connsiteY34"/>
+              </a:cxn>
+              <a:cxn ang="0">
+                <a:pos x="connsiteX35" y="connsiteY35"/>
+              </a:cxn>
+              <a:cxn ang="0">
+                <a:pos x="connsiteX36" y="connsiteY36"/>
+              </a:cxn>
+              <a:cxn ang="0">
+                <a:pos x="connsiteX37" y="connsiteY37"/>
+              </a:cxn>
+              <a:cxn ang="0">
+                <a:pos x="connsiteX38" y="connsiteY38"/>
+              </a:cxn>
+              <a:cxn ang="0">
+                <a:pos x="connsiteX39" y="connsiteY39"/>
+              </a:cxn>
+              <a:cxn ang="0">
+                <a:pos x="connsiteX40" y="connsiteY40"/>
+              </a:cxn>
+              <a:cxn ang="0">
+                <a:pos x="connsiteX41" y="connsiteY41"/>
+              </a:cxn>
+              <a:cxn ang="0">
+                <a:pos x="connsiteX42" y="connsiteY42"/>
+              </a:cxn>
+              <a:cxn ang="0">
+                <a:pos x="connsiteX43" y="connsiteY43"/>
+              </a:cxn>
+              <a:cxn ang="0">
+                <a:pos x="connsiteX44" y="connsiteY44"/>
+              </a:cxn>
+              <a:cxn ang="0">
+                <a:pos x="connsiteX45" y="connsiteY45"/>
+              </a:cxn>
+              <a:cxn ang="0">
+                <a:pos x="connsiteX46" y="connsiteY46"/>
+              </a:cxn>
+              <a:cxn ang="0">
+                <a:pos x="connsiteX47" y="connsiteY47"/>
+              </a:cxn>
+              <a:cxn ang="0">
+                <a:pos x="connsiteX48" y="connsiteY48"/>
+              </a:cxn>
+              <a:cxn ang="0">
+                <a:pos x="connsiteX49" y="connsiteY49"/>
+              </a:cxn>
+              <a:cxn ang="0">
+                <a:pos x="connsiteX50" y="connsiteY50"/>
+              </a:cxn>
+              <a:cxn ang="0">
+                <a:pos x="connsiteX51" y="connsiteY51"/>
+              </a:cxn>
+            </a:cxnLst>
+            <a:rect l="l" t="t" r="r" b="b"/>
+            <a:pathLst>
+              <a:path w="12192000" h="2270840">
+                <a:moveTo>
+                  <a:pt x="0" y="0"/>
+                </a:moveTo>
+                <a:lnTo>
+                  <a:pt x="12192000" y="0"/>
+                </a:lnTo>
+                <a:lnTo>
+                  <a:pt x="12192000" y="519831"/>
+                </a:lnTo>
+                <a:lnTo>
+                  <a:pt x="12192000" y="744794"/>
+                </a:lnTo>
+                <a:lnTo>
+                  <a:pt x="12192000" y="1754022"/>
+                </a:lnTo>
+                <a:lnTo>
+                  <a:pt x="11957522" y="1797924"/>
+                </a:lnTo>
+                <a:lnTo>
+                  <a:pt x="11679973" y="1847668"/>
+                </a:lnTo>
+                <a:lnTo>
+                  <a:pt x="11401197" y="1896361"/>
+                </a:lnTo>
+                <a:lnTo>
+                  <a:pt x="11121192" y="1938047"/>
+                </a:lnTo>
+                <a:lnTo>
+                  <a:pt x="10842416" y="1980084"/>
+                </a:lnTo>
+                <a:lnTo>
+                  <a:pt x="10562411" y="2019319"/>
+                </a:lnTo>
+                <a:lnTo>
+                  <a:pt x="10286091" y="2052948"/>
+                </a:lnTo>
+                <a:lnTo>
+                  <a:pt x="10006086" y="2084826"/>
+                </a:lnTo>
+                <a:lnTo>
+                  <a:pt x="9727310" y="2113902"/>
+                </a:lnTo>
+                <a:lnTo>
+                  <a:pt x="9453445" y="2139124"/>
+                </a:lnTo>
+                <a:lnTo>
+                  <a:pt x="9175897" y="2164346"/>
+                </a:lnTo>
+                <a:lnTo>
+                  <a:pt x="8902033" y="2185365"/>
+                </a:lnTo>
+                <a:lnTo>
+                  <a:pt x="8628169" y="2201829"/>
+                </a:lnTo>
+                <a:lnTo>
+                  <a:pt x="8355533" y="2218995"/>
+                </a:lnTo>
+                <a:lnTo>
+                  <a:pt x="8085353" y="2233357"/>
+                </a:lnTo>
+                <a:lnTo>
+                  <a:pt x="7817629" y="2243516"/>
+                </a:lnTo>
+                <a:lnTo>
+                  <a:pt x="7549905" y="2252274"/>
+                </a:lnTo>
+                <a:lnTo>
+                  <a:pt x="7284638" y="2260681"/>
+                </a:lnTo>
+                <a:lnTo>
+                  <a:pt x="7023055" y="2264535"/>
+                </a:lnTo>
+                <a:lnTo>
+                  <a:pt x="6761472" y="2268738"/>
+                </a:lnTo>
+                <a:lnTo>
+                  <a:pt x="6503573" y="2270840"/>
+                </a:lnTo>
+                <a:lnTo>
+                  <a:pt x="6248130" y="2268738"/>
+                </a:lnTo>
+                <a:lnTo>
+                  <a:pt x="5995144" y="2268738"/>
+                </a:lnTo>
+                <a:lnTo>
+                  <a:pt x="5744613" y="2264535"/>
+                </a:lnTo>
+                <a:lnTo>
+                  <a:pt x="5498995" y="2258229"/>
+                </a:lnTo>
+                <a:lnTo>
+                  <a:pt x="5255834" y="2252274"/>
+                </a:lnTo>
+                <a:lnTo>
+                  <a:pt x="5017584" y="2245618"/>
+                </a:lnTo>
+                <a:lnTo>
+                  <a:pt x="4780562" y="2235459"/>
+                </a:lnTo>
+                <a:lnTo>
+                  <a:pt x="4547227" y="2224599"/>
+                </a:lnTo>
+                <a:lnTo>
+                  <a:pt x="4318800" y="2214791"/>
+                </a:lnTo>
+                <a:lnTo>
+                  <a:pt x="3873004" y="2187116"/>
+                </a:lnTo>
+                <a:lnTo>
+                  <a:pt x="3445628" y="2157691"/>
+                </a:lnTo>
+                <a:lnTo>
+                  <a:pt x="3035446" y="2126863"/>
+                </a:lnTo>
+                <a:lnTo>
+                  <a:pt x="2647370" y="2092884"/>
+                </a:lnTo>
+                <a:lnTo>
+                  <a:pt x="2276487" y="2057502"/>
+                </a:lnTo>
+                <a:lnTo>
+                  <a:pt x="1932621" y="2019319"/>
+                </a:lnTo>
+                <a:lnTo>
+                  <a:pt x="1609634" y="1981836"/>
+                </a:lnTo>
+                <a:lnTo>
+                  <a:pt x="1312435" y="1944353"/>
+                </a:lnTo>
+                <a:lnTo>
+                  <a:pt x="1039799" y="1908972"/>
+                </a:lnTo>
+                <a:lnTo>
+                  <a:pt x="797865" y="1875342"/>
+                </a:lnTo>
+                <a:lnTo>
+                  <a:pt x="579265" y="1843464"/>
+                </a:lnTo>
+                <a:lnTo>
+                  <a:pt x="395052" y="1816841"/>
+                </a:lnTo>
+                <a:lnTo>
+                  <a:pt x="240312" y="1791618"/>
+                </a:lnTo>
+                <a:lnTo>
+                  <a:pt x="27853" y="1755537"/>
+                </a:lnTo>
+                <a:lnTo>
+                  <a:pt x="0" y="1750824"/>
+                </a:lnTo>
+                <a:lnTo>
+                  <a:pt x="0" y="744794"/>
+                </a:lnTo>
+                <a:lnTo>
+                  <a:pt x="0" y="519831"/>
+                </a:lnTo>
+                <a:close/>
+              </a:path>
+            </a:pathLst>
+          </a:custGeom>
+          <a:ln w="44450">
+            <a:gradFill>
+              <a:gsLst>
+                <a:gs pos="0">
+                  <a:schemeClr val="bg2">
+                    <a:alpha val="65000"/>
+                  </a:schemeClr>
+                </a:gs>
+                <a:gs pos="98000">
+                  <a:schemeClr val="bg2">
+                    <a:lumMod val="75000"/>
+                    <a:alpha val="55000"/>
+                  </a:schemeClr>
+                </a:gs>
+              </a:gsLst>
+              <a:lin ang="5400000" scaled="1"/>
+            </a:gradFill>
+          </a:ln>
+          <a:effectLst>
+            <a:outerShdw blurRad="50800" dist="38100" dir="5400000" algn="t" rotWithShape="0">
+              <a:prstClr val="black">
+                <a:alpha val="50000"/>
+              </a:prstClr>
+            </a:outerShdw>
+          </a:effectLst>
+        </p:spPr>
+        <p:style>
+          <a:lnRef idx="2">
+            <a:schemeClr val="accent1">
+              <a:shade val="50000"/>
+            </a:schemeClr>
+          </a:lnRef>
+          <a:fillRef idx="1003">
+            <a:schemeClr val="dk2"/>
+          </a:fillRef>
+          <a:effectRef idx="0">
+            <a:schemeClr val="accent1"/>
+          </a:effectRef>
+          <a:fontRef idx="minor">
+            <a:schemeClr val="lt1"/>
+          </a:fontRef>
+        </p:style>
+        <p:txBody>
+          <a:bodyPr wrap="square" rtlCol="0" anchor="ctr">
+            <a:noAutofit/>
+          </a:bodyPr>
+          <a:lstStyle/>
+          <a:p>
+            <a:pPr algn="ctr"/>
+            <a:endParaRPr lang="en-US" dirty="0"/>
+          </a:p>
+        </p:txBody>
+      </p:sp>
+      <p:sp>
+        <p:nvSpPr>
+          <p:cNvPr id="2" name="Title 1">
+            <a:extLst>
+              <a:ext uri="{FF2B5EF4-FFF2-40B4-BE49-F238E27FC236}">
+                <a16:creationId xmlns:a16="http://schemas.microsoft.com/office/drawing/2014/main" id="{5A70EDA7-1F25-4772-9771-2300E44218B8}"/>
+              </a:ext>
+            </a:extLst>
+          </p:cNvPr>
+          <p:cNvSpPr>
+            <a:spLocks noGrp="1"/>
+          </p:cNvSpPr>
+          <p:nvPr>
+            <p:ph type="title"/>
+          </p:nvPr>
+        </p:nvSpPr>
+        <p:spPr>
+          <a:xfrm>
+            <a:off x="1141413" y="609600"/>
+            <a:ext cx="9905998" cy="1173480"/>
+          </a:xfrm>
+        </p:spPr>
+        <p:txBody>
+          <a:bodyPr>
+            <a:normAutofit/>
+          </a:bodyPr>
+          <a:lstStyle/>
+          <a:p>
+            <a:pPr algn="ctr"/>
+            <a:r>
+              <a:rPr lang="it-IT" dirty="0">
+                <a:effectLst>
+                  <a:glow rad="38100">
+                    <a:prstClr val="black">
+                      <a:lumMod val="65000"/>
+                      <a:lumOff val="35000"/>
+                      <a:alpha val="40000"/>
+                    </a:prstClr>
+                  </a:glow>
+                  <a:outerShdw blurRad="28575" dist="38100" dir="14040000" algn="tl" rotWithShape="0">
+                    <a:srgbClr val="000000">
+                      <a:alpha val="25000"/>
+                    </a:srgbClr>
+                  </a:outerShdw>
+                </a:effectLst>
+              </a:rPr>
+              <a:t>Obiettivi</a:t>
+            </a:r>
+            <a:endParaRPr lang="it-IT" dirty="0"/>
+          </a:p>
+        </p:txBody>
+      </p:sp>
+      <p:sp>
+        <p:nvSpPr>
+          <p:cNvPr id="3" name="Content Placeholder 2">
+            <a:extLst>
+              <a:ext uri="{FF2B5EF4-FFF2-40B4-BE49-F238E27FC236}">
+                <a16:creationId xmlns:a16="http://schemas.microsoft.com/office/drawing/2014/main" id="{EED73C6E-90E9-4CBB-8A7C-11FF43A837A0}"/>
+              </a:ext>
+            </a:extLst>
+          </p:cNvPr>
+          <p:cNvSpPr>
+            <a:spLocks noGrp="1"/>
+          </p:cNvSpPr>
+          <p:nvPr>
+            <p:ph idx="1"/>
+          </p:nvPr>
+        </p:nvSpPr>
+        <p:spPr>
+          <a:xfrm>
+            <a:off x="1141413" y="2666999"/>
+            <a:ext cx="9905998" cy="3124201"/>
+          </a:xfrm>
+        </p:spPr>
+        <p:txBody>
+          <a:bodyPr>
+            <a:normAutofit/>
+          </a:bodyPr>
+          <a:lstStyle/>
+          <a:p>
+            <a:r>
+              <a:rPr lang="it-IT" dirty="0">
+                <a:effectLst>
+                  <a:glow rad="38100">
+                    <a:prstClr val="black">
+                      <a:lumMod val="50000"/>
+                      <a:lumOff val="50000"/>
+                      <a:alpha val="20000"/>
+                    </a:prstClr>
+                  </a:glow>
+                  <a:outerShdw blurRad="44450" dist="12700" dir="13860000" algn="tl" rotWithShape="0">
+                    <a:srgbClr val="000000">
+                      <a:alpha val="20000"/>
+                    </a:srgbClr>
+                  </a:outerShdw>
+                </a:effectLst>
+              </a:rPr>
+              <a:t>Comparazione e ottimizzazione dell'attuale stato dell'arte sulla speaker verification, su più modelli di machine learning e misurarne le performance</a:t>
+            </a:r>
+          </a:p>
+          <a:p>
+            <a:pPr>
+              <a:buClr>
+                <a:srgbClr val="FFFFFF"/>
+              </a:buClr>
+            </a:pPr>
+            <a:r>
+              <a:rPr lang="it-IT" dirty="0">
+                <a:effectLst>
+                  <a:glow rad="38100">
+                    <a:prstClr val="black">
+                      <a:lumMod val="50000"/>
+                      <a:lumOff val="50000"/>
+                      <a:alpha val="20000"/>
+                    </a:prstClr>
+                  </a:glow>
+                  <a:outerShdw blurRad="44450" dist="12700" dir="13860000" algn="tl" rotWithShape="0">
+                    <a:srgbClr val="000000">
+                      <a:alpha val="20000"/>
+                    </a:srgbClr>
+                  </a:outerShdw>
+                </a:effectLst>
+              </a:rPr>
+              <a:t>Valutazione sulla possibilità di un utilizzo di questa tecnologia in ambito probatorio</a:t>
+            </a:r>
+          </a:p>
+        </p:txBody>
+      </p:sp>
+    </p:spTree>
+    <p:extLst>
+      <p:ext uri="{BB962C8B-B14F-4D97-AF65-F5344CB8AC3E}">
+        <p14:creationId xmlns:p14="http://schemas.microsoft.com/office/powerpoint/2010/main" val="3424013670"/>
+      </p:ext>
+    </p:extLst>
+  </p:cSld>
+  <p:clrMapOvr>
+    <a:masterClrMapping/>
+  </p:clrMapOvr>
+</p:sld>
+</file>
+
+<file path=ppt/slides/slide3.xml><?xml version="1.0" encoding="utf-8"?>
+<p:sld xmlns:a="http://schemas.openxmlformats.org/drawingml/2006/main" xmlns:r="http://schemas.openxmlformats.org/officeDocument/2006/relationships" xmlns:p="http://schemas.openxmlformats.org/presentationml/2006/main">
+  <p:cSld>
+    <p:bg>
+      <p:bgPr>
+        <a:blipFill rotWithShape="1">
+          <a:blip r:embed="rId2">
+            <a:duotone>
+              <a:schemeClr val="bg2">
+                <a:shade val="28000"/>
+                <a:satMod val="94000"/>
+                <a:lumMod val="20000"/>
+              </a:schemeClr>
+              <a:schemeClr val="bg2">
+                <a:tint val="94000"/>
+                <a:shade val="84000"/>
+                <a:satMod val="148000"/>
+                <a:lumMod val="114000"/>
+              </a:schemeClr>
+            </a:duotone>
+          </a:blip>
+          <a:stretch/>
+        </a:blipFill>
+        <a:effectLst/>
+      </p:bgPr>
+    </p:bg>
+    <p:spTree>
+      <p:nvGrpSpPr>
+        <p:cNvPr id="1" name=""/>
+        <p:cNvGrpSpPr/>
+        <p:nvPr/>
+      </p:nvGrpSpPr>
+      <p:grpSpPr>
+        <a:xfrm>
+          <a:off x="0" y="0"/>
+          <a:ext cx="0" cy="0"/>
+          <a:chOff x="0" y="0"/>
+          <a:chExt cx="0" cy="0"/>
+        </a:xfrm>
+      </p:grpSpPr>
+      <p:sp>
+        <p:nvSpPr>
+          <p:cNvPr id="8" name="Rectangle 7">
+            <a:extLst>
+              <a:ext uri="{FF2B5EF4-FFF2-40B4-BE49-F238E27FC236}">
+                <a16:creationId xmlns:a16="http://schemas.microsoft.com/office/drawing/2014/main" id="{5BBD3ED2-B0E6-45A2-ABD5-ECF31BC37C2E}"/>
+              </a:ext>
+              <a:ext uri="{C183D7F6-B498-43B3-948B-1728B52AA6E4}">
+                <adec:decorative xmlns:adec="http://schemas.microsoft.com/office/drawing/2017/decorative" val="1"/>
+              </a:ext>
+            </a:extLst>
+          </p:cNvPr>
+          <p:cNvSpPr>
+            <a:spLocks noGrp="1" noRot="1" noChangeAspect="1" noMove="1" noResize="1" noEditPoints="1" noAdjustHandles="1" noChangeArrowheads="1" noChangeShapeType="1" noTextEdit="1"/>
+          </p:cNvSpPr>
+          <p:nvPr>
+            <p:extLst>
+              <p:ext uri="{386F3935-93C4-4BCD-93E2-E3B085C9AB24}">
+                <p16:designElem xmlns:p16="http://schemas.microsoft.com/office/powerpoint/2015/main" val="1"/>
+              </p:ext>
+            </p:extLst>
+          </p:nvPr>
+        </p:nvSpPr>
+        <p:spPr>
+          <a:xfrm>
+            <a:off x="0" y="0"/>
+            <a:ext cx="12192000" cy="6858000"/>
+          </a:xfrm>
+          <a:prstGeom prst="rect">
+            <a:avLst/>
+          </a:prstGeom>
+          <a:solidFill>
+            <a:schemeClr val="bg2"/>
+          </a:solidFill>
+          <a:ln>
+            <a:noFill/>
+          </a:ln>
+        </p:spPr>
+        <p:style>
+          <a:lnRef idx="2">
+            <a:schemeClr val="accent1">
+              <a:shade val="50000"/>
+            </a:schemeClr>
+          </a:lnRef>
+          <a:fillRef idx="1">
+            <a:schemeClr val="accent1"/>
+          </a:fillRef>
+          <a:effectRef idx="0">
+            <a:schemeClr val="accent1"/>
+          </a:effectRef>
+          <a:fontRef idx="minor">
+            <a:schemeClr val="lt1"/>
+          </a:fontRef>
+        </p:style>
+        <p:txBody>
+          <a:bodyPr rtlCol="0" anchor="ctr"/>
+          <a:lstStyle/>
+          <a:p>
+            <a:pPr algn="ctr"/>
+            <a:endParaRPr lang="en-US" dirty="0"/>
+          </a:p>
+        </p:txBody>
+      </p:sp>
+      <p:sp>
+        <p:nvSpPr>
+          <p:cNvPr id="10" name="Rectangle 9">
+            <a:extLst>
+              <a:ext uri="{FF2B5EF4-FFF2-40B4-BE49-F238E27FC236}">
+                <a16:creationId xmlns:a16="http://schemas.microsoft.com/office/drawing/2014/main" id="{F2D2D1E8-4ABF-4B6B-B39D-40B080B61E49}"/>
+              </a:ext>
+              <a:ext uri="{C183D7F6-B498-43B3-948B-1728B52AA6E4}">
+                <adec:decorative xmlns:adec="http://schemas.microsoft.com/office/drawing/2017/decorative" val="1"/>
+              </a:ext>
+            </a:extLst>
+          </p:cNvPr>
+          <p:cNvSpPr>
+            <a:spLocks noGrp="1" noRot="1" noChangeAspect="1" noMove="1" noResize="1" noEditPoints="1" noAdjustHandles="1" noChangeArrowheads="1" noChangeShapeType="1" noTextEdit="1"/>
+          </p:cNvSpPr>
+          <p:nvPr>
+            <p:extLst>
+              <p:ext uri="{386F3935-93C4-4BCD-93E2-E3B085C9AB24}">
+                <p16:designElem xmlns:p16="http://schemas.microsoft.com/office/powerpoint/2015/main" val="1"/>
+              </p:ext>
+            </p:extLst>
+          </p:nvPr>
+        </p:nvSpPr>
+        <p:spPr>
+          <a:xfrm>
+            <a:off x="763160" y="0"/>
+            <a:ext cx="9369421" cy="6857999"/>
+          </a:xfrm>
+          <a:prstGeom prst="rect">
+            <a:avLst/>
+          </a:prstGeom>
+          <a:gradFill flip="none" rotWithShape="1">
+            <a:gsLst>
+              <a:gs pos="10000">
+                <a:schemeClr val="bg2">
+                  <a:lumMod val="60000"/>
+                  <a:lumOff val="40000"/>
+                  <a:alpha val="40000"/>
+                </a:schemeClr>
+              </a:gs>
+              <a:gs pos="70000">
+                <a:schemeClr val="bg2">
+                  <a:alpha val="0"/>
+                </a:schemeClr>
+              </a:gs>
+              <a:gs pos="0">
+                <a:schemeClr val="bg2">
+                  <a:lumMod val="40000"/>
+                  <a:lumOff val="60000"/>
+                  <a:alpha val="50000"/>
+                </a:schemeClr>
+              </a:gs>
+            </a:gsLst>
+            <a:path path="circle">
+              <a:fillToRect l="50000" t="50000" r="50000" b="50000"/>
+            </a:path>
+            <a:tileRect/>
+          </a:gradFill>
+          <a:ln>
+            <a:noFill/>
+          </a:ln>
+        </p:spPr>
+        <p:style>
+          <a:lnRef idx="2">
+            <a:schemeClr val="accent1">
+              <a:shade val="50000"/>
+            </a:schemeClr>
+          </a:lnRef>
+          <a:fillRef idx="1">
+            <a:schemeClr val="accent1"/>
+          </a:fillRef>
+          <a:effectRef idx="0">
+            <a:schemeClr val="accent1"/>
+          </a:effectRef>
+          <a:fontRef idx="minor">
+            <a:schemeClr val="lt1"/>
+          </a:fontRef>
+        </p:style>
+        <p:txBody>
+          <a:bodyPr rtlCol="0" anchor="ctr"/>
+          <a:lstStyle/>
+          <a:p>
+            <a:pPr algn="ctr"/>
+            <a:endParaRPr lang="en-US" dirty="0"/>
+          </a:p>
+        </p:txBody>
+      </p:sp>
+      <p:sp useBgFill="1">
+        <p:nvSpPr>
+          <p:cNvPr id="12" name="Freeform: Shape 11">
+            <a:extLst>
+              <a:ext uri="{FF2B5EF4-FFF2-40B4-BE49-F238E27FC236}">
+                <a16:creationId xmlns:a16="http://schemas.microsoft.com/office/drawing/2014/main" id="{BC7AB4B5-66A5-48D1-BD88-C60A16ED971B}"/>
+              </a:ext>
+              <a:ext uri="{C183D7F6-B498-43B3-948B-1728B52AA6E4}">
+                <adec:decorative xmlns:adec="http://schemas.microsoft.com/office/drawing/2017/decorative" val="1"/>
+              </a:ext>
+            </a:extLst>
+          </p:cNvPr>
+          <p:cNvSpPr>
+            <a:spLocks noGrp="1" noRot="1" noChangeAspect="1" noMove="1" noResize="1" noEditPoints="1" noAdjustHandles="1" noChangeArrowheads="1" noChangeShapeType="1" noTextEdit="1"/>
+          </p:cNvSpPr>
+          <p:nvPr>
+            <p:extLst>
+              <p:ext uri="{386F3935-93C4-4BCD-93E2-E3B085C9AB24}">
+                <p16:designElem xmlns:p16="http://schemas.microsoft.com/office/powerpoint/2015/main" val="1"/>
+              </p:ext>
+            </p:extLst>
+          </p:nvPr>
+        </p:nvSpPr>
+        <p:spPr>
+          <a:xfrm>
+            <a:off x="0" y="-2"/>
+            <a:ext cx="6088489" cy="6858002"/>
+          </a:xfrm>
+          <a:custGeom>
+            <a:avLst/>
+            <a:gdLst>
+              <a:gd name="connsiteX0" fmla="*/ 0 w 6088489"/>
+              <a:gd name="connsiteY0" fmla="*/ 0 h 6858002"/>
+              <a:gd name="connsiteX1" fmla="*/ 3563332 w 6088489"/>
+              <a:gd name="connsiteY1" fmla="*/ 0 h 6858002"/>
+              <a:gd name="connsiteX2" fmla="*/ 3563332 w 6088489"/>
+              <a:gd name="connsiteY2" fmla="*/ 3 h 6858002"/>
+              <a:gd name="connsiteX3" fmla="*/ 5842099 w 6088489"/>
+              <a:gd name="connsiteY3" fmla="*/ 3 h 6858002"/>
+              <a:gd name="connsiteX4" fmla="*/ 5842099 w 6088489"/>
+              <a:gd name="connsiteY4" fmla="*/ 4 h 6858002"/>
+              <a:gd name="connsiteX5" fmla="*/ 5835346 w 6088489"/>
+              <a:gd name="connsiteY5" fmla="*/ 4 h 6858002"/>
+              <a:gd name="connsiteX6" fmla="*/ 5841229 w 6088489"/>
+              <a:gd name="connsiteY6" fmla="*/ 40466 h 6858002"/>
+              <a:gd name="connsiteX7" fmla="*/ 5858543 w 6088489"/>
+              <a:gd name="connsiteY7" fmla="*/ 159110 h 6858002"/>
+              <a:gd name="connsiteX8" fmla="*/ 5870645 w 6088489"/>
+              <a:gd name="connsiteY8" fmla="*/ 245521 h 6858002"/>
+              <a:gd name="connsiteX9" fmla="*/ 5883420 w 6088489"/>
+              <a:gd name="connsiteY9" fmla="*/ 348391 h 6858002"/>
+              <a:gd name="connsiteX10" fmla="*/ 5898716 w 6088489"/>
+              <a:gd name="connsiteY10" fmla="*/ 470463 h 6858002"/>
+              <a:gd name="connsiteX11" fmla="*/ 5914853 w 6088489"/>
+              <a:gd name="connsiteY11" fmla="*/ 605566 h 6858002"/>
+              <a:gd name="connsiteX12" fmla="*/ 5931830 w 6088489"/>
+              <a:gd name="connsiteY12" fmla="*/ 757813 h 6858002"/>
+              <a:gd name="connsiteX13" fmla="*/ 5949815 w 6088489"/>
+              <a:gd name="connsiteY13" fmla="*/ 923777 h 6858002"/>
+              <a:gd name="connsiteX14" fmla="*/ 5967801 w 6088489"/>
+              <a:gd name="connsiteY14" fmla="*/ 1104142 h 6858002"/>
+              <a:gd name="connsiteX15" fmla="*/ 5986122 w 6088489"/>
+              <a:gd name="connsiteY15" fmla="*/ 1296166 h 6858002"/>
+              <a:gd name="connsiteX16" fmla="*/ 6003099 w 6088489"/>
+              <a:gd name="connsiteY16" fmla="*/ 1503278 h 6858002"/>
+              <a:gd name="connsiteX17" fmla="*/ 6019404 w 6088489"/>
+              <a:gd name="connsiteY17" fmla="*/ 1719991 h 6858002"/>
+              <a:gd name="connsiteX18" fmla="*/ 6034196 w 6088489"/>
+              <a:gd name="connsiteY18" fmla="*/ 1949048 h 6858002"/>
+              <a:gd name="connsiteX19" fmla="*/ 6048315 w 6088489"/>
+              <a:gd name="connsiteY19" fmla="*/ 2187706 h 6858002"/>
+              <a:gd name="connsiteX20" fmla="*/ 6061595 w 6088489"/>
+              <a:gd name="connsiteY20" fmla="*/ 2436652 h 6858002"/>
+              <a:gd name="connsiteX21" fmla="*/ 6066301 w 6088489"/>
+              <a:gd name="connsiteY21" fmla="*/ 2564211 h 6858002"/>
+              <a:gd name="connsiteX22" fmla="*/ 6071512 w 6088489"/>
+              <a:gd name="connsiteY22" fmla="*/ 2694512 h 6858002"/>
+              <a:gd name="connsiteX23" fmla="*/ 6076386 w 6088489"/>
+              <a:gd name="connsiteY23" fmla="*/ 2826871 h 6858002"/>
+              <a:gd name="connsiteX24" fmla="*/ 6079580 w 6088489"/>
+              <a:gd name="connsiteY24" fmla="*/ 2959917 h 6858002"/>
+              <a:gd name="connsiteX25" fmla="*/ 6082438 w 6088489"/>
+              <a:gd name="connsiteY25" fmla="*/ 3095705 h 6858002"/>
+              <a:gd name="connsiteX26" fmla="*/ 6085463 w 6088489"/>
+              <a:gd name="connsiteY26" fmla="*/ 3232865 h 6858002"/>
+              <a:gd name="connsiteX27" fmla="*/ 6087480 w 6088489"/>
+              <a:gd name="connsiteY27" fmla="*/ 3372768 h 6858002"/>
+              <a:gd name="connsiteX28" fmla="*/ 6087480 w 6088489"/>
+              <a:gd name="connsiteY28" fmla="*/ 3514043 h 6858002"/>
+              <a:gd name="connsiteX29" fmla="*/ 6088489 w 6088489"/>
+              <a:gd name="connsiteY29" fmla="*/ 3656689 h 6858002"/>
+              <a:gd name="connsiteX30" fmla="*/ 6087480 w 6088489"/>
+              <a:gd name="connsiteY30" fmla="*/ 3800707 h 6858002"/>
+              <a:gd name="connsiteX31" fmla="*/ 6085463 w 6088489"/>
+              <a:gd name="connsiteY31" fmla="*/ 3946783 h 6858002"/>
+              <a:gd name="connsiteX32" fmla="*/ 6083614 w 6088489"/>
+              <a:gd name="connsiteY32" fmla="*/ 4092858 h 6858002"/>
+              <a:gd name="connsiteX33" fmla="*/ 6079580 w 6088489"/>
+              <a:gd name="connsiteY33" fmla="*/ 4240991 h 6858002"/>
+              <a:gd name="connsiteX34" fmla="*/ 6075378 w 6088489"/>
+              <a:gd name="connsiteY34" fmla="*/ 4390495 h 6858002"/>
+              <a:gd name="connsiteX35" fmla="*/ 6070503 w 6088489"/>
+              <a:gd name="connsiteY35" fmla="*/ 4540000 h 6858002"/>
+              <a:gd name="connsiteX36" fmla="*/ 6063612 w 6088489"/>
+              <a:gd name="connsiteY36" fmla="*/ 4690876 h 6858002"/>
+              <a:gd name="connsiteX37" fmla="*/ 6055375 w 6088489"/>
+              <a:gd name="connsiteY37" fmla="*/ 4843123 h 6858002"/>
+              <a:gd name="connsiteX38" fmla="*/ 6047475 w 6088489"/>
+              <a:gd name="connsiteY38" fmla="*/ 4996057 h 6858002"/>
+              <a:gd name="connsiteX39" fmla="*/ 6037390 w 6088489"/>
+              <a:gd name="connsiteY39" fmla="*/ 5148990 h 6858002"/>
+              <a:gd name="connsiteX40" fmla="*/ 6025287 w 6088489"/>
+              <a:gd name="connsiteY40" fmla="*/ 5303981 h 6858002"/>
+              <a:gd name="connsiteX41" fmla="*/ 6013185 w 6088489"/>
+              <a:gd name="connsiteY41" fmla="*/ 5456914 h 6858002"/>
+              <a:gd name="connsiteX42" fmla="*/ 5999233 w 6088489"/>
+              <a:gd name="connsiteY42" fmla="*/ 5612591 h 6858002"/>
+              <a:gd name="connsiteX43" fmla="*/ 5983937 w 6088489"/>
+              <a:gd name="connsiteY43" fmla="*/ 5768953 h 6858002"/>
+              <a:gd name="connsiteX44" fmla="*/ 5967801 w 6088489"/>
+              <a:gd name="connsiteY44" fmla="*/ 5923258 h 6858002"/>
+              <a:gd name="connsiteX45" fmla="*/ 5948975 w 6088489"/>
+              <a:gd name="connsiteY45" fmla="*/ 6079621 h 6858002"/>
+              <a:gd name="connsiteX46" fmla="*/ 5928804 w 6088489"/>
+              <a:gd name="connsiteY46" fmla="*/ 6235297 h 6858002"/>
+              <a:gd name="connsiteX47" fmla="*/ 5908801 w 6088489"/>
+              <a:gd name="connsiteY47" fmla="*/ 6391660 h 6858002"/>
+              <a:gd name="connsiteX48" fmla="*/ 5885437 w 6088489"/>
+              <a:gd name="connsiteY48" fmla="*/ 6547336 h 6858002"/>
+              <a:gd name="connsiteX49" fmla="*/ 5861568 w 6088489"/>
+              <a:gd name="connsiteY49" fmla="*/ 6702327 h 6858002"/>
+              <a:gd name="connsiteX50" fmla="*/ 5836524 w 6088489"/>
+              <a:gd name="connsiteY50" fmla="*/ 6858002 h 6858002"/>
+              <a:gd name="connsiteX51" fmla="*/ 3563332 w 6088489"/>
+              <a:gd name="connsiteY51" fmla="*/ 6858002 h 6858002"/>
+              <a:gd name="connsiteX52" fmla="*/ 1223490 w 6088489"/>
+              <a:gd name="connsiteY52" fmla="*/ 6858002 h 6858002"/>
+              <a:gd name="connsiteX53" fmla="*/ 0 w 6088489"/>
+              <a:gd name="connsiteY53" fmla="*/ 6858002 h 6858002"/>
+            </a:gdLst>
+            <a:ahLst/>
+            <a:cxnLst>
+              <a:cxn ang="0">
+                <a:pos x="connsiteX0" y="connsiteY0"/>
+              </a:cxn>
+              <a:cxn ang="0">
+                <a:pos x="connsiteX1" y="connsiteY1"/>
+              </a:cxn>
+              <a:cxn ang="0">
+                <a:pos x="connsiteX2" y="connsiteY2"/>
+              </a:cxn>
+              <a:cxn ang="0">
+                <a:pos x="connsiteX3" y="connsiteY3"/>
+              </a:cxn>
+              <a:cxn ang="0">
+                <a:pos x="connsiteX4" y="connsiteY4"/>
+              </a:cxn>
+              <a:cxn ang="0">
+                <a:pos x="connsiteX5" y="connsiteY5"/>
+              </a:cxn>
+              <a:cxn ang="0">
+                <a:pos x="connsiteX6" y="connsiteY6"/>
+              </a:cxn>
+              <a:cxn ang="0">
+                <a:pos x="connsiteX7" y="connsiteY7"/>
+              </a:cxn>
+              <a:cxn ang="0">
+                <a:pos x="connsiteX8" y="connsiteY8"/>
+              </a:cxn>
+              <a:cxn ang="0">
+                <a:pos x="connsiteX9" y="connsiteY9"/>
+              </a:cxn>
+              <a:cxn ang="0">
+                <a:pos x="connsiteX10" y="connsiteY10"/>
+              </a:cxn>
+              <a:cxn ang="0">
+                <a:pos x="connsiteX11" y="connsiteY11"/>
+              </a:cxn>
+              <a:cxn ang="0">
+                <a:pos x="connsiteX12" y="connsiteY12"/>
+              </a:cxn>
+              <a:cxn ang="0">
+                <a:pos x="connsiteX13" y="connsiteY13"/>
+              </a:cxn>
+              <a:cxn ang="0">
+                <a:pos x="connsiteX14" y="connsiteY14"/>
+              </a:cxn>
+              <a:cxn ang="0">
+                <a:pos x="connsiteX15" y="connsiteY15"/>
+              </a:cxn>
+              <a:cxn ang="0">
+                <a:pos x="connsiteX16" y="connsiteY16"/>
+              </a:cxn>
+              <a:cxn ang="0">
+                <a:pos x="connsiteX17" y="connsiteY17"/>
+              </a:cxn>
+              <a:cxn ang="0">
+                <a:pos x="connsiteX18" y="connsiteY18"/>
+              </a:cxn>
+              <a:cxn ang="0">
+                <a:pos x="connsiteX19" y="connsiteY19"/>
+              </a:cxn>
+              <a:cxn ang="0">
+                <a:pos x="connsiteX20" y="connsiteY20"/>
+              </a:cxn>
+              <a:cxn ang="0">
+                <a:pos x="connsiteX21" y="connsiteY21"/>
+              </a:cxn>
+              <a:cxn ang="0">
+                <a:pos x="connsiteX22" y="connsiteY22"/>
+              </a:cxn>
+              <a:cxn ang="0">
+                <a:pos x="connsiteX23" y="connsiteY23"/>
+              </a:cxn>
+              <a:cxn ang="0">
+                <a:pos x="connsiteX24" y="connsiteY24"/>
+              </a:cxn>
+              <a:cxn ang="0">
+                <a:pos x="connsiteX25" y="connsiteY25"/>
+              </a:cxn>
+              <a:cxn ang="0">
+                <a:pos x="connsiteX26" y="connsiteY26"/>
+              </a:cxn>
+              <a:cxn ang="0">
+                <a:pos x="connsiteX27" y="connsiteY27"/>
+              </a:cxn>
+              <a:cxn ang="0">
+                <a:pos x="connsiteX28" y="connsiteY28"/>
+              </a:cxn>
+              <a:cxn ang="0">
+                <a:pos x="connsiteX29" y="connsiteY29"/>
+              </a:cxn>
+              <a:cxn ang="0">
+                <a:pos x="connsiteX30" y="connsiteY30"/>
+              </a:cxn>
+              <a:cxn ang="0">
+                <a:pos x="connsiteX31" y="connsiteY31"/>
+              </a:cxn>
+              <a:cxn ang="0">
+                <a:pos x="connsiteX32" y="connsiteY32"/>
+              </a:cxn>
+              <a:cxn ang="0">
+                <a:pos x="connsiteX33" y="connsiteY33"/>
+              </a:cxn>
+              <a:cxn ang="0">
+                <a:pos x="connsiteX34" y="connsiteY34"/>
+              </a:cxn>
+              <a:cxn ang="0">
+                <a:pos x="connsiteX35" y="connsiteY35"/>
+              </a:cxn>
+              <a:cxn ang="0">
+                <a:pos x="connsiteX36" y="connsiteY36"/>
+              </a:cxn>
+              <a:cxn ang="0">
+                <a:pos x="connsiteX37" y="connsiteY37"/>
+              </a:cxn>
+              <a:cxn ang="0">
+                <a:pos x="connsiteX38" y="connsiteY38"/>
+              </a:cxn>
+              <a:cxn ang="0">
+                <a:pos x="connsiteX39" y="connsiteY39"/>
+              </a:cxn>
+              <a:cxn ang="0">
+                <a:pos x="connsiteX40" y="connsiteY40"/>
+              </a:cxn>
+              <a:cxn ang="0">
+                <a:pos x="connsiteX41" y="connsiteY41"/>
+              </a:cxn>
+              <a:cxn ang="0">
+                <a:pos x="connsiteX42" y="connsiteY42"/>
+              </a:cxn>
+              <a:cxn ang="0">
+                <a:pos x="connsiteX43" y="connsiteY43"/>
+              </a:cxn>
+              <a:cxn ang="0">
+                <a:pos x="connsiteX44" y="connsiteY44"/>
+              </a:cxn>
+              <a:cxn ang="0">
+                <a:pos x="connsiteX45" y="connsiteY45"/>
+              </a:cxn>
+              <a:cxn ang="0">
+                <a:pos x="connsiteX46" y="connsiteY46"/>
+              </a:cxn>
+              <a:cxn ang="0">
+                <a:pos x="connsiteX47" y="connsiteY47"/>
+              </a:cxn>
+              <a:cxn ang="0">
+                <a:pos x="connsiteX48" y="connsiteY48"/>
+              </a:cxn>
+              <a:cxn ang="0">
+                <a:pos x="connsiteX49" y="connsiteY49"/>
+              </a:cxn>
+              <a:cxn ang="0">
+                <a:pos x="connsiteX50" y="connsiteY50"/>
+              </a:cxn>
+              <a:cxn ang="0">
+                <a:pos x="connsiteX51" y="connsiteY51"/>
+              </a:cxn>
+              <a:cxn ang="0">
+                <a:pos x="connsiteX52" y="connsiteY52"/>
+              </a:cxn>
+              <a:cxn ang="0">
+                <a:pos x="connsiteX53" y="connsiteY53"/>
+              </a:cxn>
+            </a:cxnLst>
+            <a:rect l="l" t="t" r="r" b="b"/>
+            <a:pathLst>
+              <a:path w="6088489" h="6858002">
+                <a:moveTo>
+                  <a:pt x="0" y="0"/>
+                </a:moveTo>
+                <a:lnTo>
+                  <a:pt x="3563332" y="0"/>
+                </a:lnTo>
+                <a:lnTo>
+                  <a:pt x="3563332" y="3"/>
+                </a:lnTo>
+                <a:lnTo>
+                  <a:pt x="5842099" y="3"/>
+                </a:lnTo>
+                <a:lnTo>
+                  <a:pt x="5842099" y="4"/>
+                </a:lnTo>
+                <a:lnTo>
+                  <a:pt x="5835346" y="4"/>
+                </a:lnTo>
+                <a:lnTo>
+                  <a:pt x="5841229" y="40466"/>
+                </a:lnTo>
+                <a:lnTo>
+                  <a:pt x="5858543" y="159110"/>
+                </a:lnTo>
+                <a:lnTo>
+                  <a:pt x="5870645" y="245521"/>
+                </a:lnTo>
+                <a:lnTo>
+                  <a:pt x="5883420" y="348391"/>
+                </a:lnTo>
+                <a:lnTo>
+                  <a:pt x="5898716" y="470463"/>
+                </a:lnTo>
+                <a:lnTo>
+                  <a:pt x="5914853" y="605566"/>
+                </a:lnTo>
+                <a:lnTo>
+                  <a:pt x="5931830" y="757813"/>
+                </a:lnTo>
+                <a:lnTo>
+                  <a:pt x="5949815" y="923777"/>
+                </a:lnTo>
+                <a:lnTo>
+                  <a:pt x="5967801" y="1104142"/>
+                </a:lnTo>
+                <a:lnTo>
+                  <a:pt x="5986122" y="1296166"/>
+                </a:lnTo>
+                <a:lnTo>
+                  <a:pt x="6003099" y="1503278"/>
+                </a:lnTo>
+                <a:lnTo>
+                  <a:pt x="6019404" y="1719991"/>
+                </a:lnTo>
+                <a:lnTo>
+                  <a:pt x="6034196" y="1949048"/>
+                </a:lnTo>
+                <a:lnTo>
+                  <a:pt x="6048315" y="2187706"/>
+                </a:lnTo>
+                <a:lnTo>
+                  <a:pt x="6061595" y="2436652"/>
+                </a:lnTo>
+                <a:lnTo>
+                  <a:pt x="6066301" y="2564211"/>
+                </a:lnTo>
+                <a:lnTo>
+                  <a:pt x="6071512" y="2694512"/>
+                </a:lnTo>
+                <a:lnTo>
+                  <a:pt x="6076386" y="2826871"/>
+                </a:lnTo>
+                <a:lnTo>
+                  <a:pt x="6079580" y="2959917"/>
+                </a:lnTo>
+                <a:lnTo>
+                  <a:pt x="6082438" y="3095705"/>
+                </a:lnTo>
+                <a:lnTo>
+                  <a:pt x="6085463" y="3232865"/>
+                </a:lnTo>
+                <a:lnTo>
+                  <a:pt x="6087480" y="3372768"/>
+                </a:lnTo>
+                <a:lnTo>
+                  <a:pt x="6087480" y="3514043"/>
+                </a:lnTo>
+                <a:lnTo>
+                  <a:pt x="6088489" y="3656689"/>
+                </a:lnTo>
+                <a:lnTo>
+                  <a:pt x="6087480" y="3800707"/>
+                </a:lnTo>
+                <a:lnTo>
+                  <a:pt x="6085463" y="3946783"/>
+                </a:lnTo>
+                <a:lnTo>
+                  <a:pt x="6083614" y="4092858"/>
+                </a:lnTo>
+                <a:lnTo>
+                  <a:pt x="6079580" y="4240991"/>
+                </a:lnTo>
+                <a:lnTo>
+                  <a:pt x="6075378" y="4390495"/>
+                </a:lnTo>
+                <a:lnTo>
+                  <a:pt x="6070503" y="4540000"/>
+                </a:lnTo>
+                <a:lnTo>
+                  <a:pt x="6063612" y="4690876"/>
+                </a:lnTo>
+                <a:lnTo>
+                  <a:pt x="6055375" y="4843123"/>
+                </a:lnTo>
+                <a:lnTo>
+                  <a:pt x="6047475" y="4996057"/>
+                </a:lnTo>
+                <a:lnTo>
+                  <a:pt x="6037390" y="5148990"/>
+                </a:lnTo>
+                <a:lnTo>
+                  <a:pt x="6025287" y="5303981"/>
+                </a:lnTo>
+                <a:lnTo>
+                  <a:pt x="6013185" y="5456914"/>
+                </a:lnTo>
+                <a:lnTo>
+                  <a:pt x="5999233" y="5612591"/>
+                </a:lnTo>
+                <a:lnTo>
+                  <a:pt x="5983937" y="5768953"/>
+                </a:lnTo>
+                <a:lnTo>
+                  <a:pt x="5967801" y="5923258"/>
+                </a:lnTo>
+                <a:lnTo>
+                  <a:pt x="5948975" y="6079621"/>
+                </a:lnTo>
+                <a:lnTo>
+                  <a:pt x="5928804" y="6235297"/>
+                </a:lnTo>
+                <a:lnTo>
+                  <a:pt x="5908801" y="6391660"/>
+                </a:lnTo>
+                <a:lnTo>
+                  <a:pt x="5885437" y="6547336"/>
+                </a:lnTo>
+                <a:lnTo>
+                  <a:pt x="5861568" y="6702327"/>
+                </a:lnTo>
+                <a:lnTo>
+                  <a:pt x="5836524" y="6858002"/>
+                </a:lnTo>
+                <a:lnTo>
+                  <a:pt x="3563332" y="6858002"/>
+                </a:lnTo>
+                <a:lnTo>
+                  <a:pt x="1223490" y="6858002"/>
+                </a:lnTo>
+                <a:lnTo>
+                  <a:pt x="0" y="6858002"/>
+                </a:lnTo>
+                <a:close/>
+              </a:path>
+            </a:pathLst>
+          </a:custGeom>
+          <a:ln w="44450">
+            <a:gradFill>
+              <a:gsLst>
+                <a:gs pos="5000">
+                  <a:schemeClr val="bg2">
+                    <a:alpha val="65000"/>
+                  </a:schemeClr>
+                </a:gs>
+                <a:gs pos="98000">
+                  <a:schemeClr val="bg2">
+                    <a:lumMod val="75000"/>
+                    <a:alpha val="55000"/>
+                  </a:schemeClr>
+                </a:gs>
+              </a:gsLst>
+              <a:lin ang="5400000" scaled="1"/>
+            </a:gradFill>
+          </a:ln>
+          <a:effectLst>
+            <a:outerShdw blurRad="50800" dist="25400" algn="l" rotWithShape="0">
+              <a:prstClr val="black">
+                <a:alpha val="60000"/>
+              </a:prstClr>
+            </a:outerShdw>
+          </a:effectLst>
+        </p:spPr>
+        <p:style>
+          <a:lnRef idx="2">
+            <a:schemeClr val="accent1">
+              <a:shade val="50000"/>
+            </a:schemeClr>
+          </a:lnRef>
+          <a:fillRef idx="1">
+            <a:schemeClr val="accent1"/>
+          </a:fillRef>
+          <a:effectRef idx="0">
+            <a:schemeClr val="accent1"/>
+          </a:effectRef>
+          <a:fontRef idx="minor">
+            <a:schemeClr val="lt1"/>
+          </a:fontRef>
+        </p:style>
+        <p:txBody>
+          <a:bodyPr rtlCol="0" anchor="ctr"/>
+          <a:lstStyle/>
+          <a:p>
+            <a:pPr algn="ctr"/>
             <a:endParaRPr lang="en-US" dirty="0"/>
           </a:p>
         </p:txBody>
@@ -15285,7 +16748,7 @@
         </p:blipFill>
         <p:spPr>
           <a:xfrm>
-            <a:off x="7848617" y="911502"/>
+            <a:off x="7455212" y="464432"/>
             <a:ext cx="3113988" cy="2964568"/>
           </a:xfrm>
           <a:prstGeom prst="rect">
@@ -15357,7 +16820,7 @@
         </p:blipFill>
         <p:spPr>
           <a:xfrm>
-            <a:off x="6291623" y="3806876"/>
+            <a:off x="6695442" y="3788667"/>
             <a:ext cx="3113988" cy="2603532"/>
           </a:xfrm>
           <a:prstGeom prst="rect">
@@ -16985,12 +18448,6 @@
 </file>
 
 <file path=customXml/item1.xml><?xml version="1.0" encoding="utf-8"?>
-<p:properties xmlns:p="http://schemas.microsoft.com/office/2006/metadata/properties" xmlns:xsi="http://www.w3.org/2001/XMLSchema-instance" xmlns:pc="http://schemas.microsoft.com/office/infopath/2007/PartnerControls">
-  <documentManagement/>
-</p:properties>
-</file>
-
-<file path=customXml/item2.xml><?xml version="1.0" encoding="utf-8"?>
 <ct:contentTypeSchema xmlns:ct="http://schemas.microsoft.com/office/2006/metadata/contentType" xmlns:ma="http://schemas.microsoft.com/office/2006/metadata/properties/metaAttributes" ct:_="" ma:_="" ma:contentTypeName="Document" ma:contentTypeID="0x010100A3D4D41B7235C04E835EF2B50CA1FBAD" ma:contentTypeVersion="4" ma:contentTypeDescription="Create a new document." ma:contentTypeScope="" ma:versionID="243517b39ca04d84bed70313c371401f">
   <xsd:schema xmlns:xsd="http://www.w3.org/2001/XMLSchema" xmlns:xs="http://www.w3.org/2001/XMLSchema" xmlns:p="http://schemas.microsoft.com/office/2006/metadata/properties" xmlns:ns3="dbda0fc6-3c13-48b8-b10e-930e7a47ceb9" targetNamespace="http://schemas.microsoft.com/office/2006/metadata/properties" ma:root="true" ma:fieldsID="6d20852113e358c23b4e3cd17de032bf" ns3:_="">
     <xsd:import namespace="dbda0fc6-3c13-48b8-b10e-930e7a47ceb9"/>
@@ -17136,6 +18593,12 @@
 </ct:contentTypeSchema>
 </file>
 
+<file path=customXml/item2.xml><?xml version="1.0" encoding="utf-8"?>
+<p:properties xmlns:p="http://schemas.microsoft.com/office/2006/metadata/properties" xmlns:xsi="http://www.w3.org/2001/XMLSchema-instance" xmlns:pc="http://schemas.microsoft.com/office/infopath/2007/PartnerControls">
+  <documentManagement/>
+</p:properties>
+</file>
+
 <file path=customXml/item3.xml><?xml version="1.0" encoding="utf-8"?>
 <?mso-contentType ?>
 <FormTemplates xmlns="http://schemas.microsoft.com/sharepoint/v3/contenttype/forms">
@@ -17146,22 +18609,6 @@
 </file>
 
 <file path=customXml/itemProps1.xml><?xml version="1.0" encoding="utf-8"?>
-<ds:datastoreItem xmlns:ds="http://schemas.openxmlformats.org/officeDocument/2006/customXml" ds:itemID="{84D51D2E-896C-4BD2-8DCE-D63C536AE556}">
-  <ds:schemaRefs>
-    <ds:schemaRef ds:uri="http://schemas.openxmlformats.org/package/2006/metadata/core-properties"/>
-    <ds:schemaRef ds:uri="http://schemas.microsoft.com/office/infopath/2007/PartnerControls"/>
-    <ds:schemaRef ds:uri="http://purl.org/dc/elements/1.1/"/>
-    <ds:schemaRef ds:uri="http://purl.org/dc/dcmitype/"/>
-    <ds:schemaRef ds:uri="http://schemas.microsoft.com/office/2006/documentManagement/types"/>
-    <ds:schemaRef ds:uri="http://www.w3.org/XML/1998/namespace"/>
-    <ds:schemaRef ds:uri="dbda0fc6-3c13-48b8-b10e-930e7a47ceb9"/>
-    <ds:schemaRef ds:uri="http://schemas.microsoft.com/office/2006/metadata/properties"/>
-    <ds:schemaRef ds:uri="http://purl.org/dc/terms/"/>
-  </ds:schemaRefs>
-</ds:datastoreItem>
-</file>
-
-<file path=customXml/itemProps2.xml><?xml version="1.0" encoding="utf-8"?>
 <ds:datastoreItem xmlns:ds="http://schemas.openxmlformats.org/officeDocument/2006/customXml" ds:itemID="{89538E6B-1F74-4306-878A-84A6AEB8C109}">
   <ds:schemaRefs>
     <ds:schemaRef ds:uri="http://schemas.microsoft.com/office/2006/metadata/contentType"/>
@@ -17179,6 +18626,22 @@
 </ds:datastoreItem>
 </file>
 
+<file path=customXml/itemProps2.xml><?xml version="1.0" encoding="utf-8"?>
+<ds:datastoreItem xmlns:ds="http://schemas.openxmlformats.org/officeDocument/2006/customXml" ds:itemID="{84D51D2E-896C-4BD2-8DCE-D63C536AE556}">
+  <ds:schemaRefs>
+    <ds:schemaRef ds:uri="http://schemas.openxmlformats.org/package/2006/metadata/core-properties"/>
+    <ds:schemaRef ds:uri="http://schemas.microsoft.com/office/infopath/2007/PartnerControls"/>
+    <ds:schemaRef ds:uri="http://purl.org/dc/elements/1.1/"/>
+    <ds:schemaRef ds:uri="http://purl.org/dc/dcmitype/"/>
+    <ds:schemaRef ds:uri="http://schemas.microsoft.com/office/2006/documentManagement/types"/>
+    <ds:schemaRef ds:uri="http://www.w3.org/XML/1998/namespace"/>
+    <ds:schemaRef ds:uri="dbda0fc6-3c13-48b8-b10e-930e7a47ceb9"/>
+    <ds:schemaRef ds:uri="http://schemas.microsoft.com/office/2006/metadata/properties"/>
+    <ds:schemaRef ds:uri="http://purl.org/dc/terms/"/>
+  </ds:schemaRefs>
+</ds:datastoreItem>
+</file>
+
 <file path=customXml/itemProps3.xml><?xml version="1.0" encoding="utf-8"?>
 <ds:datastoreItem xmlns:ds="http://schemas.openxmlformats.org/officeDocument/2006/customXml" ds:itemID="{6AE3E7DE-0A90-4123-AEA8-572351C3B59E}">
   <ds:schemaRefs>
